--- a/source/theorie/diagrammes-classes.pptx
+++ b/source/theorie/diagrammes-classes.pptx
@@ -8,7 +8,11 @@
     <p:sldId id="258" r:id="rId2"/>
     <p:sldId id="256" r:id="rId3"/>
     <p:sldId id="257" r:id="rId4"/>
-    <p:sldId id="259" r:id="rId5"/>
+    <p:sldId id="260" r:id="rId5"/>
+    <p:sldId id="261" r:id="rId6"/>
+    <p:sldId id="263" r:id="rId7"/>
+    <p:sldId id="262" r:id="rId8"/>
+    <p:sldId id="259" r:id="rId9"/>
   </p:sldIdLst>
   <p:sldSz cx="9144000" cy="5143500" type="screen16x9"/>
   <p:notesSz cx="6858000" cy="9144000"/>
@@ -109,7 +113,18 @@
   </p:defaultTextStyle>
   <p:extLst>
     <p:ext uri="{EFAFB233-063F-42B5-8137-9DF3F51BA10A}">
-      <p15:sldGuideLst xmlns:p15="http://schemas.microsoft.com/office/powerpoint/2012/main" xmlns=""/>
+      <p15:sldGuideLst xmlns:p15="http://schemas.microsoft.com/office/powerpoint/2012/main">
+        <p15:guide id="1" orient="horz" pos="1620">
+          <p15:clr>
+            <a:srgbClr val="A4A3A4"/>
+          </p15:clr>
+        </p15:guide>
+        <p15:guide id="2" pos="2880">
+          <p15:clr>
+            <a:srgbClr val="A4A3A4"/>
+          </p15:clr>
+        </p15:guide>
+      </p15:sldGuideLst>
     </p:ext>
   </p:extLst>
 </p:presentation>
@@ -382,7 +397,7 @@
           </inkml:annotationXML>
           <inkml:trace contextRef="#ctx0" brushRef="#br0">79-8 32 0,'0'0'17'0,"-9"24"-6"15,6 0-5-15,-3 9-4 16,-3 10-1-16,3 6-1 16,-1 5 0-16,-2-2-2 15,2 0-2-15,-1-5-2 16,0-9-3-16,3-10-5 15,3-15-4-15,2-13 3 16,0 0 15-16</inkml:trace>
           <inkml:trace contextRef="#ctx0" brushRef="#br0" timeOffset="656.3083">273 90 20 0,'8'-13'13'0,"-8"13"-5"0,0 0-4 16,0 0 0-16,0 0-2 15,0 0 1-15,0 0-1 16,0 0 2-16,-10-14 2 16,10 14 2-16,0 0 3 15,-14-14 1-15,14 14-1 16,-13-3 1-16,13 3-1 15,-20 6-1-15,20-6-3 16,-24 18-2-16,13-4-2 16,-3 4-2-16,5 0 0 15,0 1 0-15,5-1 0 16,4 0 0-16,5-3 0 0,5-3 0 16,6-2 0-16,3-6 0 15,2 0 1-15,2 0-1 16,1 1 1-16,-4-2 0 15,-2 2 0-15,-5 2-1 16,-13-7 0-16,13 21 0 16,-16-9 0-16,-7 2 0 15,-6 0-1-15,-5 1 0 16,-1 1 0-16,-5-3 0 16,-1-3 0-16,4-2 1 15,0 2-1-15,4-3 0 16,4-3 0-16,16-4 0 15,-20 0-6-15,20 0-11 0,0 0-9 16,0 0-9-16,0 0 0 16,20-9-2-16,-8 12 14 15</inkml:trace>
-          <inkml:trace contextRef="#ctx0" brushRef="#br0" timeOffset="1076.5539">541 309 52 0,'-19'6'32'0,"19"-6"-4"16,-17 2-7-16,17-2-5 16,0 0 0-16,0 0-4 15,17-2-16-15,7-1-14 16,-2-2-11-16,8 0-6 0,6 1 0 16,-2 1-2-16,2 3 19 15</inkml:trace>
+          <inkml:trace contextRef="#ctx0" brushRef="#br0" timeOffset="1076.5538">541 309 52 0,'-19'6'32'0,"19"-6"-4"16,-17 2-7-16,17-2-5 16,0 0 0-16,0 0-4 15,17-2-16-15,7-1-14 16,-2-2-11-16,8 0-6 0,6 1 0 16,-2 1-2-16,2 3 19 15</inkml:trace>
           <inkml:trace contextRef="#ctx0" brushRef="#br0" timeOffset="1599.7154">1001 439 69 0,'-3'-13'34'16,"8"-1"-1"-16,3-10-11 15,3-2-6-15,6-8-4 16,7-5-7-16,2-3-4 16,2-1-1-16,1-1 0 15,0 3 0-15,-1 2 0 0,-1 4 0 16,-8 5 1-16,-1 10-2 16,-6 5 1-16,-12 15 0 15,13-10-1-15,-13 10 0 16,-7 21 1-16,4 0-1 15,0 11 0-15,-7 6 0 16,5 6 0-16,2 5 1 16,3 0 0-16,6-2 0 15,0-2 0-15,-2-7 0 16,4-5-9-16,2-11-8 16,0-4-5-16,-10-18-8 15,0 0-4-15,0 0-2 16,0 0 0-16,0 0 35 0</inkml:trace>
           <inkml:trace contextRef="#ctx0" brushRef="#br0" timeOffset="1842.0664">991 304 35 0,'15'-9'20'15,"-3"6"-7"-15,7 0-8 0,7 1-5 16,0-1-7-16,0 2-10 16,5-2-4-1,0 4-1-15,-2-2 17 16,-3 5 5-16</inkml:trace>
         </inkml:traceGroup>
@@ -394,7 +409,7 @@
               </emma:interpretation>
             </emma:emma>
           </inkml:annotationXML>
-          <inkml:trace contextRef="#ctx0" brushRef="#br1" timeOffset="284358.6619">5982 1131 47 0,'0'0'20'0,"0"0"-1"16,0 0-5-16,0 0-8 15,0 0-5-15,3-14-6 16,-3 14-3-16,0 0-2 16,7-19 0-16,-7 19 0 15,8-18 2-15,-8 18 3 16,2-21 3-16,-2 21 6 0,0-21 3 15,0 21 3-15,-5-12 0 16,5 12-1-16,0 0 0 16,-15-16-2-16,15 16-5 15,-13-7-6-15,13 7-6 16,0 0-5-16,-17-12-2 16,17 12-2-16,0 0 0 15,-14-17 3-15,14 17 10 16,-13-8 6-16,13 8 0 15,-13-7 0-15,13 7 9 16,-18-6 4-16,18 6 1 16,-19-8-2-16,19 8-3 15,-12-10-6-15,12 10-5 0,-7-15-5 16,7 15-4-16,-3-16-1 16,3 16 0-16,3-18 0 15,-3 18 8-15,-6-13 4 16,6 13 0-16,-14-8 8 15,14 8 8-15,-23-8 4 16,7 7 1-16,0 0 1 16,-2-1-3-16,0-2-2 15,2 4-3-15,1-4-6 16,15 4-8-16,-20-6-5 16,20 6-7-16,-12-7-6 15,12 7-3-15,0 0-3 0,0 0 0 16,-15-15 0-16,15 15 7 15</inkml:trace>
+          <inkml:trace contextRef="#ctx0" brushRef="#br1" timeOffset="284358.6617">5982 1131 47 0,'0'0'20'0,"0"0"-1"16,0 0-5-16,0 0-8 15,0 0-5-15,3-14-6 16,-3 14-3-16,0 0-2 16,7-19 0-16,-7 19 0 15,8-18 2-15,-8 18 3 16,2-21 3-16,-2 21 6 0,0-21 3 15,0 21 3-15,-5-12 0 16,5 12-1-16,0 0 0 16,-15-16-2-16,15 16-5 15,-13-7-6-15,13 7-6 16,0 0-5-16,-17-12-2 16,17 12-2-16,0 0 0 15,-14-17 3-15,14 17 10 16,-13-8 6-16,13 8 0 15,-13-7 0-15,13 7 9 16,-18-6 4-16,18 6 1 16,-19-8-2-16,19 8-3 15,-12-10-6-15,12 10-5 0,-7-15-5 16,7 15-4-16,-3-16-1 16,3 16 0-16,3-18 0 15,-3 18 8-15,-6-13 4 16,6 13 0-16,-14-8 8 15,14 8 8-15,-23-8 4 16,7 7 1-16,0 0 1 16,-2-1-3-16,0-2-2 15,2 4-3-15,1-4-6 16,15 4-8-16,-20-6-5 16,20 6-7-16,-12-7-6 15,12 7-3-15,0 0-3 0,0 0 0 16,-15-15 0-16,15 15 7 15</inkml:trace>
           <inkml:trace contextRef="#ctx0" brushRef="#br1" timeOffset="284633.6651">5545 805 35 0,'-21'0'17'16,"5"0"-2"-16,-4 0-3 16,2 0-4-16,2-2-5 15,1 2-5-15,3-1-3 16,12 1-3-16,-25-7-1 15,25 7 1-15,-26-5 2 16,11 2 4-16,-1 0 3 16,-5 3 6-16,1 0 3 0,-5 3 2 15,3 0 1-15,-3-1-2 16,0 4-1 0,5-4-3-16,4 0-1 0,0-1-4 15,16-1-5-15,-21 3-7 16,21-3-6-16,-13-6-4 15,13 6-3-15,-12-2 0 16,12 2 0-16,-15-5 13 16</inkml:trace>
           <inkml:trace contextRef="#ctx0" brushRef="#br1" timeOffset="284930.2336">4936 775 54 0,'-18'-3'24'0,"-1"3"-4"16,-1-2-3-1,5 1-6-15,-1-4-3 16,6 4-6-16,10 1-2 16,-21-6-2-16,21 6 1 0,-24-5-1 15,24 5 0-15,-25 1 1 16,14-1 0-16,-9-1 1 16,4 0 1-16,-5 1 1 15,0 1 1-15,-3 3-1 16,-1-1 1-16,3 0-1 15,-5-2 0-15,8 2-2 16,-2-2-4-16,3-2-6 16,1-1-7-16,5 1-4 15,12 1-3-15,-16-7 0 16,16 7 1-16,-15-7 5 16</inkml:trace>
           <inkml:trace contextRef="#ctx0" brushRef="#br1" timeOffset="285298.4414">4325 751 67 0,'-26'1'20'0,"3"1"-2"16,-1 0-5-16,5-2-8 15,1-2-7-15,4 1-9 16,1 0-5-16,13 1-2 16,-18-6-1-16,18 6 1 15,-18-1 1-15,18 1 7 16,-25 0 6-16,13 1 7 15,-4 2 7-15,-3 0 5 16,-2-1 4-16,-4 1 1 16,-1 0-2-16,-3-1-1 0,6 0-2 15,-6 0-2-15,5-1-5 16,3-1-2-16,4 2-2 16,1-4-2-16,16 2 0 15,-21-4 0-15,21 4-1 16,-15-6-1-16,15 6 0 15,0 0-1-15,-12-1-4 16,12 1-5-16,0 0-8 16,0 0-8-16,0 0-2 15,7 14-1-15,-7-14-1 16,25 2 15-16</inkml:trace>
@@ -468,7 +483,7 @@
               </emma:interpretation>
             </emma:emma>
           </inkml:annotationXML>
-          <inkml:trace contextRef="#ctx0" brushRef="#br2" timeOffset="34967.0613">1599 3947 118 0,'-13'7'36'0,"-6"-2"-1"16,5 5-8-16,-3-7-12 15,17-3-2-15,-20 0-4 16,20 0-10-16,10-28 0 16,7-2 1-16,13-11-1 15,11-14 0-15,20-11 1 16,11-6-1-16,15-6 1 0,9-1-1 16,7 4 1-1,4 6-1-15,-2 13 0 16,-2 16 2-16,-8 16-1 15,-11 10 1-15,-16 17 0 0,-10 9 1 16,-14 11-1-16,-7 3-1 16,-10-1 1-16,-11-4-2 15,-8-8 0-15,-8-13-9 16,0 0-8-16,0 0-7 16,2-18-8-16,-6 1-4 15,0 1-1-15,-3 3-1 16,7 13-1-16</inkml:trace>
+          <inkml:trace contextRef="#ctx0" brushRef="#br2" timeOffset="34967.0611">1599 3947 118 0,'-13'7'36'0,"-6"-2"-1"16,5 5-8-16,-3-7-12 15,17-3-2-15,-20 0-4 16,20 0-10-16,10-28 0 16,7-2 1-16,13-11-1 15,11-14 0-15,20-11 1 16,11-6-1-16,15-6 1 0,9-1-1 16,7 4 1-1,4 6-1-15,-2 13 0 16,-2 16 2-16,-8 16-1 15,-11 10 1-15,-16 17 0 0,-10 9 1 16,-14 11-1-16,-7 3-1 16,-10-1 1-16,-11-4-2 15,-8-8 0-15,-8-13-9 16,0 0-8-16,0 0-7 16,2-18-8-16,-6 1-4 15,0 1-1-15,-3 3-1 16,7 13-1-16</inkml:trace>
           <inkml:trace contextRef="#ctx0" brushRef="#br2" timeOffset="35599.9888">2797 3158 112 0,'-14'1'35'16,"0"-2"-4"-16,14 1-6 16,-26 3-6-16,26-3-4 15,-13 6-4-15,13-6-11 0,0 0 0 16,1 16-1-16,-1-16 1 16,21 11-1-16,-4-4 1 15,-1 1 0-15,2 2 0 16,-3-3 1-16,-4 7-1 15,-4 4 0-15,-7 4 1 16,-6 3 0-16,-6 3 0 16,-8 2-1-16,-5-1 2 15,-2 4-2-15,3-9 0 16,-1-4 0-16,9-2-15 16,3-10-11-16,13-8-10 15,0 14-3-15,0-14-2 16,23 13-2-16,-9 4 0 0</inkml:trace>
           <inkml:trace contextRef="#ctx0" brushRef="#br1" timeOffset="276590.2125">3282 3052 88 0,'-13'11'25'0,"-4"4"-1"15,3-2-5-15,3-3-8 16,-1 2-8-16,1 2-9 16,3-1-8-16,8-13-6 15,-12 20-2-15,12-20-1 16,-7 16 1-16,7-16 0 16,0 0 4-16,-10 16 8 15,10-16 12-15,-5 15 11 0,5-15 7 16,-12 24 3-16,3-12-1 15,3 7 2-15,-8-4-1 16,3 6-3-16,0-5-7 16,1 4-6-16,0-4-6 15,5 1-6-15,0-1-3 16,5-16-4-16,0 23-2 16,0-23 0-16,0 19 1 15,0-19 3-15,5 17 5 16,-5-17 7-16,4 16 5 15,-3-5 4-15,-1-11 1 16,5 18 1-16,-5-18 0 16,1 15-3-16,-1-15-3 0,0 0-4 15,4 15-7-15,-4-15-9 16,0 0-8-16,0 0-3 16,19-4 0-1,-19 4-1-15,24-6 0 0,-24 6 1 16</inkml:trace>
           <inkml:trace contextRef="#ctx0" brushRef="#br1" timeOffset="276138.7076">3459 2967 41 0,'-21'8'12'15,"21"-8"-1"-15,-24 10-3 16,24-10-7-16,-18 5-9 15,18-5-3-15,-20 9-1 16,20-9-2-16,-15 6 0 16,15-6 1-16</inkml:trace>
@@ -553,7 +568,7 @@
           <inkml:trace contextRef="#ctx0" brushRef="#br0" timeOffset="603.613">584-565 84 0,'0'0'33'16,"-12"14"-3"-16,9 9-12 16,-1 11-4-16,2 9-3 15,4 8-6-15,1 14-6 0,-1-3 2 16,3 6-1-16,0-3-1 16,1-4-9-16,5-5-5 15,-7-10-5-15,3-11-6 16,-4-12-6-16,-2-8-3 15,-1-15 1-15,0 0 13 16</inkml:trace>
           <inkml:trace contextRef="#ctx0" brushRef="#br0" timeOffset="797.7886">416-77 85 0,'0'0'33'15,"0"0"-5"-15,16 18-13 16,-3-16-2-16,6-2 0 16,2-2-9-16,7-6-19 15,0-1-11-15,3 3-8 16,-2-5-1-16,0 4-1 16,-2 1-2-16</inkml:trace>
           <inkml:trace contextRef="#ctx0" brushRef="#br0" timeOffset="1292.9189">764-72 26 0,'0'0'13'0,"0"0"-2"16,0 0-2-16,-12-4 2 15,12 4-1-15,0 0 2 0,0 0 2 16,0 0 2-16,-12 12-2 15,12-12 1-15,-1 18-2 16,2-3-2-16,5 7-2 16,-3-2-3-16,3 7-3 15,5 6-3-15,-1-3 0 16,1 1-1-16,-1-7 2 16,-1-1-1-16,-2-9 1 15,-7-14-1-15,13 5 0 16,-13-21 1-16,0-5-1 15,-3-5 1-15,0-4-2 16,-1-3-2-16,0-4-9 16,5 5-3-16,-1 1-5 0,5 8-5 15,3 2-5-15,7 6-5 16,0 2 1-16,3 5 14 16</inkml:trace>
-          <inkml:trace contextRef="#ctx0" brushRef="#br0" timeOffset="1614.0312">1058-36 37 0,'5'20'22'0,"-7"-1"-2"16,-1 4-7-16,2 4-6 16,-1 1-2-16,4-1-1 15,1 0-7-15,0-8-4 16,0-6-5-16,-3-13-4 15,0 0-3-15,13 1-3 16,-13-1-2-16,5-24 20 16</inkml:trace>
+          <inkml:trace contextRef="#ctx0" brushRef="#br0" timeOffset="1614.0311">1058-36 37 0,'5'20'22'0,"-7"-1"-2"16,-1 4-7-16,2 4-6 16,-1 1-2-16,4-1-1 15,1 0-7-15,0-8-4 16,0-6-5-16,-3-13-4 15,0 0-3-15,13 1-3 16,-13-1-2-16,5-24 20 16</inkml:trace>
           <inkml:trace contextRef="#ctx0" brushRef="#br0" timeOffset="1800.8426">1029-285 64 0,'-13'-13'27'16,"2"2"-1"-16,11 11-14 15,-17-13-13-15,17 13-12 16,0 0-12-16,0 0-6 16,0 0-1-16,17 8 6 15</inkml:trace>
           <inkml:trace contextRef="#ctx0" brushRef="#br0" timeOffset="2373.2121">1188-632 41 0,'4'39'21'0,"-4"7"-2"16,7 12-9-16,3 10-4 0,3 7 0 15,-2 3-1-15,4 0-2 16,-4-2 0-16,-1-10 1 15,-4-7 3-15,-3-15 2 16,-3-9 1 0,-3-17-1-16,0-6 1 0,3-12-1 15,0 0 1-15,-3-23-3 16,9 1-5-16,3-6-3 16,5 0 0-16,4 4 0 15,5-2-1-15,7 8 0 16,-2 6 0-16,3 9 1 15,-1 10 1-15,-2 9 0 16,-7 5 1-16,-4 5 0 0,-12 5 0 16,-9 1 0-16,-3-1 0 15,-13-1-1-15,0-3 1 16,-11-5-1-16,4-3 1 16,-2-7-1-16,6-5 1 15,0-7-1-15,7-6-7 16,16 6-9-16,-12-16-7 15,15 3-8-15,-3 13-4 16,25-23-1-16,-7 13 0 16,5-1 32-16</inkml:trace>
           <inkml:trace contextRef="#ctx0" brushRef="#br0" timeOffset="2757.2516">1650-81 53 0,'-10'15'31'0,"1"8"-1"16,-1 6-8-16,-1 3-8 16,9 6-2-16,2 1-4 15,5-2-4-15,2-2-4 16,2-13-1-16,5-10-1 15,1-10 0-15,2-10-1 16,-1-15 0-16,-1-7 1 0,0-5 0 16,0-1 2-16,-5 3 0 15,-2 2 3-15,0 8 0 16,-6 8 1 0,-2 15 0-16,0 0-1 0,3 22 1 15,-3 4-1-15,2 4 0 16,1 7-2-16,2-3-5 15,6 0-13-15,-1-6-7 16,4-8-10-16,-2-10-1 16,2-12-1-16,1-6 0 15</inkml:trace>
@@ -592,7 +607,7 @@
           <inkml:trace contextRef="#ctx0" brushRef="#br1" timeOffset="8437.5172">669 1647 126 0,'-15'-12'32'16,"15"12"-2"-16,-10-18-28 15,16 4-12-15,3 1-22 16,7 3-4-16,5 1-1 16,-1 6-1-16,6 0 2 15</inkml:trace>
           <inkml:trace contextRef="#ctx0" brushRef="#br1" timeOffset="9013.0294">943 1440 61 0,'-2'29'27'16,"2"10"-1"-16,4 10-9 0,3 8-7 15,5 13-1-15,0-5 0 16,2 6-5-16,-1-7-3 16,-4-2-2-16,1-9 0 15,-6-10-2-15,-4-12 1 16,-4-14-1-16,4-17-2 16,-14 2-4-16,14-2-1 15,-17-29-3-15,9 5-4 16,-3 0 1-16,3-4 0 15,-1 1 2-15,-1 2 5 16,5 7 7-16,-5 3 4 16,10 15 3-16,-11-16 5 15,11 16 3-15,0 0 2 0,0 0 2 16,0 0 1-16,0 0-2 16,15 10-1-16,-3-10-1 15,3-4-2-15,4 1-1 16,-2-1-3-16,-1-4-5 15,8 5-18-15,-8 0-8 16,4 3-9-16,-4 3-3 16,-1 1-2-16,-4 1 1 15,-11-5 13-15</inkml:trace>
           <inkml:trace contextRef="#ctx0" brushRef="#br1" timeOffset="9488.6353">1092 1418 50 0,'-8'22'23'0,"8"-4"-2"16,3 8-9-16,2 7-7 15,3 6 1-15,3 6-2 16,0 7 0-16,3 5-3 16,2 0-1-16,-3 0 1 0,-1-3-1 15,-1-10 0-15,0-5-1 16,-4-11 2-16,4-12-3 16,-11-16 2-16,0 0-1 15,19-14 1 1,-13-6-1-16,3-3 0 0,-1-3 0 15,0 3 1-15,0 1 0 16,-8 22 0-16,15-15 1 16,-15 15 1-16,13 16 0 15,-11 5 1-15,4 7 0 16,-4-2-1-16,4 6 1 16,-4-7-2-16,8-1 1 15,3-7-2-15,2-9-7 0,6-4-6 16,-2-8-7-16,8-4-7 15,-2-5-1-15,0-4-1 16,0 2 14 0</inkml:trace>
-          <inkml:trace contextRef="#ctx0" brushRef="#br1" timeOffset="10424.5668">1855 1938 67 0,'-15'8'27'16,"15"-8"-5"-16,-25 18-11 16,12-5-3-16,2 7-1 15,-3-2-3-15,6 5-1 16,1-1 0-16,4-4-1 16,4-1 0-16,-1-17 0 15,17 13-1-15,2-18-1 16,4-6 0-16,2-6-1 15,0-7 0-15,4-6-1 16,-3-4 0-16,-3-5-1 16,-3-5-2-16,-5-4 0 0,-3 2 0 15,-3-3 1-15,-5 1 0 16,-7 3 1-16,1 8 1 16,-6 12 3-1,-4 9 1-15,12 16 1 0,-21 6 0 16,9 17 1-16,2 15-1 15,2 11 0-15,3 1-1 16,5 5-1-16,5-1 0 16,0-6-5-16,6-5-5 15,2-8-6-15,0-11-7 16,2-9-6-16,-1-9 0 16,-2-3-1-16,-12-3 20 0</inkml:trace>
+          <inkml:trace contextRef="#ctx0" brushRef="#br1" timeOffset="10424.5667">1855 1938 67 0,'-15'8'27'16,"15"-8"-5"-16,-25 18-11 16,12-5-3-16,2 7-1 15,-3-2-3-15,6 5-1 16,1-1 0-16,4-4-1 16,4-1 0-16,-1-17 0 15,17 13-1-15,2-18-1 16,4-6 0-16,2-6-1 15,0-7 0-15,4-6-1 16,-3-4 0-16,-3-5-1 16,-3-5-2-16,-5-4 0 0,-3 2 0 15,-3-3 1-15,-5 1 0 16,-7 3 1-16,1 8 1 16,-6 12 3-1,-4 9 1-15,12 16 1 0,-21 6 0 16,9 17 1-16,2 15-1 15,2 11 0-15,3 1-1 16,5 5-1-16,5-1 0 16,0-6-5-16,6-5-5 15,2-8-6-15,0-11-7 16,2-9-6-16,-1-9 0 16,-2-3-1-16,-12-3 20 0</inkml:trace>
           <inkml:trace contextRef="#ctx0" brushRef="#br1" timeOffset="10824.1654">2093 1982 76 0,'2'15'33'16,"-2"-15"-4"-16,0 0-9 0,19-6-4 16,-1-1-2-16,-2-6-2 15,2 1-5-15,1-5-3 16,-3 0-3-16,-4-4-1 16,1 2 1-16,-12 2-2 15,-5 4 2-15,4 13-2 16,-22-5 0-16,3 14-1 15,-2 6 1-15,1 4 0 16,3 10-1-16,3-2 2 16,3 1-1-16,5-5 1 15,12-3 1-15,4-5-3 16,6-8-14-16,10-1-7 16,-1-6-9-16,4-2-3 0,-2-5-2 15,2-1 0 1,-7-2 15-16</inkml:trace>
           <inkml:trace contextRef="#ctx0" brushRef="#br1" timeOffset="11161.2071">2406 1846 115 0,'-20'-18'33'0,"20"18"1"16,-26-4-14-16,15 14-6 15,-3 2-15-15,2 5-1 16,3 1 1-16,3 2 0 16,3-1 2-16,6 1-3 15,0-7 3-15,-3-13 0 16,20 20 0-16,-7-14 0 16,3-3-1-16,1-1 1 0,1 2-2 15,-3-3 1-15,-3 5 0 16,-12-6-1-16,20 15 1 15,-20-15-1-15,0 26 1 16,-5-14 0-16,-4 2-6 16,-3-6-14-16,12-8-10 15,-21 11-6-15,21-11-1 16,-18-4-2-16,18 4-1 16</inkml:trace>
           <inkml:trace contextRef="#ctx0" brushRef="#br1" timeOffset="17300.916">1490 1922 44 0,'0'0'24'0,"0"0"3"16,-20-9-4-16,20 9-3 15,-15-3-3-15,15 3-2 0,-12 4-2 16,12-4-1-16,-12 14-4 16,12-14-8-16,-2 25 0 15,2-9 1-15,7 3-1 16,3-4 1-16,6 3-1 16,7-3 0-16,3-5 0 15,2-4 0-15,4-13 0 16,0-4 0-16,-6-10 0 15,-3-7-1-15,-5-11 0 16,-10-1 2-16,-9-1-2 16,-10 7 0-16,-8 13-13 15,-10 6-4-15,-2 18-7 16,-8 13-8-16,3 11-4 0,6 10 0 16,6 5 0-16</inkml:trace>
@@ -664,7 +679,7 @@
           </inkml:annotationXML>
           <inkml:trace contextRef="#ctx0" brushRef="#br0">1986-676 67 0,'-2'-15'25'15,"-6"0"-1"-15,8 15-5 16,-21-21-7-16,6 16-2 0,-6 4-1 16,-2 5-3-1,-6 3-4-15,-1 8-1 16,2 6-1-16,-1 4-1 16,5 4 0-16,3-1 0 0,7 1-1 15,3-3 2-15,15 0-1 16,4-10 1-16,5-5 0 15,7-7 0-15,1-6 0 16,2-7 0-16,2-5 1 16,2-2 0-16,-5-7-1 15,1 1 0-15,-1-1 1 16,-7 2-1-16,-5 4 1 16,-3 4 0-16,-7 13-1 15,0 0 1-15,0 0-1 16,-20 18 1-16,12 0 0 15,-3 11-1-15,4 4 1 16,-1 0-1-16,10 2-6 0,4-6-6 16,6-7-7-16,8-5-8 15,5-13-3-15,7-12 0 16,7-12-2-16,4-9 11 16</inkml:trace>
           <inkml:trace contextRef="#ctx0" brushRef="#br0" timeOffset="428.0176">2364-993 78 0,'2'-13'34'15,"-2"13"-1"-15,4-19-6 16,-4 19-8-16,0 0-4 15,-9 19-2-15,0 2-7 0,-5 7-6 16,-2 10 0-16,-5 7 0 16,-4 9-1-16,-2 9 0 15,1 0 0-15,1-3 0 16,1-4-1-16,3-11-10 16,13-5-8-16,-1-16-6 15,9-24-7-15,0 0-2 16,16-3 0-16,-7-18-1 15,7-6 15-15</inkml:trace>
-          <inkml:trace contextRef="#ctx0" brushRef="#br0" timeOffset="1112.784">2254-768 64 0,'-12'-7'34'15,"12"7"0"-15,0 0-8 16,12 1-8-16,-12-1-4 15,29 8-1-15,-10-6-4 16,7-1-12-16,5 5-17 16,-3-3-11-16,0 1-4 15,-1 1-1-15,-3 0-1 16,2 0-2-16</inkml:trace>
+          <inkml:trace contextRef="#ctx0" brushRef="#br0" timeOffset="1112.7838">2254-768 64 0,'-12'-7'34'15,"12"7"0"-15,0 0-8 16,12 1-8-16,-12-1-4 15,29 8-1-15,-10-6-4 16,7-1-12-16,5 5-17 16,-3-3-11-16,0 1-4 15,-1 1-1-15,-3 0-1 16,2 0-2-16</inkml:trace>
           <inkml:trace contextRef="#ctx0" brushRef="#br0" timeOffset="904.2712">2538-1009 57 0,'0'0'22'0,"0"0"3"16,0 0 0-16,-17-8-4 15,17 8-3-15,0 0-3 16,-9 20-1-16,9-20-1 0,-12 32-4 16,5-9-4-16,-3 6-5 15,0 5 0-15,0 6 0 16,-6 0 0-16,1 3-1 15,-1 1 0-15,1-7 0 16,1-2 0-16,1-5 0 16,3 0-4-16,-3-11-7 15,6 1-5-15,7-20-3 16,-14 19-5-16,14-19-5 0,0 0-4 16,0 0-1-1,-11-11 4-15,7-2 22 16</inkml:trace>
           <inkml:trace contextRef="#ctx0" brushRef="#br0" timeOffset="1632.5185">2635-721 43 0,'0'0'16'0,"-3"-14"0"15,3 14-3-15,0 0-3 16,0 0-1-16,-5 16 0 16,5-4 1-16,-3 6 4 15,0 6 0-15,-2 4-1 0,3 1-1 16,-3-1-1-16,2 1-1 16,-4-4-3-16,8-4-2 15,-3-9-4 1,2-12-1-16,0 0 1 0,10-17 0 15,-4-4 0-15,6-5 0 16,-1-3-4-16,2-1-9 16,5 2-5-16,-5 1-4 15,3 7-7-15,0 5-6 16,-3 6-2-16,1 7-1 16,0 5 9-16</inkml:trace>
           <inkml:trace contextRef="#ctx0" brushRef="#br0" timeOffset="1888.9921">2929-707 114 0,'0'0'34'15,"-13"-2"-4"-15,13 2-11 16,-13 21-6-16,2-1-8 15,3 4-5-15,0 4-1 16,3 1 1-16,0-1-4 16,0-5-10-16,6 1-5 15,-2-11-7-15,1-13-7 16,11 15-1-16,-11-15-1 16,12-3-1-16,-12 3 24 15</inkml:trace>
@@ -700,7 +715,7 @@
             </emma:emma>
           </inkml:annotationXML>
           <inkml:trace contextRef="#ctx0" brushRef="#br0" timeOffset="4728.2842">2050-45 43 0,'0'0'25'16,"0"-16"1"-16,0 16-2 16,0 0-4-16,-12 29-4 0,8 0-1 15,-1 7-3-15,-1 8-2 16,-3 7-2-16,-1 6-2 15,-2 6-4-15,-2 1-1 16,-2-4-1-16,1-3 1 16,1-9-1-16,1-6 1 15,2-12 0-15,4-8-1 16,7-22 1-16,0 0 0 0,0 0-1 16,18-10 1-16,-8-10 0 15,7-7 0 1,4-1-1-16,-2 1-1 15,2 0 0-15,0 5 0 0,-3 7 1 16,-5 4-1-16,2 9 1 16,-15 2-1-16,16 18 1 15,-7-2 1-15,-5 2-1 16,3 1 1-16,3-4-1 16,7 1 1-16,3-9-1 15,0-4 1-15,5-8 0 16,4-4 0-16,-2-8-1 15,-2-1-1-15,0-4 2 16,-4-3-2-16,-5 2 0 16,-11 2-1-16,-4 9 1 15,-1 12 0-15,-19-7 2 16,1 13 0-16,-3 10-1 0,-3 7 1 16,4 3-1-16,6 2 1 15,4 0-1-15,7-2 1 16,8-4-1-16,6-5-13 15,15-6-7-15,-4-9-6 16,7-10-5-16,1-2-3 16,1-11-1-16,-2-6-2 15,-1-5 18-15</inkml:trace>
-          <inkml:trace contextRef="#ctx0" brushRef="#br0" timeOffset="4877.4474">2356 67 135 0,'-15'-19'35'16,"10"4"-7"-16,1 0-15 16,5 0-28-16,12 3-13 15,5-1-6-15,4 5-2 16,-2-1 0-16,2 3-2 16</inkml:trace>
+          <inkml:trace contextRef="#ctx0" brushRef="#br0" timeOffset="4877.4472">2356 67 135 0,'-15'-19'35'16,"10"4"-7"-16,1 0-15 16,5 0-28-16,12 3-13 15,5-1-6-15,4 5-2 16,-2-1 0-16,2 3-2 16</inkml:trace>
           <inkml:trace contextRef="#ctx0" brushRef="#br0" timeOffset="5492.163">2542 295 39 0,'1'-13'17'0,"-1"13"2"16,0 0 2-16,0 0 0 15,0 0-2-15,0 15-3 16,1 0-1-16,-2 4 0 15,4 4-2-15,-6 4-4 16,3 0-3-16,0-1-5 16,0-1 0-16,-1-4 0 15,2-3-1-15,-1-18 1 16,1 12 0-16,-1-12 0 16,9-12 0-16,-3-6 0 15,3-7-1-15,3-4 1 16,-2-1-1-16,4-3 0 0,1 4-2 15,3 7-7-15,-6-1-7 16,7 13-2-16,-7 8-7 16,2 4-7-16,-2 8-4 15,-2 4 0-15,0 6 1 16,-3-2 26-16</inkml:trace>
           <inkml:trace contextRef="#ctx0" brushRef="#br0" timeOffset="5721.0863">2806 360 121 0,'0'0'34'0,"-18"18"-6"0,6-4-12 16,2 7-3-16,3 1-12 16,0 2 0-16,4 0-1 15,0-6-10-15,11 1-8 16,-8-19-6-16,19 11-6 15,-4-15-4-15,-1-7 0 16,3-6 0-16,-1-9 5 16</inkml:trace>
           <inkml:trace contextRef="#ctx0" brushRef="#br0" timeOffset="5860.3285">2897 121 100 0,'1'-16'29'0,"-1"16"-15"16,0 0-18-16,0 0-11 16,18-5-10-16,-18 5-7 15,18 6-2-15,-18-6 2 16</inkml:trace>
@@ -999,7 +1014,7 @@
           <inkml:trace contextRef="#ctx0" brushRef="#br0" timeOffset="4237.0742">18288 5717 155 0,'-12'-11'34'0,"12"11"-2"16,-17-2-8-16,17 2-19 15,1 20-15-15,-1-20-11 16,16 22-11-16,-4-15-3 16,4-2-1-16,-3-3 0 15,4-6-1-15</inkml:trace>
           <inkml:trace contextRef="#ctx0" brushRef="#br0" timeOffset="4096.2283">18297 6093 129 0,'0'0'35'16,"0"0"-1"-16,0 0-7 15,-8 15-11-15,5 5-10 16,3 8-4-16,-3-1-2 15,1 2 1-15,2-1-1 16,5-7-6-16,1-1-10 16,-6-20-9-16,13 3-6 15,-5-19-2-15,2-7-2 16,-2-16 0-16,1-6 0 16,-8-9 8-16</inkml:trace>
           <inkml:trace contextRef="#ctx0" brushRef="#br0" timeOffset="5628.9946">18414 5903 133 0,'-14'3'32'16,"14"-3"0"-16,0 0-5 15,0 0-9-15,18-3-17 16,-6-3-17-16,16 2-12 16,1-2-5-16,6 1-3 15,-3-1-1-15,7-2-1 16,-4-1-1-16</inkml:trace>
-          <inkml:trace contextRef="#ctx0" brushRef="#br0" timeOffset="5019.9339">18457 5521 108 0,'0'0'34'16,"-2"18"0"-16,-2 2-3 15,3 18-7-15,-1 7-11 16,5 14-9-16,3 14-4 15,-2 7 0-15,1 2 0 16,4-1 0-16,-2-2 0 16,3-8 0-16,-5-12 0 15,0-13 1-15,0-17-1 16,-10-15 0-16,5-14-1 16,-13-3 0-16,3-10 0 0,-4-8-1 15,0-2 1-15,3-2-1 16,3 1 1-16,2 3-1 15,6 3 2 1,4 5-1-16,8 3 1 0,4 5 0 16,8 0 0-16,5 4 1 15,7 4-1-15,2-1-1 16,2-2 1-16,-1-4-1 16,-5-2 1-16,-1 0-1 15,-11-3 1-15,-4-2-1 16,-18 11 2-16,7-23 0 15,-7 23 1-15,-21-8-1 16,2 11 1-16,-2 5 0 0,-4 8 0 16,2 6 0-16,4 4-2 15,4 4 1-15,10 0-1 16,5 1 0 0,7-2 0-16,12-5-1 0,10-8-1 15,3-11 1-15,8-6-1 16,1-9 0-16,1-6 1 15,-2-7-1-15,1-3 1 16,-7-3 0-16,-5 1 0 16,-5 2 0-16,-9 6 2 15,-2 3-1-15,-10 4 1 16,-3 13 0-16,-11-16 0 16,11 16 1-16,-26 3 0 15,11 5 0-15,-3 3-1 16,1 3 0-16,4 5 0 15,1 2 0-15,6 3-1 16,0 2 0-16,9-2 0 0,2-2-1 16,8-1 0-16,6-7 0 15,1-6 0-15,2-3-1 16,1-9 1-16,1-7-7 16,-1-2-10-16,-5-7-9 15,0-3-7-15,-4-1 0 16,-2-4-2-16,-4-3 0 15,-6 2-1-15</inkml:trace>
+          <inkml:trace contextRef="#ctx0" brushRef="#br0" timeOffset="5019.9337">18457 5521 108 0,'0'0'34'16,"-2"18"0"-16,-2 2-3 15,3 18-7-15,-1 7-11 16,5 14-9-16,3 14-4 15,-2 7 0-15,1 2 0 16,4-1 0-16,-2-2 0 16,3-8 0-16,-5-12 0 15,0-13 1-15,0-17-1 16,-10-15 0-16,5-14-1 16,-13-3 0-16,3-10 0 0,-4-8-1 15,0-2 1-15,3-2-1 16,3 1 1-16,2 3-1 15,6 3 2 1,4 5-1-16,8 3 1 0,4 5 0 16,8 0 0-16,5 4 1 15,7 4-1-15,2-1-1 16,2-2 1-16,-1-4-1 16,-5-2 1-16,-1 0-1 15,-11-3 1-15,-4-2-1 16,-18 11 2-16,7-23 0 15,-7 23 1-15,-21-8-1 16,2 11 1-16,-2 5 0 0,-4 8 0 16,2 6 0-16,4 4-2 15,4 4 1-15,10 0-1 16,5 1 0 0,7-2 0-16,12-5-1 0,10-8-1 15,3-11 1-15,8-6-1 16,1-9 0-16,1-6 1 15,-2-7-1-15,1-3 1 16,-7-3 0-16,-5 1 0 16,-5 2 0-16,-9 6 2 15,-2 3-1-15,-10 4 1 16,-3 13 0-16,-11-16 0 16,11 16 1-16,-26 3 0 15,11 5 0-15,-3 3-1 16,1 3 0-16,4 5 0 15,1 2 0-15,6 3-1 16,0 2 0-16,9-2 0 0,2-2-1 16,8-1 0-16,6-7 0 15,1-6 0-15,2-3-1 16,1-9 1-16,1-7-7 16,-1-2-10-16,-5-7-9 15,0-3-7-15,-4-1 0 16,-2-4-2-16,-4-3 0 15,-6 2-1-15</inkml:trace>
           <inkml:trace contextRef="#ctx0" brushRef="#br0" timeOffset="5305.4064">18752 5808 129 0,'0'0'33'0,"-10"-24"-1"15,13 9-4-15,-1-7-15 16,13-1-12-16,6 1-17 15,-3-2-13-15,6 0-4 16,-4 4-3-16,1 4-1 0,-3 8-2 16,-18 8 1-16</inkml:trace>
         </inkml:traceGroup>
       </inkml:traceGroup>
@@ -1076,7 +1091,7 @@
           <inkml:trace contextRef="#ctx0" brushRef="#br0" timeOffset="1785.873">3965 3372 103 0,'-16'-11'26'15,"16"11"-2"-15,-13-10-8 16,13 10-8-16,-8-15-8 15,8 15-8-15,0 0-9 16,-2-14-9-16,2 14-1 16,0 0-2-16,0 0 1 15,14 8-1-15</inkml:trace>
           <inkml:trace contextRef="#ctx0" brushRef="#br0" timeOffset="1631.7779">3900 3888 83 0,'0'0'24'0,"0"0"2"0,0 0-6 16,0 0-9-16,0 0-10 15,0 0-8-15,0 0-8 16,10-6-5-16,-10 6-2 15,13-15-2 1,-13 15 0-16,16-18 2 0,-16 18 4 16,14-17 10-16,-14 17 10 15,15-14 10-15,-15 14 10 16,0 0 1-16,0 0-1 16,0 0 1-16,0 0-2 15,0 0-4-15,0 0-6 16,0 0-4-16,0 0-7 15,0 0-2-15,0 0-5 0,13-4-7 16,-13 4-4-16,9-18-3 16,-4 6-2-16,2-2-1 15,-2 0 1 1,0-1 3-16,0 3 9 0,1-1 10 16,-2-1 10-16,-4 14 9 15,5-21 4-15,-5 21 1 16,0-13 1-16,0 13 1 15,0 0-3-15,0 0-5 16,0 0-6-16,-6-12-5 16,6 12-3-16,0 0-1 15,0-12-6-15,0 12-6 16,6-15-7-16,-6 15-4 0,6-21-2 16,-2 8-1-1,-2 0 0-15,0 0 1 16,-2 2 8-16,0-3 9 15,0 3 11-15,0-1 9 0,0 12 6 16,-8-16 1-16,8 16 1 16,0 0 2-16,-15-10-1 15,15 10-4-15,0 0-5 16,-11 0-6-16,11 0-2 16,0 0-2-16,0 0-5 15,-8-13-6-15,8 13-9 16,0-13-7-16,0 13-4 15,4-17-1-15,-4 17-1 16,0-18 0-16,0 18 6 16</inkml:trace>
           <inkml:trace contextRef="#ctx0" brushRef="#br0" timeOffset="2880.2235">3474 5040 88 0,'-4'-12'24'0,"4"-6"0"16,3-6-9-16,3-5-7 16,0-10-1-16,6-1-2 15,-2-9 3-15,8-4 2 0,-4-8 2 16,4-1-1-16,0-10-1 16,1 5 1-16,-1-6-2 15,1 4-2-15,-2 3-3 16,0 5-2-16,-4 5-2 15,-2 8 0-15,2 9 0 16,-7 9 0-16,2 10 0 16,-3 3 0-16,-5 17 0 15,7-16 0-15,-7 16 0 16,0 0 0-16,0 0 0 16,4 12 0-16,-4-12-1 15,0 12-12-15,0-12-5 16,0 0-8-16,3 16-7 0,-3-16-3 15,0 0-1-15,0 0 0 16,0 0 2-16</inkml:trace>
-          <inkml:trace contextRef="#ctx0" brushRef="#br0" timeOffset="4239.4771">3621 4170 42 0,'0'0'20'15,"0"0"1"-15,-15 10-2 16,15-10-1-16,0 0-3 15,0 0-3-15,-12 2-2 16,12-2-4-16,0 0-3 16,0 0-1-16,0 0 0 15,0 0-1-15,0 0 1 16,0 0-1-16,6-11 1 16,-6 11-1-16,10-16 1 15,-10 16 0-15,16-21 0 0,-6 6 0 16,-1 1 1-16,2 0-1 15,-2-2 0-15,4 0 0 16,-4 4 0 0,-1 0-1-16,-8 12 0 0,13-15 0 15,-13 15 0-15,0 0-1 16,13-11 0-16,-13 11 1 16,0 0-1-16,0 0 0 15,0 0 0-15,11-16 1 16,-11 16-1-16,0 0 1 15,0 0-1-15,10-12 1 16,-10 12-1-16,0 0 2 16,0 0 0-16,0 0 1 0,0 0 2 15,9 12 2-15,-9-12-1 16,0 16 1 0,0-16-1-16,-4 18 0 15,4-18-2-15,-1 18-1 0,1-18-3 16,4 17 0-16,-3-5 0 15,-1-12 0-15,9 21 0 16,-2-9 0-16,0 1 0 16,2-1 0-16,2 0 0 15,-2 2 0-15,1-1 0 16,-10-13 0-16,14 21 0 16,-14-21 0-16,11 15 0 15,-11-15 0-15,5 12 0 16,-5-12 0-16,0 0 0 15,0 0 0-15,0 0 0 16,0 0 0-16,0 0 0 16,-15-8 0-16,15 8 0 0,0 0 0 15,-12-13 0-15,12 13 0 16,0 0 0-16,-17-9 0 16,17 9 0-16,-19-7 0 15,8 5 0-15,-2 1 0 16,-1-2 0-16,-5 0 0 15,4 0 0-15,-4 1 0 16,3 1 0-16,0-2 0 16,2 1 0-16,0-1 0 15,14 3 0-15,-21-4 0 16,21 4 0-16,-11 2 0 16,11-2 0-16,0 0-5 0,0 0-16 15,0 0-12-15,17 5-4 16,-17-5-1-16,13 11-2 15,-13-11-2-15</inkml:trace>
+          <inkml:trace contextRef="#ctx0" brushRef="#br0" timeOffset="4239.4769">3621 4170 42 0,'0'0'20'15,"0"0"1"-15,-15 10-2 16,15-10-1-16,0 0-3 15,0 0-3-15,-12 2-2 16,12-2-4-16,0 0-3 16,0 0-1-16,0 0 0 15,0 0-1-15,0 0 1 16,0 0-1-16,6-11 1 16,-6 11-1-16,10-16 1 15,-10 16 0-15,16-21 0 0,-6 6 0 16,-1 1 1-16,2 0-1 15,-2-2 0-15,4 0 0 16,-4 4 0 0,-1 0-1-16,-8 12 0 0,13-15 0 15,-13 15 0-15,0 0-1 16,13-11 0-16,-13 11 1 16,0 0-1-16,0 0 0 15,0 0 0-15,11-16 1 16,-11 16-1-16,0 0 1 15,0 0-1-15,10-12 1 16,-10 12-1-16,0 0 2 16,0 0 0-16,0 0 1 0,0 0 2 15,9 12 2-15,-9-12-1 16,0 16 1 0,0-16-1-16,-4 18 0 15,4-18-2-15,-1 18-1 0,1-18-3 16,4 17 0-16,-3-5 0 15,-1-12 0-15,9 21 0 16,-2-9 0-16,0 1 0 16,2-1 0-16,2 0 0 15,-2 2 0-15,1-1 0 16,-10-13 0-16,14 21 0 16,-14-21 0-16,11 15 0 15,-11-15 0-15,5 12 0 16,-5-12 0-16,0 0 0 15,0 0 0-15,0 0 0 16,0 0 0-16,0 0 0 16,-15-8 0-16,15 8 0 0,0 0 0 15,-12-13 0-15,12 13 0 16,0 0 0-16,-17-9 0 16,17 9 0-16,-19-7 0 15,8 5 0-15,-2 1 0 16,-1-2 0-16,-5 0 0 15,4 0 0-15,-4 1 0 16,3 1 0-16,0-2 0 16,2 1 0-16,0-1 0 15,14 3 0-15,-21-4 0 16,21 4 0-16,-11 2 0 16,11-2 0-16,0 0-5 0,0 0-16 15,0 0-12-15,17 5-4 16,-17-5-1-16,13 11-2 15,-13-11-2-15</inkml:trace>
           <inkml:trace contextRef="#ctx0" brushRef="#br0" timeOffset="85143.7046">3337 5050 74 0,'0'0'31'0,"0"0"1"15,0 0-5-15,-14-10-9 16,14 10-1-16,-12-9-5 16,12 9 1-16,-13-9-3 15,13 9-4-15,-22-10-6 0,-3-3-4 31,-8 3-1-15,-6-4 0-16,-7 2 1 16,-9-2-2-16,-7 3 2 0,-4-1-1 15,-2 3 1-15,5 9 4 16,2 1 0-16,4 8 1 16,7 2-1-16,7 7 1 15,9 1-2-15,8 0 2 16,6 4-1-16,9-4 0 15,7 0 1-15,4-2 0 16,10-3-1-16,-10-14 0 0,19 20 1 16,-19-20-2-1,14 7 1-15,-14-7 0 16,-2-12-1-16,-7-1 0 16,-8-1 2-16,-5-2-2 15,-7-1 1-15,-8 1 0 0,-6 1 0 16,-6 4 0-16,-6 6 1 15,-3 5 0-15,-3 7-1 16,-4 8 1-16,-1 7 0 16,-3 7 0-16,5 7 1 15,3 6-2-15,3 3 2 16,9 1-2-16,4 0 1 16,15 0-1-16,7-10 0 15,10-2 0-15,6-9 0 16,7-6 0-16,0-19-1 15,13 16 1-15,-13-16 0 16,15 0-1-16,-15 0 1 0,0 0-4 16,7-13-4-16,-7 13-3 15,-25-7-1-15,1 5-1 16,0 12-1-16,-8 2-1 16,1 12 1-16,-3 5 4 15,-3 13 4-15,5 5 3 16,6 13 2-16,0 3 2 15,6 2 1-15,3 2 0 16,5 5 0-16,8-2 0 16,1-1 0-16,8-3-1 15,-1-10 0-15,4-5 0 16,0-11-1-16,1-8 1 16,1-15-1-16,-10-17-2 0,19-5-9 15,-12-12-8-15,2-2-4 16,-4-4 0-1,-2 5-4 1,-1 6 16-16,0 0 11 16,-2 12 0-16</inkml:trace>
         </inkml:traceGroup>
       </inkml:traceGroup>
@@ -1150,8 +1165,8 @@
               </emma:interpretation>
             </emma:emma>
           </inkml:annotationXML>
-          <inkml:trace contextRef="#ctx0" brushRef="#br0">3829 1525 59 0,'-7'-12'32'0,"7"12"-5"16,-18-11-7-16,18 11-4 15,-26-1-1-15,11 3-2 16,-6 2-4-16,4 3-4 16,-3 9-5-16,0 4 0 15,5 6 1-15,0 1-1 16,-1 3 0-16,9 0 1 16,1 3-1-16,6 2 0 15,3-6 1-15,4-1-1 0,3 0 1 16,0-2 1-16,1 3-1 15,0 2-1-15,-4-2 1 16,-2 1-1 0,-5-1 1-16,-5 1-1 0,-2-2 0 15,-3-4-1-15,-2-3 1 16,-1-5 1-16,-1-2-2 16,0-4 2-16,0-5-1 15,14-5 0-15,-21 2 1 16,21-2-1-16,-15-5 0 15,15 5 0-15,0 0 0 16,0 0 0-16,0 0 0 0,16-11 0 16,-16 11 0-16,25 5 0 15,-7 0 0 1,-3 6 0-16,1 5 1 16,-6 4-1-16,-5 7 0 15,-2 3 1-15,-6 9-1 0,-5 5 1 16,-8 5 0-16,-6 3 0 15,-4 2-1-15,1 0 1 16,-3-4 0-16,2 1-1 16,4-9 1-16,4 0-1 15,1-7 1-15,7-1-1 16,6-3 1-16,4-3 0 16,4 3-1-16,1 0 0 0,5 0 1 15,2-2-1 1,2-3 1-16,1-5 0 15,1-8-1-15,-5-9-16 16,11-4-11-16,-4-11-8 0,1 1-3 16,-2 0-3-16,-2 2-1 15</inkml:trace>
-          <inkml:trace contextRef="#ctx0" brushRef="#br1" timeOffset="-8035.6899">3836-169 14 0,'-13'-1'10'0,"13"1"-2"15,-25 3-2-15,13 1-1 16,-6 2 0-16,3 2-2 16,-2 5-1-1,-3 2 0-15,0 9 1 0,-1 2-2 16,3 7 1-16,0 4-1 15,3 8-1-15,-1 0 0 16,8 6 1-16,-1 2-1 16,5-2 1-16,5 4-1 15,4-6 0-15,2 6-1 16,-1-6 2-16,4-1-1 16,-1-2 0-16,-2-7 0 0,-3 0 1 15,-1-6-1-15,-2-3 1 16,-6-4-1-16,-2-4 1 15,-5-4-1-15,-1-2 1 16,-6 1-1-16,1-5 0 16,-2 0 0-16,0-1 1 15,4-3-1-15,0-2 1 16,1-1-1-16,15-5 1 16,-19 10-1-16,19-10 1 15,0 0-1-15,0 0 0 16,3 13 1-16,-3-13-1 15,17 10 0-15,-3-10 0 16,-14 0 1-16,25 13 0 0,-9-3 0 16,-5 3-1-1,0 3 1-15,-5 2 0 16,-2 5 1-16,-4 1-1 16,-1 4 0-16,-8 4 1 0,-2 3-2 15,-4-2 3-15,0 4 2 16,-1 0 3-16,1-2 4 15,2-2 0-15,-2-8 3 16,10 2-3-16,-1-8 3 16,8-1-3-16,2-4-3 15,-4-14-3-15,25 22-3 16,-8-12-2-16,5-2-2 16,-2 0 2-16,6-2-2 15,-5-2-18-15,4-5-16 16,-1-2-2-16,-7-3-3 15,-6 1-1-15,-11 5 18 16</inkml:trace>
+          <inkml:trace contextRef="#ctx0" brushRef="#br0">3827 1527 59 0,'-7'-12'32'0,"7"12"-5"16,-18-11-7-16,18 11-4 15,-26-1-1-15,11 3-2 16,-6 2-4-16,5 3-4 16,-4 9-5-16,0 4 0 15,5 6 1-15,0 1-1 16,-1 3 0-16,9 0 1 16,1 3-1-16,6 2 0 15,3-6 1-15,4-1-1 0,3 0 1 16,0-2 1-16,1 3-1 15,0 2-1-15,-4-2 1 16,-2 1-1 0,-5-1 1-16,-5 1-1 0,-2-2 0 15,-3-4-1-15,-2-3 1 16,-1-5 1-16,-1-2-2 16,0-4 2-16,0-5-1 15,14-5 0-15,-21 2 1 16,21-2-1-16,-15-5 0 15,15 5 0-15,0 0 0 16,0 0 0-16,0 0 0 0,16-11 0 16,-16 11 0-16,25 5 0 15,-7 0 0 1,-3 6 0-16,1 5 1 16,-6 4-1-16,-5 7 0 15,-2 3 1-15,-6 9-1 0,-5 5 1 16,-8 5 0-16,-6 3 0 15,-4 2-1-15,1 1 1 16,-3-5 0-16,3 1-1 16,3-9 1-16,4 0-1 15,1-7 1-15,7-1-1 16,6-3 1-16,4-3 0 16,4 3-1-16,1 0 0 0,5 0 1 15,2-2-1 1,2-3 1-16,1-5 0 15,1-8-1-15,-5-9-16 16,10-4-11-16,-3-11-8 0,1 1-3 16,-2 0-3-16,-2 2-1 15</inkml:trace>
+          <inkml:trace contextRef="#ctx0" brushRef="#br1" timeOffset="-8035.6899">3834-169 14 0,'-13'-1'10'0,"13"1"-2"15,-25 3-2-15,13 1-1 16,-6 2 0-16,3 2-2 16,-2 5-1-1,-2 2 0-15,-1 9 1 0,-1 2-2 16,3 7 1-16,0 4-1 15,3 8-1-15,-1 0 0 16,8 6 1-16,-1 2-1 16,5-2 1-16,5 4-1 15,4-6 0-15,2 7-1 16,-1-7 2-16,4-1-1 16,-1-2 0-16,-2-7 0 0,-3 0 1 15,-1-6-1-15,-2-3 1 16,-6-4-1-16,-2-4 1 15,-5-4-1-15,-1-2 1 16,-6 1-1-16,1-5 0 16,-2 0 0-16,1-1 1 15,3-3-1-15,0-2 1 16,1-1-1-16,15-5 1 16,-19 10-1-16,19-10 1 15,0 0-1-15,0 0 0 16,3 13 1-16,-3-13-1 15,17 10 0-15,-3-10 0 16,-14 0 1-16,25 13 0 0,-9-3 0 16,-6 3-1-1,1 3 1-15,-5 2 0 16,-2 5 1-16,-4 1-1 16,-1 4 0-16,-8 4 1 0,-2 3-2 15,-3-2 3-15,-1 4 2 16,-1 0 3-16,1-2 4 15,2-2 0-15,-2-8 3 16,10 2-3-16,-1-8 3 16,8-1-3-16,2-4-3 15,-4-14-3-15,25 22-3 16,-8-12-2-16,5-2-2 16,-2 0 2-16,5-2-2 15,-4-2-18-15,4-5-16 16,-1-2-2-16,-7-3-3 15,-6 1-1-15,-11 5 18 16</inkml:trace>
         </inkml:traceGroup>
       </inkml:traceGroup>
     </inkml:traceGroup>
@@ -1260,7 +1275,7 @@
           <inkml:trace contextRef="#ctx0" brushRef="#br0">79-57 32 0,'0'0'17'0,"-8"24"-6"15,4 0-5-15,-2 10-4 16,-2 8-1-16,1 7-1 16,0 6 0-16,-2-2-2 15,2-1-2-15,-1-5-2 16,0-9-3-16,3-10-5 15,3-15-4-15,2-13 3 16,0 0 15-16</inkml:trace>
           <inkml:trace contextRef="#ctx0" brushRef="#br0" timeOffset="451993.9652">76-234 64 0,'-20'6'30'0,"20"-6"-3"16,0 0-7-16,-23-4-6 16,23 4-2-16,0 0-3 15,0 0-20-15,0 0-12 16,0 0-8-16,0 0-2 15,23-7-1-15,-23 7-1 16</inkml:trace>
           <inkml:trace contextRef="#ctx0" brushRef="#br0" timeOffset="656.3083">273 41 20 0,'8'-13'13'0,"-8"13"-5"0,0 0-4 16,0 0 0-16,0 0-2 15,0 0 1-15,0 0-1 16,0 0 2-16,-9-13 2 16,9 13 2-16,0 0 3 15,-15-15 1-15,15 15-1 16,-13-2 1-16,13 2-1 15,-20 5-1-15,20-5-3 16,-24 19-2-16,13-5-2 16,-2 4-2-16,3 0 0 15,1 2 0-15,5-2 0 16,4-2 0-16,5 0 0 0,5-4 0 16,6-2 0-16,3-6 0 15,2 0 1-15,3 1-1 16,0-1 1-16,-5 0 0 15,-1 0 0-15,-4 3-1 16,-14-7 0-16,12 21 0 16,-15-9 0-16,-7 2 0 15,-6 1-1-15,-5 0 0 16,-1 0 0-16,-5-1 0 16,0-4 0-16,2-2 1 15,1 2-1-15,4-3 0 16,4-3 0-16,16-4 0 15,-20 0-6-15,20 0-11 0,0 0-9 16,0 0-9-16,0 0 0 16,20-9-2-16,-7 12 14 15</inkml:trace>
-          <inkml:trace contextRef="#ctx0" brushRef="#br0" timeOffset="1076.5539">542 262 52 0,'-20'6'32'0,"20"-6"-4"16,-16 2-7-16,16-2-5 16,0 0 0-16,0 0-4 15,16-2-16-15,8-1-14 16,-2-2-11-16,9 0-6 0,4 0 0 16,-1 3-2-16,2 2 19 15</inkml:trace>
+          <inkml:trace contextRef="#ctx0" brushRef="#br0" timeOffset="1076.5538">542 262 52 0,'-20'6'32'0,"20"-6"-4"16,-16 2-7-16,16-2-5 16,0 0 0-16,0 0-4 15,16-2-16-15,8-1-14 16,-2-2-11-16,9 0-6 0,4 0 0 16,-1 3-2-16,2 2 19 15</inkml:trace>
           <inkml:trace contextRef="#ctx0" brushRef="#br0" timeOffset="1599.7154">1001 392 69 0,'-3'-13'34'16,"8"-1"-1"-16,3-10-11 15,3-2-6-15,6-8-4 16,7-5-7-16,2-4-4 16,2-1-1-16,1 2 0 15,0-1 0-15,-1 4 0 0,-1 5 0 16,-7 3 1-16,-2 11-2 16,-7 5 1-16,-11 15 0 15,13-10-1-15,-13 10 0 16,-6 21 1-16,3 0-1 15,-1 11 0-15,-6 6 0 16,6 6 0-16,1 5 1 16,3 2 0-16,6-4 0 15,-1-3 0-15,-1-6 0 16,5-4-9-16,0-12-8 16,1-4-5-16,-10-18-8 15,0 0-4-15,0 0-2 16,0 0 0-16,0 0 35 0</inkml:trace>
           <inkml:trace contextRef="#ctx0" brushRef="#br0" timeOffset="1842.0664">992 256 35 0,'14'-8'20'15,"-2"5"-7"-15,7 0-8 0,7 0-5 16,0 1-7-16,0 0-10 16,5-1-4-1,0 5-1-15,-2-4 17 16,-3 7 5-16</inkml:trace>
         </inkml:traceGroup>
@@ -1370,7 +1385,7 @@
         </emma:interpretation>
       </emma:emma>
     </inkml:annotationXML>
-    <inkml:trace contextRef="#ctx0" brushRef="#br0">-13 98 44 0,'-18'0'19'16,"18"0"-4"-16,0 0-2 16,0 0 0-16,0 0 0 15,0 0-2-15,25 9 0 16,-25-9-1-16,32 5 0 15,-12-3-1-15,5 2-1 16,2-2-3-16,1 0-5 16,4-6 1-16,7 2-1 15,0-2 0-15,4-2 0 16,-1 0 0-16,1 0 0 16,1 0 0-16,1 2 0 15,-2 2 0-15,-4 1 0 0,6 1 0 16,-6 0 1-16,-6 0-1 15,4 0 0-15,-3 0 1 16,6-4-1-16,-1 0 0 16,-4 4 0-16,3-5 0 15,4 4 0-15,-1 1 0 16,-2-6 0-16,0 3 0 16,0-1 0-16,4 0 0 15,0 1 0-15,3 1 0 16,0-1 1-16,2-1-1 15,4-1 0-15,-3 3 0 16,1 2 0-16,-2 0 0 16,-1 0 0-16,-1 0 0 0,-2 0 0 15,-1 0 0-15,2 2 0 16,-6 2 0-16,1-7 0 16,-2 6 0-1,3-6 0-15,-2 3 0 0,9-5 0 16,2 4 0-16,1-3 0 15,6-1 0-15,-2 1 0 16,2 0 0-16,-3 3 0 16,-6-5 1-16,-6 6-1 15,-2 0 0-15,-9 0 0 16,-4 0 0-16,-1 0 0 16,-1-1 0-16,-3-1 0 15,3 4 0-15,-2-2 0 0,0 3 0 16,2 1-1-16,-4-1 1 15,6 3 0-15,-1-1 0 16,1 0 0-16,3-1 1 16,3-4-1-16,2 0 1 15,0 0-1-15,4 0 0 16,-1 0 0-16,-1 0 1 16,-1 0-1-16,0 1 0 15,-1 3 0-15,-3 1 0 16,0-1 0-16,-2-2 0 15,-2 3 1-15,5-5-2 16,-5 4 2-16,1-1-1 0,-1 3 0 16,1-5 0-16,1 1 0 15,-2 0 0-15,4-2 1 16,-4 0 0-16,6-4-1 16,-3 0 1-16,-1 1-1 15,0 0 0-15,-1 1 0 16,-1 0 0-16,1 2 0 15,-1-2 0-15,-3 2 0 16,1 2-1-16,-1 0 2 16,4-4-1-16,-5 4 0 15,2-2 0-15,-5 0 0 16,4 3 0-16,-4-3 0 16,-1 0 0-16,-1 2 0 0,-1-2 0 15,-4 0 0-15,6 0 0 16,-4 0 0-1,-16 0 0-15,29 2 0 16,-29-2 0-16,26 4 0 0,-26-4 0 16,27 0 0-16,-27 0 0 15,25 3 0-15,-25-3-1 16,23 3 1-16,-6-3 0 16,-17 0 0-16,27 4-1 15,-27-4 1-15,24 4 0 16,-24-4 0-16,19 0 0 15,-19 0-1-15,0 0-5 16,0 0-17-16,0 0-13 16,0 0-2-16,-11 17-1 0,11-17 0 15,-28 16 32-15</inkml:trace>
+    <inkml:trace contextRef="#ctx0" brushRef="#br0">-13 99 44 0,'-18'0'19'16,"18"0"-4"-16,0 0-2 16,0 0 0-16,0 0 0 15,0 0-2-15,25 10 0 16,-25-10-1-16,32 5 0 15,-12-3-1-15,5 2-1 16,2-2-3-16,1 0-5 16,4-6 1-16,8 2-1 15,-1-2 0-15,4-2 0 16,-1-1 0-16,1 1 0 16,1 0 0-16,1 2 0 15,-2 2 0-15,-4 1 0 0,7 1 0 16,-7 0 1-16,-6 0-1 15,4 0 0-15,-3 0 1 16,6-4-1-16,-1 0 0 16,-4 4 0-16,3-5 0 15,5 4 0-15,-2 1 0 16,-2-7 0-16,0 4 0 16,0 0 0-16,4-1 0 15,0 1 0-15,3 1 0 16,1-1 1-16,1-1-1 15,4-1 0-15,-3 3 0 16,1 2 0-16,-2 0 0 16,-1 0 0-16,-1 0 0 0,-1 0 0 15,-2 0 0-15,2 2 0 16,-6 2 0-16,1-7 0 16,-2 6 0-1,3-6 0-15,-2 3 0 0,10-5 0 16,1 4 0-16,1-3 0 15,6-2 0-15,-1 2 0 16,1 0 0-16,-3 3 0 16,-5-5 1-16,-7 6-1 15,-2 0 0-15,-9 0 0 16,-4 0 0-16,-1 0 0 16,-1-1 0-16,-3-1 0 15,3 4 0-15,-2-2 0 0,0 3 0 16,2 1-1-16,-3-1 1 15,5 3 0-15,-1 0 0 16,1-1 0-16,3-1 1 16,3-4-1-16,2 0 1 15,0 0-1-15,4 0 0 16,-1 0 0-16,-1 0 1 16,0 0-1-16,-1 1 0 15,-1 3 0-15,-3 1 0 16,0-1 0-16,-2-2 0 15,-2 3 1-15,5-5-2 16,-5 3 2-16,1 0-1 0,-1 4 0 16,2-6 0-16,0 1 0 15,-2 0 0-15,4-2 1 16,-4 0 0-16,6-4-1 16,-3 0 1-16,-1 0-1 15,0 1 0-15,-1 2 0 16,-1-1 0-16,1 2 0 15,0-2 0-15,-4 2 0 16,1 2-1-16,-1 0 2 16,4-4-1-16,-5 4 0 15,2-2 0-15,-5 0 0 16,4 2 0-16,-4-2 0 16,-1 0 0-16,-1 2 0 0,-1-2 0 15,-4 0 0-15,6 0 0 16,-4 0 0-1,-16 0 0-15,30 3 0 16,-30-3 0-16,26 4 0 0,-26-4 0 16,27 0 0-16,-27 0 0 15,25 3 0-15,-25-3-1 16,23 3 1-16,-6-3 0 16,-17 0 0-16,27 4-1 15,-27-4 1-15,24 4 0 16,-24-4 0-16,19 0 0 15,-19 0-1-15,0 0-5 16,0 0-17-16,0 0-13 16,0 0-2-16,-11 17-1 0,11-17 0 15,-28 17 32-15</inkml:trace>
   </inkml:traceGroup>
 </inkml:ink>
 </file>
@@ -1453,7 +1468,7 @@
         </emma:interpretation>
       </emma:emma>
     </inkml:annotationXML>
-    <inkml:trace contextRef="#ctx0" brushRef="#br0">2674 1931 56 0,'0'0'17'0,"1"-25"-4"16,-1 25-5-16,4-33-3 16,-3 13-1-16,-1-4-1 0,3-2 1 15,0-2 1-15,-1 0 1 16,-1-6 1-16,3 4 2 16,-2 0 1-16,1-2 1 15,-3-2-2-15,3 4 0 16,-3-1-1-16,1 2 0 15,-1 1-3-15,4-2 1 16,-4 3-3-16,0-1-1 16,0-1 1-16,0-1-2 15,-4 2 1-15,4 0-1 16,-1 0 0-16,1 5 0 16,0-4 1-16,-3 0-1 15,0 3 0-15,6-1 0 0,-3 0 0 16,-3 6 0-16,3-3-1 15,0-3 0-15,0 6 0 16,0 1 0-16,3-1 1 16,-6 1-1-16,3 2 0 15,-2 0 1-15,2 0-1 16,0 16 0-16,0-21 0 16,0 21-1-16,0 0 1 15,-13-16 0-15,13 16 0 16,0 0-1-16,0 0 1 15,0 0 0-15,-19-4 0 16,19 4 0-16,0 0 0 16,0 0 0-16,-16-3 0 0,16 3 0 15,0 0 0-15,-23-6 0 16,23 6 0-16,-20-5 0 16,20 5 0-16,-21-3 0 15,3 1 0-15,18 2 1 16,-33 0-1-16,15 0 0 15,-3 2 0-15,0-2 1 16,-5 2-1-16,-2-1 0 16,-2 3 0-16,-2 0 1 15,0-3-1-15,-7 3 0 16,5 1 0-16,-5-3 1 16,-2 1-1-16,2 1 0 15,2 1 2-15,0-2-2 0,1 1 0 16,0 0 1-16,3 1-1 15,-1 0 1-15,2-3-1 16,-4 2 0 0,3-2 0-16,0-1 0 0,0 1 1 15,-3 0-1-15,3 0 0 16,-1-2 0-16,0 0 0 16,-3 0 0-16,1 0 0 15,-1-2 1-15,0 0-1 16,0 2 0-16,-1-3 0 15,1-3 0-15,3 3 0 16,2-1 0-16,-1 0 0 0,4 4 0 16,-1 0 0-16,7-5 0 15,0 5 0-15,-6-1 1 16,8 2-1 0,-6 1 0-16,1-2 0 0,0 0 0 15,2 0 0-15,-3 0 0 16,3 3 0-16,-3-3 0 15,0 0 0-15,0-1 0 16,1 1 0-16,-1-2 0 16,0 2 0-16,-1 0 0 15,0 0 0-15,-3 0 1 16,1-2-1-16,-1 2 0 16,-2 0 0-16,5 0 0 0,-2-4 0 15,1 4 0 1,6 3 0-16,0-3 0 15,0-3 0-15,3 2-1 16,4-3 2-16,-2 3-1 0,1-1 0 16,1-2 0-16,-4 3 0 15,4-3 0-15,1 4 0 16,15 0 0-16,-33 2 0 16,18-2 0-16,15 0 0 15,-27 5 0-15,9-3 0 16,18-2 0-16,-27 7 0 15,27-7 0-15,-24 4 1 16,24-4-1-16,-24 3 0 16,24-3 0-16,-21 0 0 15,21 0 0-15,-16 0 0 16,16 0 0-16,-16-3 0 16,16 3 0-16,0 0 0 0,-16-3 0 15,16 3 0-15,0 0 0 16,-18 3 0-16,18-3 0 15,0 0 0-15,-15 0 0 16,15 0 0-16,0 0 0 16,0 0-1-16,-20-15 1 15,20 15 0-15,-7-19-1 16,7 19 1-16,-3-26 0 16,0 8 0-16,-3-6 1 15,6 2-2-15,0-7 2 16,1 1-1-16,3-4 1 15,-3 0-1-15,5-3 0 16,1 1 0-16,4 2 0 0,-6-2 0 16,0 3 0-16,0-1 0 15,-1 0 0-15,1-3 0 16,-3 3 0-16,0 0-1 16,2-4 1-16,1 3 0 15,-2-1 0-15,1 2 0 16,-2 6 0-16,0 1-1 15,-2 3 1-15,3 5 0 16,-3 17-1-16,0-22 1 16,0 22 0-16,0 0 0 15,-5-22-1-15,5 22 1 16,0 0 0-16,-4-20 0 16,4 20 0-16,0 0 0 0,-3-19-1 15,3 19 1-15,0 0 0 16,0 0 0-16,0 0 0 15,0 0 1 1,0 0-1-16,0 0 0 0,0 0 1 16,-9 16 0-16,9-16-1 15,0 0 1-15,0 0-1 16,0 0 0-16,0 0-2 16,0 0-15-16,0 0-7 15,0 0-10-15,-4-20-1 16,4 20-2-16,0 0 0 15,0 0-2-15</inkml:trace>
+    <inkml:trace contextRef="#ctx0" brushRef="#br0">2673 1932 56 0,'0'0'17'0,"1"-25"-4"16,-1 25-5-16,4-33-3 16,-3 13-1-16,-1-4-1 0,3-2 1 15,0-2 1-15,-1 0 1 16,-1-6 1-16,3 4 2 16,-2 0 1-16,1-2 1 15,-3-2-2-15,3 4 0 16,-3-1-1-16,1 2 0 15,-1 1-3-15,4-2 1 16,-4 3-3-16,0-1-1 16,0-1 1-16,0-1-2 15,-4 2 1-15,4 0-1 16,-1 0 0-16,1 5 0 16,0-4 1-16,-3 0-1 15,0 3 0-15,6-1 0 0,-3 0 0 16,-3 6 0-16,3-3-1 15,0-3 0-15,0 6 0 16,0 1 0-16,3-1 1 16,-6 0-1-16,3 3 0 15,-2 0 1-15,2 0-1 16,0 16 0-16,0-21 0 16,0 21-1-16,0 0 1 15,-13-16 0-15,13 16 0 16,0 0-1-16,0 0 1 15,0 0 0-15,-19-4 0 16,19 4 0-16,0 0 0 16,0 0 0-16,-16-3 0 0,16 3 0 15,0 0 0-15,-23-6 0 16,23 6 0-16,-20-5 0 16,20 5 0-16,-21-3 0 15,3 1 0-15,18 2 1 16,-33 0-1-16,15 0 0 15,-3 2 0-15,0-2 1 16,-5 2-1-16,-2-1 0 16,-2 3 0-16,-2 0 1 15,0-3-1-15,-7 3 0 16,5 1 0-16,-5-3 1 16,-2 1-1-16,2 1 0 15,2 1 2-15,0-2-2 0,1 1 0 16,0 0 1-16,3 1-1 15,-1 0 1-15,2-3-1 16,-4 2 0 0,3-2 0-16,0-1 0 0,0 1 1 15,-3 0-1-15,3 0 0 16,-1-2 0-16,0 0 0 16,-3 0 0-16,1 0 0 15,-1-2 1-15,0 0-1 16,0 2 0-16,-1-3 0 15,1-3 0-15,4 3 0 16,1-1 0-16,-1 0 0 0,4 4 0 16,-1 0 0-16,7-5 0 15,0 5 0-15,-6-1 1 16,8 2-1 0,-6 1 0-16,1-2 0 0,0 0 0 15,2 0 0-15,-3 0 0 16,3 3 0-16,-3-3 0 15,0 0 0-15,0-1 0 16,1 1 0-16,-1-2 0 16,0 2 0-16,-1 0 0 15,0 0 0-15,-3 0 1 16,1-2-1-16,-1 2 0 16,-2 0 0-16,5 0 0 0,-2-4 0 15,1 4 0 1,6 3 0-16,0-3 0 15,0-3 0-15,3 2-1 16,4-3 2-16,-2 3-1 0,1-1 0 16,1-2 0-16,-4 3 0 15,4-3 0-15,1 4 0 16,15 0 0-16,-33 2 0 16,18-2 0-16,15 0 0 15,-27 5 0-15,9-3 0 16,18-2 0-16,-27 7 0 15,27-7 0-15,-24 4 1 16,24-4-1-16,-24 3 0 16,24-3 0-16,-21 0 0 15,21 0 0-15,-16 0 0 16,16 0 0-16,-16-3 0 16,16 3 0-16,0 0 0 0,-16-3 0 15,16 3 0-15,0 0 0 16,-18 3 0-16,18-3 0 15,0 0 0-15,-15 0 0 16,15 0 0-16,0 0 0 16,0 0-1-16,-20-15 1 15,20 15 0-15,-7-19-1 16,7 19 1-16,-3-26 0 16,0 8 0-16,-3-6 1 15,6 2-2-15,0-7 2 16,1 1-1-16,3-4 1 15,-3 0-1-15,5-3 0 16,1 1 0-16,4 2 0 0,-6-2 0 16,0 3 0-16,0-1 0 15,-1 0 0-15,1-3 0 16,-3 3 0-16,0 0-1 16,2-4 1-16,1 3 0 15,-2-1 0-15,1 2 0 16,-2 6 0-16,0 1-1 15,-2 3 1-15,3 5 0 16,-3 17-1-16,0-22 1 16,0 22 0-16,0 0 0 15,-5-22-1-15,5 22 1 16,0 0 0-16,-4-20 0 16,4 20 0-16,0 0 0 0,-3-19-1 15,3 19 1-15,0 0 0 16,0 0 0-16,0 0 0 15,0 0 1 1,0 0-1-16,0 0 0 0,0 0 1 16,-9 16 0-16,9-16-1 15,0 0 1-15,0 0-1 16,0 0 0-16,0 0-2 16,0 0-15-16,0 0-7 15,0 0-10-15,-4-20-1 16,4 20-2-16,0 0 0 15,0 0-2-15</inkml:trace>
   </inkml:traceGroup>
 </inkml:ink>
 </file>
@@ -2215,7 +2230,7 @@
           </inkml:annotationXML>
           <inkml:trace contextRef="#ctx0" brushRef="#br0">46-11 75 0,'0'0'33'15,"-6"30"-3"-15,1 10-12 0,4 17-3 16,-2 8 0-16,2 16-2 16,-1 5-3-16,4 7-4 15,-1-3-5-15,2-4-4 16,-1-13-8-16,-1-17-3 16,2-15-4-16,-5-25-4 15,2-16-5-15,-4-15-5 16,-2-16 0-16,-3-15 1 15,0-10 7-15,-2-4 23 16</inkml:trace>
           <inkml:trace contextRef="#ctx0" brushRef="#br0" timeOffset="784.5244">37 105 19 0,'0'0'9'15,"0"0"-1"-15,0 0 0 16,0 0 1-16,0 0-1 15,0 0-1-15,0 0 1 16,0 0-1-16,0 0-2 16,0 0-1-16,0 0 0 15,0 0-2-15,0 0-1 0,0 0 1 16,7-10 1 0,-7 10 2-16,0 0 1 15,0 0 1-15,11 6 0 16,-11-6 0-16,8 25 0 15,-4-8 0-15,2 5-3 0,1 1 0 16,3 1-3-16,-2-2 1 16,5-2-3-16,1-4 2 15,2-6-2-15,3-6 1 16,2-4-1-16,-1-9 0 16,2-4 2-16,0-4-2 15,-1-5 2-15,-3-3-2 16,1 0 1-16,-6 0 0 15,0 3 1-15,-3 3-1 16,-3 7 2-16,-7 12 1 16,0 0 1-16,6 10 2 15,-10 14-1-15,0 12 2 0,2 9-2 16,-1 7 1-16,1 6-3 16,-1 5 1-16,3 0-2 15,3-3-2-15,0-5-9 16,3-5-6-16,0-12 0 15,-1 0-8-15,-1-14-3 16,2-6-6-16,-3-5 2 16,-3-13-2-16,4 14 9 15</inkml:trace>
-          <inkml:trace contextRef="#ctx0" brushRef="#br0" timeOffset="1394.3843">577 258 105 0,'-13'-9'39'0,"6"-8"-3"16,7-4-31-16,7-8-25 15,9-5-15-15,5-3-4 16,2-3 1-16,2-1-4 16</inkml:trace>
+          <inkml:trace contextRef="#ctx0" brushRef="#br0" timeOffset="1394.3841">577 258 105 0,'-13'-9'39'0,"6"-8"-3"16,7-4-31-16,7-8-25 15,9-5-15-15,5-3-4 16,2-3 1-16,2-1-4 16</inkml:trace>
           <inkml:trace contextRef="#ctx0" brushRef="#br0" timeOffset="1212.2616">545 643 61 0,'0'0'26'15,"0"0"0"-15,13 2-5 16,0-4-6-16,-1-7 0 16,6 1-1-16,-1-6-2 15,3-1-3-15,-4-6-3 0,0 4-2 16,-5-3-4-16,-4 2 0 16,-5 3-1-16,-6 3 1 15,4 12 0-15,-17-6 0 16,4 14 0-16,0 8 1 15,2 8-1-15,0 3 0 16,7 5 1-16,5-1 0 16,5 1-1-16,7-3 1 15,5-6-12-15,6-8-8 16,2-6-11-16,2-10-5 16,2-7-1-16,-4-8-3 15,-5-7 1-15</inkml:trace>
           <inkml:trace contextRef="#ctx0" brushRef="#br0" timeOffset="2772.8407">910-18 75 0,'-8'16'36'0,"5"14"0"15,-4 10-16-15,4 14-6 16,3 7-1-16,2 11-7 16,2 4-15-16,-1-3-4 15,1-6 1-15,1-9-3 16,1-13-1-16,-4-14 0 15,2-13-2-15,-4-18 1 16,-4-15 8-16,1-6 4 16,-3-9 0-16,0-5 2 0,-1-2 1 15,-1 1 2-15,3 2 0 16,1 4 2-16,2 7 2 16,2 7 2-16,0 5 3 15,0 11 1-15,11-4 0 16,-1 10 0-16,2-3 1 15,6 4-2-15,2-6-1 16,5-5-3-16,1-5-2 16,4-8 0-16,0-6-2 15,-1-10 1-15,0-5-2 16,-4-4 1-16,-6-2-1 16,-3 1 0-16,-7 0 0 15,-4 8 1-15,-4 5 0 0,-4 10 1 16,-3 8 1-16,6 12 1 15,-17 7 1-15,8 15 0 16,1 14-1-16,3 11 1 16,3 12-1-16,2 13-3 15,5 7 1-15,-1 5-2 16,4-2 1-16,4-7-2 16,1-4 0-16,0-16-1 15,-4-16 1-15,2-15 0 16,0-19-1-16,1-12 1 15,-3-11-1-15,-1-7 1 16,1-5 1-16,-1-2-1 16,0 4 0-16,1 7 2 0,0 5 0 15,-9 16 0-15,17-5 1 16,-9 17 0-16,0 5 0 16,4 7 0-16,-2 3 0 15,3 0-1-15,-1 0 0 16,3-5-1-16,3-4 0 15,0-6-1-15,5-6 0 16,0-8 1-16,3-7-1 16,-1-5-1-16,2-6 1 15,-2-1 0-15,-1-5 0 16,-5-2 0-16,-6 0 0 16,-3 4 1-16,-8 1 1 0,-6 5 0 15,-8 5 2-15,-3 5 0 16,-3 8 0-16,-2 5-1 15,-2 8 1 1,6 3-1-16,-2 1 1 16,7 1-2-16,6-1-1 0,4-1-1 15,3-6 1-15,-2-10-2 16,21 8-3-16,-8-14-7 16,3-1-5-16,-5-10-1 15,0 2-2-15,-4-8 0 16,-3 1-2-16,-8 0-2 15,-3 2 0-15,-2 8 3 16,-4-3 3-16,13 15 18 0,-17-8 0 16</inkml:trace>
           <inkml:trace contextRef="#ctx0" brushRef="#br0" timeOffset="3892.2403">1870 496 42 0,'0'0'19'16,"0"0"-5"-16,-15-5-5 0,15 5-3 16,-18 5-1-16,18-5-1 15,-20 17 0-15,11-5-2 16,-1 5 0 0,4-2-1-16,0 8 0 0,3-1-1 15,3 2 1-15,3-3 0 16,3-4-1-16,3-4 0 15,4-9 0-15,3-5 0 16,3-15-1-16,2-8 1 16,-2-11-2-16,3-7 1 15,-3-7 0-15,-1-3-1 16,-1-3 1-16,-4 2 1 0,-5 4 3 16,-4 9 4-16,-4 8 4 15,0 9 3 1,-7 11-2-16,7 12 2 15,-14 21-1-15,7 11-2 16,-1 7-1-16,5 11-5 0,2 8-3 16,6 2-3-16,3 0 2 15,2-2-2-15,7-9 1 16,1-12 0-16,4-9 0 16,0-15 0-16,2-13-1 15,1-11 0-15,-4-10 2 16,0-8-2-16,-5-7 1 15,-3 2 0-15,-6-1-1 0,-4 3 1 16,-9 6 0-16,-1 8 1 16,-6 9 0-1,0 9 0-15,1 10 0 16,-3 7 0-16,6 7 0 0,3 6 1 16,6 0-2-16,7 2 1 15,6-1-4-15,3-10-12 16,10-3-5-16,-4-10-7 15,7-6-7-15,-3-4-2 16,-2-5-2-16,-1-4 2 16</inkml:trace>
@@ -2255,7 +2270,7 @@
           <inkml:trace contextRef="#ctx0" brushRef="#br0" timeOffset="9052.4715">2197 1528 46 0,'0'0'27'0,"-9"-8"-1"15,9 8-5-15,-4-12-3 16,4 12-1-16,-8-12-1 16,8 12-1-16,-9-13-3 15,9 13-3-15,-21-11-3 16,11 8-2-16,-2 3-3 16,-4 3 0-16,3 2-1 15,0 7 1-15,-2 0 0 16,6 6 0-16,1 1 0 15,3 1 0-15,5-3-1 0,1-3 0 16,6-2-1-16,-7-12 1 16,22 13-1-16,-6-14 0 15,1-4 0-15,3 0 1 16,-2-3-1-16,0 1 0 16,-4-1 1-16,1 2 0 15,-5 3 0-15,-10 3 1 16,16 2-1-16,-16-2 1 15,10 25 0-15,-7-2-1 16,3 9 1-16,-2 10 1 16,2 6-1-16,1 5 0 15,1 6 1-15,-1 3-1 16,0-1 0-16,0-3 0 0,-2-5 0 16,-3-10-1-16,-4-8-1 15,0-10 1-15,-8-12-1 16,-1-10 0-16,-4-10 0 15,0-11 0-15,-3-9 0 16,2-7 1-16,2-6-1 16,2-4 1-16,7-1-1 15,3-5 0-15,7 1-1 16,6 2 2-16,6 3-2 16,4 3 2-16,4 3-2 15,5 8 2-15,2 1-1 16,0 4 1-16,-3-1-1 0,-2 3 0 15,-3 0 1-15,-6 1-1 16,-4 2 1-16,-6 0-1 16,-6 0 2-16,-3 6-1 15,1 14 1-15,-17-15-1 16,4 19 1-16,0 1 0 16,0 10 0-16,2 5 0 15,3 2 0-15,6 1-1 16,4 2 0-16,5-3 0 15,5-2 0-15,5-6-1 16,6-3-10-16,-1-7-12 16,7-4-11-16,-4-5-3 15,2-3-1-15,-5-7-1 0,-3-4 4 16</inkml:trace>
           <inkml:trace contextRef="#ctx0" brushRef="#br0" timeOffset="9282.6253">2383 1245 127 0,'-12'-5'35'15,"12"5"-6"-15,-16-20-16 16,12 5-6-16,8-6-9 0,-1-3-17 15,7 1-10-15,2 2-5 16,3 8-2-16,1 4-1 16,1 9-1-16</inkml:trace>
           <inkml:trace contextRef="#ctx0" brushRef="#br0" timeOffset="9828.9902">2578 1531 65 0,'0'0'35'0,"0"0"-1"16,0 0-8-16,12 5-8 0,0-6-2 15,0-6-3 1,6-1-8-16,-1-3-5 16,2-2-1-16,-4-2 1 15,-3-3 1-15,-5 2-1 0,-5-1 0 16,-5 4 0-16,3 13 1 16,-22-15 0-16,6 15 0 15,-3 6-1-15,2 7 0 16,-2 6 1-16,6 2-2 15,2 2 2-15,5 2-1 16,6 2 0-16,6-3-1 16,6-6 1-16,2-5-12 15,12-3-11-15,-3-6-8 16,7-4-6-16,-2-6-1 16,0-4-1-16,-1-3 5 15</inkml:trace>
-          <inkml:trace contextRef="#ctx0" brushRef="#br0" timeOffset="10204.9585">2947 1401 112 0,'-6'-12'37'15,"6"12"-5"-15,-21-10-14 16,6 10-5-16,-3 7-12 15,-3 4-1-15,4 4 1 16,-4 3-1-16,6 0 0 16,2 3 0-16,5-3 0 0,6-3-1 15,6-2 1-15,-4-13 0 16,23 13 0-16,-7-9 0 16,3 1-1-16,4-1 2 15,-4 1-1-15,0 5 0 16,-6-1 0-16,-2 4 1 15,-5 6 0-15,-4 2-1 16,-6-2 0-16,-5-1 0 16,-6-3-3-16,-2-8-15 15,2 1-7-15,-4-10-10 16,4-4-2-16,0-3-1 16,5-2-2-16,3-1 22 15</inkml:trace>
+          <inkml:trace contextRef="#ctx0" brushRef="#br0" timeOffset="10204.9584">2947 1401 112 0,'-6'-12'37'15,"6"12"-5"-15,-21-10-14 16,6 10-5-16,-3 7-12 15,-3 4-1-15,4 4 1 16,-4 3-1-16,6 0 0 16,2 3 0-16,5-3 0 0,6-3-1 15,6-2 1-15,-4-13 0 16,23 13 0-16,-7-9 0 16,3 1-1-16,4-1 2 15,-4 1-1-15,0 5 0 16,-6-1 0-16,-2 4 1 15,-5 6 0-15,-4 2-1 16,-6-2 0-16,-5-1 0 16,-6-3-3-16,-2-8-15 15,2 1-7-15,-4-10-10 16,4-4-2-16,0-3-1 16,5-2-2-16,3-1 22 15</inkml:trace>
         </inkml:traceGroup>
       </inkml:traceGroup>
     </inkml:traceGroup>
@@ -2421,6 +2436,75 @@
 </inkml:ink>
 </file>
 
+<file path=ppt/ink/ink47.xml><?xml version="1.0" encoding="utf-8"?>
+<inkml:ink xmlns:inkml="http://www.w3.org/2003/InkML">
+  <inkml:definitions>
+    <inkml:context xml:id="ctx0">
+      <inkml:inkSource xml:id="inkSrc0">
+        <inkml:traceFormat>
+          <inkml:channel name="X" type="integer" max="25740" units="cm"/>
+          <inkml:channel name="Y" type="integer" max="14520" units="cm"/>
+          <inkml:channel name="F" type="integer" max="255" units="dev"/>
+          <inkml:channel name="T" type="integer" max="2.14748E9" units="dev"/>
+        </inkml:traceFormat>
+        <inkml:channelProperties>
+          <inkml:channelProperty channel="X" name="resolution" value="1000" units="1/cm"/>
+          <inkml:channelProperty channel="Y" name="resolution" value="1000" units="1/cm"/>
+          <inkml:channelProperty channel="F" name="resolution" value="0" units="1/dev"/>
+          <inkml:channelProperty channel="T" name="resolution" value="1" units="1/dev"/>
+        </inkml:channelProperties>
+      </inkml:inkSource>
+      <inkml:timestamp xml:id="ts0" timeString="2014-06-17T06:57:48.157"/>
+    </inkml:context>
+    <inkml:brush xml:id="br0">
+      <inkml:brushProperty name="width" value="0.03528" units="cm"/>
+      <inkml:brushProperty name="height" value="0.03528" units="cm"/>
+      <inkml:brushProperty name="fitToCurve" value="1"/>
+    </inkml:brush>
+  </inkml:definitions>
+  <inkml:traceGroup>
+    <inkml:annotationXML>
+      <emma:emma xmlns:emma="http://www.w3.org/2003/04/emma" version="1.0">
+        <emma:interpretation id="{EBF41250-45D7-42D8-B63E-F27684FF58ED}" emma:medium="tactile" emma:mode="ink">
+          <msink:context xmlns:msink="http://schemas.microsoft.com/ink/2010/main" type="inkDrawing" rotatedBoundingBox="1052,6083 6080,6796 5885,8172 857,7459" shapeName="None"/>
+        </emma:interpretation>
+      </emma:emma>
+    </inkml:annotationXML>
+    <inkml:trace contextRef="#ctx0" brushRef="#br0">18-3 52 0,'0'0'28'16,"0"0"0"-16,-21 0-3 16,21 0-4-16,0 0-3 15,0 0-2-15,0 0-2 16,0 0-2-16,16 8-4 16,-16-8-5-16,22 6-3 15,-4-5 0-15,1 5 0 0,8 1 0 16,-3-2 0-16,6 4 0 15,0-1 0-15,1 3 0 16,1-6 0-16,3 2-1 16,0-2 1-16,4 1-1 15,3-6 0-15,3 0 1 16,5-2-1-16,0 0 1 16,5-3-1-16,-1 0 1 15,2 3 0-15,0-5 0 16,-1 3 0-16,-1 1 0 15,-3-1 0-15,-2-1 0 16,-1 2-1-16,-3 1 1 16,3 2 0-16,-5 0 0 0,5 2 0 15,-3-1 0-15,6 3 0 16,0-1 0 0,0 4 0-16,2 0 0 15,-2 0 0-15,-1-3 0 0,-2 3 0 16,1 0 0-16,-2-2 0 15,6 0 0-15,-2 1 0 16,3-5 0-16,1 1 0 16,4 2 0-16,4-4 0 15,4 0 0-15,1 1 0 16,-3 1 1-16,2-2-1 16,-4 4 0-16,-3-1 1 15,-6 1-1-15,-3 3 0 0,-9-2 1 16,-2 2-1-1,-3 2 1-15,-5-2-1 16,1 1 0-16,-6-1 0 16,2 2 1-16,-2-2-1 0,-3 0 0 15,4-2 0-15,2 1 0 16,-2-5 0-16,4 5 0 16,1-5 0-16,4-1-1 15,0 0 2-15,-4 6-1 16,4-5 0-16,0-2 0 15,0 2 0-15,-6 3 0 16,3-1 0-16,-1 1 0 16,0 1 0-16,2-1 0 15,0 1 0-15,4 0-1 16,-2-1 1-16,3-4 0 16,-1 0 0-16,3 0-1 15,-2-2 1-15,2-3 0 0,2-2-1 16,2 0 1-16,-1 0-1 15,1 0 1-15,3-2 0 16,-1-2 0-16,-3 4 0 16,6 0-1-16,-5 4 1 15,-3-2 0-15,-4 3 1 16,7 2-1-16,-8 0 0 16,3 2 0-16,-3-4 0 15,4 0 0-15,-3 0 0 16,0-3-1-16,-1-2 1 15,-1 0 0-15,0-2-1 16,0-3 2-16,1 2-2 16,-6-1 1-16,3 2 0 0,-2-1-1 15,-1 3 2-15,-4-4-1 16,2 3-1-16,-6 1 1 16,-1 0 0-16,-2 1-1 15,-2-1 2-15,-3 2-1 16,-16 5-1-16,25-7 1 15,-25 7 1-15,0 0 0 16,21-5 0-16,-21 5 1 16,0 0-1-16,5 17 0 15,-5-17 0-15,-2 27 0 16,-1-10 0-16,1 4 0 16,0 4-1-16,1 1 0 0,-3 4 0 15,1 5 0-15,3 1 1 16,0 6-1-16,0 4 0 15,0 1 2 1,-2 2-2-16,0 2 2 0,0 0-1 16,-1-4 1-16,-1-5-1 15,-3 1 0-15,2-6 0 16,-2 2 0-16,2-8 0 16,-2 1-1-16,1-4 1 15,5 0-1-15,-5 0 1 16,5-4-1-16,1 2 0 15,0-6 0-15,0 2 1 16,0 1-1-16,0-2 0 0,0 0 1 16,1-2-2-16,5-1 2 15,-6-1-1 1,0 3 0-16,0-5-1 16,0-15 1-16,0 25 0 0,0-25 0 15,-4 21 0-15,4-21 0 16,-2 21 0-16,2-21-1 15,-1 23 1-15,1-23 1 16,-6 24-1-16,6-24-1 16,0 26 0-16,0-26 2 15,0 21-2-15,0-21 1 16,0 19 0-16,0-19-1 16,4 18 1-16,-4-18 0 15,0 0 0-15,0 21-1 16,0-21 1-16,0 0 0 15,0 0-1-15,0 0 0 16,0 0 1-16,0 0-1 0,0 0 0 16,0 0 0-16,0 0 1 15,0 0 1-15,0 0-1 16,0 0 1-16,-4 16-1 16,4-16 1-16,0 19 0 15,0-19-1-15,6 19 0 16,-6-19 0-16,0 0-1 15,0 0 0-15,0 0-3 16,0 0-15-16,14-17-15 0,-14 17-3 16,5-21-2-1,-5 21-2-15,0 0 0 16</inkml:trace>
+  </inkml:traceGroup>
+</inkml:ink>
+</file>
+
+<file path=ppt/ink/ink48.xml><?xml version="1.0" encoding="utf-8"?>
+<inkml:ink xmlns:inkml="http://www.w3.org/2003/InkML">
+  <inkml:definitions>
+    <inkml:context xml:id="ctx0">
+      <inkml:inkSource xml:id="inkSrc0">
+        <inkml:traceFormat>
+          <inkml:channel name="X" type="integer" max="25740" units="cm"/>
+          <inkml:channel name="Y" type="integer" max="14520" units="cm"/>
+          <inkml:channel name="F" type="integer" max="255" units="dev"/>
+          <inkml:channel name="T" type="integer" max="2.14748E9" units="dev"/>
+        </inkml:traceFormat>
+        <inkml:channelProperties>
+          <inkml:channelProperty channel="X" name="resolution" value="1000" units="1/cm"/>
+          <inkml:channelProperty channel="Y" name="resolution" value="1000" units="1/cm"/>
+          <inkml:channelProperty channel="F" name="resolution" value="0" units="1/dev"/>
+          <inkml:channelProperty channel="T" name="resolution" value="1" units="1/dev"/>
+        </inkml:channelProperties>
+      </inkml:inkSource>
+      <inkml:timestamp xml:id="ts0" timeString="2014-06-17T07:17:46.694"/>
+    </inkml:context>
+    <inkml:brush xml:id="br0">
+      <inkml:brushProperty name="width" value="0.03528" units="cm"/>
+      <inkml:brushProperty name="height" value="0.03528" units="cm"/>
+      <inkml:brushProperty name="fitToCurve" value="1"/>
+    </inkml:brush>
+  </inkml:definitions>
+  <inkml:trace contextRef="#ctx0" brushRef="#br0">65 83 13 0,'0'0'10'16,"0"-20"1"-16,0 20 0 15,-2-15 1-15,2 15 0 0,-2-16 1 16,2 16 1-16,-3-18 3 15,3 18 2-15,0 0-2 16,0 0-1-16,-9-15-1 16,9 15-1-16,0 0-2 15,0 0-3-15,-9 17-5 16,9-17-4-16,-2 23 0 16,1-7 0-16,1-1 0 15,-2 8-1-15,-2 0 1 0,3 5 0 16,-1 0-1-1,0 5 0-15,-1 0 0 16,-3 2-1-16,1-1 2 16,1-6-2-16,3-2 2 0,-3-3-2 15,1-8 2-15,3-15 0 16,0 18 0-16,0-18 0 16,0 0 1-16,0 0-1 15,0 0 0-15,0 0 0 16,0 0 1-16,17-9-1 15,-17 9 0-15,0 0 0 16,0 0 0-16,0 0 0 16,0 0 0-16,0 0 0 15,0 0 0-15,0 0 0 16,0-16 1-16,0 16-1 16,0 0 0-16,16-21 0 0,-16 21 0 15,18-15-1-15,-18 15 2 16,24-18-1-16,-24 18 0 15,25-19 1-15,-10 7-1 16,-15 12 2-16,30-23-2 16,-30 23 1-16,25-25-1 15,-25 25 2-15,24-21-2 16,-24 21 1-16,20-12-1 16,-20 12 0-16,16-3 0 15,-16 3 0-15,17-4 0 16,-17 4 0-16,0 0 0 15,16-3 0-15,-16 3 0 16,0 0 0-16,0 0 0 0,0 0 0 16,7-16 0-16,-7 16 0 15,0 0 0-15,0 0 0 16,0 0 0-16,0 0 0 16,0 0 1-16,0 0-1 15,0 0 0-15,0 0-1 16,0 0 1-16,10-16 0 15,-10 16 0-15,0 0 1 16,0 0-2-16,0 0 2 16,0 0-1-16,0 0 0 15,0 0 0-15,0 0 0 16,0 0 1-16,0 0-1 16,0 0 0-16,0 0 0 0,0 0 0 15,0 0 0-15,0 0-1 16,0 0 1-16,0 0 0 15,11-16 0 1,-11 16 0-16,0 0 0 0,0 0 0 16,0 0 0-16,0 0 0 15,0 0 0-15,-18-14 0 16,18 14 1-16,0 0-1 16,-19-17 0-16,19 17 0 15,-19-14 0-15,19 14 0 16,-23-19 0-16,23 19 0 15,-25-16 0-15,25 16 0 16,-21-12 1-16,21 12-1 0,-21-9 0 16,21 9 0-16,-17-5 0 15,17 5 1-15,0 0-1 16,-18-13 0-16,18 13 0 16,0 0 0-16,0 0 0 15,0 0 0-15,-14-15 0 16,14 15 0-16,0 0 0 15,0 0 0-15,0 0-12 16,0 0-9-16,0 0-13 16,0 0-5-16,0 0-1 15,0 0-3-15,0 0 10 16</inkml:trace>
+</inkml:ink>
+</file>
+
 <file path=ppt/ink/ink5.xml><?xml version="1.0" encoding="utf-8"?>
 <inkml:ink xmlns:inkml="http://www.w3.org/2003/InkML">
   <inkml:definitions>
@@ -2570,7 +2654,7 @@
       </emma:emma>
     </inkml:annotationXML>
     <inkml:trace contextRef="#ctx0" brushRef="#br0">17 1470 54 0,'0'0'19'0,"-13"-6"1"15,13 6 2-15,-9-15-2 0,9 15-3 16,3-29-2-16,4 6-2 16,2-13 0-16,5-10-2 15,4-12-2-15,6-5-3 16,9-10-3-16,9-7-6 16,2-4 2-16,1-5-1 15,3-1 0-15,3 1 0 16,-2 3 0-16,-3 7 0 15,-6 4 1-15,-6 8 1 16,-3 6-1-16,-8 13 0 16,-2 9 0-16,-4 9 1 15,-6 11 0-15,-5 5 0 16,-6 14 0-16,9-18 0 0,-9 18 0 16,0 0 0-16,6-14 0 15,-6 14 0-15,0 0 0 16,6-17-1-1,-6 17 1-15,2-12 0 0,-2 12 1 16,4-14-1-16,-4 14 0 16,3-14-1-16,-3 14 1 15,0 0 0-15,6-18 0 16,-6 18 1-16,0 0-1 16,3-18 1-16,-3 18-1 15,0 0-1-15,3-19 0 16,-3 19 1-16,0-15-1 15,0 15 0-15,5-14 0 0,-5 14 0 16,0 0 1-16,0 0 0 16,0 0 1-1,0 0-5-15,0 0-9 16,-9 20-3-16,9-20-5 0,-12 21-6 16,12-21-5-16,-12 19 0 15,12-19-1-15,-15 15 12 16</inkml:trace>
-    <inkml:trace contextRef="#ctx0" brushRef="#br0" timeOffset="607.34">315 163 47 0,'0'0'19'15,"-24"22"0"-15,24-22-1 16,-9 18-4-16,9-18-3 16,13 0 1-16,2-8 1 15,8-6-1-15,7-5 0 16,5-1-2-16,-2-5-4 15,6 0-1-15,-3 3-2 16,3 1-3-16,-7 5-1 16,1 3 1-16,-6 2-2 15,-6 5 3-15,-4 3-1 16,-1 6 1-16,-16-3 0 0,20 9 1 16,-20-9-1-16,5 21 0 15,-3-4 1-15,-1 3-1 16,-4 3-1-16,0 10 0 15,-1 1 1-15,3 3-2 16,-1 3 2-16,-1 2 0 16,2-2-1-16,-2-7 1 15,0-5-1-15,-2-5 0 16,4-8 0-16,1-15 0 16,-17-3-1-16,2-9 0 15,-3-11 1-15,-6 0-1 16,-1-4 1-16,-7-2 0 0,0-1 0 15,-4 8 0-15,1 1 1 16,0 6 0-16,2 6-1 16,4 3-4-16,6 9-11 15,5-1-3-15,18-2-9 16,-18 12-6-16,18-12-1 16,4 20-1-16,-4-20-1 15</inkml:trace>
+    <inkml:trace contextRef="#ctx0" brushRef="#br0" timeOffset="607.3398">315 163 47 0,'0'0'19'15,"-24"22"0"-15,24-22-1 16,-9 18-4-16,9-18-3 16,13 0 1-16,2-8 1 15,8-6-1-15,7-5 0 16,5-1-2-16,-2-5-4 15,6 0-1-15,-3 3-2 16,3 1-3-16,-7 5-1 16,1 3 1-16,-6 2-2 15,-6 5 3-15,-4 3-1 16,-1 6 1-16,-16-3 0 0,20 9 1 16,-20-9-1-16,5 21 0 15,-3-4 1-15,-1 3-1 16,-4 3-1-16,0 10 0 15,-1 1 1-15,3 3-2 16,-1 3 2-16,-1 2 0 16,2-2-1-16,-2-7 1 15,0-5-1-15,-2-5 0 16,4-8 0-16,1-15 0 16,-17-3-1-16,2-9 0 15,-3-11 1-15,-6 0-1 16,-1-4 1-16,-7-2 0 0,0-1 0 15,-4 8 0-15,1 1 1 16,0 6 0-16,2 6-1 16,4 3-4-16,6 9-11 15,5-1-3-15,18-2-9 16,-18 12-6-16,18-12-1 16,4 20-1-16,-4-20-1 15</inkml:trace>
   </inkml:traceGroup>
 </inkml:ink>
 </file>
@@ -2786,7 +2870,7 @@
           <a:p>
             <a:fld id="{AC745BD3-D7C2-4137-86E3-4461530478AE}" type="datetimeFigureOut">
               <a:rPr lang="fr-CH" smtClean="0"/>
-              <a:t>27.05.2014</a:t>
+              <a:t>17.06.2014</a:t>
             </a:fld>
             <a:endParaRPr lang="fr-CH"/>
           </a:p>
@@ -2956,7 +3040,7 @@
           <a:p>
             <a:fld id="{AC745BD3-D7C2-4137-86E3-4461530478AE}" type="datetimeFigureOut">
               <a:rPr lang="fr-CH" smtClean="0"/>
-              <a:t>27.05.2014</a:t>
+              <a:t>17.06.2014</a:t>
             </a:fld>
             <a:endParaRPr lang="fr-CH"/>
           </a:p>
@@ -3136,7 +3220,7 @@
           <a:p>
             <a:fld id="{AC745BD3-D7C2-4137-86E3-4461530478AE}" type="datetimeFigureOut">
               <a:rPr lang="fr-CH" smtClean="0"/>
-              <a:t>27.05.2014</a:t>
+              <a:t>17.06.2014</a:t>
             </a:fld>
             <a:endParaRPr lang="fr-CH"/>
           </a:p>
@@ -3306,7 +3390,7 @@
           <a:p>
             <a:fld id="{AC745BD3-D7C2-4137-86E3-4461530478AE}" type="datetimeFigureOut">
               <a:rPr lang="fr-CH" smtClean="0"/>
-              <a:t>27.05.2014</a:t>
+              <a:t>17.06.2014</a:t>
             </a:fld>
             <a:endParaRPr lang="fr-CH"/>
           </a:p>
@@ -3552,7 +3636,7 @@
           <a:p>
             <a:fld id="{AC745BD3-D7C2-4137-86E3-4461530478AE}" type="datetimeFigureOut">
               <a:rPr lang="fr-CH" smtClean="0"/>
-              <a:t>27.05.2014</a:t>
+              <a:t>17.06.2014</a:t>
             </a:fld>
             <a:endParaRPr lang="fr-CH"/>
           </a:p>
@@ -3784,7 +3868,7 @@
           <a:p>
             <a:fld id="{AC745BD3-D7C2-4137-86E3-4461530478AE}" type="datetimeFigureOut">
               <a:rPr lang="fr-CH" smtClean="0"/>
-              <a:t>27.05.2014</a:t>
+              <a:t>17.06.2014</a:t>
             </a:fld>
             <a:endParaRPr lang="fr-CH"/>
           </a:p>
@@ -4151,7 +4235,7 @@
           <a:p>
             <a:fld id="{AC745BD3-D7C2-4137-86E3-4461530478AE}" type="datetimeFigureOut">
               <a:rPr lang="fr-CH" smtClean="0"/>
-              <a:t>27.05.2014</a:t>
+              <a:t>17.06.2014</a:t>
             </a:fld>
             <a:endParaRPr lang="fr-CH"/>
           </a:p>
@@ -4269,7 +4353,7 @@
           <a:p>
             <a:fld id="{AC745BD3-D7C2-4137-86E3-4461530478AE}" type="datetimeFigureOut">
               <a:rPr lang="fr-CH" smtClean="0"/>
-              <a:t>27.05.2014</a:t>
+              <a:t>17.06.2014</a:t>
             </a:fld>
             <a:endParaRPr lang="fr-CH"/>
           </a:p>
@@ -4364,7 +4448,7 @@
           <a:p>
             <a:fld id="{AC745BD3-D7C2-4137-86E3-4461530478AE}" type="datetimeFigureOut">
               <a:rPr lang="fr-CH" smtClean="0"/>
-              <a:t>27.05.2014</a:t>
+              <a:t>17.06.2014</a:t>
             </a:fld>
             <a:endParaRPr lang="fr-CH"/>
           </a:p>
@@ -4641,7 +4725,7 @@
           <a:p>
             <a:fld id="{AC745BD3-D7C2-4137-86E3-4461530478AE}" type="datetimeFigureOut">
               <a:rPr lang="fr-CH" smtClean="0"/>
-              <a:t>27.05.2014</a:t>
+              <a:t>17.06.2014</a:t>
             </a:fld>
             <a:endParaRPr lang="fr-CH"/>
           </a:p>
@@ -4894,7 +4978,7 @@
           <a:p>
             <a:fld id="{AC745BD3-D7C2-4137-86E3-4461530478AE}" type="datetimeFigureOut">
               <a:rPr lang="fr-CH" smtClean="0"/>
-              <a:t>27.05.2014</a:t>
+              <a:t>17.06.2014</a:t>
             </a:fld>
             <a:endParaRPr lang="fr-CH"/>
           </a:p>
@@ -5107,7 +5191,7 @@
           <a:p>
             <a:fld id="{AC745BD3-D7C2-4137-86E3-4461530478AE}" type="datetimeFigureOut">
               <a:rPr lang="fr-CH" smtClean="0"/>
-              <a:t>27.05.2014</a:t>
+              <a:t>17.06.2014</a:t>
             </a:fld>
             <a:endParaRPr lang="fr-CH"/>
           </a:p>
@@ -8749,6 +8833,2463 @@
           <a:chExt cx="0" cy="0"/>
         </a:xfrm>
       </p:grpSpPr>
+      <p:graphicFrame>
+        <p:nvGraphicFramePr>
+          <p:cNvPr id="116" name="Tableau 115"/>
+          <p:cNvGraphicFramePr>
+            <a:graphicFrameLocks noGrp="1"/>
+          </p:cNvGraphicFramePr>
+          <p:nvPr>
+            <p:extLst>
+              <p:ext uri="{D42A27DB-BD31-4B8C-83A1-F6EECF244321}">
+                <p14:modId xmlns:p14="http://schemas.microsoft.com/office/powerpoint/2010/main" val="1200643229"/>
+              </p:ext>
+            </p:extLst>
+          </p:nvPr>
+        </p:nvGraphicFramePr>
+        <p:xfrm>
+          <a:off x="435781" y="418096"/>
+          <a:ext cx="3052485" cy="1704808"/>
+        </p:xfrm>
+        <a:graphic>
+          <a:graphicData uri="http://schemas.openxmlformats.org/drawingml/2006/table">
+            <a:tbl>
+              <a:tblPr firstRow="1" bandRow="1">
+                <a:tableStyleId>{7E9639D4-E3E2-4D34-9284-5A2195B3D0D7}</a:tableStyleId>
+              </a:tblPr>
+              <a:tblGrid>
+                <a:gridCol w="3052485"/>
+              </a:tblGrid>
+              <a:tr h="384308">
+                <a:tc>
+                  <a:txBody>
+                    <a:bodyPr/>
+                    <a:lstStyle/>
+                    <a:p>
+                      <a:pPr algn="ctr"/>
+                      <a:r>
+                        <a:rPr lang="fr-CH" sz="1400" smtClean="0">
+                          <a:latin typeface="Consolas" panose="020B0609020204030204" pitchFamily="49" charset="0"/>
+                          <a:cs typeface="Consolas" panose="020B0609020204030204" pitchFamily="49" charset="0"/>
+                        </a:rPr>
+                        <a:t>Rect</a:t>
+                      </a:r>
+                      <a:endParaRPr lang="fr-CH" sz="1400">
+                        <a:latin typeface="Consolas" panose="020B0609020204030204" pitchFamily="49" charset="0"/>
+                        <a:cs typeface="Consolas" panose="020B0609020204030204" pitchFamily="49" charset="0"/>
+                      </a:endParaRPr>
+                    </a:p>
+                  </a:txBody>
+                  <a:tcPr marL="68580" marR="68580" marT="34290" marB="34290" anchor="ctr"/>
+                </a:tc>
+              </a:tr>
+              <a:tr h="623865">
+                <a:tc>
+                  <a:txBody>
+                    <a:bodyPr/>
+                    <a:lstStyle/>
+                    <a:p>
+                      <a:r>
+                        <a:rPr lang="fr-CH" sz="1200" smtClean="0">
+                          <a:latin typeface="Consolas" panose="020B0609020204030204" pitchFamily="49" charset="0"/>
+                          <a:cs typeface="Consolas" panose="020B0609020204030204" pitchFamily="49" charset="0"/>
+                        </a:rPr>
+                        <a:t>+ origin : Point</a:t>
+                      </a:r>
+                    </a:p>
+                    <a:p>
+                      <a:r>
+                        <a:rPr lang="fr-CH" sz="1200" smtClean="0">
+                          <a:latin typeface="Consolas" panose="020B0609020204030204" pitchFamily="49" charset="0"/>
+                          <a:cs typeface="Consolas" panose="020B0609020204030204" pitchFamily="49" charset="0"/>
+                        </a:rPr>
+                        <a:t>+</a:t>
+                      </a:r>
+                      <a:r>
+                        <a:rPr lang="fr-CH" sz="1200" baseline="0" smtClean="0">
+                          <a:latin typeface="Consolas" panose="020B0609020204030204" pitchFamily="49" charset="0"/>
+                          <a:cs typeface="Consolas" panose="020B0609020204030204" pitchFamily="49" charset="0"/>
+                        </a:rPr>
+                        <a:t> width : float</a:t>
+                      </a:r>
+                    </a:p>
+                    <a:p>
+                      <a:r>
+                        <a:rPr lang="fr-CH" sz="1200" baseline="0" smtClean="0">
+                          <a:latin typeface="Consolas" panose="020B0609020204030204" pitchFamily="49" charset="0"/>
+                          <a:cs typeface="Consolas" panose="020B0609020204030204" pitchFamily="49" charset="0"/>
+                        </a:rPr>
+                        <a:t>+ height : float</a:t>
+                      </a:r>
+                      <a:endParaRPr lang="fr-CH" sz="1200">
+                        <a:latin typeface="Consolas" panose="020B0609020204030204" pitchFamily="49" charset="0"/>
+                        <a:cs typeface="Consolas" panose="020B0609020204030204" pitchFamily="49" charset="0"/>
+                      </a:endParaRPr>
+                    </a:p>
+                  </a:txBody>
+                  <a:tcPr marL="68580" marR="68580" marT="34290" marB="34290" anchor="ctr"/>
+                </a:tc>
+              </a:tr>
+              <a:tr h="696635">
+                <a:tc>
+                  <a:txBody>
+                    <a:bodyPr/>
+                    <a:lstStyle/>
+                    <a:p>
+                      <a:r>
+                        <a:rPr lang="fr-CH" sz="1200" smtClean="0">
+                          <a:latin typeface="Consolas" panose="020B0609020204030204" pitchFamily="49" charset="0"/>
+                          <a:cs typeface="Consolas" panose="020B0609020204030204" pitchFamily="49" charset="0"/>
+                        </a:rPr>
+                        <a:t>+ __init__(loc, width,</a:t>
+                      </a:r>
+                      <a:r>
+                        <a:rPr lang="fr-CH" sz="1200" baseline="0" smtClean="0">
+                          <a:latin typeface="Consolas" panose="020B0609020204030204" pitchFamily="49" charset="0"/>
+                          <a:cs typeface="Consolas" panose="020B0609020204030204" pitchFamily="49" charset="0"/>
+                        </a:rPr>
+                        <a:t> height</a:t>
+                      </a:r>
+                      <a:r>
+                        <a:rPr lang="fr-CH" sz="1200" smtClean="0">
+                          <a:latin typeface="Consolas" panose="020B0609020204030204" pitchFamily="49" charset="0"/>
+                          <a:cs typeface="Consolas" panose="020B0609020204030204" pitchFamily="49" charset="0"/>
+                        </a:rPr>
+                        <a:t>)</a:t>
+                      </a:r>
+                    </a:p>
+                    <a:p>
+                      <a:r>
+                        <a:rPr lang="fr-CH" sz="1200" smtClean="0">
+                          <a:latin typeface="Consolas" panose="020B0609020204030204" pitchFamily="49" charset="0"/>
+                          <a:cs typeface="Consolas" panose="020B0609020204030204" pitchFamily="49" charset="0"/>
+                        </a:rPr>
+                        <a:t>+ area() :</a:t>
+                      </a:r>
+                      <a:r>
+                        <a:rPr lang="fr-CH" sz="1200" baseline="0" smtClean="0">
+                          <a:latin typeface="Consolas" panose="020B0609020204030204" pitchFamily="49" charset="0"/>
+                          <a:cs typeface="Consolas" panose="020B0609020204030204" pitchFamily="49" charset="0"/>
+                        </a:rPr>
+                        <a:t> float</a:t>
+                      </a:r>
+                      <a:endParaRPr lang="fr-CH" sz="1200">
+                        <a:latin typeface="Consolas" panose="020B0609020204030204" pitchFamily="49" charset="0"/>
+                        <a:cs typeface="Consolas" panose="020B0609020204030204" pitchFamily="49" charset="0"/>
+                      </a:endParaRPr>
+                    </a:p>
+                  </a:txBody>
+                  <a:tcPr marL="68580" marR="68580" marT="34290" marB="34290" anchor="ctr"/>
+                </a:tc>
+              </a:tr>
+            </a:tbl>
+          </a:graphicData>
+        </a:graphic>
+      </p:graphicFrame>
+      <p:graphicFrame>
+        <p:nvGraphicFramePr>
+          <p:cNvPr id="119" name="Tableau 118"/>
+          <p:cNvGraphicFramePr>
+            <a:graphicFrameLocks noGrp="1"/>
+          </p:cNvGraphicFramePr>
+          <p:nvPr>
+            <p:extLst>
+              <p:ext uri="{D42A27DB-BD31-4B8C-83A1-F6EECF244321}">
+                <p14:modId xmlns:p14="http://schemas.microsoft.com/office/powerpoint/2010/main" val="861962590"/>
+              </p:ext>
+            </p:extLst>
+          </p:nvPr>
+        </p:nvGraphicFramePr>
+        <p:xfrm>
+          <a:off x="4602367" y="431632"/>
+          <a:ext cx="2835267" cy="1704808"/>
+        </p:xfrm>
+        <a:graphic>
+          <a:graphicData uri="http://schemas.openxmlformats.org/drawingml/2006/table">
+            <a:tbl>
+              <a:tblPr firstRow="1" bandRow="1">
+                <a:tableStyleId>{7E9639D4-E3E2-4D34-9284-5A2195B3D0D7}</a:tableStyleId>
+              </a:tblPr>
+              <a:tblGrid>
+                <a:gridCol w="2835267"/>
+              </a:tblGrid>
+              <a:tr h="384308">
+                <a:tc>
+                  <a:txBody>
+                    <a:bodyPr/>
+                    <a:lstStyle/>
+                    <a:p>
+                      <a:pPr algn="ctr"/>
+                      <a:r>
+                        <a:rPr lang="fr-CH" sz="1400" smtClean="0">
+                          <a:latin typeface="Consolas" panose="020B0609020204030204" pitchFamily="49" charset="0"/>
+                          <a:cs typeface="Consolas" panose="020B0609020204030204" pitchFamily="49" charset="0"/>
+                        </a:rPr>
+                        <a:t>Square</a:t>
+                      </a:r>
+                      <a:endParaRPr lang="fr-CH" sz="1400">
+                        <a:latin typeface="Consolas" panose="020B0609020204030204" pitchFamily="49" charset="0"/>
+                        <a:cs typeface="Consolas" panose="020B0609020204030204" pitchFamily="49" charset="0"/>
+                      </a:endParaRPr>
+                    </a:p>
+                  </a:txBody>
+                  <a:tcPr marL="68580" marR="68580" marT="34290" marB="34290" anchor="ctr"/>
+                </a:tc>
+              </a:tr>
+              <a:tr h="623865">
+                <a:tc>
+                  <a:txBody>
+                    <a:bodyPr/>
+                    <a:lstStyle/>
+                    <a:p>
+                      <a:r>
+                        <a:rPr lang="fr-CH" sz="1200" smtClean="0">
+                          <a:latin typeface="Consolas" panose="020B0609020204030204" pitchFamily="49" charset="0"/>
+                          <a:cs typeface="Consolas" panose="020B0609020204030204" pitchFamily="49" charset="0"/>
+                        </a:rPr>
+                        <a:t>+ side</a:t>
+                      </a:r>
+                    </a:p>
+                  </a:txBody>
+                  <a:tcPr marL="68580" marR="68580" marT="34290" marB="34290" anchor="ctr"/>
+                </a:tc>
+              </a:tr>
+              <a:tr h="696635">
+                <a:tc>
+                  <a:txBody>
+                    <a:bodyPr/>
+                    <a:lstStyle/>
+                    <a:p>
+                      <a:r>
+                        <a:rPr lang="fr-CH" sz="1200" smtClean="0">
+                          <a:latin typeface="Consolas" panose="020B0609020204030204" pitchFamily="49" charset="0"/>
+                          <a:cs typeface="Consolas" panose="020B0609020204030204" pitchFamily="49" charset="0"/>
+                        </a:rPr>
+                        <a:t>+ __init__(loc, side)</a:t>
+                      </a:r>
+                    </a:p>
+                  </a:txBody>
+                  <a:tcPr marL="68580" marR="68580" marT="34290" marB="34290" anchor="ctr"/>
+                </a:tc>
+              </a:tr>
+            </a:tbl>
+          </a:graphicData>
+        </a:graphic>
+      </p:graphicFrame>
+      <p:graphicFrame>
+        <p:nvGraphicFramePr>
+          <p:cNvPr id="29" name="Tableau 28"/>
+          <p:cNvGraphicFramePr>
+            <a:graphicFrameLocks noGrp="1"/>
+          </p:cNvGraphicFramePr>
+          <p:nvPr>
+            <p:extLst>
+              <p:ext uri="{D42A27DB-BD31-4B8C-83A1-F6EECF244321}">
+                <p14:modId xmlns:p14="http://schemas.microsoft.com/office/powerpoint/2010/main" val="2536969938"/>
+              </p:ext>
+            </p:extLst>
+          </p:nvPr>
+        </p:nvGraphicFramePr>
+        <p:xfrm>
+          <a:off x="1003050" y="2937933"/>
+          <a:ext cx="2331026" cy="1873373"/>
+        </p:xfrm>
+        <a:graphic>
+          <a:graphicData uri="http://schemas.openxmlformats.org/drawingml/2006/table">
+            <a:tbl>
+              <a:tblPr firstRow="1" bandRow="1">
+                <a:tableStyleId>{7E9639D4-E3E2-4D34-9284-5A2195B3D0D7}</a:tableStyleId>
+              </a:tblPr>
+              <a:tblGrid>
+                <a:gridCol w="2331026"/>
+              </a:tblGrid>
+              <a:tr h="329609">
+                <a:tc>
+                  <a:txBody>
+                    <a:bodyPr/>
+                    <a:lstStyle/>
+                    <a:p>
+                      <a:pPr algn="ctr"/>
+                      <a:r>
+                        <a:rPr lang="fr-CH" sz="1400" smtClean="0">
+                          <a:latin typeface="Consolas" panose="020B0609020204030204" pitchFamily="49" charset="0"/>
+                          <a:cs typeface="Consolas" panose="020B0609020204030204" pitchFamily="49" charset="0"/>
+                        </a:rPr>
+                        <a:t>Point</a:t>
+                      </a:r>
+                      <a:endParaRPr lang="fr-CH" sz="1400">
+                        <a:latin typeface="Consolas" panose="020B0609020204030204" pitchFamily="49" charset="0"/>
+                        <a:cs typeface="Consolas" panose="020B0609020204030204" pitchFamily="49" charset="0"/>
+                      </a:endParaRPr>
+                    </a:p>
+                  </a:txBody>
+                  <a:tcPr marL="68580" marR="68580" marT="34290" marB="34290" anchor="ctr"/>
+                </a:tc>
+              </a:tr>
+              <a:tr h="729345">
+                <a:tc>
+                  <a:txBody>
+                    <a:bodyPr/>
+                    <a:lstStyle/>
+                    <a:p>
+                      <a:r>
+                        <a:rPr lang="fr-CH" sz="1200" smtClean="0">
+                          <a:latin typeface="Consolas" panose="020B0609020204030204" pitchFamily="49" charset="0"/>
+                          <a:cs typeface="Consolas" panose="020B0609020204030204" pitchFamily="49" charset="0"/>
+                        </a:rPr>
+                        <a:t>+ x : float</a:t>
+                      </a:r>
+                    </a:p>
+                    <a:p>
+                      <a:r>
+                        <a:rPr lang="fr-CH" sz="1200" smtClean="0">
+                          <a:latin typeface="Consolas" panose="020B0609020204030204" pitchFamily="49" charset="0"/>
+                          <a:cs typeface="Consolas" panose="020B0609020204030204" pitchFamily="49" charset="0"/>
+                        </a:rPr>
+                        <a:t>+</a:t>
+                      </a:r>
+                      <a:r>
+                        <a:rPr lang="fr-CH" sz="1200" baseline="0" smtClean="0">
+                          <a:latin typeface="Consolas" panose="020B0609020204030204" pitchFamily="49" charset="0"/>
+                          <a:cs typeface="Consolas" panose="020B0609020204030204" pitchFamily="49" charset="0"/>
+                        </a:rPr>
+                        <a:t> y : float</a:t>
+                      </a:r>
+                    </a:p>
+                  </a:txBody>
+                  <a:tcPr marL="68580" marR="68580" marT="34290" marB="34290" anchor="ctr"/>
+                </a:tc>
+              </a:tr>
+              <a:tr h="814419">
+                <a:tc>
+                  <a:txBody>
+                    <a:bodyPr/>
+                    <a:lstStyle/>
+                    <a:p>
+                      <a:r>
+                        <a:rPr lang="fr-CH" sz="1200" smtClean="0">
+                          <a:latin typeface="Consolas" panose="020B0609020204030204" pitchFamily="49" charset="0"/>
+                          <a:cs typeface="Consolas" panose="020B0609020204030204" pitchFamily="49" charset="0"/>
+                        </a:rPr>
+                        <a:t>+ __init__(x, y)</a:t>
+                      </a:r>
+                    </a:p>
+                    <a:p>
+                      <a:r>
+                        <a:rPr lang="fr-CH" sz="1200" smtClean="0">
+                          <a:latin typeface="Consolas" panose="020B0609020204030204" pitchFamily="49" charset="0"/>
+                          <a:cs typeface="Consolas" panose="020B0609020204030204" pitchFamily="49" charset="0"/>
+                        </a:rPr>
+                        <a:t>+ distance(other) : float</a:t>
+                      </a:r>
+                      <a:endParaRPr lang="fr-CH" sz="1200">
+                        <a:latin typeface="Consolas" panose="020B0609020204030204" pitchFamily="49" charset="0"/>
+                        <a:cs typeface="Consolas" panose="020B0609020204030204" pitchFamily="49" charset="0"/>
+                      </a:endParaRPr>
+                    </a:p>
+                  </a:txBody>
+                  <a:tcPr marL="68580" marR="68580" marT="34290" marB="34290" anchor="ctr"/>
+                </a:tc>
+              </a:tr>
+            </a:tbl>
+          </a:graphicData>
+        </a:graphic>
+      </p:graphicFrame>
+      <p:graphicFrame>
+        <p:nvGraphicFramePr>
+          <p:cNvPr id="30" name="Tableau 29"/>
+          <p:cNvGraphicFramePr>
+            <a:graphicFrameLocks noGrp="1"/>
+          </p:cNvGraphicFramePr>
+          <p:nvPr>
+            <p:extLst>
+              <p:ext uri="{D42A27DB-BD31-4B8C-83A1-F6EECF244321}">
+                <p14:modId xmlns:p14="http://schemas.microsoft.com/office/powerpoint/2010/main" val="4063347589"/>
+              </p:ext>
+            </p:extLst>
+          </p:nvPr>
+        </p:nvGraphicFramePr>
+        <p:xfrm>
+          <a:off x="4559050" y="2945515"/>
+          <a:ext cx="3662084" cy="2104970"/>
+        </p:xfrm>
+        <a:graphic>
+          <a:graphicData uri="http://schemas.openxmlformats.org/drawingml/2006/table">
+            <a:tbl>
+              <a:tblPr firstRow="1" bandRow="1">
+                <a:tableStyleId>{7E9639D4-E3E2-4D34-9284-5A2195B3D0D7}</a:tableStyleId>
+              </a:tblPr>
+              <a:tblGrid>
+                <a:gridCol w="3662084"/>
+              </a:tblGrid>
+              <a:tr h="384308">
+                <a:tc>
+                  <a:txBody>
+                    <a:bodyPr/>
+                    <a:lstStyle/>
+                    <a:p>
+                      <a:pPr algn="ctr"/>
+                      <a:r>
+                        <a:rPr lang="fr-CH" sz="1400" smtClean="0">
+                          <a:latin typeface="Consolas" panose="020B0609020204030204" pitchFamily="49" charset="0"/>
+                          <a:cs typeface="Consolas" panose="020B0609020204030204" pitchFamily="49" charset="0"/>
+                        </a:rPr>
+                        <a:t>RandomPoints</a:t>
+                      </a:r>
+                      <a:endParaRPr lang="fr-CH" sz="1400">
+                        <a:latin typeface="Consolas" panose="020B0609020204030204" pitchFamily="49" charset="0"/>
+                        <a:cs typeface="Consolas" panose="020B0609020204030204" pitchFamily="49" charset="0"/>
+                      </a:endParaRPr>
+                    </a:p>
+                  </a:txBody>
+                  <a:tcPr marL="68580" marR="68580" marT="34290" marB="34290" anchor="ctr"/>
+                </a:tc>
+              </a:tr>
+              <a:tr h="623865">
+                <a:tc>
+                  <a:txBody>
+                    <a:bodyPr/>
+                    <a:lstStyle/>
+                    <a:p>
+                      <a:r>
+                        <a:rPr lang="fr-CH" sz="1200" smtClean="0">
+                          <a:latin typeface="Consolas" panose="020B0609020204030204" pitchFamily="49" charset="0"/>
+                          <a:cs typeface="Consolas" panose="020B0609020204030204" pitchFamily="49" charset="0"/>
+                        </a:rPr>
+                        <a:t>+ points</a:t>
+                      </a:r>
+                      <a:r>
+                        <a:rPr lang="fr-CH" sz="1200" baseline="0" smtClean="0">
+                          <a:latin typeface="Consolas" panose="020B0609020204030204" pitchFamily="49" charset="0"/>
+                          <a:cs typeface="Consolas" panose="020B0609020204030204" pitchFamily="49" charset="0"/>
+                        </a:rPr>
+                        <a:t> : list of Point</a:t>
+                      </a:r>
+                    </a:p>
+                  </a:txBody>
+                  <a:tcPr marL="68580" marR="68580" marT="34290" marB="34290" anchor="ctr"/>
+                </a:tc>
+              </a:tr>
+              <a:tr h="1096797">
+                <a:tc>
+                  <a:txBody>
+                    <a:bodyPr/>
+                    <a:lstStyle/>
+                    <a:p>
+                      <a:r>
+                        <a:rPr lang="fr-CH" sz="1200" smtClean="0">
+                          <a:latin typeface="Consolas" panose="020B0609020204030204" pitchFamily="49" charset="0"/>
+                          <a:cs typeface="Consolas" panose="020B0609020204030204" pitchFamily="49" charset="0"/>
+                        </a:rPr>
+                        <a:t>+ __init__(x, y)</a:t>
+                      </a:r>
+                    </a:p>
+                    <a:p>
+                      <a:r>
+                        <a:rPr lang="fr-CH" sz="1200" smtClean="0">
+                          <a:latin typeface="Consolas" panose="020B0609020204030204" pitchFamily="49" charset="0"/>
+                          <a:cs typeface="Consolas" panose="020B0609020204030204" pitchFamily="49" charset="0"/>
+                        </a:rPr>
+                        <a:t>+</a:t>
+                      </a:r>
+                      <a:r>
+                        <a:rPr lang="fr-CH" sz="1200" baseline="0" smtClean="0">
+                          <a:latin typeface="Consolas" panose="020B0609020204030204" pitchFamily="49" charset="0"/>
+                          <a:cs typeface="Consolas" panose="020B0609020204030204" pitchFamily="49" charset="0"/>
+                        </a:rPr>
+                        <a:t> generate(n=10) : list of Point</a:t>
+                      </a:r>
+                    </a:p>
+                    <a:p>
+                      <a:r>
+                        <a:rPr lang="fr-CH" sz="1200" baseline="0" smtClean="0">
+                          <a:latin typeface="Consolas" panose="020B0609020204030204" pitchFamily="49" charset="0"/>
+                          <a:cs typeface="Consolas" panose="020B0609020204030204" pitchFamily="49" charset="0"/>
+                        </a:rPr>
+                        <a:t>+ get_num_points() : int</a:t>
+                      </a:r>
+                    </a:p>
+                    <a:p>
+                      <a:r>
+                        <a:rPr lang="fr-CH" sz="1200" baseline="0" smtClean="0">
+                          <a:latin typeface="Consolas" panose="020B0609020204030204" pitchFamily="49" charset="0"/>
+                          <a:cs typeface="Consolas" panose="020B0609020204030204" pitchFamily="49" charset="0"/>
+                        </a:rPr>
+                        <a:t>+ get_max_dist_from(p : Point) : float</a:t>
+                      </a:r>
+                      <a:endParaRPr lang="fr-CH" sz="1200" smtClean="0">
+                        <a:latin typeface="Consolas" panose="020B0609020204030204" pitchFamily="49" charset="0"/>
+                        <a:cs typeface="Consolas" panose="020B0609020204030204" pitchFamily="49" charset="0"/>
+                      </a:endParaRPr>
+                    </a:p>
+                  </a:txBody>
+                  <a:tcPr marL="68580" marR="68580" marT="34290" marB="34290" anchor="ctr"/>
+                </a:tc>
+              </a:tr>
+            </a:tbl>
+          </a:graphicData>
+        </a:graphic>
+      </p:graphicFrame>
+      <p:sp>
+        <p:nvSpPr>
+          <p:cNvPr id="19" name="Triangle isocèle 18"/>
+          <p:cNvSpPr/>
+          <p:nvPr/>
+        </p:nvSpPr>
+        <p:spPr>
+          <a:xfrm rot="-5292453">
+            <a:off x="3442438" y="985455"/>
+            <a:ext cx="253204" cy="183696"/>
+          </a:xfrm>
+          <a:prstGeom prst="triangle">
+            <a:avLst/>
+          </a:prstGeom>
+          <a:noFill/>
+          <a:ln w="12700">
+            <a:solidFill>
+              <a:srgbClr val="000000"/>
+            </a:solidFill>
+          </a:ln>
+        </p:spPr>
+        <p:style>
+          <a:lnRef idx="2">
+            <a:schemeClr val="accent1">
+              <a:shade val="50000"/>
+            </a:schemeClr>
+          </a:lnRef>
+          <a:fillRef idx="1">
+            <a:schemeClr val="accent1"/>
+          </a:fillRef>
+          <a:effectRef idx="0">
+            <a:schemeClr val="accent1"/>
+          </a:effectRef>
+          <a:fontRef idx="minor">
+            <a:schemeClr val="lt1"/>
+          </a:fontRef>
+        </p:style>
+        <p:txBody>
+          <a:bodyPr rtlCol="0" anchor="ctr"/>
+          <a:lstStyle/>
+          <a:p>
+            <a:pPr algn="ctr"/>
+            <a:endParaRPr lang="fr-CH">
+              <a:solidFill>
+                <a:srgbClr val="000000"/>
+              </a:solidFill>
+            </a:endParaRPr>
+          </a:p>
+        </p:txBody>
+      </p:sp>
+      <p:cxnSp>
+        <p:nvCxnSpPr>
+          <p:cNvPr id="22" name="Connecteur droit avec flèche 21"/>
+          <p:cNvCxnSpPr>
+            <a:stCxn id="19" idx="3"/>
+          </p:cNvCxnSpPr>
+          <p:nvPr/>
+        </p:nvCxnSpPr>
+        <p:spPr>
+          <a:xfrm flipV="1">
+            <a:off x="3660843" y="1066800"/>
+            <a:ext cx="941757" cy="13376"/>
+          </a:xfrm>
+          <a:prstGeom prst="straightConnector1">
+            <a:avLst/>
+          </a:prstGeom>
+          <a:ln w="12700">
+            <a:solidFill>
+              <a:srgbClr val="000000"/>
+            </a:solidFill>
+          </a:ln>
+        </p:spPr>
+        <p:style>
+          <a:lnRef idx="1">
+            <a:schemeClr val="accent1"/>
+          </a:lnRef>
+          <a:fillRef idx="0">
+            <a:schemeClr val="accent1"/>
+          </a:fillRef>
+          <a:effectRef idx="0">
+            <a:schemeClr val="accent1"/>
+          </a:effectRef>
+          <a:fontRef idx="minor">
+            <a:schemeClr val="tx1"/>
+          </a:fontRef>
+        </p:style>
+      </p:cxnSp>
+      <p:sp>
+        <p:nvSpPr>
+          <p:cNvPr id="26" name="Losange 25"/>
+          <p:cNvSpPr/>
+          <p:nvPr/>
+        </p:nvSpPr>
+        <p:spPr>
+          <a:xfrm>
+            <a:off x="4354920" y="3516480"/>
+            <a:ext cx="247680" cy="219960"/>
+          </a:xfrm>
+          <a:prstGeom prst="diamond">
+            <a:avLst/>
+          </a:prstGeom>
+          <a:solidFill>
+            <a:schemeClr val="tx1"/>
+          </a:solidFill>
+          <a:ln w="12700">
+            <a:solidFill>
+              <a:srgbClr val="000000"/>
+            </a:solidFill>
+          </a:ln>
+        </p:spPr>
+        <p:style>
+          <a:lnRef idx="2">
+            <a:schemeClr val="accent1">
+              <a:shade val="50000"/>
+            </a:schemeClr>
+          </a:lnRef>
+          <a:fillRef idx="1">
+            <a:schemeClr val="accent1"/>
+          </a:fillRef>
+          <a:effectRef idx="0">
+            <a:schemeClr val="accent1"/>
+          </a:effectRef>
+          <a:fontRef idx="minor">
+            <a:schemeClr val="lt1"/>
+          </a:fontRef>
+        </p:style>
+        <p:txBody>
+          <a:bodyPr rtlCol="0" anchor="ctr"/>
+          <a:lstStyle/>
+          <a:p>
+            <a:pPr algn="ctr"/>
+            <a:endParaRPr lang="fr-CH">
+              <a:solidFill>
+                <a:srgbClr val="000000"/>
+              </a:solidFill>
+            </a:endParaRPr>
+          </a:p>
+        </p:txBody>
+      </p:sp>
+      <p:cxnSp>
+        <p:nvCxnSpPr>
+          <p:cNvPr id="224" name="Connecteur droit 223"/>
+          <p:cNvCxnSpPr>
+            <a:stCxn id="26" idx="1"/>
+          </p:cNvCxnSpPr>
+          <p:nvPr/>
+        </p:nvCxnSpPr>
+        <p:spPr>
+          <a:xfrm flipH="1" flipV="1">
+            <a:off x="3352800" y="3141133"/>
+            <a:ext cx="1002120" cy="485327"/>
+          </a:xfrm>
+          <a:prstGeom prst="line">
+            <a:avLst/>
+          </a:prstGeom>
+          <a:ln w="12700">
+            <a:solidFill>
+              <a:srgbClr val="000000"/>
+            </a:solidFill>
+          </a:ln>
+        </p:spPr>
+        <p:style>
+          <a:lnRef idx="1">
+            <a:schemeClr val="accent1"/>
+          </a:lnRef>
+          <a:fillRef idx="0">
+            <a:schemeClr val="accent1"/>
+          </a:fillRef>
+          <a:effectRef idx="0">
+            <a:schemeClr val="accent1"/>
+          </a:effectRef>
+          <a:fontRef idx="minor">
+            <a:schemeClr val="tx1"/>
+          </a:fontRef>
+        </p:style>
+      </p:cxnSp>
+      <p:sp>
+        <p:nvSpPr>
+          <p:cNvPr id="235" name="Losange 234"/>
+          <p:cNvSpPr/>
+          <p:nvPr/>
+        </p:nvSpPr>
+        <p:spPr>
+          <a:xfrm>
+            <a:off x="257507" y="852670"/>
+            <a:ext cx="180000" cy="190440"/>
+          </a:xfrm>
+          <a:prstGeom prst="diamond">
+            <a:avLst/>
+          </a:prstGeom>
+          <a:solidFill>
+            <a:schemeClr val="tx1"/>
+          </a:solidFill>
+          <a:ln w="12700">
+            <a:solidFill>
+              <a:srgbClr val="000000"/>
+            </a:solidFill>
+          </a:ln>
+        </p:spPr>
+        <p:style>
+          <a:lnRef idx="2">
+            <a:schemeClr val="accent1">
+              <a:shade val="50000"/>
+            </a:schemeClr>
+          </a:lnRef>
+          <a:fillRef idx="1">
+            <a:schemeClr val="accent1"/>
+          </a:fillRef>
+          <a:effectRef idx="0">
+            <a:schemeClr val="accent1"/>
+          </a:effectRef>
+          <a:fontRef idx="minor">
+            <a:schemeClr val="lt1"/>
+          </a:fontRef>
+        </p:style>
+        <p:txBody>
+          <a:bodyPr rtlCol="0" anchor="ctr"/>
+          <a:lstStyle/>
+          <a:p>
+            <a:pPr algn="ctr"/>
+            <a:endParaRPr lang="fr-CH">
+              <a:solidFill>
+                <a:srgbClr val="000000"/>
+              </a:solidFill>
+            </a:endParaRPr>
+          </a:p>
+        </p:txBody>
+      </p:sp>
+      <p:cxnSp>
+        <p:nvCxnSpPr>
+          <p:cNvPr id="245" name="Connecteur droit 244"/>
+          <p:cNvCxnSpPr>
+            <a:stCxn id="235" idx="2"/>
+          </p:cNvCxnSpPr>
+          <p:nvPr/>
+        </p:nvCxnSpPr>
+        <p:spPr>
+          <a:xfrm flipH="1">
+            <a:off x="338667" y="1043110"/>
+            <a:ext cx="8840" cy="1420690"/>
+          </a:xfrm>
+          <a:prstGeom prst="line">
+            <a:avLst/>
+          </a:prstGeom>
+          <a:ln w="12700">
+            <a:solidFill>
+              <a:srgbClr val="000000"/>
+            </a:solidFill>
+          </a:ln>
+        </p:spPr>
+        <p:style>
+          <a:lnRef idx="1">
+            <a:schemeClr val="accent1"/>
+          </a:lnRef>
+          <a:fillRef idx="0">
+            <a:schemeClr val="accent1"/>
+          </a:fillRef>
+          <a:effectRef idx="0">
+            <a:schemeClr val="accent1"/>
+          </a:effectRef>
+          <a:fontRef idx="minor">
+            <a:schemeClr val="tx1"/>
+          </a:fontRef>
+        </p:style>
+      </p:cxnSp>
+      <mc:AlternateContent xmlns:mc="http://schemas.openxmlformats.org/markup-compatibility/2006" xmlns:p14="http://schemas.microsoft.com/office/powerpoint/2010/main">
+        <mc:Choice Requires="p14">
+          <p:contentPart p14:bwMode="auto" r:id="rId2">
+            <p14:nvContentPartPr>
+              <p14:cNvPr id="251" name="Encre 250"/>
+              <p14:cNvContentPartPr/>
+              <p14:nvPr/>
+            </p14:nvContentPartPr>
+            <p14:xfrm>
+              <a:off x="346040" y="2431733"/>
+              <a:ext cx="1793160" cy="502200"/>
+            </p14:xfrm>
+          </p:contentPart>
+        </mc:Choice>
+        <mc:Fallback xmlns="">
+          <p:pic>
+            <p:nvPicPr>
+              <p:cNvPr id="251" name="Encre 250"/>
+              <p:cNvPicPr/>
+              <p:nvPr/>
+            </p:nvPicPr>
+            <p:blipFill>
+              <a:blip r:embed="rId3"/>
+              <a:stretch>
+                <a:fillRect/>
+              </a:stretch>
+            </p:blipFill>
+            <p:spPr>
+              <a:xfrm>
+                <a:off x="336320" y="2422013"/>
+                <a:ext cx="1812960" cy="522360"/>
+              </a:xfrm>
+              <a:prstGeom prst="rect">
+                <a:avLst/>
+              </a:prstGeom>
+            </p:spPr>
+          </p:pic>
+        </mc:Fallback>
+      </mc:AlternateContent>
+    </p:spTree>
+    <p:extLst>
+      <p:ext uri="{BB962C8B-B14F-4D97-AF65-F5344CB8AC3E}">
+        <p14:creationId xmlns:p14="http://schemas.microsoft.com/office/powerpoint/2010/main" val="4182814502"/>
+      </p:ext>
+    </p:extLst>
+  </p:cSld>
+  <p:clrMapOvr>
+    <a:masterClrMapping/>
+  </p:clrMapOvr>
+  <p:timing>
+    <p:tnLst>
+      <p:par>
+        <p:cTn id="1" dur="indefinite" restart="never" nodeType="tmRoot"/>
+      </p:par>
+    </p:tnLst>
+  </p:timing>
+</p:sld>
+</file>
+
+<file path=ppt/slides/slide5.xml><?xml version="1.0" encoding="utf-8"?>
+<p:sld xmlns:a="http://schemas.openxmlformats.org/drawingml/2006/main" xmlns:r="http://schemas.openxmlformats.org/officeDocument/2006/relationships" xmlns:p="http://schemas.openxmlformats.org/presentationml/2006/main">
+  <p:cSld>
+    <p:spTree>
+      <p:nvGrpSpPr>
+        <p:cNvPr id="1" name=""/>
+        <p:cNvGrpSpPr/>
+        <p:nvPr/>
+      </p:nvGrpSpPr>
+      <p:grpSpPr>
+        <a:xfrm>
+          <a:off x="0" y="0"/>
+          <a:ext cx="0" cy="0"/>
+          <a:chOff x="0" y="0"/>
+          <a:chExt cx="0" cy="0"/>
+        </a:xfrm>
+      </p:grpSpPr>
+      <p:graphicFrame>
+        <p:nvGraphicFramePr>
+          <p:cNvPr id="116" name="Tableau 115"/>
+          <p:cNvGraphicFramePr>
+            <a:graphicFrameLocks noGrp="1"/>
+          </p:cNvGraphicFramePr>
+          <p:nvPr>
+            <p:extLst>
+              <p:ext uri="{D42A27DB-BD31-4B8C-83A1-F6EECF244321}">
+                <p14:modId xmlns:p14="http://schemas.microsoft.com/office/powerpoint/2010/main" val="1669462802"/>
+              </p:ext>
+            </p:extLst>
+          </p:nvPr>
+        </p:nvGraphicFramePr>
+        <p:xfrm>
+          <a:off x="435781" y="418096"/>
+          <a:ext cx="3052485" cy="1704808"/>
+        </p:xfrm>
+        <a:graphic>
+          <a:graphicData uri="http://schemas.openxmlformats.org/drawingml/2006/table">
+            <a:tbl>
+              <a:tblPr firstRow="1" bandRow="1">
+                <a:tableStyleId>{7E9639D4-E3E2-4D34-9284-5A2195B3D0D7}</a:tableStyleId>
+              </a:tblPr>
+              <a:tblGrid>
+                <a:gridCol w="3052485"/>
+              </a:tblGrid>
+              <a:tr h="384308">
+                <a:tc>
+                  <a:txBody>
+                    <a:bodyPr/>
+                    <a:lstStyle/>
+                    <a:p>
+                      <a:pPr algn="ctr"/>
+                      <a:r>
+                        <a:rPr lang="fr-CH" sz="1400" smtClean="0">
+                          <a:latin typeface="Consolas" panose="020B0609020204030204" pitchFamily="49" charset="0"/>
+                          <a:cs typeface="Consolas" panose="020B0609020204030204" pitchFamily="49" charset="0"/>
+                        </a:rPr>
+                        <a:t>Rect</a:t>
+                      </a:r>
+                      <a:endParaRPr lang="fr-CH" sz="1400">
+                        <a:latin typeface="Consolas" panose="020B0609020204030204" pitchFamily="49" charset="0"/>
+                        <a:cs typeface="Consolas" panose="020B0609020204030204" pitchFamily="49" charset="0"/>
+                      </a:endParaRPr>
+                    </a:p>
+                  </a:txBody>
+                  <a:tcPr marL="68580" marR="68580" marT="34290" marB="34290" anchor="ctr"/>
+                </a:tc>
+              </a:tr>
+              <a:tr h="623865">
+                <a:tc>
+                  <a:txBody>
+                    <a:bodyPr/>
+                    <a:lstStyle/>
+                    <a:p>
+                      <a:r>
+                        <a:rPr lang="fr-CH" sz="1200" smtClean="0">
+                          <a:latin typeface="Consolas" panose="020B0609020204030204" pitchFamily="49" charset="0"/>
+                          <a:cs typeface="Consolas" panose="020B0609020204030204" pitchFamily="49" charset="0"/>
+                        </a:rPr>
+                        <a:t>+ </a:t>
+                      </a:r>
+                      <a:r>
+                        <a:rPr lang="fr-CH" sz="1200" smtClean="0">
+                          <a:latin typeface="Consolas" panose="020B0609020204030204" pitchFamily="49" charset="0"/>
+                          <a:cs typeface="Consolas" panose="020B0609020204030204" pitchFamily="49" charset="0"/>
+                        </a:rPr>
+                        <a:t>location </a:t>
+                      </a:r>
+                      <a:r>
+                        <a:rPr lang="fr-CH" sz="1200" smtClean="0">
+                          <a:latin typeface="Consolas" panose="020B0609020204030204" pitchFamily="49" charset="0"/>
+                          <a:cs typeface="Consolas" panose="020B0609020204030204" pitchFamily="49" charset="0"/>
+                        </a:rPr>
+                        <a:t>: Point</a:t>
+                      </a:r>
+                    </a:p>
+                    <a:p>
+                      <a:r>
+                        <a:rPr lang="fr-CH" sz="1200" smtClean="0">
+                          <a:latin typeface="Consolas" panose="020B0609020204030204" pitchFamily="49" charset="0"/>
+                          <a:cs typeface="Consolas" panose="020B0609020204030204" pitchFamily="49" charset="0"/>
+                        </a:rPr>
+                        <a:t>+</a:t>
+                      </a:r>
+                      <a:r>
+                        <a:rPr lang="fr-CH" sz="1200" baseline="0" smtClean="0">
+                          <a:latin typeface="Consolas" panose="020B0609020204030204" pitchFamily="49" charset="0"/>
+                          <a:cs typeface="Consolas" panose="020B0609020204030204" pitchFamily="49" charset="0"/>
+                        </a:rPr>
+                        <a:t> width : float</a:t>
+                      </a:r>
+                    </a:p>
+                    <a:p>
+                      <a:r>
+                        <a:rPr lang="fr-CH" sz="1200" baseline="0" smtClean="0">
+                          <a:latin typeface="Consolas" panose="020B0609020204030204" pitchFamily="49" charset="0"/>
+                          <a:cs typeface="Consolas" panose="020B0609020204030204" pitchFamily="49" charset="0"/>
+                        </a:rPr>
+                        <a:t>+ height : float</a:t>
+                      </a:r>
+                      <a:endParaRPr lang="fr-CH" sz="1200">
+                        <a:latin typeface="Consolas" panose="020B0609020204030204" pitchFamily="49" charset="0"/>
+                        <a:cs typeface="Consolas" panose="020B0609020204030204" pitchFamily="49" charset="0"/>
+                      </a:endParaRPr>
+                    </a:p>
+                  </a:txBody>
+                  <a:tcPr marL="68580" marR="68580" marT="34290" marB="34290" anchor="ctr"/>
+                </a:tc>
+              </a:tr>
+              <a:tr h="696635">
+                <a:tc>
+                  <a:txBody>
+                    <a:bodyPr/>
+                    <a:lstStyle/>
+                    <a:p>
+                      <a:r>
+                        <a:rPr lang="fr-CH" sz="1200" smtClean="0">
+                          <a:latin typeface="Consolas" panose="020B0609020204030204" pitchFamily="49" charset="0"/>
+                          <a:cs typeface="Consolas" panose="020B0609020204030204" pitchFamily="49" charset="0"/>
+                        </a:rPr>
+                        <a:t>+ __init__(loc, width,</a:t>
+                      </a:r>
+                      <a:r>
+                        <a:rPr lang="fr-CH" sz="1200" baseline="0" smtClean="0">
+                          <a:latin typeface="Consolas" panose="020B0609020204030204" pitchFamily="49" charset="0"/>
+                          <a:cs typeface="Consolas" panose="020B0609020204030204" pitchFamily="49" charset="0"/>
+                        </a:rPr>
+                        <a:t> height</a:t>
+                      </a:r>
+                      <a:r>
+                        <a:rPr lang="fr-CH" sz="1200" smtClean="0">
+                          <a:latin typeface="Consolas" panose="020B0609020204030204" pitchFamily="49" charset="0"/>
+                          <a:cs typeface="Consolas" panose="020B0609020204030204" pitchFamily="49" charset="0"/>
+                        </a:rPr>
+                        <a:t>)</a:t>
+                      </a:r>
+                    </a:p>
+                    <a:p>
+                      <a:r>
+                        <a:rPr lang="fr-CH" sz="1200" smtClean="0">
+                          <a:latin typeface="Consolas" panose="020B0609020204030204" pitchFamily="49" charset="0"/>
+                          <a:cs typeface="Consolas" panose="020B0609020204030204" pitchFamily="49" charset="0"/>
+                        </a:rPr>
+                        <a:t>+ area() :</a:t>
+                      </a:r>
+                      <a:r>
+                        <a:rPr lang="fr-CH" sz="1200" baseline="0" smtClean="0">
+                          <a:latin typeface="Consolas" panose="020B0609020204030204" pitchFamily="49" charset="0"/>
+                          <a:cs typeface="Consolas" panose="020B0609020204030204" pitchFamily="49" charset="0"/>
+                        </a:rPr>
+                        <a:t> float</a:t>
+                      </a:r>
+                      <a:endParaRPr lang="fr-CH" sz="1200">
+                        <a:latin typeface="Consolas" panose="020B0609020204030204" pitchFamily="49" charset="0"/>
+                        <a:cs typeface="Consolas" panose="020B0609020204030204" pitchFamily="49" charset="0"/>
+                      </a:endParaRPr>
+                    </a:p>
+                  </a:txBody>
+                  <a:tcPr marL="68580" marR="68580" marT="34290" marB="34290" anchor="ctr"/>
+                </a:tc>
+              </a:tr>
+            </a:tbl>
+          </a:graphicData>
+        </a:graphic>
+      </p:graphicFrame>
+      <p:graphicFrame>
+        <p:nvGraphicFramePr>
+          <p:cNvPr id="119" name="Tableau 118"/>
+          <p:cNvGraphicFramePr>
+            <a:graphicFrameLocks noGrp="1"/>
+          </p:cNvGraphicFramePr>
+          <p:nvPr>
+            <p:extLst>
+              <p:ext uri="{D42A27DB-BD31-4B8C-83A1-F6EECF244321}">
+                <p14:modId xmlns:p14="http://schemas.microsoft.com/office/powerpoint/2010/main" val="4204215238"/>
+              </p:ext>
+            </p:extLst>
+          </p:nvPr>
+        </p:nvGraphicFramePr>
+        <p:xfrm>
+          <a:off x="4636233" y="399201"/>
+          <a:ext cx="2835267" cy="2073064"/>
+        </p:xfrm>
+        <a:graphic>
+          <a:graphicData uri="http://schemas.openxmlformats.org/drawingml/2006/table">
+            <a:tbl>
+              <a:tblPr firstRow="1" bandRow="1">
+                <a:tableStyleId>{7E9639D4-E3E2-4D34-9284-5A2195B3D0D7}</a:tableStyleId>
+              </a:tblPr>
+              <a:tblGrid>
+                <a:gridCol w="2835267"/>
+              </a:tblGrid>
+              <a:tr h="384308">
+                <a:tc>
+                  <a:txBody>
+                    <a:bodyPr/>
+                    <a:lstStyle/>
+                    <a:p>
+                      <a:pPr algn="ctr"/>
+                      <a:r>
+                        <a:rPr lang="fr-CH" sz="1400" smtClean="0">
+                          <a:latin typeface="Consolas" panose="020B0609020204030204" pitchFamily="49" charset="0"/>
+                          <a:cs typeface="Consolas" panose="020B0609020204030204" pitchFamily="49" charset="0"/>
+                        </a:rPr>
+                        <a:t>Square</a:t>
+                      </a:r>
+                      <a:endParaRPr lang="fr-CH" sz="1400">
+                        <a:latin typeface="Consolas" panose="020B0609020204030204" pitchFamily="49" charset="0"/>
+                        <a:cs typeface="Consolas" panose="020B0609020204030204" pitchFamily="49" charset="0"/>
+                      </a:endParaRPr>
+                    </a:p>
+                  </a:txBody>
+                  <a:tcPr marL="68580" marR="68580" marT="34290" marB="34290" anchor="ctr"/>
+                </a:tc>
+              </a:tr>
+              <a:tr h="623865">
+                <a:tc>
+                  <a:txBody>
+                    <a:bodyPr/>
+                    <a:lstStyle/>
+                    <a:p>
+                      <a:r>
+                        <a:rPr lang="fr-CH" sz="1200" smtClean="0">
+                          <a:latin typeface="Consolas" panose="020B0609020204030204" pitchFamily="49" charset="0"/>
+                          <a:cs typeface="Consolas" panose="020B0609020204030204" pitchFamily="49" charset="0"/>
+                        </a:rPr>
+                        <a:t>+ side</a:t>
+                      </a:r>
+                    </a:p>
+                  </a:txBody>
+                  <a:tcPr marL="68580" marR="68580" marT="34290" marB="34290" anchor="ctr"/>
+                </a:tc>
+              </a:tr>
+              <a:tr h="1064891">
+                <a:tc>
+                  <a:txBody>
+                    <a:bodyPr/>
+                    <a:lstStyle/>
+                    <a:p>
+                      <a:r>
+                        <a:rPr lang="fr-CH" sz="1200" smtClean="0">
+                          <a:latin typeface="Consolas" panose="020B0609020204030204" pitchFamily="49" charset="0"/>
+                          <a:cs typeface="Consolas" panose="020B0609020204030204" pitchFamily="49" charset="0"/>
+                        </a:rPr>
+                        <a:t>+ __init__(loc, side)</a:t>
+                      </a:r>
+                    </a:p>
+                  </a:txBody>
+                  <a:tcPr marL="68580" marR="68580" marT="34290" marB="34290" anchor="ctr"/>
+                </a:tc>
+              </a:tr>
+            </a:tbl>
+          </a:graphicData>
+        </a:graphic>
+      </p:graphicFrame>
+      <p:graphicFrame>
+        <p:nvGraphicFramePr>
+          <p:cNvPr id="29" name="Tableau 28"/>
+          <p:cNvGraphicFramePr>
+            <a:graphicFrameLocks noGrp="1"/>
+          </p:cNvGraphicFramePr>
+          <p:nvPr>
+            <p:extLst/>
+          </p:nvPr>
+        </p:nvGraphicFramePr>
+        <p:xfrm>
+          <a:off x="1003050" y="2937933"/>
+          <a:ext cx="2331026" cy="1873373"/>
+        </p:xfrm>
+        <a:graphic>
+          <a:graphicData uri="http://schemas.openxmlformats.org/drawingml/2006/table">
+            <a:tbl>
+              <a:tblPr firstRow="1" bandRow="1">
+                <a:tableStyleId>{7E9639D4-E3E2-4D34-9284-5A2195B3D0D7}</a:tableStyleId>
+              </a:tblPr>
+              <a:tblGrid>
+                <a:gridCol w="2331026"/>
+              </a:tblGrid>
+              <a:tr h="329609">
+                <a:tc>
+                  <a:txBody>
+                    <a:bodyPr/>
+                    <a:lstStyle/>
+                    <a:p>
+                      <a:pPr algn="ctr"/>
+                      <a:r>
+                        <a:rPr lang="fr-CH" sz="1400" smtClean="0">
+                          <a:latin typeface="Consolas" panose="020B0609020204030204" pitchFamily="49" charset="0"/>
+                          <a:cs typeface="Consolas" panose="020B0609020204030204" pitchFamily="49" charset="0"/>
+                        </a:rPr>
+                        <a:t>Point</a:t>
+                      </a:r>
+                      <a:endParaRPr lang="fr-CH" sz="1400">
+                        <a:latin typeface="Consolas" panose="020B0609020204030204" pitchFamily="49" charset="0"/>
+                        <a:cs typeface="Consolas" panose="020B0609020204030204" pitchFamily="49" charset="0"/>
+                      </a:endParaRPr>
+                    </a:p>
+                  </a:txBody>
+                  <a:tcPr marL="68580" marR="68580" marT="34290" marB="34290" anchor="ctr"/>
+                </a:tc>
+              </a:tr>
+              <a:tr h="729345">
+                <a:tc>
+                  <a:txBody>
+                    <a:bodyPr/>
+                    <a:lstStyle/>
+                    <a:p>
+                      <a:r>
+                        <a:rPr lang="fr-CH" sz="1200" smtClean="0">
+                          <a:latin typeface="Consolas" panose="020B0609020204030204" pitchFamily="49" charset="0"/>
+                          <a:cs typeface="Consolas" panose="020B0609020204030204" pitchFamily="49" charset="0"/>
+                        </a:rPr>
+                        <a:t>+ x : float</a:t>
+                      </a:r>
+                    </a:p>
+                    <a:p>
+                      <a:r>
+                        <a:rPr lang="fr-CH" sz="1200" smtClean="0">
+                          <a:latin typeface="Consolas" panose="020B0609020204030204" pitchFamily="49" charset="0"/>
+                          <a:cs typeface="Consolas" panose="020B0609020204030204" pitchFamily="49" charset="0"/>
+                        </a:rPr>
+                        <a:t>+</a:t>
+                      </a:r>
+                      <a:r>
+                        <a:rPr lang="fr-CH" sz="1200" baseline="0" smtClean="0">
+                          <a:latin typeface="Consolas" panose="020B0609020204030204" pitchFamily="49" charset="0"/>
+                          <a:cs typeface="Consolas" panose="020B0609020204030204" pitchFamily="49" charset="0"/>
+                        </a:rPr>
+                        <a:t> y : float</a:t>
+                      </a:r>
+                    </a:p>
+                  </a:txBody>
+                  <a:tcPr marL="68580" marR="68580" marT="34290" marB="34290" anchor="ctr"/>
+                </a:tc>
+              </a:tr>
+              <a:tr h="814419">
+                <a:tc>
+                  <a:txBody>
+                    <a:bodyPr/>
+                    <a:lstStyle/>
+                    <a:p>
+                      <a:r>
+                        <a:rPr lang="fr-CH" sz="1200" smtClean="0">
+                          <a:latin typeface="Consolas" panose="020B0609020204030204" pitchFamily="49" charset="0"/>
+                          <a:cs typeface="Consolas" panose="020B0609020204030204" pitchFamily="49" charset="0"/>
+                        </a:rPr>
+                        <a:t>+ __init__(x, y)</a:t>
+                      </a:r>
+                    </a:p>
+                    <a:p>
+                      <a:r>
+                        <a:rPr lang="fr-CH" sz="1200" smtClean="0">
+                          <a:latin typeface="Consolas" panose="020B0609020204030204" pitchFamily="49" charset="0"/>
+                          <a:cs typeface="Consolas" panose="020B0609020204030204" pitchFamily="49" charset="0"/>
+                        </a:rPr>
+                        <a:t>+ distance(other) : float</a:t>
+                      </a:r>
+                      <a:endParaRPr lang="fr-CH" sz="1200">
+                        <a:latin typeface="Consolas" panose="020B0609020204030204" pitchFamily="49" charset="0"/>
+                        <a:cs typeface="Consolas" panose="020B0609020204030204" pitchFamily="49" charset="0"/>
+                      </a:endParaRPr>
+                    </a:p>
+                  </a:txBody>
+                  <a:tcPr marL="68580" marR="68580" marT="34290" marB="34290" anchor="ctr"/>
+                </a:tc>
+              </a:tr>
+            </a:tbl>
+          </a:graphicData>
+        </a:graphic>
+      </p:graphicFrame>
+      <p:graphicFrame>
+        <p:nvGraphicFramePr>
+          <p:cNvPr id="30" name="Tableau 29"/>
+          <p:cNvGraphicFramePr>
+            <a:graphicFrameLocks noGrp="1"/>
+          </p:cNvGraphicFramePr>
+          <p:nvPr>
+            <p:extLst/>
+          </p:nvPr>
+        </p:nvGraphicFramePr>
+        <p:xfrm>
+          <a:off x="4559050" y="2945515"/>
+          <a:ext cx="3662084" cy="2104970"/>
+        </p:xfrm>
+        <a:graphic>
+          <a:graphicData uri="http://schemas.openxmlformats.org/drawingml/2006/table">
+            <a:tbl>
+              <a:tblPr firstRow="1" bandRow="1">
+                <a:tableStyleId>{7E9639D4-E3E2-4D34-9284-5A2195B3D0D7}</a:tableStyleId>
+              </a:tblPr>
+              <a:tblGrid>
+                <a:gridCol w="3662084"/>
+              </a:tblGrid>
+              <a:tr h="384308">
+                <a:tc>
+                  <a:txBody>
+                    <a:bodyPr/>
+                    <a:lstStyle/>
+                    <a:p>
+                      <a:pPr algn="ctr"/>
+                      <a:r>
+                        <a:rPr lang="fr-CH" sz="1400" smtClean="0">
+                          <a:latin typeface="Consolas" panose="020B0609020204030204" pitchFamily="49" charset="0"/>
+                          <a:cs typeface="Consolas" panose="020B0609020204030204" pitchFamily="49" charset="0"/>
+                        </a:rPr>
+                        <a:t>RandomPoints</a:t>
+                      </a:r>
+                      <a:endParaRPr lang="fr-CH" sz="1400">
+                        <a:latin typeface="Consolas" panose="020B0609020204030204" pitchFamily="49" charset="0"/>
+                        <a:cs typeface="Consolas" panose="020B0609020204030204" pitchFamily="49" charset="0"/>
+                      </a:endParaRPr>
+                    </a:p>
+                  </a:txBody>
+                  <a:tcPr marL="68580" marR="68580" marT="34290" marB="34290" anchor="ctr"/>
+                </a:tc>
+              </a:tr>
+              <a:tr h="623865">
+                <a:tc>
+                  <a:txBody>
+                    <a:bodyPr/>
+                    <a:lstStyle/>
+                    <a:p>
+                      <a:r>
+                        <a:rPr lang="fr-CH" sz="1200" smtClean="0">
+                          <a:latin typeface="Consolas" panose="020B0609020204030204" pitchFamily="49" charset="0"/>
+                          <a:cs typeface="Consolas" panose="020B0609020204030204" pitchFamily="49" charset="0"/>
+                        </a:rPr>
+                        <a:t>+ points</a:t>
+                      </a:r>
+                      <a:r>
+                        <a:rPr lang="fr-CH" sz="1200" baseline="0" smtClean="0">
+                          <a:latin typeface="Consolas" panose="020B0609020204030204" pitchFamily="49" charset="0"/>
+                          <a:cs typeface="Consolas" panose="020B0609020204030204" pitchFamily="49" charset="0"/>
+                        </a:rPr>
+                        <a:t> : list of Point</a:t>
+                      </a:r>
+                    </a:p>
+                  </a:txBody>
+                  <a:tcPr marL="68580" marR="68580" marT="34290" marB="34290" anchor="ctr"/>
+                </a:tc>
+              </a:tr>
+              <a:tr h="1096797">
+                <a:tc>
+                  <a:txBody>
+                    <a:bodyPr/>
+                    <a:lstStyle/>
+                    <a:p>
+                      <a:r>
+                        <a:rPr lang="fr-CH" sz="1200" smtClean="0">
+                          <a:latin typeface="Consolas" panose="020B0609020204030204" pitchFamily="49" charset="0"/>
+                          <a:cs typeface="Consolas" panose="020B0609020204030204" pitchFamily="49" charset="0"/>
+                        </a:rPr>
+                        <a:t>+ __init__(x, y)</a:t>
+                      </a:r>
+                    </a:p>
+                    <a:p>
+                      <a:r>
+                        <a:rPr lang="fr-CH" sz="1200" smtClean="0">
+                          <a:latin typeface="Consolas" panose="020B0609020204030204" pitchFamily="49" charset="0"/>
+                          <a:cs typeface="Consolas" panose="020B0609020204030204" pitchFamily="49" charset="0"/>
+                        </a:rPr>
+                        <a:t>+</a:t>
+                      </a:r>
+                      <a:r>
+                        <a:rPr lang="fr-CH" sz="1200" baseline="0" smtClean="0">
+                          <a:latin typeface="Consolas" panose="020B0609020204030204" pitchFamily="49" charset="0"/>
+                          <a:cs typeface="Consolas" panose="020B0609020204030204" pitchFamily="49" charset="0"/>
+                        </a:rPr>
+                        <a:t> generate(n=10) : list of Point</a:t>
+                      </a:r>
+                    </a:p>
+                    <a:p>
+                      <a:r>
+                        <a:rPr lang="fr-CH" sz="1200" baseline="0" smtClean="0">
+                          <a:latin typeface="Consolas" panose="020B0609020204030204" pitchFamily="49" charset="0"/>
+                          <a:cs typeface="Consolas" panose="020B0609020204030204" pitchFamily="49" charset="0"/>
+                        </a:rPr>
+                        <a:t>+ get_num_points() : int</a:t>
+                      </a:r>
+                    </a:p>
+                    <a:p>
+                      <a:r>
+                        <a:rPr lang="fr-CH" sz="1200" baseline="0" smtClean="0">
+                          <a:latin typeface="Consolas" panose="020B0609020204030204" pitchFamily="49" charset="0"/>
+                          <a:cs typeface="Consolas" panose="020B0609020204030204" pitchFamily="49" charset="0"/>
+                        </a:rPr>
+                        <a:t>+ get_max_dist_from(p : Point) : float</a:t>
+                      </a:r>
+                      <a:endParaRPr lang="fr-CH" sz="1200" smtClean="0">
+                        <a:latin typeface="Consolas" panose="020B0609020204030204" pitchFamily="49" charset="0"/>
+                        <a:cs typeface="Consolas" panose="020B0609020204030204" pitchFamily="49" charset="0"/>
+                      </a:endParaRPr>
+                    </a:p>
+                  </a:txBody>
+                  <a:tcPr marL="68580" marR="68580" marT="34290" marB="34290" anchor="ctr"/>
+                </a:tc>
+              </a:tr>
+            </a:tbl>
+          </a:graphicData>
+        </a:graphic>
+      </p:graphicFrame>
+    </p:spTree>
+    <p:extLst>
+      <p:ext uri="{BB962C8B-B14F-4D97-AF65-F5344CB8AC3E}">
+        <p14:creationId xmlns:p14="http://schemas.microsoft.com/office/powerpoint/2010/main" val="3642848797"/>
+      </p:ext>
+    </p:extLst>
+  </p:cSld>
+  <p:clrMapOvr>
+    <a:masterClrMapping/>
+  </p:clrMapOvr>
+  <p:timing>
+    <p:tnLst>
+      <p:par>
+        <p:cTn id="1" dur="indefinite" restart="never" nodeType="tmRoot"/>
+      </p:par>
+    </p:tnLst>
+  </p:timing>
+</p:sld>
+</file>
+
+<file path=ppt/slides/slide6.xml><?xml version="1.0" encoding="utf-8"?>
+<p:sld xmlns:a="http://schemas.openxmlformats.org/drawingml/2006/main" xmlns:r="http://schemas.openxmlformats.org/officeDocument/2006/relationships" xmlns:p="http://schemas.openxmlformats.org/presentationml/2006/main">
+  <p:cSld>
+    <p:spTree>
+      <p:nvGrpSpPr>
+        <p:cNvPr id="1" name=""/>
+        <p:cNvGrpSpPr/>
+        <p:nvPr/>
+      </p:nvGrpSpPr>
+      <p:grpSpPr>
+        <a:xfrm>
+          <a:off x="0" y="0"/>
+          <a:ext cx="0" cy="0"/>
+          <a:chOff x="0" y="0"/>
+          <a:chExt cx="0" cy="0"/>
+        </a:xfrm>
+      </p:grpSpPr>
+      <p:graphicFrame>
+        <p:nvGraphicFramePr>
+          <p:cNvPr id="116" name="Tableau 115"/>
+          <p:cNvGraphicFramePr>
+            <a:graphicFrameLocks noGrp="1"/>
+          </p:cNvGraphicFramePr>
+          <p:nvPr>
+            <p:extLst/>
+          </p:nvPr>
+        </p:nvGraphicFramePr>
+        <p:xfrm>
+          <a:off x="435781" y="418096"/>
+          <a:ext cx="3052485" cy="1704808"/>
+        </p:xfrm>
+        <a:graphic>
+          <a:graphicData uri="http://schemas.openxmlformats.org/drawingml/2006/table">
+            <a:tbl>
+              <a:tblPr firstRow="1" bandRow="1">
+                <a:tableStyleId>{7E9639D4-E3E2-4D34-9284-5A2195B3D0D7}</a:tableStyleId>
+              </a:tblPr>
+              <a:tblGrid>
+                <a:gridCol w="3052485"/>
+              </a:tblGrid>
+              <a:tr h="384308">
+                <a:tc>
+                  <a:txBody>
+                    <a:bodyPr/>
+                    <a:lstStyle/>
+                    <a:p>
+                      <a:pPr algn="ctr"/>
+                      <a:r>
+                        <a:rPr lang="fr-CH" sz="1400" smtClean="0">
+                          <a:latin typeface="Consolas" panose="020B0609020204030204" pitchFamily="49" charset="0"/>
+                          <a:cs typeface="Consolas" panose="020B0609020204030204" pitchFamily="49" charset="0"/>
+                        </a:rPr>
+                        <a:t>Rect</a:t>
+                      </a:r>
+                      <a:endParaRPr lang="fr-CH" sz="1400">
+                        <a:latin typeface="Consolas" panose="020B0609020204030204" pitchFamily="49" charset="0"/>
+                        <a:cs typeface="Consolas" panose="020B0609020204030204" pitchFamily="49" charset="0"/>
+                      </a:endParaRPr>
+                    </a:p>
+                  </a:txBody>
+                  <a:tcPr marL="68580" marR="68580" marT="34290" marB="34290" anchor="ctr"/>
+                </a:tc>
+              </a:tr>
+              <a:tr h="623865">
+                <a:tc>
+                  <a:txBody>
+                    <a:bodyPr/>
+                    <a:lstStyle/>
+                    <a:p>
+                      <a:r>
+                        <a:rPr lang="fr-CH" sz="1200" smtClean="0">
+                          <a:latin typeface="Consolas" panose="020B0609020204030204" pitchFamily="49" charset="0"/>
+                          <a:cs typeface="Consolas" panose="020B0609020204030204" pitchFamily="49" charset="0"/>
+                        </a:rPr>
+                        <a:t>+ </a:t>
+                      </a:r>
+                      <a:r>
+                        <a:rPr lang="fr-CH" sz="1200" smtClean="0">
+                          <a:latin typeface="Consolas" panose="020B0609020204030204" pitchFamily="49" charset="0"/>
+                          <a:cs typeface="Consolas" panose="020B0609020204030204" pitchFamily="49" charset="0"/>
+                        </a:rPr>
+                        <a:t>location </a:t>
+                      </a:r>
+                      <a:r>
+                        <a:rPr lang="fr-CH" sz="1200" smtClean="0">
+                          <a:latin typeface="Consolas" panose="020B0609020204030204" pitchFamily="49" charset="0"/>
+                          <a:cs typeface="Consolas" panose="020B0609020204030204" pitchFamily="49" charset="0"/>
+                        </a:rPr>
+                        <a:t>: Point</a:t>
+                      </a:r>
+                    </a:p>
+                    <a:p>
+                      <a:r>
+                        <a:rPr lang="fr-CH" sz="1200" smtClean="0">
+                          <a:latin typeface="Consolas" panose="020B0609020204030204" pitchFamily="49" charset="0"/>
+                          <a:cs typeface="Consolas" panose="020B0609020204030204" pitchFamily="49" charset="0"/>
+                        </a:rPr>
+                        <a:t>+</a:t>
+                      </a:r>
+                      <a:r>
+                        <a:rPr lang="fr-CH" sz="1200" baseline="0" smtClean="0">
+                          <a:latin typeface="Consolas" panose="020B0609020204030204" pitchFamily="49" charset="0"/>
+                          <a:cs typeface="Consolas" panose="020B0609020204030204" pitchFamily="49" charset="0"/>
+                        </a:rPr>
+                        <a:t> width : float</a:t>
+                      </a:r>
+                    </a:p>
+                    <a:p>
+                      <a:r>
+                        <a:rPr lang="fr-CH" sz="1200" baseline="0" smtClean="0">
+                          <a:latin typeface="Consolas" panose="020B0609020204030204" pitchFamily="49" charset="0"/>
+                          <a:cs typeface="Consolas" panose="020B0609020204030204" pitchFamily="49" charset="0"/>
+                        </a:rPr>
+                        <a:t>+ height : float</a:t>
+                      </a:r>
+                      <a:endParaRPr lang="fr-CH" sz="1200">
+                        <a:latin typeface="Consolas" panose="020B0609020204030204" pitchFamily="49" charset="0"/>
+                        <a:cs typeface="Consolas" panose="020B0609020204030204" pitchFamily="49" charset="0"/>
+                      </a:endParaRPr>
+                    </a:p>
+                  </a:txBody>
+                  <a:tcPr marL="68580" marR="68580" marT="34290" marB="34290" anchor="ctr"/>
+                </a:tc>
+              </a:tr>
+              <a:tr h="696635">
+                <a:tc>
+                  <a:txBody>
+                    <a:bodyPr/>
+                    <a:lstStyle/>
+                    <a:p>
+                      <a:r>
+                        <a:rPr lang="fr-CH" sz="1200" smtClean="0">
+                          <a:latin typeface="Consolas" panose="020B0609020204030204" pitchFamily="49" charset="0"/>
+                          <a:cs typeface="Consolas" panose="020B0609020204030204" pitchFamily="49" charset="0"/>
+                        </a:rPr>
+                        <a:t>+ __init__(loc, width,</a:t>
+                      </a:r>
+                      <a:r>
+                        <a:rPr lang="fr-CH" sz="1200" baseline="0" smtClean="0">
+                          <a:latin typeface="Consolas" panose="020B0609020204030204" pitchFamily="49" charset="0"/>
+                          <a:cs typeface="Consolas" panose="020B0609020204030204" pitchFamily="49" charset="0"/>
+                        </a:rPr>
+                        <a:t> height</a:t>
+                      </a:r>
+                      <a:r>
+                        <a:rPr lang="fr-CH" sz="1200" smtClean="0">
+                          <a:latin typeface="Consolas" panose="020B0609020204030204" pitchFamily="49" charset="0"/>
+                          <a:cs typeface="Consolas" panose="020B0609020204030204" pitchFamily="49" charset="0"/>
+                        </a:rPr>
+                        <a:t>)</a:t>
+                      </a:r>
+                    </a:p>
+                    <a:p>
+                      <a:r>
+                        <a:rPr lang="fr-CH" sz="1200" smtClean="0">
+                          <a:latin typeface="Consolas" panose="020B0609020204030204" pitchFamily="49" charset="0"/>
+                          <a:cs typeface="Consolas" panose="020B0609020204030204" pitchFamily="49" charset="0"/>
+                        </a:rPr>
+                        <a:t>+ area() :</a:t>
+                      </a:r>
+                      <a:r>
+                        <a:rPr lang="fr-CH" sz="1200" baseline="0" smtClean="0">
+                          <a:latin typeface="Consolas" panose="020B0609020204030204" pitchFamily="49" charset="0"/>
+                          <a:cs typeface="Consolas" panose="020B0609020204030204" pitchFamily="49" charset="0"/>
+                        </a:rPr>
+                        <a:t> float</a:t>
+                      </a:r>
+                      <a:endParaRPr lang="fr-CH" sz="1200">
+                        <a:latin typeface="Consolas" panose="020B0609020204030204" pitchFamily="49" charset="0"/>
+                        <a:cs typeface="Consolas" panose="020B0609020204030204" pitchFamily="49" charset="0"/>
+                      </a:endParaRPr>
+                    </a:p>
+                  </a:txBody>
+                  <a:tcPr marL="68580" marR="68580" marT="34290" marB="34290" anchor="ctr"/>
+                </a:tc>
+              </a:tr>
+            </a:tbl>
+          </a:graphicData>
+        </a:graphic>
+      </p:graphicFrame>
+      <p:graphicFrame>
+        <p:nvGraphicFramePr>
+          <p:cNvPr id="119" name="Tableau 118"/>
+          <p:cNvGraphicFramePr>
+            <a:graphicFrameLocks noGrp="1"/>
+          </p:cNvGraphicFramePr>
+          <p:nvPr>
+            <p:extLst/>
+          </p:nvPr>
+        </p:nvGraphicFramePr>
+        <p:xfrm>
+          <a:off x="4636233" y="399201"/>
+          <a:ext cx="2835267" cy="2073064"/>
+        </p:xfrm>
+        <a:graphic>
+          <a:graphicData uri="http://schemas.openxmlformats.org/drawingml/2006/table">
+            <a:tbl>
+              <a:tblPr firstRow="1" bandRow="1">
+                <a:tableStyleId>{7E9639D4-E3E2-4D34-9284-5A2195B3D0D7}</a:tableStyleId>
+              </a:tblPr>
+              <a:tblGrid>
+                <a:gridCol w="2835267"/>
+              </a:tblGrid>
+              <a:tr h="384308">
+                <a:tc>
+                  <a:txBody>
+                    <a:bodyPr/>
+                    <a:lstStyle/>
+                    <a:p>
+                      <a:pPr algn="ctr"/>
+                      <a:r>
+                        <a:rPr lang="fr-CH" sz="1400" smtClean="0">
+                          <a:latin typeface="Consolas" panose="020B0609020204030204" pitchFamily="49" charset="0"/>
+                          <a:cs typeface="Consolas" panose="020B0609020204030204" pitchFamily="49" charset="0"/>
+                        </a:rPr>
+                        <a:t>Square</a:t>
+                      </a:r>
+                      <a:endParaRPr lang="fr-CH" sz="1400">
+                        <a:latin typeface="Consolas" panose="020B0609020204030204" pitchFamily="49" charset="0"/>
+                        <a:cs typeface="Consolas" panose="020B0609020204030204" pitchFamily="49" charset="0"/>
+                      </a:endParaRPr>
+                    </a:p>
+                  </a:txBody>
+                  <a:tcPr marL="68580" marR="68580" marT="34290" marB="34290" anchor="ctr"/>
+                </a:tc>
+              </a:tr>
+              <a:tr h="623865">
+                <a:tc>
+                  <a:txBody>
+                    <a:bodyPr/>
+                    <a:lstStyle/>
+                    <a:p>
+                      <a:r>
+                        <a:rPr lang="fr-CH" sz="1200" smtClean="0">
+                          <a:latin typeface="Consolas" panose="020B0609020204030204" pitchFamily="49" charset="0"/>
+                          <a:cs typeface="Consolas" panose="020B0609020204030204" pitchFamily="49" charset="0"/>
+                        </a:rPr>
+                        <a:t>+ side</a:t>
+                      </a:r>
+                    </a:p>
+                  </a:txBody>
+                  <a:tcPr marL="68580" marR="68580" marT="34290" marB="34290" anchor="ctr"/>
+                </a:tc>
+              </a:tr>
+              <a:tr h="1064891">
+                <a:tc>
+                  <a:txBody>
+                    <a:bodyPr/>
+                    <a:lstStyle/>
+                    <a:p>
+                      <a:r>
+                        <a:rPr lang="fr-CH" sz="1200" smtClean="0">
+                          <a:latin typeface="Consolas" panose="020B0609020204030204" pitchFamily="49" charset="0"/>
+                          <a:cs typeface="Consolas" panose="020B0609020204030204" pitchFamily="49" charset="0"/>
+                        </a:rPr>
+                        <a:t>+ __init__(loc, side)</a:t>
+                      </a:r>
+                    </a:p>
+                  </a:txBody>
+                  <a:tcPr marL="68580" marR="68580" marT="34290" marB="34290" anchor="ctr"/>
+                </a:tc>
+              </a:tr>
+            </a:tbl>
+          </a:graphicData>
+        </a:graphic>
+      </p:graphicFrame>
+      <p:graphicFrame>
+        <p:nvGraphicFramePr>
+          <p:cNvPr id="29" name="Tableau 28"/>
+          <p:cNvGraphicFramePr>
+            <a:graphicFrameLocks noGrp="1"/>
+          </p:cNvGraphicFramePr>
+          <p:nvPr>
+            <p:extLst/>
+          </p:nvPr>
+        </p:nvGraphicFramePr>
+        <p:xfrm>
+          <a:off x="1003050" y="2937933"/>
+          <a:ext cx="2331026" cy="1873373"/>
+        </p:xfrm>
+        <a:graphic>
+          <a:graphicData uri="http://schemas.openxmlformats.org/drawingml/2006/table">
+            <a:tbl>
+              <a:tblPr firstRow="1" bandRow="1">
+                <a:tableStyleId>{7E9639D4-E3E2-4D34-9284-5A2195B3D0D7}</a:tableStyleId>
+              </a:tblPr>
+              <a:tblGrid>
+                <a:gridCol w="2331026"/>
+              </a:tblGrid>
+              <a:tr h="329609">
+                <a:tc>
+                  <a:txBody>
+                    <a:bodyPr/>
+                    <a:lstStyle/>
+                    <a:p>
+                      <a:pPr algn="ctr"/>
+                      <a:r>
+                        <a:rPr lang="fr-CH" sz="1400" smtClean="0">
+                          <a:latin typeface="Consolas" panose="020B0609020204030204" pitchFamily="49" charset="0"/>
+                          <a:cs typeface="Consolas" panose="020B0609020204030204" pitchFamily="49" charset="0"/>
+                        </a:rPr>
+                        <a:t>Point</a:t>
+                      </a:r>
+                      <a:endParaRPr lang="fr-CH" sz="1400">
+                        <a:latin typeface="Consolas" panose="020B0609020204030204" pitchFamily="49" charset="0"/>
+                        <a:cs typeface="Consolas" panose="020B0609020204030204" pitchFamily="49" charset="0"/>
+                      </a:endParaRPr>
+                    </a:p>
+                  </a:txBody>
+                  <a:tcPr marL="68580" marR="68580" marT="34290" marB="34290" anchor="ctr"/>
+                </a:tc>
+              </a:tr>
+              <a:tr h="729345">
+                <a:tc>
+                  <a:txBody>
+                    <a:bodyPr/>
+                    <a:lstStyle/>
+                    <a:p>
+                      <a:r>
+                        <a:rPr lang="fr-CH" sz="1200" smtClean="0">
+                          <a:latin typeface="Consolas" panose="020B0609020204030204" pitchFamily="49" charset="0"/>
+                          <a:cs typeface="Consolas" panose="020B0609020204030204" pitchFamily="49" charset="0"/>
+                        </a:rPr>
+                        <a:t>+ x : float</a:t>
+                      </a:r>
+                    </a:p>
+                    <a:p>
+                      <a:r>
+                        <a:rPr lang="fr-CH" sz="1200" smtClean="0">
+                          <a:latin typeface="Consolas" panose="020B0609020204030204" pitchFamily="49" charset="0"/>
+                          <a:cs typeface="Consolas" panose="020B0609020204030204" pitchFamily="49" charset="0"/>
+                        </a:rPr>
+                        <a:t>+</a:t>
+                      </a:r>
+                      <a:r>
+                        <a:rPr lang="fr-CH" sz="1200" baseline="0" smtClean="0">
+                          <a:latin typeface="Consolas" panose="020B0609020204030204" pitchFamily="49" charset="0"/>
+                          <a:cs typeface="Consolas" panose="020B0609020204030204" pitchFamily="49" charset="0"/>
+                        </a:rPr>
+                        <a:t> y : float</a:t>
+                      </a:r>
+                    </a:p>
+                  </a:txBody>
+                  <a:tcPr marL="68580" marR="68580" marT="34290" marB="34290" anchor="ctr"/>
+                </a:tc>
+              </a:tr>
+              <a:tr h="814419">
+                <a:tc>
+                  <a:txBody>
+                    <a:bodyPr/>
+                    <a:lstStyle/>
+                    <a:p>
+                      <a:r>
+                        <a:rPr lang="fr-CH" sz="1200" smtClean="0">
+                          <a:latin typeface="Consolas" panose="020B0609020204030204" pitchFamily="49" charset="0"/>
+                          <a:cs typeface="Consolas" panose="020B0609020204030204" pitchFamily="49" charset="0"/>
+                        </a:rPr>
+                        <a:t>+ __init__(x, y)</a:t>
+                      </a:r>
+                    </a:p>
+                    <a:p>
+                      <a:r>
+                        <a:rPr lang="fr-CH" sz="1200" smtClean="0">
+                          <a:latin typeface="Consolas" panose="020B0609020204030204" pitchFamily="49" charset="0"/>
+                          <a:cs typeface="Consolas" panose="020B0609020204030204" pitchFamily="49" charset="0"/>
+                        </a:rPr>
+                        <a:t>+ distance(other) : float</a:t>
+                      </a:r>
+                      <a:endParaRPr lang="fr-CH" sz="1200">
+                        <a:latin typeface="Consolas" panose="020B0609020204030204" pitchFamily="49" charset="0"/>
+                        <a:cs typeface="Consolas" panose="020B0609020204030204" pitchFamily="49" charset="0"/>
+                      </a:endParaRPr>
+                    </a:p>
+                  </a:txBody>
+                  <a:tcPr marL="68580" marR="68580" marT="34290" marB="34290" anchor="ctr"/>
+                </a:tc>
+              </a:tr>
+            </a:tbl>
+          </a:graphicData>
+        </a:graphic>
+      </p:graphicFrame>
+    </p:spTree>
+    <p:extLst>
+      <p:ext uri="{BB962C8B-B14F-4D97-AF65-F5344CB8AC3E}">
+        <p14:creationId xmlns:p14="http://schemas.microsoft.com/office/powerpoint/2010/main" val="2019738257"/>
+      </p:ext>
+    </p:extLst>
+  </p:cSld>
+  <p:clrMapOvr>
+    <a:masterClrMapping/>
+  </p:clrMapOvr>
+  <p:timing>
+    <p:tnLst>
+      <p:par>
+        <p:cTn id="1" dur="indefinite" restart="never" nodeType="tmRoot"/>
+      </p:par>
+    </p:tnLst>
+  </p:timing>
+</p:sld>
+</file>
+
+<file path=ppt/slides/slide7.xml><?xml version="1.0" encoding="utf-8"?>
+<p:sld xmlns:a="http://schemas.openxmlformats.org/drawingml/2006/main" xmlns:r="http://schemas.openxmlformats.org/officeDocument/2006/relationships" xmlns:p="http://schemas.openxmlformats.org/presentationml/2006/main">
+  <p:cSld>
+    <p:spTree>
+      <p:nvGrpSpPr>
+        <p:cNvPr id="1" name=""/>
+        <p:cNvGrpSpPr/>
+        <p:nvPr/>
+      </p:nvGrpSpPr>
+      <p:grpSpPr>
+        <a:xfrm>
+          <a:off x="0" y="0"/>
+          <a:ext cx="0" cy="0"/>
+          <a:chOff x="0" y="0"/>
+          <a:chExt cx="0" cy="0"/>
+        </a:xfrm>
+      </p:grpSpPr>
+      <p:graphicFrame>
+        <p:nvGraphicFramePr>
+          <p:cNvPr id="4" name="Tableau 3"/>
+          <p:cNvGraphicFramePr>
+            <a:graphicFrameLocks noGrp="1"/>
+          </p:cNvGraphicFramePr>
+          <p:nvPr>
+            <p:extLst>
+              <p:ext uri="{D42A27DB-BD31-4B8C-83A1-F6EECF244321}">
+                <p14:modId xmlns:p14="http://schemas.microsoft.com/office/powerpoint/2010/main" val="3814356701"/>
+              </p:ext>
+            </p:extLst>
+          </p:nvPr>
+        </p:nvGraphicFramePr>
+        <p:xfrm>
+          <a:off x="2856881" y="444570"/>
+          <a:ext cx="2688417" cy="1716503"/>
+        </p:xfrm>
+        <a:graphic>
+          <a:graphicData uri="http://schemas.openxmlformats.org/drawingml/2006/table">
+            <a:tbl>
+              <a:tblPr firstRow="1" bandRow="1">
+                <a:tableStyleId>{7E9639D4-E3E2-4D34-9284-5A2195B3D0D7}</a:tableStyleId>
+              </a:tblPr>
+              <a:tblGrid>
+                <a:gridCol w="2688417"/>
+              </a:tblGrid>
+              <a:tr h="396003">
+                <a:tc>
+                  <a:txBody>
+                    <a:bodyPr/>
+                    <a:lstStyle/>
+                    <a:p>
+                      <a:pPr algn="ctr"/>
+                      <a:r>
+                        <a:rPr lang="fr-CH" sz="1400" smtClean="0">
+                          <a:latin typeface="Consolas" panose="020B0609020204030204" pitchFamily="49" charset="0"/>
+                          <a:cs typeface="Consolas" panose="020B0609020204030204" pitchFamily="49" charset="0"/>
+                        </a:rPr>
+                        <a:t>Rect</a:t>
+                      </a:r>
+                      <a:endParaRPr lang="fr-CH" sz="1400">
+                        <a:latin typeface="Consolas" panose="020B0609020204030204" pitchFamily="49" charset="0"/>
+                        <a:cs typeface="Consolas" panose="020B0609020204030204" pitchFamily="49" charset="0"/>
+                      </a:endParaRPr>
+                    </a:p>
+                  </a:txBody>
+                  <a:tcPr marL="68580" marR="68580" marT="34290" marB="34290" anchor="ctr"/>
+                </a:tc>
+              </a:tr>
+              <a:tr h="623865">
+                <a:tc>
+                  <a:txBody>
+                    <a:bodyPr/>
+                    <a:lstStyle/>
+                    <a:p>
+                      <a:r>
+                        <a:rPr lang="fr-CH" sz="1200" smtClean="0">
+                          <a:latin typeface="Consolas" panose="020B0609020204030204" pitchFamily="49" charset="0"/>
+                          <a:cs typeface="Consolas" panose="020B0609020204030204" pitchFamily="49" charset="0"/>
+                        </a:rPr>
+                        <a:t>+ </a:t>
+                      </a:r>
+                      <a:r>
+                        <a:rPr lang="fr-CH" sz="1200" smtClean="0">
+                          <a:latin typeface="Consolas" panose="020B0609020204030204" pitchFamily="49" charset="0"/>
+                          <a:cs typeface="Consolas" panose="020B0609020204030204" pitchFamily="49" charset="0"/>
+                        </a:rPr>
+                        <a:t>location : Point</a:t>
+                      </a:r>
+                    </a:p>
+                    <a:p>
+                      <a:r>
+                        <a:rPr lang="fr-CH" sz="1200" smtClean="0">
+                          <a:latin typeface="Consolas" panose="020B0609020204030204" pitchFamily="49" charset="0"/>
+                          <a:cs typeface="Consolas" panose="020B0609020204030204" pitchFamily="49" charset="0"/>
+                        </a:rPr>
+                        <a:t>+</a:t>
+                      </a:r>
+                      <a:r>
+                        <a:rPr lang="fr-CH" sz="1200" baseline="0" smtClean="0">
+                          <a:latin typeface="Consolas" panose="020B0609020204030204" pitchFamily="49" charset="0"/>
+                          <a:cs typeface="Consolas" panose="020B0609020204030204" pitchFamily="49" charset="0"/>
+                        </a:rPr>
+                        <a:t> width : float</a:t>
+                      </a:r>
+                    </a:p>
+                    <a:p>
+                      <a:r>
+                        <a:rPr lang="fr-CH" sz="1200" baseline="0" smtClean="0">
+                          <a:latin typeface="Consolas" panose="020B0609020204030204" pitchFamily="49" charset="0"/>
+                          <a:cs typeface="Consolas" panose="020B0609020204030204" pitchFamily="49" charset="0"/>
+                        </a:rPr>
+                        <a:t>+ height : float</a:t>
+                      </a:r>
+                      <a:endParaRPr lang="fr-CH" sz="1200">
+                        <a:latin typeface="Consolas" panose="020B0609020204030204" pitchFamily="49" charset="0"/>
+                        <a:cs typeface="Consolas" panose="020B0609020204030204" pitchFamily="49" charset="0"/>
+                      </a:endParaRPr>
+                    </a:p>
+                  </a:txBody>
+                  <a:tcPr marL="68580" marR="68580" marT="34290" marB="34290" anchor="ctr"/>
+                </a:tc>
+              </a:tr>
+              <a:tr h="696635">
+                <a:tc>
+                  <a:txBody>
+                    <a:bodyPr/>
+                    <a:lstStyle/>
+                    <a:p>
+                      <a:r>
+                        <a:rPr lang="fr-CH" sz="1200" smtClean="0">
+                          <a:latin typeface="Consolas" panose="020B0609020204030204" pitchFamily="49" charset="0"/>
+                          <a:cs typeface="Consolas" panose="020B0609020204030204" pitchFamily="49" charset="0"/>
+                        </a:rPr>
+                        <a:t>+ __init</a:t>
+                      </a:r>
+                      <a:r>
+                        <a:rPr lang="fr-CH" sz="1200" smtClean="0">
+                          <a:latin typeface="Consolas" panose="020B0609020204030204" pitchFamily="49" charset="0"/>
+                          <a:cs typeface="Consolas" panose="020B0609020204030204" pitchFamily="49" charset="0"/>
+                        </a:rPr>
+                        <a:t>__(loc, width,</a:t>
+                      </a:r>
+                      <a:r>
+                        <a:rPr lang="fr-CH" sz="1200" baseline="0" smtClean="0">
+                          <a:latin typeface="Consolas" panose="020B0609020204030204" pitchFamily="49" charset="0"/>
+                          <a:cs typeface="Consolas" panose="020B0609020204030204" pitchFamily="49" charset="0"/>
+                        </a:rPr>
+                        <a:t> height</a:t>
+                      </a:r>
+                      <a:r>
+                        <a:rPr lang="fr-CH" sz="1200" smtClean="0">
+                          <a:latin typeface="Consolas" panose="020B0609020204030204" pitchFamily="49" charset="0"/>
+                          <a:cs typeface="Consolas" panose="020B0609020204030204" pitchFamily="49" charset="0"/>
+                        </a:rPr>
+                        <a:t>)</a:t>
+                      </a:r>
+                      <a:endParaRPr lang="fr-CH" sz="1200" smtClean="0">
+                        <a:latin typeface="Consolas" panose="020B0609020204030204" pitchFamily="49" charset="0"/>
+                        <a:cs typeface="Consolas" panose="020B0609020204030204" pitchFamily="49" charset="0"/>
+                      </a:endParaRPr>
+                    </a:p>
+                    <a:p>
+                      <a:r>
+                        <a:rPr lang="fr-CH" sz="1200" smtClean="0">
+                          <a:latin typeface="Consolas" panose="020B0609020204030204" pitchFamily="49" charset="0"/>
+                          <a:cs typeface="Consolas" panose="020B0609020204030204" pitchFamily="49" charset="0"/>
+                        </a:rPr>
+                        <a:t>+ </a:t>
+                      </a:r>
+                      <a:r>
+                        <a:rPr lang="fr-CH" sz="1200" smtClean="0">
+                          <a:latin typeface="Consolas" panose="020B0609020204030204" pitchFamily="49" charset="0"/>
+                          <a:cs typeface="Consolas" panose="020B0609020204030204" pitchFamily="49" charset="0"/>
+                        </a:rPr>
+                        <a:t>area() </a:t>
+                      </a:r>
+                      <a:r>
+                        <a:rPr lang="fr-CH" sz="1200" smtClean="0">
+                          <a:latin typeface="Consolas" panose="020B0609020204030204" pitchFamily="49" charset="0"/>
+                          <a:cs typeface="Consolas" panose="020B0609020204030204" pitchFamily="49" charset="0"/>
+                        </a:rPr>
+                        <a:t>:</a:t>
+                      </a:r>
+                      <a:r>
+                        <a:rPr lang="fr-CH" sz="1200" baseline="0" smtClean="0">
+                          <a:latin typeface="Consolas" panose="020B0609020204030204" pitchFamily="49" charset="0"/>
+                          <a:cs typeface="Consolas" panose="020B0609020204030204" pitchFamily="49" charset="0"/>
+                        </a:rPr>
+                        <a:t> </a:t>
+                      </a:r>
+                      <a:r>
+                        <a:rPr lang="fr-CH" sz="1200" baseline="0" smtClean="0">
+                          <a:latin typeface="Consolas" panose="020B0609020204030204" pitchFamily="49" charset="0"/>
+                          <a:cs typeface="Consolas" panose="020B0609020204030204" pitchFamily="49" charset="0"/>
+                        </a:rPr>
+                        <a:t>float</a:t>
+                      </a:r>
+                      <a:endParaRPr lang="fr-CH" sz="1200">
+                        <a:latin typeface="Consolas" panose="020B0609020204030204" pitchFamily="49" charset="0"/>
+                        <a:cs typeface="Consolas" panose="020B0609020204030204" pitchFamily="49" charset="0"/>
+                      </a:endParaRPr>
+                    </a:p>
+                  </a:txBody>
+                  <a:tcPr marL="68580" marR="68580" marT="34290" marB="34290" anchor="ctr"/>
+                </a:tc>
+              </a:tr>
+            </a:tbl>
+          </a:graphicData>
+        </a:graphic>
+      </p:graphicFrame>
+      <p:graphicFrame>
+        <p:nvGraphicFramePr>
+          <p:cNvPr id="5" name="Tableau 4"/>
+          <p:cNvGraphicFramePr>
+            <a:graphicFrameLocks noGrp="1"/>
+          </p:cNvGraphicFramePr>
+          <p:nvPr>
+            <p:extLst>
+              <p:ext uri="{D42A27DB-BD31-4B8C-83A1-F6EECF244321}">
+                <p14:modId xmlns:p14="http://schemas.microsoft.com/office/powerpoint/2010/main" val="3397044421"/>
+              </p:ext>
+            </p:extLst>
+          </p:nvPr>
+        </p:nvGraphicFramePr>
+        <p:xfrm>
+          <a:off x="254003" y="1312335"/>
+          <a:ext cx="2298368" cy="1232989"/>
+        </p:xfrm>
+        <a:graphic>
+          <a:graphicData uri="http://schemas.openxmlformats.org/drawingml/2006/table">
+            <a:tbl>
+              <a:tblPr firstRow="1" bandRow="1">
+                <a:tableStyleId>{7E9639D4-E3E2-4D34-9284-5A2195B3D0D7}</a:tableStyleId>
+              </a:tblPr>
+              <a:tblGrid>
+                <a:gridCol w="2298368"/>
+              </a:tblGrid>
+              <a:tr h="207264">
+                <a:tc>
+                  <a:txBody>
+                    <a:bodyPr/>
+                    <a:lstStyle/>
+                    <a:p>
+                      <a:pPr algn="ctr"/>
+                      <a:r>
+                        <a:rPr lang="fr-CH" sz="1400" smtClean="0">
+                          <a:latin typeface="Consolas" panose="020B0609020204030204" pitchFamily="49" charset="0"/>
+                          <a:cs typeface="Consolas" panose="020B0609020204030204" pitchFamily="49" charset="0"/>
+                        </a:rPr>
+                        <a:t>Square</a:t>
+                      </a:r>
+                      <a:endParaRPr lang="fr-CH" sz="1400">
+                        <a:latin typeface="Consolas" panose="020B0609020204030204" pitchFamily="49" charset="0"/>
+                        <a:cs typeface="Consolas" panose="020B0609020204030204" pitchFamily="49" charset="0"/>
+                      </a:endParaRPr>
+                    </a:p>
+                  </a:txBody>
+                  <a:tcPr marL="68580" marR="68580" marT="34290" marB="34290" anchor="ctr"/>
+                </a:tc>
+              </a:tr>
+              <a:tr h="449319">
+                <a:tc>
+                  <a:txBody>
+                    <a:bodyPr/>
+                    <a:lstStyle/>
+                    <a:p>
+                      <a:r>
+                        <a:rPr lang="fr-CH" sz="1200" smtClean="0">
+                          <a:latin typeface="Consolas" panose="020B0609020204030204" pitchFamily="49" charset="0"/>
+                          <a:cs typeface="Consolas" panose="020B0609020204030204" pitchFamily="49" charset="0"/>
+                        </a:rPr>
+                        <a:t>+ </a:t>
+                      </a:r>
+                      <a:r>
+                        <a:rPr lang="fr-CH" sz="1200" smtClean="0">
+                          <a:latin typeface="Consolas" panose="020B0609020204030204" pitchFamily="49" charset="0"/>
+                          <a:cs typeface="Consolas" panose="020B0609020204030204" pitchFamily="49" charset="0"/>
+                        </a:rPr>
+                        <a:t>side</a:t>
+                      </a:r>
+                      <a:endParaRPr lang="fr-CH" sz="1200" smtClean="0">
+                        <a:latin typeface="Consolas" panose="020B0609020204030204" pitchFamily="49" charset="0"/>
+                        <a:cs typeface="Consolas" panose="020B0609020204030204" pitchFamily="49" charset="0"/>
+                      </a:endParaRPr>
+                    </a:p>
+                  </a:txBody>
+                  <a:tcPr marL="68580" marR="68580" marT="34290" marB="34290" anchor="ctr"/>
+                </a:tc>
+              </a:tr>
+              <a:tr h="501730">
+                <a:tc>
+                  <a:txBody>
+                    <a:bodyPr/>
+                    <a:lstStyle/>
+                    <a:p>
+                      <a:r>
+                        <a:rPr lang="fr-CH" sz="1200" smtClean="0">
+                          <a:latin typeface="Consolas" panose="020B0609020204030204" pitchFamily="49" charset="0"/>
+                          <a:cs typeface="Consolas" panose="020B0609020204030204" pitchFamily="49" charset="0"/>
+                        </a:rPr>
+                        <a:t>+ __init</a:t>
+                      </a:r>
+                      <a:r>
+                        <a:rPr lang="fr-CH" sz="1200" smtClean="0">
+                          <a:latin typeface="Consolas" panose="020B0609020204030204" pitchFamily="49" charset="0"/>
+                          <a:cs typeface="Consolas" panose="020B0609020204030204" pitchFamily="49" charset="0"/>
+                        </a:rPr>
+                        <a:t>__(loc, side)</a:t>
+                      </a:r>
+                      <a:endParaRPr lang="fr-CH" sz="1200" smtClean="0">
+                        <a:latin typeface="Consolas" panose="020B0609020204030204" pitchFamily="49" charset="0"/>
+                        <a:cs typeface="Consolas" panose="020B0609020204030204" pitchFamily="49" charset="0"/>
+                      </a:endParaRPr>
+                    </a:p>
+                  </a:txBody>
+                  <a:tcPr marL="68580" marR="68580" marT="34290" marB="34290" anchor="ctr"/>
+                </a:tc>
+              </a:tr>
+            </a:tbl>
+          </a:graphicData>
+        </a:graphic>
+      </p:graphicFrame>
+      <p:graphicFrame>
+        <p:nvGraphicFramePr>
+          <p:cNvPr id="6" name="Tableau 5"/>
+          <p:cNvGraphicFramePr>
+            <a:graphicFrameLocks noGrp="1"/>
+          </p:cNvGraphicFramePr>
+          <p:nvPr>
+            <p:extLst>
+              <p:ext uri="{D42A27DB-BD31-4B8C-83A1-F6EECF244321}">
+                <p14:modId xmlns:p14="http://schemas.microsoft.com/office/powerpoint/2010/main" val="2868388239"/>
+              </p:ext>
+            </p:extLst>
+          </p:nvPr>
+        </p:nvGraphicFramePr>
+        <p:xfrm>
+          <a:off x="6116919" y="653400"/>
+          <a:ext cx="2331026" cy="1873373"/>
+        </p:xfrm>
+        <a:graphic>
+          <a:graphicData uri="http://schemas.openxmlformats.org/drawingml/2006/table">
+            <a:tbl>
+              <a:tblPr firstRow="1" bandRow="1">
+                <a:tableStyleId>{7E9639D4-E3E2-4D34-9284-5A2195B3D0D7}</a:tableStyleId>
+              </a:tblPr>
+              <a:tblGrid>
+                <a:gridCol w="2331026"/>
+              </a:tblGrid>
+              <a:tr h="329609">
+                <a:tc>
+                  <a:txBody>
+                    <a:bodyPr/>
+                    <a:lstStyle/>
+                    <a:p>
+                      <a:pPr algn="ctr"/>
+                      <a:r>
+                        <a:rPr lang="fr-CH" sz="1400" smtClean="0">
+                          <a:latin typeface="Consolas" panose="020B0609020204030204" pitchFamily="49" charset="0"/>
+                          <a:cs typeface="Consolas" panose="020B0609020204030204" pitchFamily="49" charset="0"/>
+                        </a:rPr>
+                        <a:t>Point</a:t>
+                      </a:r>
+                      <a:endParaRPr lang="fr-CH" sz="1400">
+                        <a:latin typeface="Consolas" panose="020B0609020204030204" pitchFamily="49" charset="0"/>
+                        <a:cs typeface="Consolas" panose="020B0609020204030204" pitchFamily="49" charset="0"/>
+                      </a:endParaRPr>
+                    </a:p>
+                  </a:txBody>
+                  <a:tcPr marL="68580" marR="68580" marT="34290" marB="34290" anchor="ctr"/>
+                </a:tc>
+              </a:tr>
+              <a:tr h="729345">
+                <a:tc>
+                  <a:txBody>
+                    <a:bodyPr/>
+                    <a:lstStyle/>
+                    <a:p>
+                      <a:r>
+                        <a:rPr lang="fr-CH" sz="1200" smtClean="0">
+                          <a:latin typeface="Consolas" panose="020B0609020204030204" pitchFamily="49" charset="0"/>
+                          <a:cs typeface="Consolas" panose="020B0609020204030204" pitchFamily="49" charset="0"/>
+                        </a:rPr>
+                        <a:t>+ </a:t>
+                      </a:r>
+                      <a:r>
+                        <a:rPr lang="fr-CH" sz="1200" smtClean="0">
+                          <a:latin typeface="Consolas" panose="020B0609020204030204" pitchFamily="49" charset="0"/>
+                          <a:cs typeface="Consolas" panose="020B0609020204030204" pitchFamily="49" charset="0"/>
+                        </a:rPr>
+                        <a:t>x : float</a:t>
+                      </a:r>
+                    </a:p>
+                    <a:p>
+                      <a:r>
+                        <a:rPr lang="fr-CH" sz="1200" smtClean="0">
+                          <a:latin typeface="Consolas" panose="020B0609020204030204" pitchFamily="49" charset="0"/>
+                          <a:cs typeface="Consolas" panose="020B0609020204030204" pitchFamily="49" charset="0"/>
+                        </a:rPr>
+                        <a:t>+</a:t>
+                      </a:r>
+                      <a:r>
+                        <a:rPr lang="fr-CH" sz="1200" baseline="0" smtClean="0">
+                          <a:latin typeface="Consolas" panose="020B0609020204030204" pitchFamily="49" charset="0"/>
+                          <a:cs typeface="Consolas" panose="020B0609020204030204" pitchFamily="49" charset="0"/>
+                        </a:rPr>
+                        <a:t> y : float</a:t>
+                      </a:r>
+                    </a:p>
+                  </a:txBody>
+                  <a:tcPr marL="68580" marR="68580" marT="34290" marB="34290" anchor="ctr"/>
+                </a:tc>
+              </a:tr>
+              <a:tr h="814419">
+                <a:tc>
+                  <a:txBody>
+                    <a:bodyPr/>
+                    <a:lstStyle/>
+                    <a:p>
+                      <a:r>
+                        <a:rPr lang="fr-CH" sz="1200" smtClean="0">
+                          <a:latin typeface="Consolas" panose="020B0609020204030204" pitchFamily="49" charset="0"/>
+                          <a:cs typeface="Consolas" panose="020B0609020204030204" pitchFamily="49" charset="0"/>
+                        </a:rPr>
+                        <a:t>+ __init</a:t>
+                      </a:r>
+                      <a:r>
+                        <a:rPr lang="fr-CH" sz="1200" smtClean="0">
+                          <a:latin typeface="Consolas" panose="020B0609020204030204" pitchFamily="49" charset="0"/>
+                          <a:cs typeface="Consolas" panose="020B0609020204030204" pitchFamily="49" charset="0"/>
+                        </a:rPr>
+                        <a:t>__(x, y)</a:t>
+                      </a:r>
+                      <a:endParaRPr lang="fr-CH" sz="1200" smtClean="0">
+                        <a:latin typeface="Consolas" panose="020B0609020204030204" pitchFamily="49" charset="0"/>
+                        <a:cs typeface="Consolas" panose="020B0609020204030204" pitchFamily="49" charset="0"/>
+                      </a:endParaRPr>
+                    </a:p>
+                    <a:p>
+                      <a:r>
+                        <a:rPr lang="fr-CH" sz="1200" smtClean="0">
+                          <a:latin typeface="Consolas" panose="020B0609020204030204" pitchFamily="49" charset="0"/>
+                          <a:cs typeface="Consolas" panose="020B0609020204030204" pitchFamily="49" charset="0"/>
+                        </a:rPr>
+                        <a:t>+ </a:t>
+                      </a:r>
+                      <a:r>
+                        <a:rPr lang="fr-CH" sz="1200" smtClean="0">
+                          <a:latin typeface="Consolas" panose="020B0609020204030204" pitchFamily="49" charset="0"/>
+                          <a:cs typeface="Consolas" panose="020B0609020204030204" pitchFamily="49" charset="0"/>
+                        </a:rPr>
+                        <a:t>distance(other) : float</a:t>
+                      </a:r>
+                      <a:endParaRPr lang="fr-CH" sz="1200">
+                        <a:latin typeface="Consolas" panose="020B0609020204030204" pitchFamily="49" charset="0"/>
+                        <a:cs typeface="Consolas" panose="020B0609020204030204" pitchFamily="49" charset="0"/>
+                      </a:endParaRPr>
+                    </a:p>
+                  </a:txBody>
+                  <a:tcPr marL="68580" marR="68580" marT="34290" marB="34290" anchor="ctr"/>
+                </a:tc>
+              </a:tr>
+            </a:tbl>
+          </a:graphicData>
+        </a:graphic>
+      </p:graphicFrame>
+      <p:cxnSp>
+        <p:nvCxnSpPr>
+          <p:cNvPr id="7" name="Connecteur droit 6"/>
+          <p:cNvCxnSpPr/>
+          <p:nvPr/>
+        </p:nvCxnSpPr>
+        <p:spPr>
+          <a:xfrm>
+            <a:off x="2708757" y="877012"/>
+            <a:ext cx="64651" cy="128"/>
+          </a:xfrm>
+          <a:prstGeom prst="line">
+            <a:avLst/>
+          </a:prstGeom>
+          <a:ln w="12700">
+            <a:solidFill>
+              <a:srgbClr val="000000"/>
+            </a:solidFill>
+          </a:ln>
+        </p:spPr>
+        <p:style>
+          <a:lnRef idx="1">
+            <a:schemeClr val="accent1"/>
+          </a:lnRef>
+          <a:fillRef idx="0">
+            <a:schemeClr val="accent1"/>
+          </a:fillRef>
+          <a:effectRef idx="0">
+            <a:schemeClr val="accent1"/>
+          </a:effectRef>
+          <a:fontRef idx="minor">
+            <a:schemeClr val="tx1"/>
+          </a:fontRef>
+        </p:style>
+      </p:cxnSp>
+      <p:cxnSp>
+        <p:nvCxnSpPr>
+          <p:cNvPr id="8" name="Connecteur droit 7"/>
+          <p:cNvCxnSpPr>
+            <a:endCxn id="5" idx="0"/>
+          </p:cNvCxnSpPr>
+          <p:nvPr/>
+        </p:nvCxnSpPr>
+        <p:spPr>
+          <a:xfrm flipH="1">
+            <a:off x="1403187" y="877012"/>
+            <a:ext cx="1305570" cy="435323"/>
+          </a:xfrm>
+          <a:prstGeom prst="line">
+            <a:avLst/>
+          </a:prstGeom>
+          <a:ln w="12700">
+            <a:solidFill>
+              <a:srgbClr val="000000"/>
+            </a:solidFill>
+          </a:ln>
+        </p:spPr>
+        <p:style>
+          <a:lnRef idx="1">
+            <a:schemeClr val="accent1"/>
+          </a:lnRef>
+          <a:fillRef idx="0">
+            <a:schemeClr val="accent1"/>
+          </a:fillRef>
+          <a:effectRef idx="0">
+            <a:schemeClr val="accent1"/>
+          </a:effectRef>
+          <a:fontRef idx="minor">
+            <a:schemeClr val="tx1"/>
+          </a:fontRef>
+        </p:style>
+      </p:cxnSp>
+      <p:sp>
+        <p:nvSpPr>
+          <p:cNvPr id="9" name="Losange 8"/>
+          <p:cNvSpPr/>
+          <p:nvPr/>
+        </p:nvSpPr>
+        <p:spPr>
+          <a:xfrm>
+            <a:off x="5561682" y="877320"/>
+            <a:ext cx="206640" cy="172440"/>
+          </a:xfrm>
+          <a:prstGeom prst="diamond">
+            <a:avLst/>
+          </a:prstGeom>
+          <a:solidFill>
+            <a:schemeClr val="tx1"/>
+          </a:solidFill>
+          <a:ln w="12700">
+            <a:solidFill>
+              <a:srgbClr val="000000"/>
+            </a:solidFill>
+          </a:ln>
+        </p:spPr>
+        <p:style>
+          <a:lnRef idx="2">
+            <a:schemeClr val="accent1">
+              <a:shade val="50000"/>
+            </a:schemeClr>
+          </a:lnRef>
+          <a:fillRef idx="1">
+            <a:schemeClr val="accent1"/>
+          </a:fillRef>
+          <a:effectRef idx="0">
+            <a:schemeClr val="accent1"/>
+          </a:effectRef>
+          <a:fontRef idx="minor">
+            <a:schemeClr val="lt1"/>
+          </a:fontRef>
+        </p:style>
+        <p:txBody>
+          <a:bodyPr rtlCol="0" anchor="ctr"/>
+          <a:lstStyle/>
+          <a:p>
+            <a:pPr algn="ctr"/>
+            <a:endParaRPr lang="fr-CH">
+              <a:solidFill>
+                <a:srgbClr val="000000"/>
+              </a:solidFill>
+            </a:endParaRPr>
+          </a:p>
+        </p:txBody>
+      </p:sp>
+      <p:cxnSp>
+        <p:nvCxnSpPr>
+          <p:cNvPr id="10" name="Connecteur droit 9"/>
+          <p:cNvCxnSpPr>
+            <a:stCxn id="9" idx="3"/>
+          </p:cNvCxnSpPr>
+          <p:nvPr/>
+        </p:nvCxnSpPr>
+        <p:spPr>
+          <a:xfrm flipV="1">
+            <a:off x="5768322" y="653400"/>
+            <a:ext cx="827280" cy="310140"/>
+          </a:xfrm>
+          <a:prstGeom prst="line">
+            <a:avLst/>
+          </a:prstGeom>
+          <a:ln w="12700">
+            <a:solidFill>
+              <a:srgbClr val="000000"/>
+            </a:solidFill>
+          </a:ln>
+        </p:spPr>
+        <p:style>
+          <a:lnRef idx="1">
+            <a:schemeClr val="accent1"/>
+          </a:lnRef>
+          <a:fillRef idx="0">
+            <a:schemeClr val="accent1"/>
+          </a:fillRef>
+          <a:effectRef idx="0">
+            <a:schemeClr val="accent1"/>
+          </a:effectRef>
+          <a:fontRef idx="minor">
+            <a:schemeClr val="tx1"/>
+          </a:fontRef>
+        </p:style>
+      </p:cxnSp>
+      <mc:AlternateContent xmlns:mc="http://schemas.openxmlformats.org/markup-compatibility/2006">
+        <mc:Choice xmlns:p14="http://schemas.microsoft.com/office/powerpoint/2010/main" Requires="p14">
+          <p:contentPart p14:bwMode="auto" r:id="rId2">
+            <p14:nvContentPartPr>
+              <p14:cNvPr id="11" name="Encre 10"/>
+              <p14:cNvContentPartPr/>
+              <p14:nvPr/>
+            </p14:nvContentPartPr>
+            <p14:xfrm>
+              <a:off x="2751200" y="795840"/>
+              <a:ext cx="105120" cy="150480"/>
+            </p14:xfrm>
+          </p:contentPart>
+        </mc:Choice>
+        <mc:Fallback>
+          <p:pic>
+            <p:nvPicPr>
+              <p:cNvPr id="11" name="Encre 10"/>
+              <p:cNvPicPr/>
+              <p:nvPr/>
+            </p:nvPicPr>
+            <p:blipFill>
+              <a:blip r:embed="rId3"/>
+              <a:stretch>
+                <a:fillRect/>
+              </a:stretch>
+            </p:blipFill>
+            <p:spPr>
+              <a:xfrm>
+                <a:off x="2741840" y="786120"/>
+                <a:ext cx="124200" cy="169560"/>
+              </a:xfrm>
+              <a:prstGeom prst="rect">
+                <a:avLst/>
+              </a:prstGeom>
+            </p:spPr>
+          </p:pic>
+        </mc:Fallback>
+      </mc:AlternateContent>
+    </p:spTree>
+    <p:extLst>
+      <p:ext uri="{BB962C8B-B14F-4D97-AF65-F5344CB8AC3E}">
+        <p14:creationId xmlns:p14="http://schemas.microsoft.com/office/powerpoint/2010/main" val="3947659333"/>
+      </p:ext>
+    </p:extLst>
+  </p:cSld>
+  <p:clrMapOvr>
+    <a:masterClrMapping/>
+  </p:clrMapOvr>
+</p:sld>
+</file>
+
+<file path=ppt/slides/slide8.xml><?xml version="1.0" encoding="utf-8"?>
+<p:sld xmlns:a="http://schemas.openxmlformats.org/drawingml/2006/main" xmlns:r="http://schemas.openxmlformats.org/officeDocument/2006/relationships" xmlns:p="http://schemas.openxmlformats.org/presentationml/2006/main">
+  <p:cSld>
+    <p:spTree>
+      <p:nvGrpSpPr>
+        <p:cNvPr id="1" name=""/>
+        <p:cNvGrpSpPr/>
+        <p:nvPr/>
+      </p:nvGrpSpPr>
+      <p:grpSpPr>
+        <a:xfrm>
+          <a:off x="0" y="0"/>
+          <a:ext cx="0" cy="0"/>
+          <a:chOff x="0" y="0"/>
+          <a:chExt cx="0" cy="0"/>
+        </a:xfrm>
+      </p:grpSpPr>
       <p:pic>
         <p:nvPicPr>
           <p:cNvPr id="4" name="Image 3"/>
@@ -9048,7 +11589,7 @@
   <a:extraClrSchemeLst/>
   <a:extLst>
     <a:ext uri="{05A4C25C-085E-4340-85A3-A5531E510DB2}">
-      <thm15:themeFamily xmlns:thm15="http://schemas.microsoft.com/office/thememl/2012/main" xmlns="" name="Office Theme" id="{62F939B6-93AF-4DB8-9C6B-D6C7DFDC589F}" vid="{4A3C46E8-61CC-4603-A589-7422A47A8E4A}"/>
+      <thm15:themeFamily xmlns:thm15="http://schemas.microsoft.com/office/thememl/2012/main" name="Office Theme" id="{62F939B6-93AF-4DB8-9C6B-D6C7DFDC589F}" vid="{4A3C46E8-61CC-4603-A589-7422A47A8E4A}"/>
     </a:ext>
   </a:extLst>
 </a:theme>

--- a/source/theorie/diagrammes-classes.pptx
+++ b/source/theorie/diagrammes-classes.pptx
@@ -136,196 +136,30 @@
     <inkml:context xml:id="ctx0">
       <inkml:inkSource xml:id="inkSrc0">
         <inkml:traceFormat>
-          <inkml:channel name="X" type="integer" max="25740" units="cm"/>
-          <inkml:channel name="Y" type="integer" max="14520" units="cm"/>
-          <inkml:channel name="F" type="integer" max="255" units="dev"/>
-          <inkml:channel name="T" type="integer" max="2.14748E9" units="dev"/>
+          <inkml:channel name="X" type="integer" min="-2.14748E9" max="2.14748E9" units="cm"/>
+          <inkml:channel name="Y" type="integer" min="-2.14748E9" max="2.14748E9" units="cm"/>
+          <inkml:channel name="F" type="integer" max="32767" units="dev"/>
         </inkml:traceFormat>
         <inkml:channelProperties>
           <inkml:channelProperty channel="X" name="resolution" value="1000" units="1/cm"/>
           <inkml:channelProperty channel="Y" name="resolution" value="1000" units="1/cm"/>
           <inkml:channelProperty channel="F" name="resolution" value="0" units="1/dev"/>
-          <inkml:channelProperty channel="T" name="resolution" value="1" units="1/dev"/>
         </inkml:channelProperties>
       </inkml:inkSource>
-      <inkml:timestamp xml:id="ts0" timeString="2014-05-27T06:19:56.006"/>
+      <inkml:timestamp xml:id="ts0" timeString="2018-11-07T09:16:05.131"/>
     </inkml:context>
     <inkml:brush xml:id="br0">
-      <inkml:brushProperty name="width" value="0.07" units="cm"/>
-      <inkml:brushProperty name="height" value="0.07" units="cm"/>
-      <inkml:brushProperty name="fitToCurve" value="1"/>
+      <inkml:brushProperty name="width" value="0.05" units="cm"/>
+      <inkml:brushProperty name="height" value="0.05" units="cm"/>
     </inkml:brush>
   </inkml:definitions>
-  <inkml:traceGroup>
-    <inkml:annotationXML>
-      <emma:emma xmlns:emma="http://www.w3.org/2003/04/emma" version="1.0">
-        <emma:interpretation id="{A771E4B8-E1C9-48DC-9C2D-250FACD9BE69}" emma:medium="tactile" emma:mode="ink">
-          <msink:context xmlns:msink="http://schemas.microsoft.com/ink/2010/main" type="inkDrawing" rotatedBoundingBox="8611,6695 12655,4807 12749,5008 8705,6896" semanticType="callout" shapeName="Other">
-            <msink:sourceLink direction="with" ref="{9A219162-6096-4191-B2A4-FE053699D232}"/>
-            <msink:sourceLink direction="with" ref="{66F484B8-5FB8-4118-91DD-9F9DA77084B6}"/>
-          </msink:context>
-        </emma:interpretation>
-      </emma:emma>
-    </inkml:annotationXML>
-    <inkml:trace contextRef="#ctx0" brushRef="#br0">0 1482 33 0,'0'0'19'16,"0"0"-8"-16,0 0-3 16,6-12-1-16,-6 12 0 15,0 0 1-15,22-14 1 0,-5 6 1 16,1-4 2-16,6 0-1 16,1-8-1-16,10 2 0 15,5-7-1-15,7-1-2 16,2-5-2-16,4 0-2 15,4 1-2-15,-2-4 0 16,1 0-1-16,-2-2 0 16,-5 3-1-16,-4-1 2 15,-2 6-1-15,0-2 0 16,-3 2 0-16,-1 2 0 16,0 5 0-16,2-4 1 15,-1 5-1-15,2-3 1 16,5 1-1-16,-4 0 1 0,2-3-1 15,-3 4 1-15,0-3-1 16,-1 3 0-16,-6-1 0 16,2 6 1-16,-6-2-1 15,2 3 0-15,-3-1 1 16,3 0-1-16,-3 1 1 16,3-2 0-16,0 3-1 15,-3-1 0-15,3 1 1 16,3-1-1-16,0 2 0 15,-3 1 0-15,3-2 0 16,-2 3 0-16,0-4 0 16,3 3 0-16,-7 3 1 15,1-4-1-15,-2 4 1 0,-2-5-1 16,0 5 1-16,-5-2-1 16,6 0 0-16,-3 1 1 15,-1 1-1-15,1-2 0 16,-1 3 0-16,1 0 0 15,-2-1 1-15,3 2-1 16,-4 1 0-16,1-2 0 16,0 1 0-16,0 0 1 15,5-1-1-15,-3 1 0 16,5-4 0-16,-3 3 0 16,5 0 0-16,-1-2 1 15,1-1-1-15,-3 0 0 0,1 0 0 16,0-1 0-16,-1 1 1 15,-2 2-1-15,-1 0 0 16,-3 1 0-16,-1 2 0 16,-2 0 0-16,-2 1 1 15,1 1-1-15,-5 1 0 16,1-2 0-16,-1 1-1 16,0-2 1-16,-2-3 0 15,2 2 0-15,-14 7 0 16,28-20 0-16,-15 8 0 15,-1 2 0-15,4-3 0 16,0 2 1-16,-4 2-1 16,4-1 0-16,0 0 0 0,-16 10 0 15,23-15 1-15,-23 15-2 16,16-8 1 0,-16 8 0-16,0 0 0 15,0 0 0-15,15 2 0 0,-15-2 0 16,0 0 0-16,0 0 0 15,0 0 0-15,0 0 0 16,0 0-1-16,0 0-7 16,0 0-8-16,0 0-7 15,0 0-7-15,0 0-2 16,0 0-1-16,0 0-1 16,-21-3 13-16</inkml:trace>
-  </inkml:traceGroup>
+  <inkml:trace contextRef="#ctx0" brushRef="#br0">157 1510 4864,'1'-21'7842,"0"0"-3997,4-12-3474,9-31-371,-5 3 187,-5 41-229,-2-1 0,0-14 42,-1 11 9,2-123 92,-2 40-15,-1 57-28,-1 22-57,-2-1 0,-4-17-1,3 18 77,0-1-1,1-18-76,3-233 864,9 155-1051,1 121-9823,-5 1 6976,5-4-177</inkml:trace>
+  <inkml:trace contextRef="#ctx0" brushRef="#br0" timeOffset="659.808">0 319 5504,'0'0'1834,"7"-1"2396,-5-1-3903,1 1 1,-1-1 0,1 1-1,0 0 1,-1 0 0,1 0-1,0 0 1,0 0 0,0 1-1,0-1 1,-1 1 0,1 0-1,0 0 1,0 0 0,0 0-1,2 0-327,2 2 325,0-1 0,1-1 0,-1 1 0,1-1 0,-1-1 0,3 0-325,12 0 386,80-2 553,-65 3-749,14 0 388,-16 0-9517,-33 0 5121</inkml:trace>
+  <inkml:trace contextRef="#ctx0" brushRef="#br0" timeOffset="1750.067">4 337 3328,'0'0'136,"0"0"1,-1-1-1,1 1 0,0 0 1,0 0-1,0 0 0,0-1 1,0 1-1,0 0 0,-1 0 1,1 0-1,0-1 0,0 1 1,0 0-1,0 0 0,0-1 1,0 1-1,0 0 0,0 0 1,0-1-1,0 1 0,0 0 1,0 0-1,0 0 1,1-1-1,-1 1 0,0 0 1,0 0-1,0 0 0,0-1 1,0 1-1,0 0 0,0 0 1,1 0-1,-1-1 0,0 1 1,0 0-1,0 0 0,0 0 1,1 0-1,-1 0 0,0-1-136,14-5 3968,-11 6-3704,-1-1 0,1 0-1,-1 0 1,1-1 0,-1 1 0,0 0 0,2-2-264,7-7 345,0 0 1,-1-1 0,-1-1-1,1 1 1,3-9-346,6-14 44,3-9-44,-12 20 33,2 1 0,1 0 0,0 0 0,8-7-33,-19 27-8,0-1 67,0 1 0,0 0 1,0-1-1,0 1 0,-1-1 0,1 1 1,-1-1-1,0 0 0,1 1 1,-1-1-1,-1 0 0,1 0 0,0-2-59,-1 4-52,3 2 712,-2-1-612,-1 0 54,0 0-6,0 0 53,0 0-32,0 0 81,-1 1-164,1 0-1,0 0 1,0 0 0,0 0 0,0 0-1,0 0 1,0 0 0,0 0 0,1 0 0,-1 0-1,0 0 1,0 0 0,1 0 0,-1-1-34,2 9 1,3 17 78,0-1-1,1 1 0,3 3-78,1 5 32,1 9-32,-10-35 51,0 1-1,1-2 1,0 1 0,1 0-1,-1 0 1,2-1 0,-1 1-1,1-1 1,0 0 0,1 0-1,-1 0 1,3 1-51,-6-7-915,8 8 2588,-7-7-5015,-1 0-4879,-1-2 5352</inkml:trace>
 </inkml:ink>
 </file>
 
 <file path=ppt/ink/ink10.xml><?xml version="1.0" encoding="utf-8"?>
-<inkml:ink xmlns:inkml="http://www.w3.org/2003/InkML">
-  <inkml:definitions>
-    <inkml:context xml:id="ctx0">
-      <inkml:inkSource xml:id="inkSrc0">
-        <inkml:traceFormat>
-          <inkml:channel name="X" type="integer" max="25740" units="cm"/>
-          <inkml:channel name="Y" type="integer" max="14520" units="cm"/>
-          <inkml:channel name="F" type="integer" max="255" units="dev"/>
-          <inkml:channel name="T" type="integer" max="2.14748E9" units="dev"/>
-        </inkml:traceFormat>
-        <inkml:channelProperties>
-          <inkml:channelProperty channel="X" name="resolution" value="1000" units="1/cm"/>
-          <inkml:channelProperty channel="Y" name="resolution" value="1000" units="1/cm"/>
-          <inkml:channelProperty channel="F" name="resolution" value="0" units="1/dev"/>
-          <inkml:channelProperty channel="T" name="resolution" value="1" units="1/dev"/>
-        </inkml:channelProperties>
-      </inkml:inkSource>
-      <inkml:timestamp xml:id="ts0" timeString="2014-05-27T06:20:10.433"/>
-    </inkml:context>
-    <inkml:brush xml:id="br0">
-      <inkml:brushProperty name="width" value="0.07" units="cm"/>
-      <inkml:brushProperty name="height" value="0.07" units="cm"/>
-      <inkml:brushProperty name="fitToCurve" value="1"/>
-    </inkml:brush>
-  </inkml:definitions>
-  <inkml:traceGroup>
-    <inkml:annotationXML>
-      <emma:emma xmlns:emma="http://www.w3.org/2003/04/emma" version="1.0">
-        <emma:interpretation id="{0D72961C-140C-4217-A4E6-2598294EDEDF}" emma:medium="tactile" emma:mode="ink">
-          <msink:context xmlns:msink="http://schemas.microsoft.com/ink/2010/main" type="inkDrawing" rotatedBoundingBox="15693,8488 16458,8107 16698,8590 15933,8970" semanticType="enclosure" shapeName="Other">
-            <msink:destinationLink direction="to" ref="{187E4012-29DD-4124-A64A-AB9E031CC219}"/>
-            <msink:destinationLink direction="with" ref="{DC5FF375-80FD-4FA6-94EC-D4F40FFCEE08}"/>
-          </msink:context>
-        </emma:interpretation>
-      </emma:emma>
-    </inkml:annotationXML>
-    <inkml:trace contextRef="#ctx0" brushRef="#br0">92 446 61 0,'0'0'28'0,"0"0"1"15,0 0-6-15,-12-19-4 16,12 19-4 0,0-21-1-16,3 8-1 0,-1-5-5 15,2-2-5-15,2-4-4 16,-3-3 1-16,-1-3-1 15,-1 0 2-15,-1-6-3 16,0 6 2-16,0-6-2 16,-1 4 1-16,1 2 1 15,-2 2 0-15,4 6-2 16,-2 6 2-16,1 2 0 16,-1 14 0-16,0 0 0 15,0 0 0-15,0 0 0 0,17 6 0 16,-17-6 1-1,10 21-1-15,-10-21 0 16,13 23 1-16,-13-23-1 16,17 23 1-16,-4-14 0 0,4-1-2 15,0 1 2-15,4 0-1 16,4-1 1-16,3 2-2 16,0-4 1-16,5 2-1 15,-2 1 2-15,-1 0-1 16,1-1 0-16,-3 1 0 15,-2-2 0-15,-3 0 0 16,-3 0 0-16,-3-1 0 0,-2-1 0 16,-15-5 0-1,13 9 0-15,-13-9 0 16,0 0 1-16,-13 4-1 16,13-4-1-16,-27 0 1 15,6 2 0-15,-1 0 0 0,-4 1 1 16,-3 5-1-16,-3 5 0 15,-6 7 0-15,-1 4 0 16,-7 1 1-16,1 8 0 16,-1-1-1-16,0 1 1 15,3-5-1-15,8-5 1 16,4-6-1-16,9-6 0 16,7-9 0-16,15-2-9 0,0 0-8 15,3-20-10 1,-3 20-5-16,21-16 0 15,-21 16-3-15,25-1 0 16</inkml:trace>
-  </inkml:traceGroup>
-</inkml:ink>
-</file>
-
-<file path=ppt/ink/ink11.xml><?xml version="1.0" encoding="utf-8"?>
-<inkml:ink xmlns:inkml="http://www.w3.org/2003/InkML">
-  <inkml:definitions>
-    <inkml:context xml:id="ctx0">
-      <inkml:inkSource xml:id="inkSrc0">
-        <inkml:traceFormat>
-          <inkml:channel name="X" type="integer" max="25740" units="cm"/>
-          <inkml:channel name="Y" type="integer" max="14520" units="cm"/>
-          <inkml:channel name="F" type="integer" max="255" units="dev"/>
-          <inkml:channel name="T" type="integer" max="2.14748E9" units="dev"/>
-        </inkml:traceFormat>
-        <inkml:channelProperties>
-          <inkml:channelProperty channel="X" name="resolution" value="1000" units="1/cm"/>
-          <inkml:channelProperty channel="Y" name="resolution" value="1000" units="1/cm"/>
-          <inkml:channelProperty channel="F" name="resolution" value="0" units="1/dev"/>
-          <inkml:channelProperty channel="T" name="resolution" value="1" units="1/dev"/>
-        </inkml:channelProperties>
-      </inkml:inkSource>
-      <inkml:timestamp xml:id="ts0" timeString="2014-05-27T06:20:13.542"/>
-    </inkml:context>
-    <inkml:brush xml:id="br0">
-      <inkml:brushProperty name="width" value="0.07" units="cm"/>
-      <inkml:brushProperty name="height" value="0.07" units="cm"/>
-      <inkml:brushProperty name="fitToCurve" value="1"/>
-    </inkml:brush>
-  </inkml:definitions>
-  <inkml:traceGroup>
-    <inkml:annotationXML>
-      <emma:emma xmlns:emma="http://www.w3.org/2003/04/emma" version="1.0">
-        <emma:interpretation id="{D875EF8E-68DD-44E1-B248-2AFE8DAD94B5}" emma:medium="tactile" emma:mode="ink">
-          <msink:context xmlns:msink="http://schemas.microsoft.com/ink/2010/main" type="inkDrawing" rotatedBoundingBox="22944,8591 24959,10126 24912,10188 22897,8653" semanticType="callout" shapeName="Other">
-            <msink:sourceLink direction="with" ref="{DF6F0484-9914-422B-98C6-705DEB380A2B}"/>
-          </msink:context>
-        </emma:interpretation>
-      </emma:emma>
-    </inkml:annotationXML>
-    <inkml:trace contextRef="#ctx0" brushRef="#br0">1507 1159 62 0,'-14'-17'29'0,"-4"-1"1"15,-2 3-8-15,-7-5-5 16,0-1-1-16,-6-5 0 16,-1-1-5-16,-6-1-4 15,-3-4-6-15,-4-4 0 16,-6-3-1-16,-5 3 1 0,0-1-1 15,-1-1 1-15,1-2-1 16,1 2 0-16,3-1 2 16,2 2-1-1,9 5 0-15,5-1-1 0,-1 0 0 16,5 1 0-16,-1 3 0 16,1-4 0-16,-1 2-2 15,5-1 2-15,-3-3 1 16,-3 6-1-16,3 0 0 15,0 2 1-15,0 2-1 16,3 1 0-16,4 7 0 16,1 0 1-16,0 5-1 0,4 1 0 15,3 1 0-15,4-1 0 16,-3-1 1-16,2 1-1 16,-1-1 0-1,1 1 0-15,3-1 0 16,-1 1 0-16,-1-1 0 0,14 12 0 15,-20-19 0-15,20 19-1 16,-15-15 1-16,15 15 0 16,0 0 0-16,0 0 0 15,0 0 0-15,0 0 0 16,0 0-10-16,-5 18-9 16,5-18-8-16,10 22-6 15,-10-22 0-15,12 23-1 0,-12-23 0 16,10 21 6-1</inkml:trace>
-  </inkml:traceGroup>
-</inkml:ink>
-</file>
-
-<file path=ppt/ink/ink12.xml><?xml version="1.0" encoding="utf-8"?>
-<inkml:ink xmlns:inkml="http://www.w3.org/2003/InkML">
-  <inkml:definitions>
-    <inkml:context xml:id="ctx0">
-      <inkml:inkSource xml:id="inkSrc0">
-        <inkml:traceFormat>
-          <inkml:channel name="X" type="integer" max="25740" units="cm"/>
-          <inkml:channel name="Y" type="integer" max="14520" units="cm"/>
-          <inkml:channel name="F" type="integer" max="255" units="dev"/>
-          <inkml:channel name="T" type="integer" max="2.14748E9" units="dev"/>
-        </inkml:traceFormat>
-        <inkml:channelProperties>
-          <inkml:channelProperty channel="X" name="resolution" value="1000" units="1/cm"/>
-          <inkml:channelProperty channel="Y" name="resolution" value="1000" units="1/cm"/>
-          <inkml:channelProperty channel="F" name="resolution" value="0" units="1/dev"/>
-          <inkml:channelProperty channel="T" name="resolution" value="1" units="1/dev"/>
-        </inkml:channelProperties>
-      </inkml:inkSource>
-      <inkml:timestamp xml:id="ts0" timeString="2014-05-27T06:20:12.522"/>
-    </inkml:context>
-    <inkml:brush xml:id="br0">
-      <inkml:brushProperty name="width" value="0.07" units="cm"/>
-      <inkml:brushProperty name="height" value="0.07" units="cm"/>
-      <inkml:brushProperty name="fitToCurve" value="1"/>
-    </inkml:brush>
-  </inkml:definitions>
-  <inkml:traceGroup>
-    <inkml:annotationXML>
-      <emma:emma xmlns:emma="http://www.w3.org/2003/04/emma" version="1.0">
-        <emma:interpretation id="{3D9CAD1E-A5DF-4157-A4ED-5B95E9BF67A4}" emma:medium="tactile" emma:mode="ink">
-          <msink:context xmlns:msink="http://schemas.microsoft.com/ink/2010/main" type="writingRegion" rotatedBoundingBox="21475,8421 23501,8410 23505,9054 21479,9066"/>
-        </emma:interpretation>
-      </emma:emma>
-    </inkml:annotationXML>
-    <inkml:traceGroup>
-      <inkml:annotationXML>
-        <emma:emma xmlns:emma="http://www.w3.org/2003/04/emma" version="1.0">
-          <emma:interpretation id="{A3B96DDF-23F9-4070-AE4C-7D307BF3A423}" emma:medium="tactile" emma:mode="ink">
-            <msink:context xmlns:msink="http://schemas.microsoft.com/ink/2010/main" type="paragraph" rotatedBoundingBox="21475,8421 23501,8410 23505,9054 21479,9066" alignmentLevel="1"/>
-          </emma:interpretation>
-        </emma:emma>
-      </inkml:annotationXML>
-      <inkml:traceGroup>
-        <inkml:annotationXML>
-          <emma:emma xmlns:emma="http://www.w3.org/2003/04/emma" version="1.0">
-            <emma:interpretation id="{A5EB6B7A-D31D-47F2-8EA1-DDD4E5B88C99}" emma:medium="tactile" emma:mode="ink">
-              <msink:context xmlns:msink="http://schemas.microsoft.com/ink/2010/main" type="line" rotatedBoundingBox="21475,8421 23501,8410 23505,9054 21479,9066"/>
-            </emma:interpretation>
-          </emma:emma>
-        </inkml:annotationXML>
-        <inkml:traceGroup>
-          <inkml:annotationXML>
-            <emma:emma xmlns:emma="http://www.w3.org/2003/04/emma" version="1.0">
-              <emma:interpretation id="{DF6F0484-9914-422B-98C6-705DEB380A2B}" emma:medium="tactile" emma:mode="ink">
-                <msink:context xmlns:msink="http://schemas.microsoft.com/ink/2010/main" type="inkWord" rotatedBoundingBox="21475,8421 23501,8410 23505,9054 21479,9066">
-                  <msink:destinationLink direction="with" ref="{D875EF8E-68DD-44E1-B248-2AFE8DAD94B5}"/>
-                  <msink:destinationLink direction="from" ref="{187E4012-29DD-4124-A64A-AB9E031CC219}"/>
-                </msink:context>
-              </emma:interpretation>
-            </emma:emma>
-          </inkml:annotationXML>
-          <inkml:trace contextRef="#ctx0" brushRef="#br0">27 311 59 0,'0'0'21'16,"-20"9"2"-16,20-9-1 15,-12 2-2-15,12-2-4 16,0 0-1-16,12-20-2 16,-1 2-1-16,8-2-3 15,1-9-2-15,5-2-4 16,0-2-4-16,1-3 1 15,0 2-1-15,-6-2 2 0,-1 10-1 16,-2 5 2-16,-7 8-1 16,-10 13 0-1,13-5 0-15,-13 5-1 16,3 26 1-16,1-6-2 0,2 5 1 16,5 0-1-16,1 2 0 15,2 1 0-15,4-1 0 16,5-1 1-16,-2 1 0 15,0-5 0-15,0 0-1 16,1-4 1-16,-6 2 0 16,-4-6 0-16,-12-14 1 15,16 22-1-15,-16-22 0 0,0 0 0 16,-6 16 0-16,-5-13 0 16,-10-5 0-1,-3-4 1-15,-5 0-1 16,-9-3 0-16,-1-2 1 0,-4 1-1 15,3-1 1-15,-1-3-1 16,7 4 1-16,0 1-1 16,9 2 0-16,6-1-10 15,19 8-7-15,-15 3-10 16,15-3-6-16,7 19-2 16,2-1-1-16,4 4-2 15,2 6 11-15</inkml:trace>
-          <inkml:trace contextRef="#ctx0" brushRef="#br0" timeOffset="2260.1746">1093 463 31 0,'0'0'16'0,"0"0"-1"0,-7 17-3 16,7-17 2-16,0 0 0 15,0 0-1-15,0 0-1 16,0 0-2-16,-12-14-1 16,12 14 1-16,0-28 0 15,0 10-1-15,-2-4-1 16,-1-2-1-16,3-1 0 16,-1 1-2-16,-1-3 0 15,0 2-1-15,-2-4-1 16,1 4-1-16,0 1-2 15,0 0 0-15,-2 0 0 16,4 0 0-16,-1 2 0 16,1 3 2-16,1 4-2 0,0 1 1 15,0 14-1-15,0-12 0 16,0 12 0 0,0 0 2-16,0 0-2 0,0 0-2 15,9 15 2-15,-9-15-1 16,7 15 1-16,-7-15-1 15,13 18 1-15,-13-18 0 16,21 15 0-16,-5-9 0 16,3 1 0-16,4-2 0 15,2-2 0-15,4 3 0 16,6-2-1-16,4 5 1 16,1-5 0-16,-5 4-1 0,1-2 1 15,-4 0 0-15,-2 0-1 16,-5 0 1-16,-9 0 0 15,-16-6 0 1,18 8 0-16,-18-8 0 0,0 0 0 16,0 0 0-16,-15 4 0 15,15-4 0-15,-25 2 0 16,9-1 0-16,-2 2 0 16,-4 2 0-16,-3 1 1 15,-3 4-1-15,-5 2 0 16,-1 3 0-16,0 3 1 15,-1 1-1-15,-1 3 0 16,1 3 1-16,4-1-1 0,1-1 0 16,5 0 1-1,3-6-1-15,7 0 0 16,2-10-13-16,13-7-7 16,0 0-8-16,0 0-4 0,16 6-3 15,-16-6-1-15,24 6-2 16</inkml:trace>
-        </inkml:traceGroup>
-      </inkml:traceGroup>
-    </inkml:traceGroup>
-  </inkml:traceGroup>
-</inkml:ink>
-</file>
-
-<file path=ppt/ink/ink13.xml><?xml version="1.0" encoding="utf-8"?>
 <inkml:ink xmlns:inkml="http://www.w3.org/2003/InkML">
   <inkml:definitions>
     <inkml:context xml:id="ctx0">
@@ -396,10 +230,10 @@
             </emma:emma>
           </inkml:annotationXML>
           <inkml:trace contextRef="#ctx0" brushRef="#br0">79-8 32 0,'0'0'17'0,"-9"24"-6"15,6 0-5-15,-3 9-4 16,-3 10-1-16,3 6-1 16,-1 5 0-16,-2-2-2 15,2 0-2-15,-1-5-2 16,0-9-3-16,3-10-5 15,3-15-4-15,2-13 3 16,0 0 15-16</inkml:trace>
-          <inkml:trace contextRef="#ctx0" brushRef="#br0" timeOffset="656.3083">273 90 20 0,'8'-13'13'0,"-8"13"-5"0,0 0-4 16,0 0 0-16,0 0-2 15,0 0 1-15,0 0-1 16,0 0 2-16,-10-14 2 16,10 14 2-16,0 0 3 15,-14-14 1-15,14 14-1 16,-13-3 1-16,13 3-1 15,-20 6-1-15,20-6-3 16,-24 18-2-16,13-4-2 16,-3 4-2-16,5 0 0 15,0 1 0-15,5-1 0 16,4 0 0-16,5-3 0 0,5-3 0 16,6-2 0-16,3-6 0 15,2 0 1-15,2 0-1 16,1 1 1-16,-4-2 0 15,-2 2 0-15,-5 2-1 16,-13-7 0-16,13 21 0 16,-16-9 0-16,-7 2 0 15,-6 0-1-15,-5 1 0 16,-1 1 0-16,-5-3 0 16,-1-3 0-16,4-2 1 15,0 2-1-15,4-3 0 16,4-3 0-16,16-4 0 15,-20 0-6-15,20 0-11 0,0 0-9 16,0 0-9-16,0 0 0 16,20-9-2-16,-8 12 14 15</inkml:trace>
-          <inkml:trace contextRef="#ctx0" brushRef="#br0" timeOffset="1076.5538">541 309 52 0,'-19'6'32'0,"19"-6"-4"16,-17 2-7-16,17-2-5 16,0 0 0-16,0 0-4 15,17-2-16-15,7-1-14 16,-2-2-11-16,8 0-6 0,6 1 0 16,-2 1-2-16,2 3 19 15</inkml:trace>
-          <inkml:trace contextRef="#ctx0" brushRef="#br0" timeOffset="1599.7154">1001 439 69 0,'-3'-13'34'16,"8"-1"-1"-16,3-10-11 15,3-2-6-15,6-8-4 16,7-5-7-16,2-3-4 16,2-1-1-16,1-1 0 15,0 3 0-15,-1 2 0 0,-1 4 0 16,-8 5 1-16,-1 10-2 16,-6 5 1-16,-12 15 0 15,13-10-1-15,-13 10 0 16,-7 21 1-16,4 0-1 15,0 11 0-15,-7 6 0 16,5 6 0-16,2 5 1 16,3 0 0-16,6-2 0 15,0-2 0-15,-2-7 0 16,4-5-9-16,2-11-8 16,0-4-5-16,-10-18-8 15,0 0-4-15,0 0-2 16,0 0 0-16,0 0 35 0</inkml:trace>
-          <inkml:trace contextRef="#ctx0" brushRef="#br0" timeOffset="1842.0664">991 304 35 0,'15'-9'20'15,"-3"6"-7"-15,7 0-8 0,7 1-5 16,0-1-7-16,0 2-10 16,5-2-4-1,0 4-1-15,-2-2 17 16,-3 5 5-16</inkml:trace>
+          <inkml:trace contextRef="#ctx0" brushRef="#br0" timeOffset="656.308">273 90 20 0,'8'-13'13'0,"-8"13"-5"0,0 0-4 16,0 0 0-16,0 0-2 15,0 0 1-15,0 0-1 16,0 0 2-16,-10-14 2 16,10 14 2-16,0 0 3 15,-14-14 1-15,14 14-1 16,-13-3 1-16,13 3-1 15,-20 6-1-15,20-6-3 16,-24 18-2-16,13-4-2 16,-3 4-2-16,5 0 0 15,0 1 0-15,5-1 0 16,4 0 0-16,5-3 0 0,5-3 0 16,6-2 0-16,3-6 0 15,2 0 1-15,2 0-1 16,1 1 1-16,-4-2 0 15,-2 2 0-15,-5 2-1 16,-13-7 0-16,13 21 0 16,-16-9 0-16,-7 2 0 15,-6 0-1-15,-5 1 0 16,-1 1 0-16,-5-3 0 16,-1-3 0-16,4-2 1 15,0 2-1-15,4-3 0 16,4-3 0-16,16-4 0 15,-20 0-6-15,20 0-11 0,0 0-9 16,0 0-9-16,0 0 0 16,20-9-2-16,-8 12 14 15</inkml:trace>
+          <inkml:trace contextRef="#ctx0" brushRef="#br0" timeOffset="1076.553">541 309 52 0,'-19'6'32'0,"19"-6"-4"16,-17 2-7-16,17-2-5 16,0 0 0-16,0 0-4 15,17-2-16-15,7-1-14 16,-2-2-11-16,8 0-6 0,6 1 0 16,-2 1-2-16,2 3 19 15</inkml:trace>
+          <inkml:trace contextRef="#ctx0" brushRef="#br0" timeOffset="1599.715">1001 439 69 0,'-3'-13'34'16,"8"-1"-1"-16,3-10-11 15,3-2-6-15,6-8-4 16,7-5-7-16,2-3-4 16,2-1-1-16,1-1 0 15,0 3 0-15,-1 2 0 0,-1 4 0 16,-8 5 1-16,-1 10-2 16,-6 5 1-16,-12 15 0 15,13-10-1-15,-13 10 0 16,-7 21 1-16,4 0-1 15,0 11 0-15,-7 6 0 16,5 6 0-16,2 5 1 16,3 0 0-16,6-2 0 15,0-2 0-15,-2-7 0 16,4-5-9-16,2-11-8 16,0-4-5-16,-10-18-8 15,0 0-4-15,0 0-2 16,0 0 0-16,0 0 35 0</inkml:trace>
+          <inkml:trace contextRef="#ctx0" brushRef="#br0" timeOffset="1842.066">991 304 35 0,'15'-9'20'15,"-3"6"-7"-15,7 0-8 0,7 1-5 16,0-1-7-16,0 2-10 16,5-2-4-1,0 4-1-15,-2-2 17 16,-3 5 5-16</inkml:trace>
         </inkml:traceGroup>
         <inkml:traceGroup>
           <inkml:annotationXML>
@@ -409,14 +243,14 @@
               </emma:interpretation>
             </emma:emma>
           </inkml:annotationXML>
-          <inkml:trace contextRef="#ctx0" brushRef="#br1" timeOffset="284358.6617">5982 1131 47 0,'0'0'20'0,"0"0"-1"16,0 0-5-16,0 0-8 15,0 0-5-15,3-14-6 16,-3 14-3-16,0 0-2 16,7-19 0-16,-7 19 0 15,8-18 2-15,-8 18 3 16,2-21 3-16,-2 21 6 0,0-21 3 15,0 21 3-15,-5-12 0 16,5 12-1-16,0 0 0 16,-15-16-2-16,15 16-5 15,-13-7-6-15,13 7-6 16,0 0-5-16,-17-12-2 16,17 12-2-16,0 0 0 15,-14-17 3-15,14 17 10 16,-13-8 6-16,13 8 0 15,-13-7 0-15,13 7 9 16,-18-6 4-16,18 6 1 16,-19-8-2-16,19 8-3 15,-12-10-6-15,12 10-5 0,-7-15-5 16,7 15-4-16,-3-16-1 16,3 16 0-16,3-18 0 15,-3 18 8-15,-6-13 4 16,6 13 0-16,-14-8 8 15,14 8 8-15,-23-8 4 16,7 7 1-16,0 0 1 16,-2-1-3-16,0-2-2 15,2 4-3-15,1-4-6 16,15 4-8-16,-20-6-5 16,20 6-7-16,-12-7-6 15,12 7-3-15,0 0-3 0,0 0 0 16,-15-15 0-16,15 15 7 15</inkml:trace>
-          <inkml:trace contextRef="#ctx0" brushRef="#br1" timeOffset="284633.6651">5545 805 35 0,'-21'0'17'16,"5"0"-2"-16,-4 0-3 16,2 0-4-16,2-2-5 15,1 2-5-15,3-1-3 16,12 1-3-16,-25-7-1 15,25 7 1-15,-26-5 2 16,11 2 4-16,-1 0 3 16,-5 3 6-16,1 0 3 0,-5 3 2 15,3 0 1-15,-3-1-2 16,0 4-1 0,5-4-3-16,4 0-1 0,0-1-4 15,16-1-5-15,-21 3-7 16,21-3-6-16,-13-6-4 15,13 6-3-15,-12-2 0 16,12 2 0-16,-15-5 13 16</inkml:trace>
-          <inkml:trace contextRef="#ctx0" brushRef="#br1" timeOffset="284930.2336">4936 775 54 0,'-18'-3'24'0,"-1"3"-4"16,-1-2-3-1,5 1-6-15,-1-4-3 16,6 4-6-16,10 1-2 16,-21-6-2-16,21 6 1 0,-24-5-1 15,24 5 0-15,-25 1 1 16,14-1 0-16,-9-1 1 16,4 0 1-16,-5 1 1 15,0 1 1-15,-3 3-1 16,-1-1 1-16,3 0-1 15,-5-2 0-15,8 2-2 16,-2-2-4-16,3-2-6 16,1-1-7-16,5 1-4 15,12 1-3-15,-16-7 0 16,16 7 1-16,-15-7 5 16</inkml:trace>
-          <inkml:trace contextRef="#ctx0" brushRef="#br1" timeOffset="285298.4414">4325 751 67 0,'-26'1'20'0,"3"1"-2"16,-1 0-5-16,5-2-8 15,1-2-7-15,4 1-9 16,1 0-5-16,13 1-2 16,-18-6-1-16,18 6 1 15,-18-1 1-15,18 1 7 16,-25 0 6-16,13 1 7 15,-4 2 7-15,-3 0 5 16,-2-1 4-16,-4 1 1 16,-1 0-2-16,-3-1-1 0,6 0-2 15,-6 0-2-15,5-1-5 16,3-1-2-16,4 2-2 16,1-4-2-16,16 2 0 15,-21-4 0-15,21 4-1 16,-15-6-1-16,15 6 0 15,0 0-1-15,-12-1-4 16,12 1-5-16,0 0-8 16,0 0-8-16,0 0-2 15,7 14-1-15,-7-14-1 16,25 2 15-16</inkml:trace>
-          <inkml:trace contextRef="#ctx0" brushRef="#br1" timeOffset="280630.949">3745 745 29 0,'0'0'14'0,"0"0"-3"16,0 0-9-16,0 0-6 15,-18-15-8-15,18 15 0 16,0 0-2-16,-11-12 2 16</inkml:trace>
-          <inkml:trace contextRef="#ctx0" brushRef="#br1" timeOffset="280818.061">3631 709 45 0,'0'0'16'15,"-11"4"-3"-15,11-4-3 16,0 0-3-16,-15 4-6 16,15-4-3-16,0 0-5 15,0 0-2-15,0 0-5 16,0 0-2-16,0 0-2 16,0 0 1-16,-13-2 9 15</inkml:trace>
-          <inkml:trace contextRef="#ctx0" brushRef="#br1" timeOffset="280996.2818">3468 723 9 0,'0'0'1'16,"-15"2"-2"-16,15-2-4 15,-15 3 2-15,15-3 3 16</inkml:trace>
-          <inkml:trace contextRef="#ctx0" brushRef="#br1" timeOffset="281234.2052">3277 781 43 0,'0'0'18'16,"-22"9"-2"-16,22-9-2 16,-18 5-3-16,18-5-4 15,0 0-4-15,-15 4-2 16,15-4-4-16,0 0-5 16,0 0-2-16,0 0-4 0,0 0-3 15,0 0-2-15,-13 4 0 16,13-4 2-16,0 0 12 15</inkml:trace>
+          <inkml:trace contextRef="#ctx0" brushRef="#br1" timeOffset="-145138.069">5982 1131 47 0,'0'0'20'0,"0"0"-1"16,0 0-5-16,0 0-8 15,0 0-5-15,3-14-6 16,-3 14-3-16,0 0-2 16,7-19 0-16,-7 19 0 15,8-18 2-15,-8 18 3 16,2-21 3-16,-2 21 6 0,0-21 3 15,0 21 3-15,-5-12 0 16,5 12-1-16,0 0 0 16,-15-16-2-16,15 16-5 15,-13-7-6-15,13 7-6 16,0 0-5-16,-17-12-2 16,17 12-2-16,0 0 0 15,-14-17 3-15,14 17 10 16,-13-8 6-16,13 8 0 15,-13-7 0-15,13 7 9 16,-18-6 4-16,18 6 1 16,-19-8-2-16,19 8-3 15,-12-10-6-15,12 10-5 0,-7-15-5 16,7 15-4-16,-3-16-1 16,3 16 0-16,3-18 0 15,-3 18 8-15,-6-13 4 16,6 13 0-16,-14-8 8 15,14 8 8-15,-23-8 4 16,7 7 1-16,0 0 1 16,-2-1-3-16,0-2-2 15,2 4-3-15,1-4-6 16,15 4-8-16,-20-6-5 16,20 6-7-16,-12-7-6 15,12 7-3-15,0 0-3 0,0 0 0 16,-15-15 0-16,15 15 7 15</inkml:trace>
+          <inkml:trace contextRef="#ctx0" brushRef="#br1" timeOffset="-144863.065">5545 805 35 0,'-21'0'17'16,"5"0"-2"-16,-4 0-3 16,2 0-4-16,2-2-5 15,1 2-5-15,3-1-3 16,12 1-3-16,-25-7-1 15,25 7 1-15,-26-5 2 16,11 2 4-16,-1 0 3 16,-5 3 6-16,1 0 3 0,-5 3 2 15,3 0 1-15,-3-1-2 16,0 4-1 0,5-4-3-16,4 0-1 0,0-1-4 15,16-1-5-15,-21 3-7 16,21-3-6-16,-13-6-4 15,13 6-3-15,-12-2 0 16,12 2 0-16,-15-5 13 16</inkml:trace>
+          <inkml:trace contextRef="#ctx0" brushRef="#br1" timeOffset="-144566.497">4936 775 54 0,'-18'-3'24'0,"-1"3"-4"16,-1-2-3-1,5 1-6-15,-1-4-3 16,6 4-6-16,10 1-2 16,-21-6-2-16,21 6 1 0,-24-5-1 15,24 5 0-15,-25 1 1 16,14-1 0-16,-9-1 1 16,4 0 1-16,-5 1 1 15,0 1 1-15,-3 3-1 16,-1-1 1-16,3 0-1 15,-5-2 0-15,8 2-2 16,-2-2-4-16,3-2-6 16,1-1-7-16,5 1-4 15,12 1-3-15,-16-7 0 16,16 7 1-16,-15-7 5 16</inkml:trace>
+          <inkml:trace contextRef="#ctx0" brushRef="#br1" timeOffset="-144198.289">4325 751 67 0,'-26'1'20'0,"3"1"-2"16,-1 0-5-16,5-2-8 15,1-2-7-15,4 1-9 16,1 0-5-16,13 1-2 16,-18-6-1-16,18 6 1 15,-18-1 1-15,18 1 7 16,-25 0 6-16,13 1 7 15,-4 2 7-15,-3 0 5 16,-2-1 4-16,-4 1 1 16,-1 0-2-16,-3-1-1 0,6 0-2 15,-6 0-2-15,5-1-5 16,3-1-2-16,4 2-2 16,1-4-2-16,16 2 0 15,-21-4 0-15,21 4-1 16,-15-6-1-16,15 6 0 15,0 0-1-15,-12-1-4 16,12 1-5-16,0 0-8 16,0 0-8-16,0 0-2 15,7 14-1-15,-7-14-1 16,25 2 15-16</inkml:trace>
+          <inkml:trace contextRef="#ctx0" brushRef="#br1" timeOffset="-148865.781">3745 745 29 0,'0'0'14'0,"0"0"-3"16,0 0-9-16,0 0-6 15,-18-15-8-15,18 15 0 16,0 0-2-16,-11-12 2 16</inkml:trace>
+          <inkml:trace contextRef="#ctx0" brushRef="#br1" timeOffset="-148678.669">3631 709 45 0,'0'0'16'15,"-11"4"-3"-15,11-4-3 16,0 0-3-16,-15 4-6 16,15-4-3-16,0 0-5 15,0 0-2-15,0 0-5 16,0 0-2-16,0 0-2 16,0 0 1-16,-13-2 9 15</inkml:trace>
+          <inkml:trace contextRef="#ctx0" brushRef="#br1" timeOffset="-148500.449">3468 723 9 0,'0'0'1'16,"-15"2"-2"-16,15-2-4 15,-15 3 2-15,15-3 3 16</inkml:trace>
+          <inkml:trace contextRef="#ctx0" brushRef="#br1" timeOffset="-148262.525">3277 781 43 0,'0'0'18'16,"-22"9"-2"-16,22-9-2 16,-18 5-3-16,18-5-4 15,0 0-4-15,-15 4-2 16,15-4-4-16,0 0-5 16,0 0-2-16,0 0-4 0,0 0-3 15,0 0-2-15,-13 4 0 16,13-4 2-16,0 0 12 15</inkml:trace>
         </inkml:traceGroup>
       </inkml:traceGroup>
     </inkml:traceGroup>
@@ -446,14 +280,14 @@
               </emma:interpretation>
             </emma:emma>
           </inkml:annotationXML>
-          <inkml:trace contextRef="#ctx0" brushRef="#br1" timeOffset="281901.9751">3067 1012 52 0,'0'0'24'0,"-8"22"-3"15,8-22-1-15,-10 17-5 16,10-17-3-16,-4 19-5 16,4-19-3-16,0 0-4 15,1 15-3-15,-1-15-6 16,0 0-2-16,0 0-4 16,15 8-3-16,-15-8 0 15,0 0-1-15,11 13 2 16,-11-13 5-16,3 14 7 15,-3-14 7-15,4 17 6 16,-4-17 8-16,2 15 2 0,-2-15 2 16,1 13-2-16,-1-13-1 15,2 12-3-15,-2-12-4 16,5 14-3-16,-5-14-5 16,0 0-7-16,16 10-7 15,-16-10-4-15,15 6-3 16,-15-6-4-16,21 7 0 15,-21-7 0-15,21 3 0 16,-21-3 8-16,21 6 15 16,-21-6 0-16,22 7 0 15,-22-7 11-15,15 7 5 16,-15-7 2-16,0 0 1 16,20 12-1-16,-20-12-2 0,0 0-3 15,15 9-3-15,-15-9-5 16,18 3-5-16,-6-5-7 15,-12 2-6-15,20 0-5 16,-4 2-2-16,-1-2 0 16,-1 3-1-16,-1 0 1 15</inkml:trace>
-          <inkml:trace contextRef="#ctx0" brushRef="#br1" timeOffset="281390.7278">3139 871 32 0,'0'0'14'0,"-8"13"-1"15,8-13-3-15,-11 14-5 16,11-14-5-16,0 0-4 15,-15 11-6-15,15-11-3 16,0 0-3-16,-7 15 0 0,7-15 2 16</inkml:trace>
-          <inkml:trace contextRef="#ctx0" brushRef="#br1" timeOffset="282218.3103">3431 1302 73 0,'15'6'24'16,"-15"-6"-2"-16,13 0-2 15,-13 0-6-15,12-5-7 16,-12 5-4-16,15-1-4 0,-15 1-5 16,20 0-6-16,-20 0-4 15,21 0-2-15,-21 0-2 16,23 0-1-16,-23 0 1 16,26 0 4-16,-14-3 5 15,2 3 9-15,1 3 7 16,-2-3 7-16,-13 0 3 15,24 4 1-15,-24-4 0 16,16 4-1-16,-16-4-3 16,20 6-2-16,-20-6-5 15,12 5-6-15,-12-5-6 16,18 0-3-16,-18 0-5 0,21-1-3 16,-9 1-2-16,1-3 0 15,0 2 0-15,0-2 6 16</inkml:trace>
-          <inkml:trace contextRef="#ctx0" brushRef="#br1" timeOffset="282366.2976">3890 1326 63 0,'0'0'19'0,"16"2"-3"16,-16-2-8-16,0 0-9 15,19-2-8-15,-19 2-8 16,23-2-2-16,-8-2-1 15,0 4 0-15,2-2 2 0</inkml:trace>
-          <inkml:trace contextRef="#ctx0" brushRef="#br1" timeOffset="282538.4244">4131 1313 72 0,'14'1'23'15,"-14"-1"-4"-15,13 0-3 16,-13 0-7-16,12-3-7 15,-12 3-8-15,18-3-6 16,-18 3-4-16,24-3-4 16,-10 1-2-16,0 2 0 15,0-1 1-15,3-1 3 16</inkml:trace>
-          <inkml:trace contextRef="#ctx0" brushRef="#br1" timeOffset="282683.9329">4380 1300 37 0,'18'3'15'0,"-18"-3"-1"16,15 3-4-16,-15-3-8 16,16 0-5-16,-16 0-8 15,20-1-4-15,-20 1-1 16,25-6-1-16,-11 2 2 16</inkml:trace>
-          <inkml:trace contextRef="#ctx0" brushRef="#br1" timeOffset="282842.5291">4604 1288 72 0,'16'11'21'0,"-16"-11"-3"15,0 0-6-15,14 9-10 16,-14-9-8-16,17 0-9 0,-17 0-4 16,28-6-3-16,-12 4 0 15,2-1 0-15,2 0 4 16</inkml:trace>
-          <inkml:trace contextRef="#ctx0" brushRef="#br1" timeOffset="283778.093">4836 1291 75 0,'0'0'20'0,"12"9"-3"16,-12-9-4-16,0 0-6 16,15 5-7-16,-15-5-7 15,16 0-3-15,-16 0-1 16,24-3 0-16,-11 0-1 15,0 2 1-15,3 0 2 0,-2 1 4 16,-2 0 5-16,0 0 5 16,3 1 3-16,-15-1 3 15,19 2 1-15,-19-2 1 16,0 0 1-16,14 6-1 16,-14-6 0-16,0 0-4 15,12 8-3-15,-12-8-6 16,0 0-2-16,20 2-9 15,-20-2-5-15,21-2-4 16,-7-2-3-16,1 2 0 16,2 0 2-16,-2-1 6 15,5 0 4-15,-4 2 11 0,-4 1 9 16,2 0 6-16,-14 0 4 16,16 1 0-16,-16-1 2 15,0 0-4-15,15 6-4 16,-15-6-4-16,0 0-4 15,15 5-6-15,-15-5-2 16,19 3-8-16,-6-4-3 16,2 1-2-16,-1 0-1 15,6-3-3-15,-2 1 0 16,1 0 3-16,2-1 1 16,-1-1 8-16,-1 2 7 15,-2-1 2-15,-2 1 8 16,-1 2 7-16,-14 0 3 0,16 2 1 15,-16-2 0-15,0 0-2 16,12 14 0-16,-12-14-6 16,0 0-2-1,15 12-7-15,-15-12 0 0,21 6-6 16,-21-6-2-16,28 0-8 16,-16-5-5-16,5-2-1 15,1 1-3-15,-1-2 2 16,-1 0 0-16,-3 4 7 15,1 1 6-15,-14 3 10 16,17 3 8-16,-17-3 7 16,0 0 3-16,10 15-1 15,-10-15 0-15,0 0-4 0,0 0-3 16,0 0-4 0,18 10-4-16,-18-10-7 15,18-7-4-15,-18 7-2 16,21-9-2-16,-21 9 1 0,19-10-1 15,-19 10 2-15,18-8 1 16,-18 8 5-16,16-5 4 16,-16 5 3-16,13-7 3 15,-13 7 0-15,0 0 3 16,16-12 3-16,-16 12 3 16,0 0-2-16,13-7-3 15,-13 7-1-15,0 0 0 16,0 0-1-16,13-2-4 0,-13 2-15 15,0 0-12 1,15-3-7-16,-15 3-5 16,12-5-1-16,-12 5 0 15,18-16 0-15</inkml:trace>
+          <inkml:trace contextRef="#ctx0" brushRef="#br1" timeOffset="-147594.755">3067 1012 52 0,'0'0'24'0,"-8"22"-3"15,8-22-1-15,-10 17-5 16,10-17-3-16,-4 19-5 16,4-19-3-16,0 0-4 15,1 15-3-15,-1-15-6 16,0 0-2-16,0 0-4 16,15 8-3-16,-15-8 0 15,0 0-1-15,11 13 2 16,-11-13 5-16,3 14 7 15,-3-14 7-15,4 17 6 16,-4-17 8-16,2 15 2 0,-2-15 2 16,1 13-2-16,-1-13-1 15,2 12-3-15,-2-12-4 16,5 14-3-16,-5-14-5 16,0 0-7-16,16 10-7 15,-16-10-4-15,15 6-3 16,-15-6-4-16,21 7 0 15,-21-7 0-15,21 3 0 16,-21-3 8-16,21 6 15 16,-21-6 0-16,22 7 0 15,-22-7 11-15,15 7 5 16,-15-7 2-16,0 0 1 16,20 12-1-16,-20-12-2 0,0 0-3 15,15 9-3-15,-15-9-5 16,18 3-5-16,-6-5-7 15,-12 2-6-15,20 0-5 16,-4 2-2-16,-1-2 0 16,-1 3-1-16,-1 0 1 15</inkml:trace>
+          <inkml:trace contextRef="#ctx0" brushRef="#br1" timeOffset="-148106.003">3139 871 32 0,'0'0'14'0,"-8"13"-1"15,8-13-3-15,-11 14-5 16,11-14-5-16,0 0-4 15,-15 11-6-15,15-11-3 16,0 0-3-16,-7 15 0 0,7-15 2 16</inkml:trace>
+          <inkml:trace contextRef="#ctx0" brushRef="#br1" timeOffset="-147278.42">3431 1302 73 0,'15'6'24'16,"-15"-6"-2"-16,13 0-2 15,-13 0-6-15,12-5-7 16,-12 5-4-16,15-1-4 0,-15 1-5 16,20 0-6-16,-20 0-4 15,21 0-2-15,-21 0-2 16,23 0-1-16,-23 0 1 16,26 0 4-16,-14-3 5 15,2 3 9-15,1 3 7 16,-2-3 7-16,-13 0 3 15,24 4 1-15,-24-4 0 16,16 4-1-16,-16-4-3 16,20 6-2-16,-20-6-5 15,12 5-6-15,-12-5-6 16,18 0-3-16,-18 0-5 0,21-1-3 16,-9 1-2-16,1-3 0 15,0 2 0-15,0-2 6 16</inkml:trace>
+          <inkml:trace contextRef="#ctx0" brushRef="#br1" timeOffset="-147130.433">3890 1326 63 0,'0'0'19'0,"16"2"-3"16,-16-2-8-16,0 0-9 15,19-2-8-15,-19 2-8 16,23-2-2-16,-8-2-1 15,0 4 0-15,2-2 2 0</inkml:trace>
+          <inkml:trace contextRef="#ctx0" brushRef="#br1" timeOffset="-146958.306">4131 1313 72 0,'14'1'23'15,"-14"-1"-4"-15,13 0-3 16,-13 0-7-16,12-3-7 15,-12 3-8-15,18-3-6 16,-18 3-4-16,24-3-4 16,-10 1-2-16,0 2 0 15,0-1 1-15,3-1 3 16</inkml:trace>
+          <inkml:trace contextRef="#ctx0" brushRef="#br1" timeOffset="-146812.798">4380 1300 37 0,'18'3'15'0,"-18"-3"-1"16,15 3-4-16,-15-3-8 16,16 0-5-16,-16 0-8 15,20-1-4-15,-20 1-1 16,25-6-1-16,-11 2 2 16</inkml:trace>
+          <inkml:trace contextRef="#ctx0" brushRef="#br1" timeOffset="-146654.201">4604 1288 72 0,'16'11'21'0,"-16"-11"-3"15,0 0-6-15,14 9-10 16,-14-9-8-16,17 0-9 0,-17 0-4 16,28-6-3-16,-12 4 0 15,2-1 0-15,2 0 4 16</inkml:trace>
+          <inkml:trace contextRef="#ctx0" brushRef="#br1" timeOffset="-145718.637">4836 1291 75 0,'0'0'20'0,"12"9"-3"16,-12-9-4-16,0 0-6 16,15 5-7-16,-15-5-7 15,16 0-3-15,-16 0-1 16,24-3 0-16,-11 0-1 15,0 2 1-15,3 0 2 0,-2 1 4 16,-2 0 5-16,0 0 5 16,3 1 3-16,-15-1 3 15,19 2 1-15,-19-2 1 16,0 0 1-16,14 6-1 16,-14-6 0-16,0 0-4 15,12 8-3-15,-12-8-6 16,0 0-2-16,20 2-9 15,-20-2-5-15,21-2-4 16,-7-2-3-16,1 2 0 16,2 0 2-16,-2-1 6 15,5 0 4-15,-4 2 11 0,-4 1 9 16,2 0 6-16,-14 0 4 16,16 1 0-16,-16-1 2 15,0 0-4-15,15 6-4 16,-15-6-4-16,0 0-4 15,15 5-6-15,-15-5-2 16,19 3-8-16,-6-4-3 16,2 1-2-16,-1 0-1 15,6-3-3-15,-2 1 0 16,1 0 3-16,2-1 1 16,-1-1 8-16,-1 2 7 15,-2-1 2-15,-2 1 8 16,-1 2 7-16,-14 0 3 0,16 2 1 15,-16-2 0-15,0 0-2 16,12 14 0-16,-12-14-6 16,0 0-2-1,15 12-7-15,-15-12 0 0,21 6-6 16,-21-6-2-16,28 0-8 16,-16-5-5-16,5-2-1 15,1 1-3-15,-1-2 2 16,-1 0 0-16,-3 4 7 15,1 1 6-15,-14 3 10 16,17 3 8-16,-17-3 7 16,0 0 3-16,10 15-1 15,-10-15 0-15,0 0-4 0,0 0-3 16,0 0-4 0,18 10-4-16,-18-10-7 15,18-7-4-15,-18 7-2 16,21-9-2-16,-21 9 1 0,19-10-1 15,-19 10 2-15,18-8 1 16,-18 8 5-16,16-5 4 16,-16 5 3-16,13-7 3 15,-13 7 0-15,0 0 3 16,16-12 3-16,-16 12 3 16,0 0-2-16,13-7-3 15,-13 7-1-15,0 0 0 16,0 0-1-16,13-2-4 0,-13 2-15 15,0 0-12 1,15-3-7-16,-15 3-5 16,12-5-1-16,-12 5 0 15,18-16 0-15</inkml:trace>
         </inkml:traceGroup>
       </inkml:traceGroup>
     </inkml:traceGroup>
@@ -483,14 +317,14 @@
               </emma:interpretation>
             </emma:emma>
           </inkml:annotationXML>
-          <inkml:trace contextRef="#ctx0" brushRef="#br2" timeOffset="34967.0611">1599 3947 118 0,'-13'7'36'0,"-6"-2"-1"16,5 5-8-16,-3-7-12 15,17-3-2-15,-20 0-4 16,20 0-10-16,10-28 0 16,7-2 1-16,13-11-1 15,11-14 0-15,20-11 1 16,11-6-1-16,15-6 1 0,9-1-1 16,7 4 1-1,4 6-1-15,-2 13 0 16,-2 16 2-16,-8 16-1 15,-11 10 1-15,-16 17 0 0,-10 9 1 16,-14 11-1-16,-7 3-1 16,-10-1 1-16,-11-4-2 15,-8-8 0-15,-8-13-9 16,0 0-8-16,0 0-7 16,2-18-8-16,-6 1-4 15,0 1-1-15,-3 3-1 16,7 13-1-16</inkml:trace>
-          <inkml:trace contextRef="#ctx0" brushRef="#br2" timeOffset="35599.9888">2797 3158 112 0,'-14'1'35'16,"0"-2"-4"-16,14 1-6 16,-26 3-6-16,26-3-4 15,-13 6-4-15,13-6-11 0,0 0 0 16,1 16-1-16,-1-16 1 16,21 11-1-16,-4-4 1 15,-1 1 0-15,2 2 0 16,-3-3 1-16,-4 7-1 15,-4 4 0-15,-7 4 1 16,-6 3 0-16,-6 3 0 16,-8 2-1-16,-5-1 2 15,-2 4-2-15,3-9 0 16,-1-4 0-16,9-2-15 16,3-10-11-16,13-8-10 15,0 14-3-15,0-14-2 16,23 13-2-16,-9 4 0 0</inkml:trace>
-          <inkml:trace contextRef="#ctx0" brushRef="#br1" timeOffset="276590.2125">3282 3052 88 0,'-13'11'25'0,"-4"4"-1"15,3-2-5-15,3-3-8 16,-1 2-8-16,1 2-9 16,3-1-8-16,8-13-6 15,-12 20-2-15,12-20-1 16,-7 16 1-16,7-16 0 16,0 0 4-16,-10 16 8 15,10-16 12-15,-5 15 11 0,5-15 7 16,-12 24 3-16,3-12-1 15,3 7 2-15,-8-4-1 16,3 6-3-16,0-5-7 16,1 4-6-16,0-4-6 15,5 1-6-15,0-1-3 16,5-16-4-16,0 23-2 16,0-23 0-16,0 19 1 15,0-19 3-15,5 17 5 16,-5-17 7-16,4 16 5 15,-3-5 4-15,-1-11 1 16,5 18 1-16,-5-18 0 16,1 15-3-16,-1-15-3 0,0 0-4 15,4 15-7-15,-4-15-9 16,0 0-8-16,0 0-3 16,19-4 0-1,-19 4-1-15,24-6 0 0,-24 6 1 16</inkml:trace>
-          <inkml:trace contextRef="#ctx0" brushRef="#br1" timeOffset="276138.7076">3459 2967 41 0,'-21'8'12'15,"21"-8"-1"-15,-24 10-3 16,24-10-7-16,-18 5-9 15,18-5-3-15,-20 9-1 16,20-9-2-16,-15 6 0 16,15-6 1-16</inkml:trace>
-          <inkml:trace contextRef="#ctx0" brushRef="#br1" timeOffset="275990.4933">3603 2960 70 0,'-16'-1'21'16,"16"1"-2"-16,-14-2-5 16,14 2-11-16,-13-3-8 15,13 3-7-15,0 0-6 0,-15 0-3 16,15 0 0-16,0 0 1 15,-16 0 1-15</inkml:trace>
-          <inkml:trace contextRef="#ctx0" brushRef="#br1" timeOffset="275831.4185">3737 2925 84 0,'0'0'25'0,"0"0"0"0,0 0-1 15,-14-2-8 1,14 2-6-16,0 0-5 16,-14 2-2-16,14-2-4 15,0 0-7-15,0 0-7 0,-13 2-5 16,13-2-7-16,0 0 1 16,-12 6-2-16,12-6 1 15,0 0 4-15</inkml:trace>
-          <inkml:trace contextRef="#ctx0" brushRef="#br1" timeOffset="279707.5454">4011 2936 36 0,'-23'2'17'15,"2"-2"2"-15,-6 0 1 16,4 1-2-16,-4 1-1 15,2 2-2-15,0-1 1 16,3 1-1-16,4-2-2 16,2 5-2-16,1-5-3 15,15-2-2-15,-19 4-8 0,19-4-11 16,0 0-15-16,0 0-3 16,0 0-3-16,1-16-2 15,-1 16-2-15</inkml:trace>
-          <inkml:trace contextRef="#ctx0" brushRef="#br1" timeOffset="279514.4252">4721 2874 78 0,'-27'4'22'0,"-2"2"-1"16,2-1-4-16,-3 1-5 15,3-4-4-15,1 3-4 0,4-1-4 16,4-4 1-16,2 0-2 16,1 0 1-16,1-3 0 15,1 2 0-15,13 1-1 16,-23-2 1-16,23 2 0 15,-26 0-1-15,14 0 1 16,-2-1 1-16,-1 1-1 16,1-2 0-16,-1-1 0 15,2 0-1-15,-2-2 1 16,15 5-1-16,-26-7-1 16,26 7-3-16,-22-3-3 15,7 1-2-15,0 5-4 16,-1-2-2-16,1 3-3 0,-1 2-2 15,1 0 1-15,0-1 1 16,0 3 4-16,0 0 6 16</inkml:trace>
+          <inkml:trace contextRef="#ctx0" brushRef="#br2" timeOffset="34967.061">1599 3947 118 0,'-13'7'36'0,"-6"-2"-1"16,5 5-8-16,-3-7-12 15,17-3-2-15,-20 0-4 16,20 0-10-16,10-28 0 16,7-2 1-16,13-11-1 15,11-14 0-15,20-11 1 16,11-6-1-16,15-6 1 0,9-1-1 16,7 4 1-1,4 6-1-15,-2 13 0 16,-2 16 2-16,-8 16-1 15,-11 10 1-15,-16 17 0 0,-10 9 1 16,-14 11-1-16,-7 3-1 16,-10-1 1-16,-11-4-2 15,-8-8 0-15,-8-13-9 16,0 0-8-16,0 0-7 16,2-18-8-16,-6 1-4 15,0 1-1-15,-3 3-1 16,7 13-1-16</inkml:trace>
+          <inkml:trace contextRef="#ctx0" brushRef="#br2" timeOffset="35599.988">2797 3158 112 0,'-14'1'35'16,"0"-2"-4"-16,14 1-6 16,-26 3-6-16,26-3-4 15,-13 6-4-15,13-6-11 0,0 0 0 16,1 16-1-16,-1-16 1 16,21 11-1-16,-4-4 1 15,-1 1 0-15,2 2 0 16,-3-3 1-16,-4 7-1 15,-4 4 0-15,-7 4 1 16,-6 3 0-16,-6 3 0 16,-8 2-1-16,-5-1 2 15,-2 4-2-15,3-9 0 16,-1-4 0-16,9-2-15 16,3-10-11-16,13-8-10 15,0 14-3-15,0-14-2 16,23 13-2-16,-9 4 0 0</inkml:trace>
+          <inkml:trace contextRef="#ctx0" brushRef="#br1" timeOffset="-152906.518">3282 3052 88 0,'-13'11'25'0,"-4"4"-1"15,3-2-5-15,3-3-8 16,-1 2-8-16,1 2-9 16,3-1-8-16,8-13-6 15,-12 20-2-15,12-20-1 16,-7 16 1-16,7-16 0 16,0 0 4-16,-10 16 8 15,10-16 12-15,-5 15 11 0,5-15 7 16,-12 24 3-16,3-12-1 15,3 7 2-15,-8-4-1 16,3 6-3-16,0-5-7 16,1 4-6-16,0-4-6 15,5 1-6-15,0-1-3 16,5-16-4-16,0 23-2 16,0-23 0-16,0 19 1 15,0-19 3-15,5 17 5 16,-5-17 7-16,4 16 5 15,-3-5 4-15,-1-11 1 16,5 18 1-16,-5-18 0 16,1 15-3-16,-1-15-3 0,0 0-4 15,4 15-7-15,-4-15-9 16,0 0-8-16,0 0-3 16,19-4 0-1,-19 4-1-15,24-6 0 0,-24 6 1 16</inkml:trace>
+          <inkml:trace contextRef="#ctx0" brushRef="#br1" timeOffset="-153358.023">3459 2967 41 0,'-21'8'12'15,"21"-8"-1"-15,-24 10-3 16,24-10-7-16,-18 5-9 15,18-5-3-15,-20 9-1 16,20-9-2-16,-15 6 0 16,15-6 1-16</inkml:trace>
+          <inkml:trace contextRef="#ctx0" brushRef="#br1" timeOffset="-153506.237">3603 2960 70 0,'-16'-1'21'16,"16"1"-2"-16,-14-2-5 16,14 2-11-16,-13-3-8 15,13 3-7-15,0 0-6 0,-15 0-3 16,15 0 0-16,0 0 1 15,-16 0 1-15</inkml:trace>
+          <inkml:trace contextRef="#ctx0" brushRef="#br1" timeOffset="-153665.312">3737 2925 84 0,'0'0'25'0,"0"0"0"0,0 0-1 15,-14-2-8 1,14 2-6-16,0 0-5 16,-14 2-2-16,14-2-4 15,0 0-7-15,0 0-7 0,-13 2-5 16,13-2-7-16,0 0 1 16,-12 6-2-16,12-6 1 15,0 0 4-15</inkml:trace>
+          <inkml:trace contextRef="#ctx0" brushRef="#br1" timeOffset="-149789.185">4011 2936 36 0,'-23'2'17'15,"2"-2"2"-15,-6 0 1 16,4 1-2-16,-4 1-1 15,2 2-2-15,0-1 1 16,3 1-1-16,4-2-2 16,2 5-2-16,1-5-3 15,15-2-2-15,-19 4-8 0,19-4-11 16,0 0-15-16,0 0-3 16,0 0-3-16,1-16-2 15,-1 16-2-15</inkml:trace>
+          <inkml:trace contextRef="#ctx0" brushRef="#br1" timeOffset="-149982.305">4721 2874 78 0,'-27'4'22'0,"-2"2"-1"16,2-1-4-16,-3 1-5 15,3-4-4-15,1 3-4 0,4-1-4 16,4-4 1-16,2 0-2 16,1 0 1-16,1-3 0 15,1 2 0-15,13 1-1 16,-23-2 1-16,23 2 0 15,-26 0-1-15,14 0 1 16,-2-1 1-16,-1 1-1 16,1-2 0-16,-1-1 0 15,2 0-1-15,-2-2 1 16,15 5-1-16,-26-7-1 16,26 7-3-16,-22-3-3 15,7 1-2-15,0 5-4 16,-1-2-2-16,1 3-3 0,-1 2-2 15,1 0 1-15,0-1 1 16,0 3 4-16,0 0 6 16</inkml:trace>
         </inkml:traceGroup>
       </inkml:traceGroup>
     </inkml:traceGroup>
@@ -498,7 +332,7 @@
 </inkml:ink>
 </file>
 
-<file path=ppt/ink/ink14.xml><?xml version="1.0" encoding="utf-8"?>
+<file path=ppt/ink/ink11.xml><?xml version="1.0" encoding="utf-8"?>
 <inkml:ink xmlns:inkml="http://www.w3.org/2003/InkML">
   <inkml:definitions>
     <inkml:context xml:id="ctx0">
@@ -564,16 +398,16 @@
             </emma:emma>
           </inkml:annotationXML>
           <inkml:trace contextRef="#ctx0" brushRef="#br0">258-43 57 0,'0'-21'34'0,"-5"9"-4"15,-6-5-7-15,-3 4-7 16,-3-5-1-16,-2 3-2 16,-7 4-3-16,4 5-4 15,-5 5-6-15,4 7 2 16,-1 6-1-16,3 8-1 15,0 5 1-15,10 7 0 0,1 4-1 16,3-1 0-16,5 4 0 16,6-3 0-16,1-5-1 15,5-3 0-15,4-6 0 16,-1-4 1-16,5-11-2 16,0-8 1-16,0-9 0 15,3-5 1-15,-2-9-1 16,-2-4 0-16,-1-3 1 0,-3 0 0 15,-4 1 0 1,-4 3 0-16,-2 6 0 16,-6 8 1-16,3 13 1 15,0 0-1-15,-16 5 0 16,10 13 0-16,2 3-1 0,3 7 1 16,1 4-1-16,5-1-1 15,5-2-8-15,2-6-6 16,6-2-2-16,-2-9-3 15,5-5-7-15,-1-10-6 16,1-8-2-16,0-5-1 16,-3-8 23-16</inkml:trace>
-          <inkml:trace contextRef="#ctx0" brushRef="#br0" timeOffset="336.7149">476-631 55 0,'0'0'29'0,"-15"2"-3"15,10 14-9-15,-2 9-5 16,4 15-1-16,0 6-2 16,0 11-3-16,1 11-3 15,1 7-1-15,-1 3-2 0,1 1-2 16,1-1-5 0,0-13-5-16,3-4-5 0,-2-15-7 15,3-16-5 1,2-11-1-16,-6-19-1 0,0 0 14 15</inkml:trace>
+          <inkml:trace contextRef="#ctx0" brushRef="#br0" timeOffset="336.714">476-631 55 0,'0'0'29'0,"-15"2"-3"15,10 14-9-15,-2 9-5 16,4 15-1-16,0 6-2 16,0 11-3-16,1 11-3 15,1 7-1-15,-1 3-2 0,1 1-2 16,1-1-5 0,0-13-5-16,3-4-5 0,-2-15-7 15,3-16-5 1,2-11-1-16,-6-19-1 0,0 0 14 15</inkml:trace>
           <inkml:trace contextRef="#ctx0" brushRef="#br0" timeOffset="603.613">584-565 84 0,'0'0'33'16,"-12"14"-3"-16,9 9-12 16,-1 11-4-16,2 9-3 15,4 8-6-15,1 14-6 0,-1-3 2 16,3 6-1-16,0-3-1 16,1-4-9-16,5-5-5 15,-7-10-5-15,3-11-6 16,-4-12-6-16,-2-8-3 15,-1-15 1-15,0 0 13 16</inkml:trace>
-          <inkml:trace contextRef="#ctx0" brushRef="#br0" timeOffset="797.7886">416-77 85 0,'0'0'33'15,"0"0"-5"-15,16 18-13 16,-3-16-2-16,6-2 0 16,2-2-9-16,7-6-19 15,0-1-11-15,3 3-8 16,-2-5-1-16,0 4-1 16,-2 1-2-16</inkml:trace>
-          <inkml:trace contextRef="#ctx0" brushRef="#br0" timeOffset="1292.9189">764-72 26 0,'0'0'13'0,"0"0"-2"16,0 0-2-16,-12-4 2 15,12 4-1-15,0 0 2 0,0 0 2 16,0 0 2-16,-12 12-2 15,12-12 1-15,-1 18-2 16,2-3-2-16,5 7-2 16,-3-2-3-16,3 7-3 15,5 6-3-15,-1-3 0 16,1 1-1-16,-1-7 2 16,-1-1-1-16,-2-9 1 15,-7-14-1-15,13 5 0 16,-13-21 1-16,0-5-1 15,-3-5 1-15,0-4-2 16,-1-3-2-16,0-4-9 16,5 5-3-16,-1 1-5 0,5 8-5 15,3 2-5-15,7 6-5 16,0 2 1-16,3 5 14 16</inkml:trace>
-          <inkml:trace contextRef="#ctx0" brushRef="#br0" timeOffset="1614.0311">1058-36 37 0,'5'20'22'0,"-7"-1"-2"16,-1 4-7-16,2 4-6 16,-1 1-2-16,4-1-1 15,1 0-7-15,0-8-4 16,0-6-5-16,-3-13-4 15,0 0-3-15,13 1-3 16,-13-1-2-16,5-24 20 16</inkml:trace>
-          <inkml:trace contextRef="#ctx0" brushRef="#br0" timeOffset="1800.8426">1029-285 64 0,'-13'-13'27'16,"2"2"-1"-16,11 11-14 15,-17-13-13-15,17 13-12 16,0 0-12-16,0 0-6 16,0 0-1-16,17 8 6 15</inkml:trace>
-          <inkml:trace contextRef="#ctx0" brushRef="#br0" timeOffset="2373.2121">1188-632 41 0,'4'39'21'0,"-4"7"-2"16,7 12-9-16,3 10-4 0,3 7 0 15,-2 3-1-15,4 0-2 16,-4-2 0-16,-1-10 1 15,-4-7 3-15,-3-15 2 16,-3-9 1 0,-3-17-1-16,0-6 1 0,3-12-1 15,0 0 1-15,-3-23-3 16,9 1-5-16,3-6-3 16,5 0 0-16,4 4 0 15,5-2-1-15,7 8 0 16,-2 6 0-16,3 9 1 15,-1 10 1-15,-2 9 0 16,-7 5 1-16,-4 5 0 0,-12 5 0 16,-9 1 0-16,-3-1 0 15,-13-1-1-15,0-3 1 16,-11-5-1-16,4-3 1 16,-2-7-1-16,6-5 1 15,0-7-1-15,7-6-7 16,16 6-9-16,-12-16-7 15,15 3-8-15,-3 13-4 16,25-23-1-16,-7 13 0 16,5-1 32-16</inkml:trace>
-          <inkml:trace contextRef="#ctx0" brushRef="#br0" timeOffset="2757.2516">1650-81 53 0,'-10'15'31'0,"1"8"-1"16,-1 6-8-16,-1 3-8 16,9 6-2-16,2 1-4 15,5-2-4-15,2-2-4 16,2-13-1-16,5-10-1 15,1-10 0-15,2-10-1 16,-1-15 0-16,-1-7 1 0,0-5 0 16,0-1 2-16,-5 3 0 15,-2 2 3-15,0 8 0 16,-6 8 1 0,-2 15 0-16,0 0-1 0,3 22 1 15,-3 4-1-15,2 4 0 16,1 7-2-16,2-3-5 15,6 0-13-15,-1-6-7 16,4-8-10-16,-2-10-1 16,2-12-1-16,1-6 0 15</inkml:trace>
-          <inkml:trace contextRef="#ctx0" brushRef="#br0" timeOffset="3020.4736">1891-609 104 0,'0'0'33'0,"0"0"-1"16,1 38-16-16,5 1-12 15,3 10-5-15,-1 17 1 16,2 9-1-16,-1 8 1 15,0 4 0-15,-1 3-12 0,-2-8-6 16,-2-7-5 0,-3-14-7-16,1-19-5 15,-4-14 0-15,2-28 2 16</inkml:trace>
-          <inkml:trace contextRef="#ctx0" brushRef="#br0" timeOffset="3433.0708">1910-40 43 0,'19'-13'28'16,"-7"17"-4"-16,4 6-11 15,3-5-5-15,5 1-1 16,0-5-4-16,1-3-8 16,1-4-3-16,-3-8-1 15,0 2 0-15,-7-8 0 16,-1-1 4-16,-7 3 8 15,-5-3 7-15,-2 8 4 0,-9-2 2 16,8 15-1-16,-24-8 1 16,11 14-1-16,-2 5-2 15,1 6-8-15,4 6-5 16,4-2-1-16,4 7 1 16,5-2 1-16,8-3-1 15,3 0 0-15,3-4 1 16,3-1-1-16,1-3 0 15,-5 1-1-15,-1 1 1 16,-7 4-1-16,-8 1 1 16,-5 5 0-16,-9-1-1 15,-1-4-13-15,-2-1-9 16,2-3-10-16,0-9-3 0,15-9-1 16,-18-2-1-16,18 2 34 15</inkml:trace>
+          <inkml:trace contextRef="#ctx0" brushRef="#br0" timeOffset="797.788">416-77 85 0,'0'0'33'15,"0"0"-5"-15,16 18-13 16,-3-16-2-16,6-2 0 16,2-2-9-16,7-6-19 15,0-1-11-15,3 3-8 16,-2-5-1-16,0 4-1 16,-2 1-2-16</inkml:trace>
+          <inkml:trace contextRef="#ctx0" brushRef="#br0" timeOffset="1292.918">764-72 26 0,'0'0'13'0,"0"0"-2"16,0 0-2-16,-12-4 2 15,12 4-1-15,0 0 2 0,0 0 2 16,0 0 2-16,-12 12-2 15,12-12 1-15,-1 18-2 16,2-3-2-16,5 7-2 16,-3-2-3-16,3 7-3 15,5 6-3-15,-1-3 0 16,1 1-1-16,-1-7 2 16,-1-1-1-16,-2-9 1 15,-7-14-1-15,13 5 0 16,-13-21 1-16,0-5-1 15,-3-5 1-15,0-4-2 16,-1-3-2-16,0-4-9 16,5 5-3-16,-1 1-5 0,5 8-5 15,3 2-5-15,7 6-5 16,0 2 1-16,3 5 14 16</inkml:trace>
+          <inkml:trace contextRef="#ctx0" brushRef="#br0" timeOffset="1614.031">1058-36 37 0,'5'20'22'0,"-7"-1"-2"16,-1 4-7-16,2 4-6 16,-1 1-2-16,4-1-1 15,1 0-7-15,0-8-4 16,0-6-5-16,-3-13-4 15,0 0-3-15,13 1-3 16,-13-1-2-16,5-24 20 16</inkml:trace>
+          <inkml:trace contextRef="#ctx0" brushRef="#br0" timeOffset="1800.842">1029-285 64 0,'-13'-13'27'16,"2"2"-1"-16,11 11-14 15,-17-13-13-15,17 13-12 16,0 0-12-16,0 0-6 16,0 0-1-16,17 8 6 15</inkml:trace>
+          <inkml:trace contextRef="#ctx0" brushRef="#br0" timeOffset="2373.212">1188-632 41 0,'4'39'21'0,"-4"7"-2"16,7 12-9-16,3 10-4 0,3 7 0 15,-2 3-1-15,4 0-2 16,-4-2 0-16,-1-10 1 15,-4-7 3-15,-3-15 2 16,-3-9 1 0,-3-17-1-16,0-6 1 0,3-12-1 15,0 0 1-15,-3-23-3 16,9 1-5-16,3-6-3 16,5 0 0-16,4 4 0 15,5-2-1-15,7 8 0 16,-2 6 0-16,3 9 1 15,-1 10 1-15,-2 9 0 16,-7 5 1-16,-4 5 0 0,-12 5 0 16,-9 1 0-16,-3-1 0 15,-13-1-1-15,0-3 1 16,-11-5-1-16,4-3 1 16,-2-7-1-16,6-5 1 15,0-7-1-15,7-6-7 16,16 6-9-16,-12-16-7 15,15 3-8-15,-3 13-4 16,25-23-1-16,-7 13 0 16,5-1 32-16</inkml:trace>
+          <inkml:trace contextRef="#ctx0" brushRef="#br0" timeOffset="2757.251">1650-81 53 0,'-10'15'31'0,"1"8"-1"16,-1 6-8-16,-1 3-8 16,9 6-2-16,2 1-4 15,5-2-4-15,2-2-4 16,2-13-1-16,5-10-1 15,1-10 0-15,2-10-1 16,-1-15 0-16,-1-7 1 0,0-5 0 16,0-1 2-16,-5 3 0 15,-2 2 3-15,0 8 0 16,-6 8 1 0,-2 15 0-16,0 0-1 0,3 22 1 15,-3 4-1-15,2 4 0 16,1 7-2-16,2-3-5 15,6 0-13-15,-1-6-7 16,4-8-10-16,-2-10-1 16,2-12-1-16,1-6 0 15</inkml:trace>
+          <inkml:trace contextRef="#ctx0" brushRef="#br0" timeOffset="3020.473">1891-609 104 0,'0'0'33'0,"0"0"-1"16,1 38-16-16,5 1-12 15,3 10-5-15,-1 17 1 16,2 9-1-16,-1 8 1 15,0 4 0-15,-1 3-12 0,-2-8-6 16,-2-7-5 0,-3-14-7-16,1-19-5 15,-4-14 0-15,2-28 2 16</inkml:trace>
+          <inkml:trace contextRef="#ctx0" brushRef="#br0" timeOffset="3433.07">1910-40 43 0,'19'-13'28'16,"-7"17"-4"-16,4 6-11 15,3-5-5-15,5 1-1 16,0-5-4-16,1-3-8 16,1-4-3-16,-3-8-1 15,0 2 0-15,-7-8 0 16,-1-1 4-16,-7 3 8 15,-5-3 7-15,-2 8 4 0,-9-2 2 16,8 15-1-16,-24-8 1 16,11 14-1-16,-2 5-2 15,1 6-8-15,4 6-5 16,4-2-1-16,4 7 1 16,5-2 1-16,8-3-1 15,3 0 0-15,3-4 1 16,3-1-1-16,1-3 0 15,-5 1-1-15,-1 1 1 16,-7 4-1-16,-8 1 1 16,-5 5 0-16,-9-1-1 15,-1-4-13-15,-2-1-9 16,2-3-10-16,0-9-3 0,15-9-1 16,-18-2-1-16,18 2 34 15</inkml:trace>
         </inkml:traceGroup>
       </inkml:traceGroup>
     </inkml:traceGroup>
@@ -601,15 +435,15 @@
               </emma:interpretation>
             </emma:emma>
           </inkml:annotationXML>
-          <inkml:trace contextRef="#ctx0" brushRef="#br1" timeOffset="7581.9008">194 1767 95 0,'0'0'32'16,"-21"-19"-3"-16,21 19-8 15,-18 12-6-15,14 10-2 16,-2-1-2-16,6 12-9 16,3 2-2-16,0 7 1 15,2 0-2-15,1-3-9 16,5 2-5-16,-1-9-4 0,1-4-6 16,-5-12-5-16,-6-16-3 15,13 6-1-15,-13-6 1 16,6-26 15-16</inkml:trace>
+          <inkml:trace contextRef="#ctx0" brushRef="#br1" timeOffset="7581.9">194 1767 95 0,'0'0'32'16,"-21"-19"-3"-16,21 19-8 15,-18 12-6-15,14 10-2 16,-2-1-2-16,6 12-9 16,3 2-2-16,0 7 1 15,2 0-2-15,1-3-9 16,5 2-5-16,-1-9-4 0,1-4-6 16,-5-12-5-16,-6-16-3 15,13 6-1-15,-13-6 1 16,6-26 15-16</inkml:trace>
           <inkml:trace contextRef="#ctx0" brushRef="#br1" timeOffset="7888.185">229 1739 68 0,'14'-19'20'15,"-14"19"0"-15,25-14-8 16,-5 5-5-16,1-3-2 15,3 1 0-15,4-2-2 0,0 4 0 16,0 2-1-16,-2 7-1 16,-5 7 0-16,-4 9 1 15,-3 13 0-15,-6 12 3 16,-6 2 4-16,-5 10-1 16,-4-2 1-16,3 4-1 15,-8-7 0-15,9 0-1 16,-2-12 0-16,5-9-5 15,10-6-15-15,-10-21-9 16,24 15-10-16,-6-16-3 16,4-4-1-16,-4-7 0 15,3 3-1-15</inkml:trace>
-          <inkml:trace contextRef="#ctx0" brushRef="#br1" timeOffset="8248.4129">646 2054 96 0,'-14'6'32'0,"14"-6"-2"15,0 0-8-15,0 0-8 16,-6 14-2-16,6-14-5 16,15-5-7-16,0-1 0 15,1-6 0-15,2-1 1 16,0-2-1-16,-2-2 1 15,-4-1-2-15,-2 0 1 0,-3 3 0 16,-7 0-1-16,0 15 1 16,0 0-1-16,-22-3 1 15,10 14-1-15,-1 7 1 16,2 7 0-16,1 4 1 16,2 5-1-16,6-3 1 15,7-2 0-15,4-4-2 16,10-4-13-16,2-13-5 15,5-8-10-15,4-9-5 16,0-8-1-16,-1-6-1 16,-5-5 0-16</inkml:trace>
-          <inkml:trace contextRef="#ctx0" brushRef="#br1" timeOffset="8437.5172">669 1647 126 0,'-15'-12'32'16,"15"12"-2"-16,-10-18-28 15,16 4-12-15,3 1-22 16,7 3-4-16,5 1-1 16,-1 6-1-16,6 0 2 15</inkml:trace>
-          <inkml:trace contextRef="#ctx0" brushRef="#br1" timeOffset="9013.0294">943 1440 61 0,'-2'29'27'16,"2"10"-1"-16,4 10-9 0,3 8-7 15,5 13-1-15,0-5 0 16,2 6-5-16,-1-7-3 16,-4-2-2-16,1-9 0 15,-6-10-2-15,-4-12 1 16,-4-14-1-16,4-17-2 16,-14 2-4-16,14-2-1 15,-17-29-3-15,9 5-4 16,-3 0 1-16,3-4 0 15,-1 1 2-15,-1 2 5 16,5 7 7-16,-5 3 4 16,10 15 3-16,-11-16 5 15,11 16 3-15,0 0 2 0,0 0 2 16,0 0 1-16,0 0-2 16,15 10-1-16,-3-10-1 15,3-4-2-15,4 1-1 16,-2-1-3-16,-1-4-5 15,8 5-18-15,-8 0-8 16,4 3-9-16,-4 3-3 16,-1 1-2-16,-4 1 1 15,-11-5 13-15</inkml:trace>
-          <inkml:trace contextRef="#ctx0" brushRef="#br1" timeOffset="9488.6353">1092 1418 50 0,'-8'22'23'0,"8"-4"-2"16,3 8-9-16,2 7-7 15,3 6 1-15,3 6-2 16,0 7 0-16,3 5-3 16,2 0-1-16,-3 0 1 0,-1-3-1 15,-1-10 0-15,0-5-1 16,-4-11 2-16,4-12-3 16,-11-16 2-16,0 0-1 15,19-14 1 1,-13-6-1-16,3-3 0 0,-1-3 0 15,0 3 1-15,0 1 0 16,-8 22 0-16,15-15 1 16,-15 15 1-16,13 16 0 15,-11 5 1-15,4 7 0 16,-4-2-1-16,4 6 1 16,-4-7-2-16,8-1 1 15,3-7-2-15,2-9-7 0,6-4-6 16,-2-8-7-16,8-4-7 15,-2-5-1-15,0-4-1 16,0 2 14 0</inkml:trace>
-          <inkml:trace contextRef="#ctx0" brushRef="#br1" timeOffset="10424.5667">1855 1938 67 0,'-15'8'27'16,"15"-8"-5"-16,-25 18-11 16,12-5-3-16,2 7-1 15,-3-2-3-15,6 5-1 16,1-1 0-16,4-4-1 16,4-1 0-16,-1-17 0 15,17 13-1-15,2-18-1 16,4-6 0-16,2-6-1 15,0-7 0-15,4-6-1 16,-3-4 0-16,-3-5-1 16,-3-5-2-16,-5-4 0 0,-3 2 0 15,-3-3 1-15,-5 1 0 16,-7 3 1-16,1 8 1 16,-6 12 3-1,-4 9 1-15,12 16 1 0,-21 6 0 16,9 17 1-16,2 15-1 15,2 11 0-15,3 1-1 16,5 5-1-16,5-1 0 16,0-6-5-16,6-5-5 15,2-8-6-15,0-11-7 16,2-9-6-16,-1-9 0 16,-2-3-1-16,-12-3 20 0</inkml:trace>
-          <inkml:trace contextRef="#ctx0" brushRef="#br1" timeOffset="10824.1654">2093 1982 76 0,'2'15'33'16,"-2"-15"-4"-16,0 0-9 0,19-6-4 16,-1-1-2-16,-2-6-2 15,2 1-5-15,1-5-3 16,-3 0-3-16,-4-4-1 16,1 2 1-16,-12 2-2 15,-5 4 2-15,4 13-2 16,-22-5 0-16,3 14-1 15,-2 6 1-15,1 4 0 16,3 10-1-16,3-2 2 16,3 1-1-16,5-5 1 15,12-3 1-15,4-5-3 16,6-8-14-16,10-1-7 16,-1-6-9-16,4-2-3 0,-2-5-2 15,2-1 0 1,-7-2 15-16</inkml:trace>
-          <inkml:trace contextRef="#ctx0" brushRef="#br1" timeOffset="11161.2071">2406 1846 115 0,'-20'-18'33'0,"20"18"1"16,-26-4-14-16,15 14-6 15,-3 2-15-15,2 5-1 16,3 1 1-16,3 2 0 16,3-1 2-16,6 1-3 15,0-7 3-15,-3-13 0 16,20 20 0-16,-7-14 0 16,3-3-1-16,1-1 1 0,1 2-2 15,-3-3 1-15,-3 5 0 16,-12-6-1-16,20 15 1 15,-20-15-1-15,0 26 1 16,-5-14 0-16,-4 2-6 16,-3-6-14-16,12-8-10 15,-21 11-6-15,21-11-1 16,-18-4-2-16,18 4-1 16</inkml:trace>
+          <inkml:trace contextRef="#ctx0" brushRef="#br1" timeOffset="8248.412">646 2054 96 0,'-14'6'32'0,"14"-6"-2"15,0 0-8-15,0 0-8 16,-6 14-2-16,6-14-5 16,15-5-7-16,0-1 0 15,1-6 0-15,2-1 1 16,0-2-1-16,-2-2 1 15,-4-1-2-15,-2 0 1 0,-3 3 0 16,-7 0-1-16,0 15 1 16,0 0-1-16,-22-3 1 15,10 14-1-15,-1 7 1 16,2 7 0-16,1 4 1 16,2 5-1-16,6-3 1 15,7-2 0-15,4-4-2 16,10-4-13-16,2-13-5 15,5-8-10-15,4-9-5 16,0-8-1-16,-1-6-1 16,-5-5 0-16</inkml:trace>
+          <inkml:trace contextRef="#ctx0" brushRef="#br1" timeOffset="8437.517">669 1647 126 0,'-15'-12'32'16,"15"12"-2"-16,-10-18-28 15,16 4-12-15,3 1-22 16,7 3-4-16,5 1-1 16,-1 6-1-16,6 0 2 15</inkml:trace>
+          <inkml:trace contextRef="#ctx0" brushRef="#br1" timeOffset="9013.029">943 1440 61 0,'-2'29'27'16,"2"10"-1"-16,4 10-9 0,3 8-7 15,5 13-1-15,0-5 0 16,2 6-5-16,-1-7-3 16,-4-2-2-16,1-9 0 15,-6-10-2-15,-4-12 1 16,-4-14-1-16,4-17-2 16,-14 2-4-16,14-2-1 15,-17-29-3-15,9 5-4 16,-3 0 1-16,3-4 0 15,-1 1 2-15,-1 2 5 16,5 7 7-16,-5 3 4 16,10 15 3-16,-11-16 5 15,11 16 3-15,0 0 2 0,0 0 2 16,0 0 1-16,0 0-2 16,15 10-1-16,-3-10-1 15,3-4-2-15,4 1-1 16,-2-1-3-16,-1-4-5 15,8 5-18-15,-8 0-8 16,4 3-9-16,-4 3-3 16,-1 1-2-16,-4 1 1 15,-11-5 13-15</inkml:trace>
+          <inkml:trace contextRef="#ctx0" brushRef="#br1" timeOffset="9488.635">1092 1418 50 0,'-8'22'23'0,"8"-4"-2"16,3 8-9-16,2 7-7 15,3 6 1-15,3 6-2 16,0 7 0-16,3 5-3 16,2 0-1-16,-3 0 1 0,-1-3-1 15,-1-10 0-15,0-5-1 16,-4-11 2-16,4-12-3 16,-11-16 2-16,0 0-1 15,19-14 1 1,-13-6-1-16,3-3 0 0,-1-3 0 15,0 3 1-15,0 1 0 16,-8 22 0-16,15-15 1 16,-15 15 1-16,13 16 0 15,-11 5 1-15,4 7 0 16,-4-2-1-16,4 6 1 16,-4-7-2-16,8-1 1 15,3-7-2-15,2-9-7 0,6-4-6 16,-2-8-7-16,8-4-7 15,-2-5-1-15,0-4-1 16,0 2 14 0</inkml:trace>
+          <inkml:trace contextRef="#ctx0" brushRef="#br1" timeOffset="10424.566">1855 1938 67 0,'-15'8'27'16,"15"-8"-5"-16,-25 18-11 16,12-5-3-16,2 7-1 15,-3-2-3-15,6 5-1 16,1-1 0-16,4-4-1 16,4-1 0-16,-1-17 0 15,17 13-1-15,2-18-1 16,4-6 0-16,2-6-1 15,0-7 0-15,4-6-1 16,-3-4 0-16,-3-5-1 16,-3-5-2-16,-5-4 0 0,-3 2 0 15,-3-3 1-15,-5 1 0 16,-7 3 1-16,1 8 1 16,-6 12 3-1,-4 9 1-15,12 16 1 0,-21 6 0 16,9 17 1-16,2 15-1 15,2 11 0-15,3 1-1 16,5 5-1-16,5-1 0 16,0-6-5-16,6-5-5 15,2-8-6-15,0-11-7 16,2-9-6-16,-1-9 0 16,-2-3-1-16,-12-3 20 0</inkml:trace>
+          <inkml:trace contextRef="#ctx0" brushRef="#br1" timeOffset="10824.165">2093 1982 76 0,'2'15'33'16,"-2"-15"-4"-16,0 0-9 0,19-6-4 16,-1-1-2-16,-2-6-2 15,2 1-5-15,1-5-3 16,-3 0-3-16,-4-4-1 16,1 2 1-16,-12 2-2 15,-5 4 2-15,4 13-2 16,-22-5 0-16,3 14-1 15,-2 6 1-15,1 4 0 16,3 10-1-16,3-2 2 16,3 1-1-16,5-5 1 15,12-3 1-15,4-5-3 16,6-8-14-16,10-1-7 16,-1-6-9-16,4-2-3 0,-2-5-2 15,2-1 0 1,-7-2 15-16</inkml:trace>
+          <inkml:trace contextRef="#ctx0" brushRef="#br1" timeOffset="11161.207">2406 1846 115 0,'-20'-18'33'0,"20"18"1"16,-26-4-14-16,15 14-6 15,-3 2-15-15,2 5-1 16,3 1 1-16,3 2 0 16,3-1 2-16,6 1-3 15,0-7 3-15,-3-13 0 16,20 20 0-16,-7-14 0 16,3-3-1-16,1-1 1 0,1 2-2 15,-3-3 1-15,-3 5 0 16,-12-6-1-16,20 15 1 15,-20-15-1-15,0 26 1 16,-5-14 0-16,-4 2-6 16,-3-6-14-16,12-8-10 15,-21 11-6-15,21-11-1 16,-18-4-2-16,18 4-1 16</inkml:trace>
           <inkml:trace contextRef="#ctx0" brushRef="#br1" timeOffset="17300.916">1490 1922 44 0,'0'0'24'0,"0"0"3"16,-20-9-4-16,20 9-3 15,-15-3-3-15,15 3-2 0,-12 4-2 16,12-4-1-16,-12 14-4 16,12-14-8-16,-2 25 0 15,2-9 1-15,7 3-1 16,3-4 1-16,6 3-1 16,7-3 0-16,3-5 0 15,2-4 0-15,4-13 0 16,0-4 0-16,-6-10 0 15,-3-7-1-15,-5-11 0 16,-10-1 2-16,-9-1-2 16,-10 7 0-16,-8 13-13 15,-10 6-4-15,-2 18-7 16,-8 13-8-16,3 11-4 0,6 10 0 16,6 5 0-16</inkml:trace>
         </inkml:traceGroup>
       </inkml:traceGroup>
@@ -618,7 +452,7 @@
 </inkml:ink>
 </file>
 
-<file path=ppt/ink/ink15.xml><?xml version="1.0" encoding="utf-8"?>
+<file path=ppt/ink/ink12.xml><?xml version="1.0" encoding="utf-8"?>
 <inkml:ink xmlns:inkml="http://www.w3.org/2003/InkML">
   <inkml:definitions>
     <inkml:context xml:id="ctx0">
@@ -678,15 +512,15 @@
             </emma:emma>
           </inkml:annotationXML>
           <inkml:trace contextRef="#ctx0" brushRef="#br0">1986-676 67 0,'-2'-15'25'15,"-6"0"-1"-15,8 15-5 16,-21-21-7-16,6 16-2 0,-6 4-1 16,-2 5-3-1,-6 3-4-15,-1 8-1 16,2 6-1-16,-1 4-1 16,5 4 0-16,3-1 0 0,7 1-1 15,3-3 2-15,15 0-1 16,4-10 1-16,5-5 0 15,7-7 0-15,1-6 0 16,2-7 0-16,2-5 1 16,2-2 0-16,-5-7-1 15,1 1 0-15,-1-1 1 16,-7 2-1-16,-5 4 1 16,-3 4 0-16,-7 13-1 15,0 0 1-15,0 0-1 16,-20 18 1-16,12 0 0 15,-3 11-1-15,4 4 1 16,-1 0-1-16,10 2-6 0,4-6-6 16,6-7-7-16,8-5-8 15,5-13-3-15,7-12 0 16,7-12-2-16,4-9 11 16</inkml:trace>
-          <inkml:trace contextRef="#ctx0" brushRef="#br0" timeOffset="428.0176">2364-993 78 0,'2'-13'34'15,"-2"13"-1"-15,4-19-6 16,-4 19-8-16,0 0-4 15,-9 19-2-15,0 2-7 0,-5 7-6 16,-2 10 0-16,-5 7 0 16,-4 9-1-16,-2 9 0 15,1 0 0-15,1-3 0 16,1-4-1-16,3-11-10 16,13-5-8-16,-1-16-6 15,9-24-7-15,0 0-2 16,16-3 0-16,-7-18-1 15,7-6 15-15</inkml:trace>
-          <inkml:trace contextRef="#ctx0" brushRef="#br0" timeOffset="1112.7838">2254-768 64 0,'-12'-7'34'15,"12"7"0"-15,0 0-8 16,12 1-8-16,-12-1-4 15,29 8-1-15,-10-6-4 16,7-1-12-16,5 5-17 16,-3-3-11-16,0 1-4 15,-1 1-1-15,-3 0-1 16,2 0-2-16</inkml:trace>
-          <inkml:trace contextRef="#ctx0" brushRef="#br0" timeOffset="904.2712">2538-1009 57 0,'0'0'22'0,"0"0"3"16,0 0 0-16,-17-8-4 15,17 8-3-15,0 0-3 16,-9 20-1-16,9-20-1 0,-12 32-4 16,5-9-4-16,-3 6-5 15,0 5 0-15,0 6 0 16,-6 0 0-16,1 3-1 15,-1 1 0-15,1-7 0 16,1-2 0-16,1-5 0 16,3 0-4-16,-3-11-7 15,6 1-5-15,7-20-3 16,-14 19-5-16,14-19-5 0,0 0-4 16,0 0-1-1,-11-11 4-15,7-2 22 16</inkml:trace>
-          <inkml:trace contextRef="#ctx0" brushRef="#br0" timeOffset="1632.5185">2635-721 43 0,'0'0'16'0,"-3"-14"0"15,3 14-3-15,0 0-3 16,0 0-1-16,-5 16 0 16,5-4 1-16,-3 6 4 15,0 6 0-15,-2 4-1 0,3 1-1 16,-3-1-1-16,2 1-1 16,-4-4-3-16,8-4-2 15,-3-9-4 1,2-12-1-16,0 0 1 0,10-17 0 15,-4-4 0-15,6-5 0 16,-1-3-4-16,2-1-9 16,5 2-5-16,-5 1-4 15,3 7-7-15,0 5-6 16,-3 6-2-16,1 7-1 16,0 5 9-16</inkml:trace>
-          <inkml:trace contextRef="#ctx0" brushRef="#br0" timeOffset="1888.9921">2929-707 114 0,'0'0'34'15,"-13"-2"-4"-15,13 2-11 16,-13 21-6-16,2-1-8 15,3 4-5-15,0 4-1 16,3 1 1-16,0-1-4 16,0-5-10-16,6 1-5 15,-2-11-7-15,1-13-7 16,11 15-1-16,-11-15-1 16,12-3-1-16,-12 3 24 15</inkml:trace>
-          <inkml:trace contextRef="#ctx0" brushRef="#br0" timeOffset="2060.1702">2993-921 112 0,'-4'-14'34'0,"4"14"-10"15,0-17-23-15,0 17-16 16,0 0-13-16,0 0-6 15,11 17-2-15,-11-17-1 16</inkml:trace>
+          <inkml:trace contextRef="#ctx0" brushRef="#br0" timeOffset="428.017">2364-993 78 0,'2'-13'34'15,"-2"13"-1"-15,4-19-6 16,-4 19-8-16,0 0-4 15,-9 19-2-15,0 2-7 0,-5 7-6 16,-2 10 0-16,-5 7 0 16,-4 9-1-16,-2 9 0 15,1 0 0-15,1-3 0 16,1-4-1-16,3-11-10 16,13-5-8-16,-1-16-6 15,9-24-7-15,0 0-2 16,16-3 0-16,-7-18-1 15,7-6 15-15</inkml:trace>
+          <inkml:trace contextRef="#ctx0" brushRef="#br0" timeOffset="1112.783">2254-768 64 0,'-12'-7'34'15,"12"7"0"-15,0 0-8 16,12 1-8-16,-12-1-4 15,29 8-1-15,-10-6-4 16,7-1-12-16,5 5-17 16,-3-3-11-16,0 1-4 15,-1 1-1-15,-3 0-1 16,2 0-2-16</inkml:trace>
+          <inkml:trace contextRef="#ctx0" brushRef="#br0" timeOffset="904.271">2538-1009 57 0,'0'0'22'0,"0"0"3"16,0 0 0-16,-17-8-4 15,17 8-3-15,0 0-3 16,-9 20-1-16,9-20-1 0,-12 32-4 16,5-9-4-16,-3 6-5 15,0 5 0-15,0 6 0 16,-6 0 0-16,1 3-1 15,-1 1 0-15,1-7 0 16,1-2 0-16,1-5 0 16,3 0-4-16,-3-11-7 15,6 1-5-15,7-20-3 16,-14 19-5-16,14-19-5 0,0 0-4 16,0 0-1-1,-11-11 4-15,7-2 22 16</inkml:trace>
+          <inkml:trace contextRef="#ctx0" brushRef="#br0" timeOffset="1632.518">2635-721 43 0,'0'0'16'0,"-3"-14"0"15,3 14-3-15,0 0-3 16,0 0-1-16,-5 16 0 16,5-4 1-16,-3 6 4 15,0 6 0-15,-2 4-1 0,3 1-1 16,-3-1-1-16,2 1-1 16,-4-4-3-16,8-4-2 15,-3-9-4 1,2-12-1-16,0 0 1 0,10-17 0 15,-4-4 0-15,6-5 0 16,-1-3-4-16,2-1-9 16,5 2-5-16,-5 1-4 15,3 7-7-15,0 5-6 16,-3 6-2-16,1 7-1 16,0 5 9-16</inkml:trace>
+          <inkml:trace contextRef="#ctx0" brushRef="#br0" timeOffset="1888.992">2929-707 114 0,'0'0'34'15,"-13"-2"-4"-15,13 2-11 16,-13 21-6-16,2-1-8 15,3 4-5-15,0 4-1 16,3 1 1-16,0-1-4 16,0-5-10-16,6 1-5 15,-2-11-7-15,1-13-7 16,11 15-1-16,-11-15-1 16,12-3-1-16,-12 3 24 15</inkml:trace>
+          <inkml:trace contextRef="#ctx0" brushRef="#br0" timeOffset="2060.17">2993-921 112 0,'-4'-14'34'0,"4"14"-10"15,0-17-23-15,0 17-16 16,0 0-13-16,0 0-6 15,11 17-2-15,-11-17-1 16</inkml:trace>
           <inkml:trace contextRef="#ctx0" brushRef="#br0" timeOffset="2564.411">3264-1257 69 0,'0'0'24'16,"0"0"-3"-16,0 15-9 15,-3 17-7-15,-2 10 0 16,-1 11-2-16,-3 6-1 16,-2 6-1-16,0-2 4 15,2 3 4-15,-3-9 1 0,2-5-1 16,-4-11 0-16,3-11 1 15,-2-12 0-15,13-18 0 16,-16 9-5-16,16-9-4 16,-7-16-1-16,7 4 1 15,4-4 0-15,7 3-3 16,4 0-1-16,2 3-3 16,8 5 0-16,2 2-1 15,6 3 0-15,-2 4 1 16,1 5 0-16,-2 2 3 15,-10 2 7-15,-4 4 1 16,-10-1 0-16,-6-4 2 16,-11 3-1-16,-2-3 0 0,-13-2-1 15,0-4-1-15,-4-2-4 16,4-3 1-16,2-2-1 16,5-1 1-16,6 0-14 15,13 2-7-15,-7-13-9 16,7 13-6-16,20-5 0 15,-2 4-2-15,6-1 0 16</inkml:trace>
-          <inkml:trace contextRef="#ctx0" brushRef="#br0" timeOffset="3020.0318">3618-774 134 0,'0'0'35'0,"2"-15"-6"16,-2 15-14 0,0 0-6-16,-15 14-9 0,2 1 1 15,-1 6-1-15,-1 3 0 16,0 2 0-16,4 0-1 16,0-3 0-16,2-5 1 15,9-4 0-15,0-14-1 16,15 11 1-16,2-17 0 15,4-7 1-15,3 0 0 16,0-4 0-16,2 0 0 16,-3-2 0-16,3-2-4 0,-5 3 0 15,-6 1 0 1,-2 2-1-16,-5 2 0 16,-8 13 0-16,4-15 0 15,-4 15 1-15,0 0 3 0,0 0 2 16,-12 18 1-16,6-2 0 15,2 3 0-15,-1 3 1 16,5 1-1-16,2-3-1 16,5 3 1-16,-1-4-5 15,2-6-14-15,5-2-6 16,-13-11-8-16,26 0-4 16,-15-9-1-16,4-1 0 15,-2-8-1-15</inkml:trace>
-          <inkml:trace contextRef="#ctx0" brushRef="#br0" timeOffset="3359.782">4020-1099 55 0,'0'0'29'15,"0"0"-3"-15,0 0-2 16,0 33-7-16,0 1-3 15,-2 7-1-15,-3 8-2 16,-3 5-2-16,1 3-5 16,-7-5 1-16,7-2-4 15,-2-12 0-15,1-5 0 16,-2-15 0-16,10-18 1 16,0 0 0-16,0 0 0 15,8-32 0-15,2 7 0 0,6-2-2 16,5 1 1-16,0 1-1 15,3 4 0-15,2 4 0 16,-3 7-17-16,4 4-12 16,-7 7-8-16,-2 4-1 15,-5 3-2-15,-8 4-1 16</inkml:trace>
+          <inkml:trace contextRef="#ctx0" brushRef="#br0" timeOffset="3020.031">3618-774 134 0,'0'0'35'0,"2"-15"-6"16,-2 15-14 0,0 0-6-16,-15 14-9 0,2 1 1 15,-1 6-1-15,-1 3 0 16,0 2 0-16,4 0-1 16,0-3 0-16,2-5 1 15,9-4 0-15,0-14-1 16,15 11 1-16,2-17 0 15,4-7 1-15,3 0 0 16,0-4 0-16,2 0 0 16,-3-2 0-16,3-2-4 0,-5 3 0 15,-6 1 0 1,-2 2-1-16,-5 2 0 16,-8 13 0-16,4-15 0 15,-4 15 1-15,0 0 3 0,0 0 2 16,-12 18 1-16,6-2 0 15,2 3 0-15,-1 3 1 16,5 1-1-16,2-3-1 16,5 3 1-16,-1-4-5 15,2-6-14-15,5-2-6 16,-13-11-8-16,26 0-4 16,-15-9-1-16,4-1 0 15,-2-8-1-15</inkml:trace>
+          <inkml:trace contextRef="#ctx0" brushRef="#br0" timeOffset="3359.781">4020-1099 55 0,'0'0'29'15,"0"0"-3"-15,0 0-2 16,0 33-7-16,0 1-3 15,-2 7-1-15,-3 8-2 16,-3 5-2-16,1 3-5 16,-7-5 1-16,7-2-4 15,-2-12 0-15,1-5 0 16,-2-15 0-16,10-18 1 16,0 0 0-16,0 0 0 15,8-32 0-15,2 7 0 0,6-2-2 16,5 1 1-16,0 1-1 15,3 4 0-15,2 4 0 16,-3 7-17-16,4 4-12 16,-7 7-8-16,-2 4-1 15,-5 3-2-15,-8 4-1 16</inkml:trace>
         </inkml:traceGroup>
       </inkml:traceGroup>
     </inkml:traceGroup>
@@ -714,14 +548,14 @@
               </emma:interpretation>
             </emma:emma>
           </inkml:annotationXML>
-          <inkml:trace contextRef="#ctx0" brushRef="#br0" timeOffset="4728.2842">2050-45 43 0,'0'0'25'16,"0"-16"1"-16,0 16-2 16,0 0-4-16,-12 29-4 0,8 0-1 15,-1 7-3-15,-1 8-2 16,-3 7-2-16,-1 6-2 15,-2 6-4-15,-2 1-1 16,-2-4-1-16,1-3 1 16,1-9-1-16,1-6 1 15,2-12 0-15,4-8-1 16,7-22 1-16,0 0 0 0,0 0-1 16,18-10 1-16,-8-10 0 15,7-7 0 1,4-1-1-16,-2 1-1 15,2 0 0-15,0 5 0 0,-3 7 1 16,-5 4-1-16,2 9 1 16,-15 2-1-16,16 18 1 15,-7-2 1-15,-5 2-1 16,3 1 1-16,3-4-1 16,7 1 1-16,3-9-1 15,0-4 1-15,5-8 0 16,4-4 0-16,-2-8-1 15,-2-1-1-15,0-4 2 16,-4-3-2-16,-5 2 0 16,-11 2-1-16,-4 9 1 15,-1 12 0-15,-19-7 2 16,1 13 0-16,-3 10-1 0,-3 7 1 16,4 3-1-16,6 2 1 15,4 0-1-15,7-2 1 16,8-4-1-16,6-5-13 15,15-6-7-15,-4-9-6 16,7-10-5-16,1-2-3 16,1-11-1-16,-2-6-2 15,-1-5 18-15</inkml:trace>
-          <inkml:trace contextRef="#ctx0" brushRef="#br0" timeOffset="4877.4472">2356 67 135 0,'-15'-19'35'16,"10"4"-7"-16,1 0-15 16,5 0-28-16,12 3-13 15,5-1-6-15,4 5-2 16,-2-1 0-16,2 3-2 16</inkml:trace>
+          <inkml:trace contextRef="#ctx0" brushRef="#br0" timeOffset="4728.284">2050-45 43 0,'0'0'25'16,"0"-16"1"-16,0 16-2 16,0 0-4-16,-12 29-4 0,8 0-1 15,-1 7-3-15,-1 8-2 16,-3 7-2-16,-1 6-2 15,-2 6-4-15,-2 1-1 16,-2-4-1-16,1-3 1 16,1-9-1-16,1-6 1 15,2-12 0-15,4-8-1 16,7-22 1-16,0 0 0 0,0 0-1 16,18-10 1-16,-8-10 0 15,7-7 0 1,4-1-1-16,-2 1-1 15,2 0 0-15,0 5 0 0,-3 7 1 16,-5 4-1-16,2 9 1 16,-15 2-1-16,16 18 1 15,-7-2 1-15,-5 2-1 16,3 1 1-16,3-4-1 16,7 1 1-16,3-9-1 15,0-4 1-15,5-8 0 16,4-4 0-16,-2-8-1 15,-2-1-1-15,0-4 2 16,-4-3-2-16,-5 2 0 16,-11 2-1-16,-4 9 1 15,-1 12 0-15,-19-7 2 16,1 13 0-16,-3 10-1 0,-3 7 1 16,4 3-1-16,6 2 1 15,4 0-1-15,7-2 1 16,8-4-1-16,6-5-13 15,15-6-7-15,-4-9-6 16,7-10-5-16,1-2-3 16,1-11-1-16,-2-6-2 15,-1-5 18-15</inkml:trace>
+          <inkml:trace contextRef="#ctx0" brushRef="#br0" timeOffset="4877.447">2356 67 135 0,'-15'-19'35'16,"10"4"-7"-16,1 0-15 16,5 0-28-16,12 3-13 15,5-1-6-15,4 5-2 16,-2-1 0-16,2 3-2 16</inkml:trace>
           <inkml:trace contextRef="#ctx0" brushRef="#br0" timeOffset="5492.163">2542 295 39 0,'1'-13'17'0,"-1"13"2"16,0 0 2-16,0 0 0 15,0 0-2-15,0 15-3 16,1 0-1-16,-2 4 0 15,4 4-2-15,-6 4-4 16,3 0-3-16,0-1-5 16,0-1 0-16,-1-4 0 15,2-3-1-15,-1-18 1 16,1 12 0-16,-1-12 0 16,9-12 0-16,-3-6 0 15,3-7-1-15,3-4 1 16,-2-1-1-16,4-3 0 0,1 4-2 15,3 7-7-15,-6-1-7 16,7 13-2-16,-7 8-7 16,2 4-7-16,-2 8-4 15,-2 4 0-15,0 6 1 16,-3-2 26-16</inkml:trace>
-          <inkml:trace contextRef="#ctx0" brushRef="#br0" timeOffset="5721.0863">2806 360 121 0,'0'0'34'0,"-18"18"-6"0,6-4-12 16,2 7-3-16,3 1-12 16,0 2 0-16,4 0-1 15,0-6-10-15,11 1-8 16,-8-19-6-16,19 11-6 15,-4-15-4-15,-1-7 0 16,3-6 0-16,-1-9 5 16</inkml:trace>
-          <inkml:trace contextRef="#ctx0" brushRef="#br0" timeOffset="5860.3285">2897 121 100 0,'1'-16'29'0,"-1"16"-15"16,0 0-18-16,0 0-11 16,18-5-10-16,-18 5-7 15,18 6-2-15,-18-6 2 16</inkml:trace>
-          <inkml:trace contextRef="#ctx0" brushRef="#br0" timeOffset="6371.6612">3112-169 81 0,'0'0'35'0,"0"0"-4"0,0 0-7 16,1 21-7-16,-2 10-3 16,1 13-3-16,-6 11-7 15,-1 11-5 1,2 6 1-16,-7 1 0 0,2 0-1 15,-3-6 1-15,-3-8-1 16,3-10 1-16,0-16 0 16,3-8 1-16,2-12-1 15,8-13 1-15,0 0 0 16,0 0-1-16,0 0 1 16,15-10 0-16,1-1 0 15,4 0 0-15,2-2 0 16,6-5-1-16,3 4 1 0,3-5-2 15,-7 1 2-15,7-2-1 16,-9 1-1-16,-2-1 1 16,-7 2-1-1,-6 4 0-15,-6 2 0 0,-4 12 1 16,-17-6-1-16,-1 12 0 16,-1 6 1-16,-3 9 0 15,0 3 0-15,4 6 0 16,7 2 0-16,6 1 1 15,7-2-1-15,7-2 1 16,9-5-1-16,4-7-5 16,7-6-15-16,-2-9-8 0,-1-5-7 15,1-6-2-15,-4-5-1 16,-6-4 0 0</inkml:trace>
-          <inkml:trace contextRef="#ctx0" brushRef="#br0" timeOffset="6569.9896">3357 84 133 0,'0'0'36'0,"9"-24"-6"16,6 12-14-16,-2-3-11 15,5-3-22-15,8 2-10 16,-3-1-4-16,0 2-2 0,-3 0 0 15,-2 2-2 1,-5 5 1-16</inkml:trace>
-          <inkml:trace contextRef="#ctx0" brushRef="#br0" timeOffset="6896.7125">3156 66 141 0,'0'0'31'0,"1"-13"-3"16,-1 13-12-16,26 4-11 15,-8 0-6-15,7 4-22 16,0-2-12-16,4-1-2 16,1-3-3-16,-4-6-1 15,3 1-2-15</inkml:trace>
+          <inkml:trace contextRef="#ctx0" brushRef="#br0" timeOffset="5721.086">2806 360 121 0,'0'0'34'0,"-18"18"-6"0,6-4-12 16,2 7-3-16,3 1-12 16,0 2 0-16,4 0-1 15,0-6-10-15,11 1-8 16,-8-19-6-16,19 11-6 15,-4-15-4-15,-1-7 0 16,3-6 0-16,-1-9 5 16</inkml:trace>
+          <inkml:trace contextRef="#ctx0" brushRef="#br0" timeOffset="5860.328">2897 121 100 0,'1'-16'29'0,"-1"16"-15"16,0 0-18-16,0 0-11 16,18-5-10-16,-18 5-7 15,18 6-2-15,-18-6 2 16</inkml:trace>
+          <inkml:trace contextRef="#ctx0" brushRef="#br0" timeOffset="6371.661">3112-169 81 0,'0'0'35'0,"0"0"-4"0,0 0-7 16,1 21-7-16,-2 10-3 16,1 13-3-16,-6 11-7 15,-1 11-5 1,2 6 1-16,-7 1 0 0,2 0-1 15,-3-6 1-15,-3-8-1 16,3-10 1-16,0-16 0 16,3-8 1-16,2-12-1 15,8-13 1-15,0 0 0 16,0 0-1-16,0 0 1 16,15-10 0-16,1-1 0 15,4 0 0-15,2-2 0 16,6-5-1-16,3 4 1 0,3-5-2 15,-7 1 2-15,7-2-1 16,-9 1-1-16,-2-1 1 16,-7 2-1-1,-6 4 0-15,-6 2 0 0,-4 12 1 16,-17-6-1-16,-1 12 0 16,-1 6 1-16,-3 9 0 15,0 3 0-15,4 6 0 16,7 2 0-16,6 1 1 15,7-2-1-15,7-2 1 16,9-5-1-16,4-7-5 16,7-6-15-16,-2-9-8 0,-1-5-7 15,1-6-2-15,-4-5-1 16,-6-4 0 0</inkml:trace>
+          <inkml:trace contextRef="#ctx0" brushRef="#br0" timeOffset="6569.989">3357 84 133 0,'0'0'36'0,"9"-24"-6"16,6 12-14-16,-2-3-11 15,5-3-22-15,8 2-10 16,-3-1-4-16,0 2-2 0,-3 0 0 15,-2 2-2 1,-5 5 1-16</inkml:trace>
+          <inkml:trace contextRef="#ctx0" brushRef="#br0" timeOffset="6896.712">3156 66 141 0,'0'0'31'0,"1"-13"-3"16,-1 13-12-16,26 4-11 15,-8 0-6-15,7 4-22 16,0-2-12-16,4-1-2 16,1-3-3-16,-4-6-1 15,3 1-2-15</inkml:trace>
         </inkml:traceGroup>
       </inkml:traceGroup>
     </inkml:traceGroup>
@@ -729,7 +563,7 @@
 </inkml:ink>
 </file>
 
-<file path=ppt/ink/ink16.xml><?xml version="1.0" encoding="utf-8"?>
+<file path=ppt/ink/ink13.xml><?xml version="1.0" encoding="utf-8"?>
 <inkml:ink xmlns:inkml="http://www.w3.org/2003/InkML">
   <inkml:definitions>
     <inkml:context xml:id="ctx0">
@@ -772,7 +606,7 @@
 </inkml:ink>
 </file>
 
-<file path=ppt/ink/ink17.xml><?xml version="1.0" encoding="utf-8"?>
+<file path=ppt/ink/ink14.xml><?xml version="1.0" encoding="utf-8"?>
 <inkml:ink xmlns:inkml="http://www.w3.org/2003/InkML">
   <inkml:definitions>
     <inkml:context xml:id="ctx0">
@@ -814,7 +648,7 @@
 </inkml:ink>
 </file>
 
-<file path=ppt/ink/ink18.xml><?xml version="1.0" encoding="utf-8"?>
+<file path=ppt/ink/ink15.xml><?xml version="1.0" encoding="utf-8"?>
 <inkml:ink xmlns:inkml="http://www.w3.org/2003/InkML">
   <inkml:definitions>
     <inkml:context xml:id="ctx0">
@@ -856,7 +690,7 @@
 </inkml:ink>
 </file>
 
-<file path=ppt/ink/ink19.xml><?xml version="1.0" encoding="utf-8"?>
+<file path=ppt/ink/ink16.xml><?xml version="1.0" encoding="utf-8"?>
 <inkml:ink xmlns:inkml="http://www.w3.org/2003/InkML">
   <inkml:definitions>
     <inkml:context xml:id="ctx0">
@@ -894,49 +728,7 @@
 </inkml:ink>
 </file>
 
-<file path=ppt/ink/ink2.xml><?xml version="1.0" encoding="utf-8"?>
-<inkml:ink xmlns:inkml="http://www.w3.org/2003/InkML">
-  <inkml:definitions>
-    <inkml:context xml:id="ctx0">
-      <inkml:inkSource xml:id="inkSrc0">
-        <inkml:traceFormat>
-          <inkml:channel name="X" type="integer" max="25740" units="cm"/>
-          <inkml:channel name="Y" type="integer" max="14520" units="cm"/>
-          <inkml:channel name="F" type="integer" max="255" units="dev"/>
-          <inkml:channel name="T" type="integer" max="2.14748E9" units="dev"/>
-        </inkml:traceFormat>
-        <inkml:channelProperties>
-          <inkml:channelProperty channel="X" name="resolution" value="1000" units="1/cm"/>
-          <inkml:channelProperty channel="Y" name="resolution" value="1000" units="1/cm"/>
-          <inkml:channelProperty channel="F" name="resolution" value="0" units="1/dev"/>
-          <inkml:channelProperty channel="T" name="resolution" value="1" units="1/dev"/>
-        </inkml:channelProperties>
-      </inkml:inkSource>
-      <inkml:timestamp xml:id="ts0" timeString="2014-05-27T06:19:58.225"/>
-    </inkml:context>
-    <inkml:brush xml:id="br0">
-      <inkml:brushProperty name="width" value="0.07" units="cm"/>
-      <inkml:brushProperty name="height" value="0.07" units="cm"/>
-      <inkml:brushProperty name="fitToCurve" value="1"/>
-    </inkml:brush>
-  </inkml:definitions>
-  <inkml:traceGroup>
-    <inkml:annotationXML>
-      <emma:emma xmlns:emma="http://www.w3.org/2003/04/emma" version="1.0">
-        <emma:interpretation id="{ABDB330D-9D73-482F-88A6-486B2464D722}" emma:medium="tactile" emma:mode="ink">
-          <msink:context xmlns:msink="http://schemas.microsoft.com/ink/2010/main" type="inkDrawing" rotatedBoundingBox="14329,6796 14392,4785 15095,4807 15032,6818" semanticType="callout" shapeName="Other">
-            <msink:sourceLink direction="to" ref="{9A219162-6096-4191-B2A4-FE053699D232}"/>
-          </msink:context>
-        </emma:interpretation>
-      </emma:emma>
-    </inkml:annotationXML>
-    <inkml:trace contextRef="#ctx0" brushRef="#br0">-65 1418 28 0,'-3'-25'21'0,"2"8"-1"15,1-4-9-15,-6-7 0 16,6-7 1-16,-2-7-1 16,4-3-1-16,-1-8 0 15,4 1 1-15,-2-9-1 16,0-1 1-16,0-1-4 15,5 5 0-15,-7-1 0 0,4 5-3 16,-4-1-1-16,2 2-1 16,-1 4-1-16,1 8 1 15,-3-1-2-15,1 5 1 16,1 5 0-16,-1-1-1 16,1 8 1-16,1 0-1 15,-3 4 0-15,1-1 1 16,1 1-1-16,-2 1 1 15,2-2-1-15,-1 1 0 16,-1-4 1-16,3 3-1 16,0 0 1-16,0 1-1 15,-4 2 1-15,1 1-1 16,0 5 0-16,0 13 1 0,-5-18-1 16,5 18 0-16,-4-13 0 15,4 13 0-15,0 0 0 16,-4-18 0-1,4 18 0-15,0-16 0 0,0 16 1 16,5-18-1-16,-5 18 0 16,0 0 0-16,6-16 0 15,-6 16 0-15,0 0 0 16,0 0-1-16,0 0 2 16,0 0-2-16,0 0 1 15,0 0 0-15,-15 6 1 16,15-6-1-16,0 0-4 15,0 0-7-15,0 0-6 0,0 0-4 16,-9-13-8-16,9 13-5 16,0 0-1-16,0 0-2 15,-14 23 17 1</inkml:trace>
-    <inkml:trace contextRef="#ctx0" brushRef="#br0" timeOffset="648.444">-274 243 51 0,'0'0'23'0,"-6"14"-1"0,6-14-8 16,0 0-3-16,0 0 0 16,26-27-1-16,-12 0-2 15,7 0-2-15,2-9-1 16,3-1 1-16,3-3 2 16,-1 5-1-16,-1 0-1 15,-1 6 0-15,-3 7-1 16,-8 7 0-16,0 3-1 15,-15 12-2-15,18-4-2 16,-18 4-1-16,5 13 0 16,-5-13 1-16,2 26-1 15,1-10 1-15,1 6-1 16,-1 3 1-16,5 5-1 0,3 1 1 16,2 4-1-16,2 2 1 15,1-1 0-15,2 0-1 16,2-2 1-16,-3-5 0 15,1-3-1-15,-3-7 1 16,-3-6 0-16,-12-13 0 16,16 15 0-16,-16-15 0 15,0 0 0-15,0 0 0 16,-26-6 0-16,2 0 0 16,-9 2 0-16,-9-1 0 15,-7 1 0-15,-1-2-1 16,-5 3 2-16,3 2-2 0,3-4 1 15,5 4 0-15,7-4 0 16,10 2 0-16,7 3-9 16,6-3-10-16,14 3-9 15,0 0-5-15,0 0-1 16,-6 17-2-16,15-4 0 16</inkml:trace>
-  </inkml:traceGroup>
-</inkml:ink>
-</file>
-
-<file path=ppt/ink/ink20.xml><?xml version="1.0" encoding="utf-8"?>
+<file path=ppt/ink/ink17.xml><?xml version="1.0" encoding="utf-8"?>
 <inkml:ink xmlns:inkml="http://www.w3.org/2003/InkML">
   <inkml:definitions>
     <inkml:context xml:id="ctx0">
@@ -996,9 +788,9 @@
             </emma:emma>
           </inkml:annotationXML>
           <inkml:trace contextRef="#ctx0" brushRef="#br0">14824 5829 104 0,'0'0'35'0,"-7"-17"0"0,7 17-5 16,0 0-11-1,-10 17-5-15,3 3-1 16,3 9-8-16,-3 11-5 16,-2 5 0-16,3 7 0 0,-1-1 0 15,0-1 0-15,3-4 0 16,1-10 0-16,1-10 0 16,7-10-13-16,-5-16-2 15,0 0-2-15,16-26-2 16,-6-3-3-16,-6-15 0 15,6 1 0-15,-6-11 10 16,2-1 10-16,-1-4 4 16,0 9 4-16,-2 3 6 15,-1 4 7-15,2 15 2 16,-4 4 0-16,0 24-3 16,14-12-4-16,-14 12-2 15,24 1-3-15,-5 1-4 0,5-5-4 16,3-3-2-16,3 0 1 15,2-2 0-15,-1 2 0 16,-4 8 1-16,-1 8-1 16,-8 13 1-16,-5 10 0 15,-8 14 0-15,-5 7 0 16,-5 7-1-16,-5 3 0 16,0-4 0-16,0-1 0 15,4-11 0-15,1-8 0 16,7-9 0-16,1-10 0 15,-3-21 0-15,27 13 0 16,-7-14 0-16,5-9-1 16,2 2 1-16,1-3-1 0,-1-4 1 15,2-2 0-15,-4-1 0 16,-3 0-1-16,-4 0 1 16,-5 0 0-16,-6 2-1 15,-6 3 1-15,-1 13 1 16,-14-11-1-16,-1 15 0 15,-3 7 0-15,-1 5 0 16,1 5 1-16,2 5 0 16,6 0-1-16,10 0 0 15,7-1 1-15,10-8-1 16,12 1-14-16,-1-11-9 16,14-3-10-16,-6-8-3 15,7-3-2-15,-9-9-1 0,0 0-1 16</inkml:trace>
-          <inkml:trace contextRef="#ctx0" brushRef="#br0" timeOffset="197.4344">15402 5880 150 0,'0'0'37'0,"-11"-22"-4"15,11 22-13-15,4-18-22 16,0 4-14-16,9 4-16 0,-4-2-3 16,6 4-3-16,-2-2 0 15,5 3-2 1</inkml:trace>
+          <inkml:trace contextRef="#ctx0" brushRef="#br0" timeOffset="197.434">15402 5880 150 0,'0'0'37'0,"-11"-22"-4"15,11 22-13-15,4-18-22 16,0 4-14-16,9 4-16 0,-4-2-3 16,6 4-3-16,-2-2 0 15,5 3-2 1</inkml:trace>
           <inkml:trace contextRef="#ctx0" brushRef="#br0" timeOffset="1359.759">15637 5624 117 0,'-9'20'36'16,"1"15"-1"-16,-2 5-7 15,5 15-14-15,0 3-1 16,5 8-2-16,-3 2-10 15,1-4-1-15,2-5 0 16,0-8 0-16,5-12 0 16,-5-12 0-16,-3-12 0 15,3-15 0-15,0 0 0 16,-13-13 0-16,5-3-1 16,1-8-1-16,-1 0 2 0,0 0 0 15,7-2-1-15,-1 3 0 16,3 5 1-16,1 3 0 15,6 2 0-15,-8 13 0 16,23-10 0-16,-6 7 0 16,2 2 0-16,7-1 0 15,-3-5 0-15,6-4 0 16,1-5 1-16,-1-5-1 16,-3-7 0-16,-1-4 0 15,-2-6-1-15,-7-4 1 16,-8 2 0-16,-5 3 0 15,-4 4-1-15,-6 5 1 16,-6 7 1-16,0 10-1 0,-4 15 1 16,0 10 0-16,4 15 0 15,3 12 0-15,1 13 0 16,4 10-1-16,3 7 0 16,5 2 0-16,1-1 0 15,2-6 0-15,4-10 0 16,-1-12 0-16,3-16 0 15,-1-16 0-15,-11-12 0 16,22-17-1-16,-10-4 0 16,0-12 1-16,-3 0-1 15,3-3 1-15,-3 7-5 16,-2 2-9-16,6 12-1 16,-13 15-2-16,15-3-3 0,-15 3 0 15,16 24 1-15,-7-8-1 16,8 2 7-16,-1 2 10 15,4-4 4-15,1-6 2 16,-2-4 4-16,4-6 1 16,-5-6 3-16,1 1 8 15,-6-8-2-15,2 3-1 16,-10-2-1-16,-5 12-2 16,5-18 0-16,-5 18 0 15,0 0-4-15,-20-8-9 16,8 14 1-16,-2 3 0 15,-2 5-1-15,3 2 1 0,5 4-1 16,2 1 0-16,6 3 0 16,6-4 0-1,7 1 0-15,7-5 0 16,4-8 0-16,3-7 0 0,4-7-1 16,0-2 1-16,-2-10 0 15,-6-1-1-15,-5-6 1 16,-10 1 0-16,-10 4 0 15,-9 2 0-15,-12 5 0 16,-4 6 0-16,-7 6 1 16,-2 2 0-16,2 5-2 15,4-4-14-15,12 5-10 16,6-4-9-16,12-3-2 0,15 1-1 16,10-1-2-1,6-2-2-15</inkml:trace>
-          <inkml:trace contextRef="#ctx0" brushRef="#br0" timeOffset="2191.4649">16482 6158 145 0,'0'0'34'0,"-7"-14"-2"16,7 14-7-16,0 0-13 15,-14-15-7-15,14 15-5 16,-10-9 1-16,10 9-1 16,-20-4 0-16,9 8 0 15,-3 1 0-15,1 6 1 16,1 4-1-16,-1 1 0 15,2 3 0-15,4 1 0 0,6-2 0 16,2-3 0-16,12-2 0 16,5-7 0-16,7-7 0 15,8-8-1-15,6-5 1 16,6-9-1-16,0-9 0 16,2-7 1-16,-6-4 0 15,0-3 0-15,-14-1 0 16,-6 1 0-16,-8 7 0 15,-13 8 0-15,-10 12 1 16,-5 12 0-16,-6 10-1 16,-3 14 0-16,-2 12 0 15,1 8 0-15,3 8 0 16,6 4 0-16,6-1 1 0,10 1-2 16,6-6 1-16,9-9 0 15,9-7 1-15,4-12-2 16,7-8 1-16,1-8 0 15,0-10-1-15,-1-6 0 16,-3-5 1-16,-6 0 0 16,-9-2-1-16,-7 3 0 15,-8 3 1-15,-7 5 0 16,5 13 0-16,-26-5 1 16,6 14 0-16,1 4-1 15,2 5 0-15,7 5 1 16,8-1-1-16,7-2 1 15,13-2-1-15,13-5-15 0,6-10-16 16,15-7-5-16,0-10-2 16,3-4-4-1,2-6-1-15,-4-2-2 0</inkml:trace>
+          <inkml:trace contextRef="#ctx0" brushRef="#br0" timeOffset="2191.464">16482 6158 145 0,'0'0'34'0,"-7"-14"-2"16,7 14-7-16,0 0-13 15,-14-15-7-15,14 15-5 16,-10-9 1-16,10 9-1 16,-20-4 0-16,9 8 0 15,-3 1 0-15,1 6 1 16,1 4-1-16,-1 1 0 15,2 3 0-15,4 1 0 0,6-2 0 16,2-3 0-16,12-2 0 16,5-7 0-16,7-7 0 15,8-8-1-15,6-5 1 16,6-9-1-16,0-9 0 16,2-7 1-16,-6-4 0 15,0-3 0-15,-14-1 0 16,-6 1 0-16,-8 7 0 15,-13 8 0-15,-10 12 1 16,-5 12 0-16,-6 10-1 16,-3 14 0-16,-2 12 0 15,1 8 0-15,3 8 0 16,6 4 0-16,6-1 1 0,10 1-2 16,6-6 1-16,9-9 0 15,9-7 1-15,4-12-2 16,7-8 1-16,1-8 0 15,0-10-1-15,-1-6 0 16,-3-5 1-16,-6 0 0 16,-9-2-1-16,-7 3 0 15,-8 3 1-15,-7 5 0 16,5 13 0-16,-26-5 1 16,6 14 0-16,1 4-1 15,2 5 0-15,7 5 1 16,8-1-1-16,7-2 1 15,13-2-1-15,13-5-15 0,6-10-16 16,15-7-5-16,0-10-2 16,3-4-4-1,2-6-1-15,-4-2-2 0</inkml:trace>
         </inkml:traceGroup>
         <inkml:traceGroup>
           <inkml:annotationXML>
@@ -1008,14 +800,14 @@
               </emma:interpretation>
             </emma:emma>
           </inkml:annotationXML>
-          <inkml:trace contextRef="#ctx0" brushRef="#br0" timeOffset="3148.5156">17472 5730 50 0,'-5'-47'23'16,"-5"4"4"-16,4 14 2 15,-6 3 1-15,12 26-3 16,-18 5-6-16,16 23-5 16,-2 11-2-16,4 15-4 15,-1 9-5-15,2 7-2 16,-1 5-3-16,2-3 0 0,-1-3 0 15,2-9 0-15,3-12 0 16,-3-10 0-16,2-10 0 16,0-16 0-16,-5-12 0 15,17 0 0-15,-5-7-1 16,-4-8 0-16,2 2 0 16,0-2 1-16,0-1 0 15,1 4 0-15,-11 12 0 16,21-14 1-16,-21 14-1 15,21 0 0-15,-21 0 0 16,24 11 1-16,-9-4-1 16,2 0-1-16,2-3 1 15,2-1 0-15,2-6-1 0,0-2 0 16,-2-6 0-16,4-4-1 16,-10 3 2-16,-4-6 0 15,-2 4 0-15,-9 14 0 16,-3-16 1-16,3 16 0 15,-18 6 0-15,3 9 0 16,-3 1 0-16,2 6 0 16,5 2-1-16,2 2 1 15,8-3-1-15,7-2 0 16,7-5 0-16,7-7 0 16,8-4-12-16,2-12-9 15,11 0-11-15,-4-7-2 16,7-4-3-16,-10-5-1 0,0-1-1 15,-9-4 0-15</inkml:trace>
-          <inkml:trace contextRef="#ctx0" brushRef="#br0" timeOffset="3328.6749">17794 5833 141 0,'-15'-11'35'0,"-1"-6"-2"15,11 5-3-15,-1-9-18 16,6-4-28-16,11 7-13 16,-4-3-6-16,7 10 0 0,0 2-3 15,1 12 0-15,0 3-2 16</inkml:trace>
-          <inkml:trace contextRef="#ctx0" brushRef="#br0" timeOffset="3868.1745">17992 6069 53 0,'0'0'20'0,"0"0"-2"16,0 0-2-16,0 0-1 15,0 0-2-15,0 0-1 16,0 0 0-16,0 0 3 16,-3 18-1-16,3-18-1 0,7 27 0 15,-4-12 0-15,1 5-2 16,1-2-3 0,1 0-4-16,-3-2-4 15,-2-3 1-15,-1-13-1 0,6 12-1 16,-6-12 0-16,0 0 0 15,11-22 0-15,-7 6-1 16,4-5 1-16,2-3 0 16,0-1 0-16,3 3 1 15,2 2-8-15,-3 6-9 16,6 5-9-16,-3 4-7 16,0 13-1-16,-15-8-1 15,22 24-1-15,-12-7 0 16</inkml:trace>
-          <inkml:trace contextRef="#ctx0" brushRef="#br0" timeOffset="4237.0742">18288 5717 155 0,'-12'-11'34'0,"12"11"-2"16,-17-2-8-16,17 2-19 15,1 20-15-15,-1-20-11 16,16 22-11-16,-4-15-3 16,4-2-1-16,-3-3 0 15,4-6-1-15</inkml:trace>
-          <inkml:trace contextRef="#ctx0" brushRef="#br0" timeOffset="4096.2283">18297 6093 129 0,'0'0'35'16,"0"0"-1"-16,0 0-7 15,-8 15-11-15,5 5-10 16,3 8-4-16,-3-1-2 15,1 2 1-15,2-1-1 16,5-7-6-16,1-1-10 16,-6-20-9-16,13 3-6 15,-5-19-2-15,2-7-2 16,-2-16 0-16,1-6 0 16,-8-9 8-16</inkml:trace>
-          <inkml:trace contextRef="#ctx0" brushRef="#br0" timeOffset="5628.9946">18414 5903 133 0,'-14'3'32'16,"14"-3"0"-16,0 0-5 15,0 0-9-15,18-3-17 16,-6-3-17-16,16 2-12 16,1-2-5-16,6 1-3 15,-3-1-1-15,7-2-1 16,-4-1-1-16</inkml:trace>
-          <inkml:trace contextRef="#ctx0" brushRef="#br0" timeOffset="5019.9337">18457 5521 108 0,'0'0'34'16,"-2"18"0"-16,-2 2-3 15,3 18-7-15,-1 7-11 16,5 14-9-16,3 14-4 15,-2 7 0-15,1 2 0 16,4-1 0-16,-2-2 0 16,3-8 0-16,-5-12 0 15,0-13 1-15,0-17-1 16,-10-15 0-16,5-14-1 16,-13-3 0-16,3-10 0 0,-4-8-1 15,0-2 1-15,3-2-1 16,3 1 1-16,2 3-1 15,6 3 2 1,4 5-1-16,8 3 1 0,4 5 0 16,8 0 0-16,5 4 1 15,7 4-1-15,2-1-1 16,2-2 1-16,-1-4-1 16,-5-2 1-16,-1 0-1 15,-11-3 1-15,-4-2-1 16,-18 11 2-16,7-23 0 15,-7 23 1-15,-21-8-1 16,2 11 1-16,-2 5 0 0,-4 8 0 16,2 6 0-16,4 4-2 15,4 4 1-15,10 0-1 16,5 1 0 0,7-2 0-16,12-5-1 0,10-8-1 15,3-11 1-15,8-6-1 16,1-9 0-16,1-6 1 15,-2-7-1-15,1-3 1 16,-7-3 0-16,-5 1 0 16,-5 2 0-16,-9 6 2 15,-2 3-1-15,-10 4 1 16,-3 13 0-16,-11-16 0 16,11 16 1-16,-26 3 0 15,11 5 0-15,-3 3-1 16,1 3 0-16,4 5 0 15,1 2 0-15,6 3-1 16,0 2 0-16,9-2 0 0,2-2-1 16,8-1 0-16,6-7 0 15,1-6 0-15,2-3-1 16,1-9 1-16,1-7-7 16,-1-2-10-16,-5-7-9 15,0-3-7-15,-4-1 0 16,-2-4-2-16,-4-3 0 15,-6 2-1-15</inkml:trace>
-          <inkml:trace contextRef="#ctx0" brushRef="#br0" timeOffset="5305.4064">18752 5808 129 0,'0'0'33'0,"-10"-24"-1"15,13 9-4-15,-1-7-15 16,13-1-12-16,6 1-17 15,-3-2-13-15,6 0-4 16,-4 4-3-16,1 4-1 0,-3 8-2 16,-18 8 1-16</inkml:trace>
+          <inkml:trace contextRef="#ctx0" brushRef="#br0" timeOffset="3148.515">17472 5730 50 0,'-5'-47'23'16,"-5"4"4"-16,4 14 2 15,-6 3 1-15,12 26-3 16,-18 5-6-16,16 23-5 16,-2 11-2-16,4 15-4 15,-1 9-5-15,2 7-2 16,-1 5-3-16,2-3 0 0,-1-3 0 15,2-9 0-15,3-12 0 16,-3-10 0-16,2-10 0 16,0-16 0-16,-5-12 0 15,17 0 0-15,-5-7-1 16,-4-8 0-16,2 2 0 16,0-2 1-16,0-1 0 15,1 4 0-15,-11 12 0 16,21-14 1-16,-21 14-1 15,21 0 0-15,-21 0 0 16,24 11 1-16,-9-4-1 16,2 0-1-16,2-3 1 15,2-1 0-15,2-6-1 0,0-2 0 16,-2-6 0-16,4-4-1 16,-10 3 2-16,-4-6 0 15,-2 4 0-15,-9 14 0 16,-3-16 1-16,3 16 0 15,-18 6 0-15,3 9 0 16,-3 1 0-16,2 6 0 16,5 2-1-16,2 2 1 15,8-3-1-15,7-2 0 16,7-5 0-16,7-7 0 16,8-4-12-16,2-12-9 15,11 0-11-15,-4-7-2 16,7-4-3-16,-10-5-1 0,0-1-1 15,-9-4 0-15</inkml:trace>
+          <inkml:trace contextRef="#ctx0" brushRef="#br0" timeOffset="3328.674">17794 5833 141 0,'-15'-11'35'0,"-1"-6"-2"15,11 5-3-15,-1-9-18 16,6-4-28-16,11 7-13 16,-4-3-6-16,7 10 0 0,0 2-3 15,1 12 0-15,0 3-2 16</inkml:trace>
+          <inkml:trace contextRef="#ctx0" brushRef="#br0" timeOffset="3868.174">17992 6069 53 0,'0'0'20'0,"0"0"-2"16,0 0-2-16,0 0-1 15,0 0-2-15,0 0-1 16,0 0 0-16,0 0 3 16,-3 18-1-16,3-18-1 0,7 27 0 15,-4-12 0-15,1 5-2 16,1-2-3 0,1 0-4-16,-3-2-4 15,-2-3 1-15,-1-13-1 0,6 12-1 16,-6-12 0-16,0 0 0 15,11-22 0-15,-7 6-1 16,4-5 1-16,2-3 0 16,0-1 0-16,3 3 1 15,2 2-8-15,-3 6-9 16,6 5-9-16,-3 4-7 16,0 13-1-16,-15-8-1 15,22 24-1-15,-12-7 0 16</inkml:trace>
+          <inkml:trace contextRef="#ctx0" brushRef="#br0" timeOffset="4237.074">18288 5717 155 0,'-12'-11'34'0,"12"11"-2"16,-17-2-8-16,17 2-19 15,1 20-15-15,-1-20-11 16,16 22-11-16,-4-15-3 16,4-2-1-16,-3-3 0 15,4-6-1-15</inkml:trace>
+          <inkml:trace contextRef="#ctx0" brushRef="#br0" timeOffset="4096.228">18297 6093 129 0,'0'0'35'16,"0"0"-1"-16,0 0-7 15,-8 15-11-15,5 5-10 16,3 8-4-16,-3-1-2 15,1 2 1-15,2-1-1 16,5-7-6-16,1-1-10 16,-6-20-9-16,13 3-6 15,-5-19-2-15,2-7-2 16,-2-16 0-16,1-6 0 16,-8-9 8-16</inkml:trace>
+          <inkml:trace contextRef="#ctx0" brushRef="#br0" timeOffset="5628.994">18414 5903 133 0,'-14'3'32'16,"14"-3"0"-16,0 0-5 15,0 0-9-15,18-3-17 16,-6-3-17-16,16 2-12 16,1-2-5-16,6 1-3 15,-3-1-1-15,7-2-1 16,-4-1-1-16</inkml:trace>
+          <inkml:trace contextRef="#ctx0" brushRef="#br0" timeOffset="5019.933">18457 5521 108 0,'0'0'34'16,"-2"18"0"-16,-2 2-3 15,3 18-7-15,-1 7-11 16,5 14-9-16,3 14-4 15,-2 7 0-15,1 2 0 16,4-1 0-16,-2-2 0 16,3-8 0-16,-5-12 0 15,0-13 1-15,0-17-1 16,-10-15 0-16,5-14-1 16,-13-3 0-16,3-10 0 0,-4-8-1 15,0-2 1-15,3-2-1 16,3 1 1-16,2 3-1 15,6 3 2 1,4 5-1-16,8 3 1 0,4 5 0 16,8 0 0-16,5 4 1 15,7 4-1-15,2-1-1 16,2-2 1-16,-1-4-1 16,-5-2 1-16,-1 0-1 15,-11-3 1-15,-4-2-1 16,-18 11 2-16,7-23 0 15,-7 23 1-15,-21-8-1 16,2 11 1-16,-2 5 0 0,-4 8 0 16,2 6 0-16,4 4-2 15,4 4 1-15,10 0-1 16,5 1 0 0,7-2 0-16,12-5-1 0,10-8-1 15,3-11 1-15,8-6-1 16,1-9 0-16,1-6 1 15,-2-7-1-15,1-3 1 16,-7-3 0-16,-5 1 0 16,-5 2 0-16,-9 6 2 15,-2 3-1-15,-10 4 1 16,-3 13 0-16,-11-16 0 16,11 16 1-16,-26 3 0 15,11 5 0-15,-3 3-1 16,1 3 0-16,4 5 0 15,1 2 0-15,6 3-1 16,0 2 0-16,9-2 0 0,2-2-1 16,8-1 0-16,6-7 0 15,1-6 0-15,2-3-1 16,1-9 1-16,1-7-7 16,-1-2-10-16,-5-7-9 15,0-3-7-15,-4-1 0 16,-2-4-2-16,-4-3 0 15,-6 2-1-15</inkml:trace>
+          <inkml:trace contextRef="#ctx0" brushRef="#br0" timeOffset="5305.406">18752 5808 129 0,'0'0'33'0,"-10"-24"-1"15,13 9-4-15,-1-7-15 16,13-1-12-16,6 1-17 15,-3-2-13-15,6 0-4 16,-4 4-3-16,1 4-1 0,-3 8-2 16,-18 8 1-16</inkml:trace>
         </inkml:traceGroup>
       </inkml:traceGroup>
     </inkml:traceGroup>
@@ -1023,7 +815,7 @@
 </inkml:ink>
 </file>
 
-<file path=ppt/ink/ink21.xml><?xml version="1.0" encoding="utf-8"?>
+<file path=ppt/ink/ink18.xml><?xml version="1.0" encoding="utf-8"?>
 <inkml:ink xmlns:inkml="http://www.w3.org/2003/InkML">
   <inkml:definitions>
     <inkml:context xml:id="ctx0">
@@ -1083,16 +875,16 @@
             </emma:emma>
           </inkml:annotationXML>
           <inkml:trace contextRef="#ctx0" brushRef="#br0">3777 3373 63 0,'0'0'23'15,"0"0"0"-15,0 0-5 16,-9-11-8-16,9 11-3 16,0 0-2-16,0 0-3 15,0 0-2-15,0 0-4 16,0 0-3-16,-14-8-2 16,14 8-3-16,0 0-3 15,0 0-2-15,0 0-1 16,-13-3 1-16,13 3 3 15,0 0 6-15,0 0 5 16,-12-3 6-16,12 3 6 16,0 0 5-16,-11 4 4 0,11-4 0 15,0 0 0-15,-16 5-3 16,16-5-2-16,0 0-3 16,-13 9-3-1,13-9-10-15,0 0-8 0,0 0-7 16,0 0-4-16,-11 12-1 15,11-12-1-15,0 0 1 16,0 0 0-16</inkml:trace>
-          <inkml:trace contextRef="#ctx0" brushRef="#br0" timeOffset="-394.3425">3865 3372 76 0,'0'0'22'15,"0"0"-1"-15,0 0-6 16,0 0-4-16,0 0-4 16,0 0-3-16,0 0-3 0,0 0 0 15,0 0 0-15,-12 8-1 16,12-8-2-16,0 0-8 16,0 0-9-16,0 0-6 15,0 0 0-15,0 0-1 16,-11-2 0-16,11 2 1 15</inkml:trace>
-          <inkml:trace contextRef="#ctx0" brushRef="#br0" timeOffset="176.9851">3645 3413 91 0,'-14'12'24'15,"14"-12"-3"-15,-17 14-7 16,17-14-7-16,-13 11-3 15,13-11-5 1,0 0-7-16,-12 12-7 16,12-12-6-16,0 0-2 0,0 0 0 15,-5 15 0-15,5-15-1 16,0 0 3-16</inkml:trace>
-          <inkml:trace contextRef="#ctx0" brushRef="#br0" timeOffset="324.2018">3566 3519 84 0,'-11'16'23'16,"11"-16"-2"-16,-5 18-4 0,5-18-7 16,-7 20-7-16,7-20-10 15,-4 18-8 1,4-18-5-16,2 15-4 16,-2-15 1-16,0 0-1 0,4 14 1 15</inkml:trace>
-          <inkml:trace contextRef="#ctx0" brushRef="#br0" timeOffset="484.6458">3545 3672 71 0,'-4'24'24'0,"0"-11"-1"15,3-2-2-15,-3 1-9 16,3 1-4-16,1-13-5 16,1 17-9-16,-1-17-9 15,4 15-6-15,-4-15-2 0,0 0-2 16,14 9 1-1,-14-9-1-15</inkml:trace>
-          <inkml:trace contextRef="#ctx0" brushRef="#br0" timeOffset="972.3491">3584 3825 88 0,'0'18'23'0,"0"-18"-1"15,3 14-7-15,-3-14-7 16,1 13-6-16,-1-13-7 15,0 0-6-15,0 0-5 16,15 9-1-16,-15-9-3 0,14-1 0 16,-14 1 1-1,14-4 5-15,-14 4 6 16,14 0 11-16,-14 0 9 16,12 4 5-16,-12-4 4 0,0 0 0 15,15 19 0-15,-15-19-3 16,5 16-1-16,-5-16-7 15,5 18-4-15,-5-18-3 16,7 11-3-16,-7-11-2 16,11 0-5-16,-11 0-7 15,14-2-4-15,-14 2-4 16,18-10-2-16,-18 10 0 16,19-11 1-16,-19 11 3 15,20-6 7-15,-20 6 14 16,15-1 8-16,-15 1 10 15,13 2 3-15,-13-2 2 16,0 0-2-16,4 16-1 0,-4-16-2 16,0 12-7-16,0-12-5 15,0 0-6-15,0 0-8 16,0 0-8-16,12 2-6 16,-12-2-3-16,13-9 0 15,-13 9 0-15,13-13 0 16,-13 13 0-16</inkml:trace>
-          <inkml:trace contextRef="#ctx0" brushRef="#br0" timeOffset="1785.873">3965 3372 103 0,'-16'-11'26'15,"16"11"-2"-15,-13-10-8 16,13 10-8-16,-8-15-8 15,8 15-8-15,0 0-9 16,-2-14-9-16,2 14-1 16,0 0-2-16,0 0 1 15,14 8-1-15</inkml:trace>
-          <inkml:trace contextRef="#ctx0" brushRef="#br0" timeOffset="1631.7779">3900 3888 83 0,'0'0'24'0,"0"0"2"0,0 0-6 16,0 0-9-16,0 0-10 15,0 0-8-15,0 0-8 16,10-6-5-16,-10 6-2 15,13-15-2 1,-13 15 0-16,16-18 2 0,-16 18 4 16,14-17 10-16,-14 17 10 15,15-14 10-15,-15 14 10 16,0 0 1-16,0 0-1 16,0 0 1-16,0 0-2 15,0 0-4-15,0 0-6 16,0 0-4-16,0 0-7 15,0 0-2-15,0 0-5 0,13-4-7 16,-13 4-4-16,9-18-3 16,-4 6-2-16,2-2-1 15,-2 0 1 1,0-1 3-16,0 3 9 0,1-1 10 16,-2-1 10-16,-4 14 9 15,5-21 4-15,-5 21 1 16,0-13 1-16,0 13 1 15,0 0-3-15,0 0-5 16,0 0-6-16,-6-12-5 16,6 12-3-16,0 0-1 15,0-12-6-15,0 12-6 16,6-15-7-16,-6 15-4 0,6-21-2 16,-2 8-1-1,-2 0 0-15,0 0 1 16,-2 2 8-16,0-3 9 15,0 3 11-15,0-1 9 0,0 12 6 16,-8-16 1-16,8 16 1 16,0 0 2-16,-15-10-1 15,15 10-4-15,0 0-5 16,-11 0-6-16,11 0-2 16,0 0-2-16,0 0-5 15,-8-13-6-15,8 13-9 16,0-13-7-16,0 13-4 15,4-17-1-15,-4 17-1 16,0-18 0-16,0 18 6 16</inkml:trace>
-          <inkml:trace contextRef="#ctx0" brushRef="#br0" timeOffset="2880.2235">3474 5040 88 0,'-4'-12'24'0,"4"-6"0"16,3-6-9-16,3-5-7 16,0-10-1-16,6-1-2 15,-2-9 3-15,8-4 2 0,-4-8 2 16,4-1-1-16,0-10-1 16,1 5 1-16,-1-6-2 15,1 4-2-15,-2 3-3 16,0 5-2-16,-4 5-2 15,-2 8 0-15,2 9 0 16,-7 9 0-16,2 10 0 16,-3 3 0-16,-5 17 0 15,7-16 0-15,-7 16 0 16,0 0 0-16,0 0 0 16,4 12 0-16,-4-12-1 15,0 12-12-15,0-12-5 16,0 0-8-16,3 16-7 0,-3-16-3 15,0 0-1-15,0 0 0 16,0 0 2-16</inkml:trace>
-          <inkml:trace contextRef="#ctx0" brushRef="#br0" timeOffset="4239.4769">3621 4170 42 0,'0'0'20'15,"0"0"1"-15,-15 10-2 16,15-10-1-16,0 0-3 15,0 0-3-15,-12 2-2 16,12-2-4-16,0 0-3 16,0 0-1-16,0 0 0 15,0 0-1-15,0 0 1 16,0 0-1-16,6-11 1 16,-6 11-1-16,10-16 1 15,-10 16 0-15,16-21 0 0,-6 6 0 16,-1 1 1-16,2 0-1 15,-2-2 0-15,4 0 0 16,-4 4 0 0,-1 0-1-16,-8 12 0 0,13-15 0 15,-13 15 0-15,0 0-1 16,13-11 0-16,-13 11 1 16,0 0-1-16,0 0 0 15,0 0 0-15,11-16 1 16,-11 16-1-16,0 0 1 15,0 0-1-15,10-12 1 16,-10 12-1-16,0 0 2 16,0 0 0-16,0 0 1 0,0 0 2 15,9 12 2-15,-9-12-1 16,0 16 1 0,0-16-1-16,-4 18 0 15,4-18-2-15,-1 18-1 0,1-18-3 16,4 17 0-16,-3-5 0 15,-1-12 0-15,9 21 0 16,-2-9 0-16,0 1 0 16,2-1 0-16,2 0 0 15,-2 2 0-15,1-1 0 16,-10-13 0-16,14 21 0 16,-14-21 0-16,11 15 0 15,-11-15 0-15,5 12 0 16,-5-12 0-16,0 0 0 15,0 0 0-15,0 0 0 16,0 0 0-16,0 0 0 16,-15-8 0-16,15 8 0 0,0 0 0 15,-12-13 0-15,12 13 0 16,0 0 0-16,-17-9 0 16,17 9 0-16,-19-7 0 15,8 5 0-15,-2 1 0 16,-1-2 0-16,-5 0 0 15,4 0 0-15,-4 1 0 16,3 1 0-16,0-2 0 16,2 1 0-16,0-1 0 15,14 3 0-15,-21-4 0 16,21 4 0-16,-11 2 0 16,11-2 0-16,0 0-5 0,0 0-16 15,0 0-12-15,17 5-4 16,-17-5-1-16,13 11-2 15,-13-11-2-15</inkml:trace>
-          <inkml:trace contextRef="#ctx0" brushRef="#br0" timeOffset="85143.7046">3337 5050 74 0,'0'0'31'0,"0"0"1"15,0 0-5-15,-14-10-9 16,14 10-1-16,-12-9-5 16,12 9 1-16,-13-9-3 15,13 9-4-15,-22-10-6 0,-3-3-4 31,-8 3-1-15,-6-4 0-16,-7 2 1 16,-9-2-2-16,-7 3 2 0,-4-1-1 15,-2 3 1-15,5 9 4 16,2 1 0-16,4 8 1 16,7 2-1-16,7 7 1 15,9 1-2-15,8 0 2 16,6 4-1-16,9-4 0 15,7 0 1-15,4-2 0 16,10-3-1-16,-10-14 0 0,19 20 1 16,-19-20-2-1,14 7 1-15,-14-7 0 16,-2-12-1-16,-7-1 0 16,-8-1 2-16,-5-2-2 15,-7-1 1-15,-8 1 0 0,-6 1 0 16,-6 4 0-16,-6 6 1 15,-3 5 0-15,-3 7-1 16,-4 8 1-16,-1 7 0 16,-3 7 0-16,5 7 1 15,3 6-2-15,3 3 2 16,9 1-2-16,4 0 1 16,15 0-1-16,7-10 0 15,10-2 0-15,6-9 0 16,7-6 0-16,0-19-1 15,13 16 1-15,-13-16 0 16,15 0-1-16,-15 0 1 0,0 0-4 16,7-13-4-16,-7 13-3 15,-25-7-1-15,1 5-1 16,0 12-1-16,-8 2-1 16,1 12 1-16,-3 5 4 15,-3 13 4-15,5 5 3 16,6 13 2-16,0 3 2 15,6 2 1-15,3 2 0 16,5 5 0-16,8-2 0 16,1-1 0-16,8-3-1 15,-1-10 0-15,4-5 0 16,0-11-1-16,1-8 1 16,1-15-1-16,-10-17-2 0,19-5-9 15,-12-12-8-15,2-2-4 16,-4-4 0-1,-2 5-4 1,-1 6 16-16,0 0 11 16,-2 12 0-16</inkml:trace>
+          <inkml:trace contextRef="#ctx0" brushRef="#br0" timeOffset="-394.343">3865 3372 76 0,'0'0'22'15,"0"0"-1"-15,0 0-6 16,0 0-4-16,0 0-4 16,0 0-3-16,0 0-3 0,0 0 0 15,0 0 0-15,-12 8-1 16,12-8-2-16,0 0-8 16,0 0-9-16,0 0-6 15,0 0 0-15,0 0-1 16,-11-2 0-16,11 2 1 15</inkml:trace>
+          <inkml:trace contextRef="#ctx0" brushRef="#br0" timeOffset="176.985">3645 3413 91 0,'-14'12'24'15,"14"-12"-3"-15,-17 14-7 16,17-14-7-16,-13 11-3 15,13-11-5 1,0 0-7-16,-12 12-7 16,12-12-6-16,0 0-2 0,0 0 0 15,-5 15 0-15,5-15-1 16,0 0 3-16</inkml:trace>
+          <inkml:trace contextRef="#ctx0" brushRef="#br0" timeOffset="324.201">3566 3519 84 0,'-11'16'23'16,"11"-16"-2"-16,-5 18-4 0,5-18-7 16,-7 20-7-16,7-20-10 15,-4 18-8 1,4-18-5-16,2 15-4 16,-2-15 1-16,0 0-1 0,4 14 1 15</inkml:trace>
+          <inkml:trace contextRef="#ctx0" brushRef="#br0" timeOffset="484.645">3545 3672 71 0,'-4'24'24'0,"0"-11"-1"15,3-2-2-15,-3 1-9 16,3 1-4-16,1-13-5 16,1 17-9-16,-1-17-9 15,4 15-6-15,-4-15-2 0,0 0-2 16,14 9 1-1,-14-9-1-15</inkml:trace>
+          <inkml:trace contextRef="#ctx0" brushRef="#br0" timeOffset="972.349">3584 3825 88 0,'0'18'23'0,"0"-18"-1"15,3 14-7-15,-3-14-7 16,1 13-6-16,-1-13-7 15,0 0-6-15,0 0-5 16,15 9-1-16,-15-9-3 0,14-1 0 16,-14 1 1-1,14-4 5-15,-14 4 6 16,14 0 11-16,-14 0 9 16,12 4 5-16,-12-4 4 0,0 0 0 15,15 19 0-15,-15-19-3 16,5 16-1-16,-5-16-7 15,5 18-4-15,-5-18-3 16,7 11-3-16,-7-11-2 16,11 0-5-16,-11 0-7 15,14-2-4-15,-14 2-4 16,18-10-2-16,-18 10 0 16,19-11 1-16,-19 11 3 15,20-6 7-15,-20 6 14 16,15-1 8-16,-15 1 10 15,13 2 3-15,-13-2 2 16,0 0-2-16,4 16-1 0,-4-16-2 16,0 12-7-16,0-12-5 15,0 0-6-15,0 0-8 16,0 0-8-16,12 2-6 16,-12-2-3-16,13-9 0 15,-13 9 0-15,13-13 0 16,-13 13 0-16</inkml:trace>
+          <inkml:trace contextRef="#ctx0" brushRef="#br0" timeOffset="1785.872">3965 3372 103 0,'-16'-11'26'15,"16"11"-2"-15,-13-10-8 16,13 10-8-16,-8-15-8 15,8 15-8-15,0 0-9 16,-2-14-9-16,2 14-1 16,0 0-2-16,0 0 1 15,14 8-1-15</inkml:trace>
+          <inkml:trace contextRef="#ctx0" brushRef="#br0" timeOffset="1631.777">3900 3888 83 0,'0'0'24'0,"0"0"2"0,0 0-6 16,0 0-9-16,0 0-10 15,0 0-8-15,0 0-8 16,10-6-5-16,-10 6-2 15,13-15-2 1,-13 15 0-16,16-18 2 0,-16 18 4 16,14-17 10-16,-14 17 10 15,15-14 10-15,-15 14 10 16,0 0 1-16,0 0-1 16,0 0 1-16,0 0-2 15,0 0-4-15,0 0-6 16,0 0-4-16,0 0-7 15,0 0-2-15,0 0-5 0,13-4-7 16,-13 4-4-16,9-18-3 16,-4 6-2-16,2-2-1 15,-2 0 1 1,0-1 3-16,0 3 9 0,1-1 10 16,-2-1 10-16,-4 14 9 15,5-21 4-15,-5 21 1 16,0-13 1-16,0 13 1 15,0 0-3-15,0 0-5 16,0 0-6-16,-6-12-5 16,6 12-3-16,0 0-1 15,0-12-6-15,0 12-6 16,6-15-7-16,-6 15-4 0,6-21-2 16,-2 8-1-1,-2 0 0-15,0 0 1 16,-2 2 8-16,0-3 9 15,0 3 11-15,0-1 9 0,0 12 6 16,-8-16 1-16,8 16 1 16,0 0 2-16,-15-10-1 15,15 10-4-15,0 0-5 16,-11 0-6-16,11 0-2 16,0 0-2-16,0 0-5 15,-8-13-6-15,8 13-9 16,0-13-7-16,0 13-4 15,4-17-1-15,-4 17-1 16,0-18 0-16,0 18 6 16</inkml:trace>
+          <inkml:trace contextRef="#ctx0" brushRef="#br0" timeOffset="2880.223">3474 5040 88 0,'-4'-12'24'0,"4"-6"0"16,3-6-9-16,3-5-7 16,0-10-1-16,6-1-2 15,-2-9 3-15,8-4 2 0,-4-8 2 16,4-1-1-16,0-10-1 16,1 5 1-16,-1-6-2 15,1 4-2-15,-2 3-3 16,0 5-2-16,-4 5-2 15,-2 8 0-15,2 9 0 16,-7 9 0-16,2 10 0 16,-3 3 0-16,-5 17 0 15,7-16 0-15,-7 16 0 16,0 0 0-16,0 0 0 16,4 12 0-16,-4-12-1 15,0 12-12-15,0-12-5 16,0 0-8-16,3 16-7 0,-3-16-3 15,0 0-1-15,0 0 0 16,0 0 2-16</inkml:trace>
+          <inkml:trace contextRef="#ctx0" brushRef="#br0" timeOffset="4239.476">3621 4170 42 0,'0'0'20'15,"0"0"1"-15,-15 10-2 16,15-10-1-16,0 0-3 15,0 0-3-15,-12 2-2 16,12-2-4-16,0 0-3 16,0 0-1-16,0 0 0 15,0 0-1-15,0 0 1 16,0 0-1-16,6-11 1 16,-6 11-1-16,10-16 1 15,-10 16 0-15,16-21 0 0,-6 6 0 16,-1 1 1-16,2 0-1 15,-2-2 0-15,4 0 0 16,-4 4 0 0,-1 0-1-16,-8 12 0 0,13-15 0 15,-13 15 0-15,0 0-1 16,13-11 0-16,-13 11 1 16,0 0-1-16,0 0 0 15,0 0 0-15,11-16 1 16,-11 16-1-16,0 0 1 15,0 0-1-15,10-12 1 16,-10 12-1-16,0 0 2 16,0 0 0-16,0 0 1 0,0 0 2 15,9 12 2-15,-9-12-1 16,0 16 1 0,0-16-1-16,-4 18 0 15,4-18-2-15,-1 18-1 0,1-18-3 16,4 17 0-16,-3-5 0 15,-1-12 0-15,9 21 0 16,-2-9 0-16,0 1 0 16,2-1 0-16,2 0 0 15,-2 2 0-15,1-1 0 16,-10-13 0-16,14 21 0 16,-14-21 0-16,11 15 0 15,-11-15 0-15,5 12 0 16,-5-12 0-16,0 0 0 15,0 0 0-15,0 0 0 16,0 0 0-16,0 0 0 16,-15-8 0-16,15 8 0 0,0 0 0 15,-12-13 0-15,12 13 0 16,0 0 0-16,-17-9 0 16,17 9 0-16,-19-7 0 15,8 5 0-15,-2 1 0 16,-1-2 0-16,-5 0 0 15,4 0 0-15,-4 1 0 16,3 1 0-16,0-2 0 16,2 1 0-16,0-1 0 15,14 3 0-15,-21-4 0 16,21 4 0-16,-11 2 0 16,11-2 0-16,0 0-5 0,0 0-16 15,0 0-12-15,17 5-4 16,-17-5-1-16,13 11-2 15,-13-11-2-15</inkml:trace>
+          <inkml:trace contextRef="#ctx0" brushRef="#br0" timeOffset="85143.704">3337 5050 74 0,'0'0'31'0,"0"0"1"15,0 0-5-15,-14-10-9 16,14 10-1-16,-12-9-5 16,12 9 1-16,-13-9-3 15,13 9-4-15,-22-10-6 0,-3-3-4 31,-8 3-1-15,-6-4 0-16,-7 2 1 16,-9-2-2-16,-7 3 2 0,-4-1-1 15,-2 3 1-15,5 9 4 16,2 1 0-16,4 8 1 16,7 2-1-16,7 7 1 15,9 1-2-15,8 0 2 16,6 4-1-16,9-4 0 15,7 0 1-15,4-2 0 16,10-3-1-16,-10-14 0 0,19 20 1 16,-19-20-2-1,14 7 1-15,-14-7 0 16,-2-12-1-16,-7-1 0 16,-8-1 2-16,-5-2-2 15,-7-1 1-15,-8 1 0 0,-6 1 0 16,-6 4 0-16,-6 6 1 15,-3 5 0-15,-3 7-1 16,-4 8 1-16,-1 7 0 16,-3 7 0-16,5 7 1 15,3 6-2-15,3 3 2 16,9 1-2-16,4 0 1 16,15 0-1-16,7-10 0 15,10-2 0-15,6-9 0 16,7-6 0-16,0-19-1 15,13 16 1-15,-13-16 0 16,15 0-1-16,-15 0 1 0,0 0-4 16,7-13-4-16,-7 13-3 15,-25-7-1-15,1 5-1 16,0 12-1-16,-8 2-1 16,1 12 1-16,-3 5 4 15,-3 13 4-15,5 5 3 16,6 13 2-16,0 3 2 15,6 2 1-15,3 2 0 16,5 5 0-16,8-2 0 16,1-1 0-16,8-3-1 15,-1-10 0-15,4-5 0 16,0-11-1-16,1-8 1 16,1-15-1-16,-10-17-2 0,19-5-9 15,-12-12-8-15,2-2-4 16,-4-4 0-1,-2 5-4 1,-1 6 16-16,0 0 11 16,-2 12 0-16</inkml:trace>
         </inkml:traceGroup>
       </inkml:traceGroup>
     </inkml:traceGroup>
@@ -1100,7 +892,7 @@
 </inkml:ink>
 </file>
 
-<file path=ppt/ink/ink22.xml><?xml version="1.0" encoding="utf-8"?>
+<file path=ppt/ink/ink19.xml><?xml version="1.0" encoding="utf-8"?>
 <inkml:ink xmlns:inkml="http://www.w3.org/2003/InkML">
   <inkml:definitions>
     <inkml:context xml:id="ctx0">
@@ -1166,7 +958,7 @@
             </emma:emma>
           </inkml:annotationXML>
           <inkml:trace contextRef="#ctx0" brushRef="#br0">3827 1527 59 0,'-7'-12'32'0,"7"12"-5"16,-18-11-7-16,18 11-4 15,-26-1-1-15,11 3-2 16,-6 2-4-16,5 3-4 16,-4 9-5-16,0 4 0 15,5 6 1-15,0 1-1 16,-1 3 0-16,9 0 1 16,1 3-1-16,6 2 0 15,3-6 1-15,4-1-1 0,3 0 1 16,0-2 1-16,1 3-1 15,0 2-1-15,-4-2 1 16,-2 1-1 0,-5-1 1-16,-5 1-1 0,-2-2 0 15,-3-4-1-15,-2-3 1 16,-1-5 1-16,-1-2-2 16,0-4 2-16,0-5-1 15,14-5 0-15,-21 2 1 16,21-2-1-16,-15-5 0 15,15 5 0-15,0 0 0 16,0 0 0-16,0 0 0 0,16-11 0 16,-16 11 0-16,25 5 0 15,-7 0 0 1,-3 6 0-16,1 5 1 16,-6 4-1-16,-5 7 0 15,-2 3 1-15,-6 9-1 0,-5 5 1 16,-8 5 0-16,-6 3 0 15,-4 2-1-15,1 1 1 16,-3-5 0-16,3 1-1 16,3-9 1-16,4 0-1 15,1-7 1-15,7-1-1 16,6-3 1-16,4-3 0 16,4 3-1-16,1 0 0 0,5 0 1 15,2-2-1 1,2-3 1-16,1-5 0 15,1-8-1-15,-5-9-16 16,10-4-11-16,-3-11-8 0,1 1-3 16,-2 0-3-16,-2 2-1 15</inkml:trace>
-          <inkml:trace contextRef="#ctx0" brushRef="#br1" timeOffset="-8035.6899">3834-169 14 0,'-13'-1'10'0,"13"1"-2"15,-25 3-2-15,13 1-1 16,-6 2 0-16,3 2-2 16,-2 5-1-1,-2 2 0-15,-1 9 1 0,-1 2-2 16,3 7 1-16,0 4-1 15,3 8-1-15,-1 0 0 16,8 6 1-16,-1 2-1 16,5-2 1-16,5 4-1 15,4-6 0-15,2 7-1 16,-1-7 2-16,4-1-1 16,-1-2 0-16,-2-7 0 0,-3 0 1 15,-1-6-1-15,-2-3 1 16,-6-4-1-16,-2-4 1 15,-5-4-1-15,-1-2 1 16,-6 1-1-16,1-5 0 16,-2 0 0-16,1-1 1 15,3-3-1-15,0-2 1 16,1-1-1-16,15-5 1 16,-19 10-1-16,19-10 1 15,0 0-1-15,0 0 0 16,3 13 1-16,-3-13-1 15,17 10 0-15,-3-10 0 16,-14 0 1-16,25 13 0 0,-9-3 0 16,-6 3-1-1,1 3 1-15,-5 2 0 16,-2 5 1-16,-4 1-1 16,-1 4 0-16,-8 4 1 0,-2 3-2 15,-3-2 3-15,-1 4 2 16,-1 0 3-16,1-2 4 15,2-2 0-15,-2-8 3 16,10 2-3-16,-1-8 3 16,8-1-3-16,2-4-3 15,-4-14-3-15,25 22-3 16,-8-12-2-16,5-2-2 16,-2 0 2-16,5-2-2 15,-4-2-18-15,4-5-16 16,-1-2-2-16,-7-3-3 15,-6 1-1-15,-11 5 18 16</inkml:trace>
+          <inkml:trace contextRef="#ctx0" brushRef="#br1" timeOffset="-8035.69">3834-169 14 0,'-13'-1'10'0,"13"1"-2"15,-25 3-2-15,13 1-1 16,-6 2 0-16,3 2-2 16,-2 5-1-1,-2 2 0-15,-1 9 1 0,-1 2-2 16,3 7 1-16,0 4-1 15,3 8-1-15,-1 0 0 16,8 6 1-16,-1 2-1 16,5-2 1-16,5 4-1 15,4-6 0-15,2 7-1 16,-1-7 2-16,4-1-1 16,-1-2 0-16,-2-7 0 0,-3 0 1 15,-1-6-1-15,-2-3 1 16,-6-4-1-16,-2-4 1 15,-5-4-1-15,-1-2 1 16,-6 1-1-16,1-5 0 16,-2 0 0-16,1-1 1 15,3-3-1-15,0-2 1 16,1-1-1-16,15-5 1 16,-19 10-1-16,19-10 1 15,0 0-1-15,0 0 0 16,3 13 1-16,-3-13-1 15,17 10 0-15,-3-10 0 16,-14 0 1-16,25 13 0 0,-9-3 0 16,-6 3-1-1,1 3 1-15,-5 2 0 16,-2 5 1-16,-4 1-1 16,-1 4 0-16,-8 4 1 0,-2 3-2 15,-3-2 3-15,-1 4 2 16,-1 0 3-16,1-2 4 15,2-2 0-15,-2-8 3 16,10 2-3-16,-1-8 3 16,8-1-3-16,2-4-3 15,-4-14-3-15,25 22-3 16,-8-12-2-16,5-2-2 16,-2 0 2-16,5-2-2 15,-4-2-18-15,4-5-16 16,-1-2-2-16,-7-3-3 15,-6 1-1-15,-11 5 18 16</inkml:trace>
         </inkml:traceGroup>
       </inkml:traceGroup>
     </inkml:traceGroup>
@@ -1174,7 +966,36 @@
 </inkml:ink>
 </file>
 
-<file path=ppt/ink/ink23.xml><?xml version="1.0" encoding="utf-8"?>
+<file path=ppt/ink/ink2.xml><?xml version="1.0" encoding="utf-8"?>
+<inkml:ink xmlns:inkml="http://www.w3.org/2003/InkML">
+  <inkml:definitions>
+    <inkml:context xml:id="ctx0">
+      <inkml:inkSource xml:id="inkSrc0">
+        <inkml:traceFormat>
+          <inkml:channel name="X" type="integer" min="-2.14748E9" max="2.14748E9" units="cm"/>
+          <inkml:channel name="Y" type="integer" min="-2.14748E9" max="2.14748E9" units="cm"/>
+          <inkml:channel name="F" type="integer" max="32767" units="dev"/>
+        </inkml:traceFormat>
+        <inkml:channelProperties>
+          <inkml:channelProperty channel="X" name="resolution" value="1000" units="1/cm"/>
+          <inkml:channelProperty channel="Y" name="resolution" value="1000" units="1/cm"/>
+          <inkml:channelProperty channel="F" name="resolution" value="0" units="1/dev"/>
+        </inkml:channelProperties>
+      </inkml:inkSource>
+      <inkml:timestamp xml:id="ts0" timeString="2018-11-07T09:16:19.528"/>
+    </inkml:context>
+    <inkml:brush xml:id="br0">
+      <inkml:brushProperty name="width" value="0.05" units="cm"/>
+      <inkml:brushProperty name="height" value="0.05" units="cm"/>
+    </inkml:brush>
+  </inkml:definitions>
+  <inkml:trace contextRef="#ctx0" brushRef="#br0">61 1420 5888,'-11'0'12965,"10"0"-12854,1 0 1,-1 0 0,1-1 0,-1 1-1,1 0 1,0 0 0,-1-1-1,1 1 1,0 0 0,-1-1-1,1 1 1,0-1 0,-1 1-1,1 0 1,0-1 0,0 1 0,-1-1-1,1 1 1,0-1 0,0 1-1,0 0 1,0-1 0,0 1-1,-1-1 1,1 0-112,-2-15-75,1 14 222,0-14-133,1 0 0,0 0 1,1-2-15,0-22-1,-4-45 59,-6-16-58,7 80-20,-8-43-21,6 43 42,1 0 0,1 0 0,1-3-1,-5-21 667,6 44-626,0 0 1,0-1 0,0 1-1,0 0 1,0-1-1,1 1 1,-1-1-1,0 1 1,1 0-1,-1 0 1,1-1-1,-1 1 1,1 0-1,0 0 1,-1-1-1,1 1 1,0 0-1,0 0 1,0 0-1,0 0 1,0 0-1,0 0 1,0 1-1,0-1 1,0 0-1,0 0 1,1 1-1,-1-1 1,0 1-1,0-1 1,1 1-1,-1-1 1,0 1-1,1 0 1,-1 0-1,0 0 1,2-1-42,22-2 136,0 2 1,0 0-1,24 2-136,4 1 130,170-5 200,-157 0-189,-43 0-60,0 2 0,0 1 0,2 1-81,30 2 118,42-4-118,-25 0 64,-72 1-58,1-1 1,0 1 0,-1 0-1,1 0 1,0-1 0,-1 1 0,1 0-1,0-1 1,-1 1 0,1 0 0,0-1-1,-1 1 1,1-1 0,-1 1-1,1-1 1,-1 1 0,1-1 0,-1 0-1,0 1 1,1-1 0,-1 0-1,1 1 1,-1-1 0,0 0 0,0 1-1,0-1 1,1 0 0,-1 0 0,0 1-1,0-1 1,0 0 0,0 1-1,0-1 1,0 0-7,-1-34 306,1 23-254,0-28-52,-2 0 0,-6-38 0,5 52 0,1 0 0,2 0 0,1-16 0,0-8 0,-1-77-69,0 126 106,0 1-26,0 0-86,0 0-58,0 0-171,0 0-235,0 0-511,-6-2-6395,6 0 2421</inkml:trace>
+  <inkml:trace contextRef="#ctx0" brushRef="#br0" timeOffset="811.722">617 293 5248,'0'0'1754,"-6"1"-509,6 1 6380,3-1-7308,-1 1 1,1-1 0,0 1 0,-1-1 0,1 0 0,0 0 0,0 0 0,0-1 0,0 1 0,0-1-1,2 1-317,40 0 1183,-32-2-769,163 5 2002,-147-9-1748,-25 4-651,-1 0 0,0 1-1,0-1 1,1 1-1,-1-1 1,0 1 0,1 0-1,-1 0 1,0 0 0,0 1-1,1-1 1,-1 1-1,0 0 1,1 0-17,-2 0 53,0 0 1,0-1-1,0 1 1,0-1-1,0 1 1,0-1-1,0 0 1,0 1-1,0-1-53,9 0-3192,-6 0 591,-9-3-3983,2 0 4144,-6 0-1810</inkml:trace>
+  <inkml:trace contextRef="#ctx0" brushRef="#br0" timeOffset="1793.816">599 300 4736,'-5'5'3868,"13"-5"716,10-5-999,-11 2-3119,-1-1 0,1 0 0,-1 0 1,0 0-1,0-1 0,0-1-466,7-5 307,61-54 269,-60 52-488,-1-1 0,0 0 0,-1-1 1,5-10-89,-7 11 68,26-42 6,-26 38-127,4-1 672,-14 19-617,0 0 0,0-1-1,1 1 1,-1 0 0,0 0 0,0-1 0,0 1-1,0 0 1,0 0 0,0-1 0,0 1 0,1 0-1,-1 0 1,0-1 0,0 1 0,0 0 0,1 0-1,-1 0 1,0 0 0,0-1 0,0 1 0,1 0-1,-1 0 1,0 0 0,0 0 0,1 0 0,-1 0-1,0-1 1,0 1 0,1 0 0,-1 0 0,0 0-1,1 0 1,-1 0 0,0 0 0,0 0 0,1 0-1,-1 0-1,2 12 185,2 10-91,15 44-25,-15-48-45,1 1 0,1-1 0,1-1 0,4 10-24,-4-13 79,-1 0 1,-1 1-1,0 0-79,7 20 343,-6-21-2220,-6-14-358</inkml:trace>
+</inkml:ink>
+</file>
+
+<file path=ppt/ink/ink20.xml><?xml version="1.0" encoding="utf-8"?>
 <inkml:ink xmlns:inkml="http://www.w3.org/2003/InkML">
   <inkml:definitions>
     <inkml:context xml:id="ctx0">
@@ -1214,7 +1035,7 @@
 </inkml:ink>
 </file>
 
-<file path=ppt/ink/ink24.xml><?xml version="1.0" encoding="utf-8"?>
+<file path=ppt/ink/ink21.xml><?xml version="1.0" encoding="utf-8"?>
 <inkml:ink xmlns:inkml="http://www.w3.org/2003/InkML">
   <inkml:definitions>
     <inkml:context xml:id="ctx0">
@@ -1273,11 +1094,11 @@
             </emma:emma>
           </inkml:annotationXML>
           <inkml:trace contextRef="#ctx0" brushRef="#br0">79-57 32 0,'0'0'17'0,"-8"24"-6"15,4 0-5-15,-2 10-4 16,-2 8-1-16,1 7-1 16,0 6 0-16,-2-2-2 15,2-1-2-15,-1-5-2 16,0-9-3-16,3-10-5 15,3-15-4-15,2-13 3 16,0 0 15-16</inkml:trace>
-          <inkml:trace contextRef="#ctx0" brushRef="#br0" timeOffset="451993.9652">76-234 64 0,'-20'6'30'0,"20"-6"-3"16,0 0-7-16,-23-4-6 16,23 4-2-16,0 0-3 15,0 0-20-15,0 0-12 16,0 0-8-16,0 0-2 15,23-7-1-15,-23 7-1 16</inkml:trace>
-          <inkml:trace contextRef="#ctx0" brushRef="#br0" timeOffset="656.3083">273 41 20 0,'8'-13'13'0,"-8"13"-5"0,0 0-4 16,0 0 0-16,0 0-2 15,0 0 1-15,0 0-1 16,0 0 2-16,-9-13 2 16,9 13 2-16,0 0 3 15,-15-15 1-15,15 15-1 16,-13-2 1-16,13 2-1 15,-20 5-1-15,20-5-3 16,-24 19-2-16,13-5-2 16,-2 4-2-16,3 0 0 15,1 2 0-15,5-2 0 16,4-2 0-16,5 0 0 0,5-4 0 16,6-2 0-16,3-6 0 15,2 0 1-15,3 1-1 16,0-1 1-16,-5 0 0 15,-1 0 0-15,-4 3-1 16,-14-7 0-16,12 21 0 16,-15-9 0-16,-7 2 0 15,-6 1-1-15,-5 0 0 16,-1 0 0-16,-5-1 0 16,0-4 0-16,2-2 1 15,1 2-1-15,4-3 0 16,4-3 0-16,16-4 0 15,-20 0-6-15,20 0-11 0,0 0-9 16,0 0-9-16,0 0 0 16,20-9-2-16,-7 12 14 15</inkml:trace>
-          <inkml:trace contextRef="#ctx0" brushRef="#br0" timeOffset="1076.5538">542 262 52 0,'-20'6'32'0,"20"-6"-4"16,-16 2-7-16,16-2-5 16,0 0 0-16,0 0-4 15,16-2-16-15,8-1-14 16,-2-2-11-16,9 0-6 0,4 0 0 16,-1 3-2-16,2 2 19 15</inkml:trace>
-          <inkml:trace contextRef="#ctx0" brushRef="#br0" timeOffset="1599.7154">1001 392 69 0,'-3'-13'34'16,"8"-1"-1"-16,3-10-11 15,3-2-6-15,6-8-4 16,7-5-7-16,2-4-4 16,2-1-1-16,1 2 0 15,0-1 0-15,-1 4 0 0,-1 5 0 16,-7 3 1-16,-2 11-2 16,-7 5 1-16,-11 15 0 15,13-10-1-15,-13 10 0 16,-6 21 1-16,3 0-1 15,-1 11 0-15,-6 6 0 16,6 6 0-16,1 5 1 16,3 2 0-16,6-4 0 15,-1-3 0-15,-1-6 0 16,5-4-9-16,0-12-8 16,1-4-5-16,-10-18-8 15,0 0-4-15,0 0-2 16,0 0 0-16,0 0 35 0</inkml:trace>
-          <inkml:trace contextRef="#ctx0" brushRef="#br0" timeOffset="1842.0664">992 256 35 0,'14'-8'20'15,"-2"5"-7"-15,7 0-8 0,7 0-5 16,0 1-7-16,0 0-10 16,5-1-4-1,0 5-1-15,-2-4 17 16,-3 7 5-16</inkml:trace>
+          <inkml:trace contextRef="#ctx0" brushRef="#br0" timeOffset="22497.235">76-234 64 0,'-20'6'30'0,"20"-6"-3"16,0 0-7-16,-23-4-6 16,23 4-2-16,0 0-3 15,0 0-20-15,0 0-12 16,0 0-8-16,0 0-2 15,23-7-1-15,-23 7-1 16</inkml:trace>
+          <inkml:trace contextRef="#ctx0" brushRef="#br0" timeOffset="656.308">273 41 20 0,'8'-13'13'0,"-8"13"-5"0,0 0-4 16,0 0 0-16,0 0-2 15,0 0 1-15,0 0-1 16,0 0 2-16,-9-13 2 16,9 13 2-16,0 0 3 15,-15-15 1-15,15 15-1 16,-13-2 1-16,13 2-1 15,-20 5-1-15,20-5-3 16,-24 19-2-16,13-5-2 16,-2 4-2-16,3 0 0 15,1 2 0-15,5-2 0 16,4-2 0-16,5 0 0 0,5-4 0 16,6-2 0-16,3-6 0 15,2 0 1-15,3 1-1 16,0-1 1-16,-5 0 0 15,-1 0 0-15,-4 3-1 16,-14-7 0-16,12 21 0 16,-15-9 0-16,-7 2 0 15,-6 1-1-15,-5 0 0 16,-1 0 0-16,-5-1 0 16,0-4 0-16,2-2 1 15,1 2-1-15,4-3 0 16,4-3 0-16,16-4 0 15,-20 0-6-15,20 0-11 0,0 0-9 16,0 0-9-16,0 0 0 16,20-9-2-16,-7 12 14 15</inkml:trace>
+          <inkml:trace contextRef="#ctx0" brushRef="#br0" timeOffset="1076.553">542 262 52 0,'-20'6'32'0,"20"-6"-4"16,-16 2-7-16,16-2-5 16,0 0 0-16,0 0-4 15,16-2-16-15,8-1-14 16,-2-2-11-16,9 0-6 0,4 0 0 16,-1 3-2-16,2 2 19 15</inkml:trace>
+          <inkml:trace contextRef="#ctx0" brushRef="#br0" timeOffset="1599.715">1001 392 69 0,'-3'-13'34'16,"8"-1"-1"-16,3-10-11 15,3-2-6-15,6-8-4 16,7-5-7-16,2-4-4 16,2-1-1-16,1 2 0 15,0-1 0-15,-1 4 0 0,-1 5 0 16,-7 3 1-16,-2 11-2 16,-7 5 1-16,-11 15 0 15,13-10-1-15,-13 10 0 16,-6 21 1-16,3 0-1 15,-1 11 0-15,-6 6 0 16,6 6 0-16,1 5 1 16,3 2 0-16,6-4 0 15,-1-3 0-15,-1-6 0 16,5-4-9-16,0-12-8 16,1-4-5-16,-10-18-8 15,0 0-4-15,0 0-2 16,0 0 0-16,0 0 35 0</inkml:trace>
+          <inkml:trace contextRef="#ctx0" brushRef="#br0" timeOffset="1842.066">992 256 35 0,'14'-8'20'15,"-2"5"-7"-15,7 0-8 0,7 0-5 16,0 1-7-16,0 0-10 16,5-1-4-1,0 5-1-15,-2-4 17 16,-3 7 5-16</inkml:trace>
         </inkml:traceGroup>
       </inkml:traceGroup>
     </inkml:traceGroup>
@@ -1285,7 +1106,7 @@
 </inkml:ink>
 </file>
 
-<file path=ppt/ink/ink25.xml><?xml version="1.0" encoding="utf-8"?>
+<file path=ppt/ink/ink22.xml><?xml version="1.0" encoding="utf-8"?>
 <inkml:ink xmlns:inkml="http://www.w3.org/2003/InkML">
   <inkml:definitions>
     <inkml:context xml:id="ctx0">
@@ -1351,7 +1172,7 @@
 </inkml:ink>
 </file>
 
-<file path=ppt/ink/ink26.xml><?xml version="1.0" encoding="utf-8"?>
+<file path=ppt/ink/ink23.xml><?xml version="1.0" encoding="utf-8"?>
 <inkml:ink xmlns:inkml="http://www.w3.org/2003/InkML">
   <inkml:definitions>
     <inkml:context xml:id="ctx0">
@@ -1390,7 +1211,7 @@
 </inkml:ink>
 </file>
 
-<file path=ppt/ink/ink27.xml><?xml version="1.0" encoding="utf-8"?>
+<file path=ppt/ink/ink24.xml><?xml version="1.0" encoding="utf-8"?>
 <inkml:ink xmlns:inkml="http://www.w3.org/2003/InkML">
   <inkml:definitions>
     <inkml:context xml:id="ctx0">
@@ -1432,7 +1253,7 @@
 </inkml:ink>
 </file>
 
-<file path=ppt/ink/ink28.xml><?xml version="1.0" encoding="utf-8"?>
+<file path=ppt/ink/ink25.xml><?xml version="1.0" encoding="utf-8"?>
 <inkml:ink xmlns:inkml="http://www.w3.org/2003/InkML">
   <inkml:definitions>
     <inkml:context xml:id="ctx0">
@@ -1473,7 +1294,7 @@
 </inkml:ink>
 </file>
 
-<file path=ppt/ink/ink29.xml><?xml version="1.0" encoding="utf-8"?>
+<file path=ppt/ink/ink26.xml><?xml version="1.0" encoding="utf-8"?>
 <inkml:ink xmlns:inkml="http://www.w3.org/2003/InkML">
   <inkml:definitions>
     <inkml:context xml:id="ctx0">
@@ -1535,7 +1356,7 @@
             </emma:emma>
           </inkml:annotationXML>
           <inkml:trace contextRef="#ctx0" brushRef="#br0">4501-97 49 0,'0'0'19'0,"-2"-16"-3"16,2 16-2 0,0 0-3-16,9-20-2 0,-9 20-2 15,15-19-2-15,-15 19 1 16,22-28 0-16,-8 15 0 15,4-8 1-15,1 5-1 16,1 2-2-16,0 0 0 16,-1-4-1-16,1 9-2 15,-3-7 0-15,0 6-1 16,-17 10 1-16,26-22-1 16,-26 22 0-16,19-16 1 0,-19 16-1 15,0 0 1 1,13-17 0-16,-13 17 0 15,0 0 0-15,0 0 0 16,0 0 0-16,0 0 2 0,0 0 2 16,0 0 1-16,0 0 0 15,0 0 0-15,0 0 0 16,14-5-1-16,-14 5 0 16,0 0-1-16,0 0-3 15,0 0-1-15,0 0 0 16,0 0 1-16,0 0-1 15,0 0 0-15,0 0 0 0,7 17 0 16,-7-17 0 0,0 0 0-16,0 0 0 15,8 16 0-15,-8-16 0 16,12 19 0-16,-12-19 0 0,12 27 0 16,-1-11 1-16,2 3-1 15,-3-1 0-15,8 0 0 16,2 0 0-16,-6-1 0 15,5-3 0-15,-1 1 0 16,-4 1-1-16,-14-16 2 16,27 26-2-16,-27-26 1 15,17 29 0-15,-17-29 0 16,13 26 0-16,-13-26 0 16,7 16 0-16,-7-16 0 15,0 0 0-15,0 0 0 16,0 0 0-16,0 0 0 15,0 0 1-15,0 0-1 0,0 0 0 16,0 0 0-16,0 0 0 16,0 0 0-16,0 0 0 15,0 0 0-15,7 18 0 16,-7-18 0-16,0 0 0 16,0 0 0-16,0 0 1 15,-18 0-1-15,18 0 0 16,0 0 1-16,-20-18-1 15,20 18 1-15,-20-8-1 16,20 8 0-16,-33-18 0 16,12 11 0-16,-3-1 0 15,-3 2 1-15,0 2-1 16,-3 0 1-16,0 3-1 0,1-2 0 16,3 2 1-16,-1-1-1 15,6 0 0-15,-1 1 1 16,5-1-1-1,-1-2 0-15,2-1 0 0,16 5 0 16,-27-7 0-16,27 7 0 16,-19-2 0-16,19 2 0 15,0 0-1-15,-16-4 1 16,16 4 0-16,0 0 0 16,0 0 0-16,0 0-14 15,0 0-5-15,0 0-7 16,0 0-8-16,0 0-2 15,-17 18-1-15,17-18 0 0,-6 30 4 16</inkml:trace>
-          <inkml:trace contextRef="#ctx0" brushRef="#br0" timeOffset="5251.9698">5364-122 40 0,'0'0'18'0,"0"0"-3"16,0 0 1-16,0 0 1 15,-17 0-1-15,17 0 1 16,0 0-2-16,0 0 0 0,-14-16 0 16,14 16-1-1,0 0-2-15,0-16-3 16,0 16-3-16,14-19-2 0,-5 3-2 16,-9 16-2-16,30-30 0 15,-10 10 0-15,-6 4 0 16,8-4 0-16,-5 3 0 15,1 1-1-15,-2 2 1 16,-16 14 0-16,27-25 0 16,-27 25-1-16,19-18 1 15,-19 18 0-15,14-15 0 16,-14 15 0-16,0 0 0 16,11-18 0-16,-11 18 0 15,0 0 1-15,0 0-1 16,0 0 0-16,16-11 0 15,-16 11 0-15,0 0 0 0,0 0 0 16,0 0 0-16,0 0 0 16,0 0-1-16,0 0 1 15,0 0 0-15,0 0 0 16,18 11 0-16,-18-11 0 16,0 0 0-16,0 0 0 15,0 0 0-15,0 0 0 16,-2 18 0-16,2-18 1 15,-5 15-1-15,5-15 0 16,-4 16 1-16,4-16-1 16,4 20 0-16,-4-20 0 15,10 24 0-15,-10-24 0 16,16 24 0-16,-16-24 0 0,27 28-1 16,-27-28 1-16,25 25 0 15,-25-25 0-15,21 25 0 16,-21-25 0-16,25 21 0 15,-25-21 0-15,23 13-1 16,-23-13 1-16,22 12 0 16,-22-12 0-16,21 10 0 15,-21-10 0-15,15 14 0 16,-15-14 0-16,0 0 0 16,13 18 0-16,-13-18 0 15,0 0 0-15,11 20 0 16,-11-20 0-16,0 0 0 15,0 0 0-15,18 14 0 0,-18-14 0 16,0 0 0-16,0 0 0 16,0 0-1-16,14 17 1 15,-14-17 0-15,0 0 0 16,5 18 0-16,-5-18 0 16,4 21 0-16,-4-21 0 15,5 17 0-15,-5-17 1 16,0 0-1-16,9 19 0 15,-9-19 0-15,0 0 0 16,0 0 0-16,16 16 0 16,-16-16 0-16,0 0 0 15,0 0 0-15,0 0 0 0,10 16 0 16,-10-16-1-16,0 0 1 16,0 0 0-16,0 0 0 15,0 0 0 1,0 0 1-16,0 0-1 0,0 0 0 15,0 0 0-15,0 0 0 16,-15 8 0-16,15-8 0 16,0 0 0-16,0 0 0 15,0 0 0-15,0 0 0 16,0 0 0-16,0 0 0 16,0 0 0-16,0 0 0 15,-18-7 0-15,18 7 1 16,-20-6-1-16,20 6 0 0,-26-9 0 15,8 6 0-15,2 0-1 16,0 0 1 0,0 3 1-16,0 0-1 15,0 0 0-15,-2 2 0 0,0-2 0 16,0 1 1-16,-1-1-1 16,2 3 0-16,-3-2 0 15,4-1 0-15,-2-1 1 16,18 1-1-16,-32-8 0 15,32 8 0-15,-32-9 0 16,18 2 0-16,14 7 1 16,-32-15-1-16,32 15 1 15,-31-15-1-15,17 12 0 16,14 3 0-16,-26-9 0 16,26 9-1-16,-30 0 1 15,30 0 0-15,-22 1 0 16,22-1 0-16,-17 2 0 0,17-2 0 15,-19 6 0-15,19-6 0 16,0 0-1-16,-22 3 1 16,22-3 1-16,0 0-1 15,-20 2 0-15,20-2 0 16,0 0 0-16,0 0 0 16,0 0 1-16,0 0-5 15,0 0-12-15,0 0-10 16,0 0-7-16,8 23-2 15,-8-23-2-15,7 25-1 16,-2-9-1-16</inkml:trace>
+          <inkml:trace contextRef="#ctx0" brushRef="#br0" timeOffset="5251.969">5364-122 40 0,'0'0'18'0,"0"0"-3"16,0 0 1-16,0 0 1 15,-17 0-1-15,17 0 1 16,0 0-2-16,0 0 0 0,-14-16 0 16,14 16-1-1,0 0-2-15,0-16-3 16,0 16-3-16,14-19-2 0,-5 3-2 16,-9 16-2-16,30-30 0 15,-10 10 0-15,-6 4 0 16,8-4 0-16,-5 3 0 15,1 1-1-15,-2 2 1 16,-16 14 0-16,27-25 0 16,-27 25-1-16,19-18 1 15,-19 18 0-15,14-15 0 16,-14 15 0-16,0 0 0 16,11-18 0-16,-11 18 0 15,0 0 1-15,0 0-1 16,0 0 0-16,16-11 0 15,-16 11 0-15,0 0 0 0,0 0 0 16,0 0 0-16,0 0 0 16,0 0-1-16,0 0 1 15,0 0 0-15,0 0 0 16,18 11 0-16,-18-11 0 16,0 0 0-16,0 0 0 15,0 0 0-15,0 0 0 16,-2 18 0-16,2-18 1 15,-5 15-1-15,5-15 0 16,-4 16 1-16,4-16-1 16,4 20 0-16,-4-20 0 15,10 24 0-15,-10-24 0 16,16 24 0-16,-16-24 0 0,27 28-1 16,-27-28 1-16,25 25 0 15,-25-25 0-15,21 25 0 16,-21-25 0-16,25 21 0 15,-25-21 0-15,23 13-1 16,-23-13 1-16,22 12 0 16,-22-12 0-16,21 10 0 15,-21-10 0-15,15 14 0 16,-15-14 0-16,0 0 0 16,13 18 0-16,-13-18 0 15,0 0 0-15,11 20 0 16,-11-20 0-16,0 0 0 15,0 0 0-15,18 14 0 0,-18-14 0 16,0 0 0-16,0 0 0 16,0 0-1-16,14 17 1 15,-14-17 0-15,0 0 0 16,5 18 0-16,-5-18 0 16,4 21 0-16,-4-21 0 15,5 17 0-15,-5-17 1 16,0 0-1-16,9 19 0 15,-9-19 0-15,0 0 0 16,0 0 0-16,16 16 0 16,-16-16 0-16,0 0 0 15,0 0 0-15,0 0 0 0,10 16 0 16,-10-16-1-16,0 0 1 16,0 0 0-16,0 0 0 15,0 0 0 1,0 0 1-16,0 0-1 0,0 0 0 15,0 0 0-15,0 0 0 16,-15 8 0-16,15-8 0 16,0 0 0-16,0 0 0 15,0 0 0-15,0 0 0 16,0 0 0-16,0 0 0 16,0 0 0-16,0 0 0 15,-18-7 0-15,18 7 1 16,-20-6-1-16,20 6 0 0,-26-9 0 15,8 6 0-15,2 0-1 16,0 0 1 0,0 3 1-16,0 0-1 15,0 0 0-15,-2 2 0 0,0-2 0 16,0 1 1-16,-1-1-1 16,2 3 0-16,-3-2 0 15,4-1 0-15,-2-1 1 16,18 1-1-16,-32-8 0 15,32 8 0-15,-32-9 0 16,18 2 0-16,14 7 1 16,-32-15-1-16,32 15 1 15,-31-15-1-15,17 12 0 16,14 3 0-16,-26-9 0 16,26 9-1-16,-30 0 1 15,30 0 0-15,-22 1 0 16,22-1 0-16,-17 2 0 0,17-2 0 15,-19 6 0-15,19-6 0 16,0 0-1-16,-22 3 1 16,22-3 1-16,0 0-1 15,-20 2 0-15,20-2 0 16,0 0 0-16,0 0 0 16,0 0 1-16,0 0-5 15,0 0-12-15,0 0-10 16,0 0-7-16,8 23-2 15,-8-23-2-15,7 25-1 16,-2-9-1-16</inkml:trace>
         </inkml:traceGroup>
       </inkml:traceGroup>
     </inkml:traceGroup>
@@ -1543,50 +1364,7 @@
 </inkml:ink>
 </file>
 
-<file path=ppt/ink/ink3.xml><?xml version="1.0" encoding="utf-8"?>
-<inkml:ink xmlns:inkml="http://www.w3.org/2003/InkML">
-  <inkml:definitions>
-    <inkml:context xml:id="ctx0">
-      <inkml:inkSource xml:id="inkSrc0">
-        <inkml:traceFormat>
-          <inkml:channel name="X" type="integer" max="25740" units="cm"/>
-          <inkml:channel name="Y" type="integer" max="14520" units="cm"/>
-          <inkml:channel name="F" type="integer" max="255" units="dev"/>
-          <inkml:channel name="T" type="integer" max="2.14748E9" units="dev"/>
-        </inkml:traceFormat>
-        <inkml:channelProperties>
-          <inkml:channelProperty channel="X" name="resolution" value="1000" units="1/cm"/>
-          <inkml:channelProperty channel="Y" name="resolution" value="1000" units="1/cm"/>
-          <inkml:channelProperty channel="F" name="resolution" value="0" units="1/dev"/>
-          <inkml:channelProperty channel="T" name="resolution" value="1" units="1/dev"/>
-        </inkml:channelProperties>
-      </inkml:inkSource>
-      <inkml:timestamp xml:id="ts0" timeString="2014-05-27T06:20:00.690"/>
-    </inkml:context>
-    <inkml:brush xml:id="br0">
-      <inkml:brushProperty name="width" value="0.07" units="cm"/>
-      <inkml:brushProperty name="height" value="0.07" units="cm"/>
-      <inkml:brushProperty name="fitToCurve" value="1"/>
-    </inkml:brush>
-  </inkml:definitions>
-  <inkml:traceGroup>
-    <inkml:annotationXML>
-      <emma:emma xmlns:emma="http://www.w3.org/2003/04/emma" version="1.0">
-        <emma:interpretation id="{187E4012-29DD-4124-A64A-AB9E031CC219}" emma:medium="tactile" emma:mode="ink">
-          <msink:context xmlns:msink="http://schemas.microsoft.com/ink/2010/main" type="inkDrawing" rotatedBoundingBox="17843,4332 20341,6452 19851,7030 17352,4910" semanticType="callout" shapeName="Other">
-            <msink:sourceLink direction="to" ref="{0D72961C-140C-4217-A4E6-2598294EDEDF}"/>
-            <msink:sourceLink direction="from" ref="{DF6F0484-9914-422B-98C6-705DEB380A2B}"/>
-          </msink:context>
-        </emma:interpretation>
-      </emma:emma>
-    </inkml:annotationXML>
-    <inkml:trace contextRef="#ctx0" brushRef="#br0">1803 1566 38 0,'-13'-18'19'0,"-1"-6"1"16,-8 2-2-16,0-5 2 16,-1 2 0-16,-4-6-2 15,3 4-3-15,-4-1-1 16,2 6-3-16,-4-1-2 15,4-1-4-15,-4-3-4 16,0 5 0-16,-3-3-1 16,4-2 1-16,-6-2-1 15,2-5 1-15,-3-1-1 16,0-1 0-16,3 2 1 16,-2-2-1-16,-1 2 0 15,3-4 0-15,-1 4 0 16,5 5 0-16,-4-4 0 0,0 3 0 15,-1-3 0-15,0 2 0 16,-3-5-1-16,-4 4 2 16,-1-3-1-16,-1-2 2 15,0 4-2-15,5 1 1 16,-4 3 0-16,6 0 0 16,3 6-1-16,2-1 0 15,1 2 1-15,2 0-1 16,0 0 0-16,0-2-1 15,-2-1 2-15,-1-2-2 16,0 1 1-16,3 0 0 16,-2-1 0-16,2 4 1 15,-3 0-1-15,4 3 0 0,4 2 1 16,2 3-1-16,1 4 0 16,2 2 0-16,3 1 1 15,15 8-2-15,-19-10 1 16,19 10 0-16,-21-14 0 15,21 14 0-15,-17-17 0 16,17 17 0-16,-21-18 0 16,6 9 0-16,15 9 0 15,-24-10 1-15,24 10-1 16,-16 0 1-16,16 0 0 16,0 0-1-16,-4 19-11 15,4-19-5-15,9 21-7 16,-9-21-6-16,23 28-5 0,-11-12 0 15,3 3-1-15,-4 2-1 16</inkml:trace>
-    <inkml:trace contextRef="#ctx0" brushRef="#br0" timeOffset="819.3748">166 363 44 0,'-14'-9'20'16,"14"9"3"-16,0 0-1 16,-14-4-1-16,14 4-2 15,-15-8-4-15,15 8-2 16,-12-23 0-16,3 4-3 16,4-2-3-16,-2-4-4 15,-4-3-1-15,0-6-2 0,1 4 1 16,-6-4-1-1,0-1 0-15,-2 4 1 16,1 7-1-16,2 0 1 16,-1 7 0-16,4 4 0 0,12 13 0 15,-15-12-1-15,15 12 1 16,0 0 0-16,0 0-1 16,17 14 1-16,-17-14-1 15,32 10 0-15,-12-6 0 16,7-1-1-16,0-1 2 15,7-4-1-15,-2-1 0 16,6-1 0-16,0-2 1 16,1 4-1-16,0-3 1 15,-1 2-1-15,-1 0 0 16,-4 0 0-16,-2 1 1 16,-8 1-1-16,0 2 0 15,-7-1 0-15,-16 0 0 0,21 2 0 16,-21-2 0-16,0 0 0 15,0 0 0-15,0 0 0 16,1 18 0-16,-1-18 0 16,-13 22 0-16,0-7 0 15,-1 5 0-15,-4 7 0 16,-7 4-1-16,-1 4 0 16,-4 0 1-16,-5 3-1 15,0 0 0-15,3-1 1 16,-1-7-1-16,2-1 1 15,7-9-1-15,4-3 1 16,5-7-1-16,15-10 1 16,-13 5-1-16,13-5-14 0,0 0-7 15,0 0-8-15,21-9-2 16,-21 9-2-16,15 6-1 16,-15-6 0-16</inkml:trace>
-  </inkml:traceGroup>
-</inkml:ink>
-</file>
-
-<file path=ppt/ink/ink30.xml><?xml version="1.0" encoding="utf-8"?>
+<file path=ppt/ink/ink27.xml><?xml version="1.0" encoding="utf-8"?>
 <inkml:ink xmlns:inkml="http://www.w3.org/2003/InkML">
   <inkml:definitions>
     <inkml:context xml:id="ctx0">
@@ -1625,7 +1403,7 @@
 </inkml:ink>
 </file>
 
-<file path=ppt/ink/ink31.xml><?xml version="1.0" encoding="utf-8"?>
+<file path=ppt/ink/ink28.xml><?xml version="1.0" encoding="utf-8"?>
 <inkml:ink xmlns:inkml="http://www.w3.org/2003/InkML">
   <inkml:definitions>
     <inkml:context xml:id="ctx0">
@@ -1655,7 +1433,7 @@
 </inkml:ink>
 </file>
 
-<file path=ppt/ink/ink32.xml><?xml version="1.0" encoding="utf-8"?>
+<file path=ppt/ink/ink29.xml><?xml version="1.0" encoding="utf-8"?>
 <inkml:ink xmlns:inkml="http://www.w3.org/2003/InkML">
   <inkml:definitions>
     <inkml:context xml:id="ctx0">
@@ -1694,7 +1472,36 @@
 </inkml:ink>
 </file>
 
-<file path=ppt/ink/ink33.xml><?xml version="1.0" encoding="utf-8"?>
+<file path=ppt/ink/ink3.xml><?xml version="1.0" encoding="utf-8"?>
+<inkml:ink xmlns:inkml="http://www.w3.org/2003/InkML">
+  <inkml:definitions>
+    <inkml:context xml:id="ctx0">
+      <inkml:inkSource xml:id="inkSrc0">
+        <inkml:traceFormat>
+          <inkml:channel name="X" type="integer" min="-2.14748E9" max="2.14748E9" units="cm"/>
+          <inkml:channel name="Y" type="integer" min="-2.14748E9" max="2.14748E9" units="cm"/>
+          <inkml:channel name="F" type="integer" max="32767" units="dev"/>
+        </inkml:traceFormat>
+        <inkml:channelProperties>
+          <inkml:channelProperty channel="X" name="resolution" value="1000" units="1/cm"/>
+          <inkml:channelProperty channel="Y" name="resolution" value="1000" units="1/cm"/>
+          <inkml:channelProperty channel="F" name="resolution" value="0" units="1/dev"/>
+        </inkml:channelProperties>
+      </inkml:inkSource>
+      <inkml:timestamp xml:id="ts0" timeString="2018-11-07T09:16:23.178"/>
+    </inkml:context>
+    <inkml:brush xml:id="br0">
+      <inkml:brushProperty name="width" value="0.05" units="cm"/>
+      <inkml:brushProperty name="height" value="0.05" units="cm"/>
+    </inkml:brush>
+  </inkml:definitions>
+  <inkml:trace contextRef="#ctx0" brushRef="#br0">1103 1374 6528,'-1'-1'328,"0"1"1,1-1-1,-1 1 0,0-1 1,1 0-1,-1 1 0,1-1 1,-1 0-1,1 0 0,0 1 1,-1-1-1,1 0 1,0 0-1,-1 0 0,1 1 1,0-1-1,0 0 0,0 0 1,0 0-1,0 0 0,0 1 1,0-1-1,0 0-328,0-28 2427,1 18-2305,0-5 377,0 0 1,4-12-500,1-17 137,2-143 1057,-8 187-1172,0 1-1,0 0 0,0-1 0,-1 1 0,1 0 1,0-1-1,0 1 0,-1 0 0,1 0 0,0-1 0,0 1 1,-1 0-1,1 0 0,0-1 0,-1 1 0,1 0 1,0 0-1,-1 0 0,1 0 0,-1 0 0,1-1 0,0 1 1,-1 0-1,1 0 0,0 0 0,-1 0 0,1 0-21,-17-2 848,6 1-449,-7-4-81,0 1 1,-1 0-1,1 2 1,-19-1-319,-76 5 621,35 0-212,-36-5 1532,-54-10-1941,141 12 101,-1 0-1,1 2 1,-1 1 0,1 1-1,0 2 1,0 0-1,-21 8-100,35-6-8,12-6 21,0 0-1,0-1 0,0 1 0,0 0 1,0-1-1,0 1 0,0-1 0,-1 1 1,1-1-1,0 0 0,0 1 0,0-1 0,0 0 1,-1 0-1,1 1 0,0-1 0,0 0 1,0-1-1,-1 1 0,1 0 0,0 0 1,-1 0-13,1-3 4,0 0 0,0 0 0,0 1 1,0-1-1,1 0 0,-1 0 0,1 0 1,0 0-1,0 0 0,0-2-4,15-310-1433,-9 241 1282,-4-9-1240,-3-4 1391,0 7-1014,8 79-6319,-1-1 2800</inkml:trace>
+  <inkml:trace contextRef="#ctx0" brushRef="#br0" timeOffset="668.026">50 349 3840,'-1'0'60,"-6"-3"2794,6 9 6424,2-5-9023,0 0 1,0 0 0,0 0 0,1 0 0,-1-1 0,0 1 0,1 0 0,-1-1-1,0 1 1,1 0 0,-1-1 0,1 0 0,-1 1-256,3 0 503,2 0-234,1 1 1,0-1-1,0-1 1,0 1-1,0-1 1,0 0-1,6-2-269,12 1 327,77 7 456,4 0 439,-76-9-2478,-28 3 424,-1-1-1,0 1 0,1-1 1,-1 1-1,1-1 0,-1 0 0,0 1 1,0-1-1,1 0 0,-1 0 1,0 0 832,-1 1-184,0 0 0,0 0 0,1 0 0,-1 0 1,0 0-1,0 0 0,0-1 0,0 1 0,0 0 0,0 0 1,0 0-1,0 0 0,0 0 0,0 0 0,0-1 1,1 1-1,-1 0 0,0 0 0,0 0 0,0 0 1,0 0-1,0 0 0,0-1 0,0 1 0,0 0 0,0 0 1,0 0-1,0 0 0,0 0 0,0-1 0,-1 1 1,1 0-1,0 0 0,0 0 0,0 0 0,0 0 1,0 0 182,0-1-1192,-1 0-1628</inkml:trace>
+  <inkml:trace contextRef="#ctx0" brushRef="#br0" timeOffset="1445.981">10 371 5120,'-10'6'6778,"11"-6"-5263,5-5 2549,7-7-2842,-7 6-668,22-20-256,-2-2 1,0-1 0,-2-1-1,-1-1 1,-2-1 0,2-5-299,-4 7 60,-14 23-45,0 0 0,0-1 0,-1 0 0,0 1 0,0-1 0,-1 0 0,0-1-15,5-6 22,-6 13-20,-1 0 0,0 0-1,0 0 1,0 0 0,0 0 0,0 0-1,0 0 1,-1 0 0,1 0-1,-1 0 1,1 0 0,-1 0 0,0 0-1,0-1 1,0 0-2,16 74 1301,0 7 123,8 12-1424,-20-77 124,0 1-1,1-1 1,0 0-1,1-1 1,0 1 0,9 10-124,-15-22 17,1 0 0,-1-1 1,1 1-1,-1 0 0,1 0 1,-1 0-1,0 0 0,0 0 0,1 0 1,-1 0-1,0 0 0,0 0 1,0 0-1,0 0-17,-3 4-1625,-4-7-4331,4-1 1519,0-2-288</inkml:trace>
+</inkml:ink>
+</file>
+
+<file path=ppt/ink/ink30.xml><?xml version="1.0" encoding="utf-8"?>
 <inkml:ink xmlns:inkml="http://www.w3.org/2003/InkML">
   <inkml:definitions>
     <inkml:context xml:id="ctx0">
@@ -1733,7 +1540,7 @@
 </inkml:ink>
 </file>
 
-<file path=ppt/ink/ink34.xml><?xml version="1.0" encoding="utf-8"?>
+<file path=ppt/ink/ink31.xml><?xml version="1.0" encoding="utf-8"?>
 <inkml:ink xmlns:inkml="http://www.w3.org/2003/InkML">
   <inkml:definitions>
     <inkml:context xml:id="ctx0">
@@ -1772,7 +1579,7 @@
 </inkml:ink>
 </file>
 
-<file path=ppt/ink/ink35.xml><?xml version="1.0" encoding="utf-8"?>
+<file path=ppt/ink/ink32.xml><?xml version="1.0" encoding="utf-8"?>
 <inkml:ink xmlns:inkml="http://www.w3.org/2003/InkML">
   <inkml:definitions>
     <inkml:context xml:id="ctx0">
@@ -1809,7 +1616,7 @@
 </inkml:ink>
 </file>
 
-<file path=ppt/ink/ink36.xml><?xml version="1.0" encoding="utf-8"?>
+<file path=ppt/ink/ink33.xml><?xml version="1.0" encoding="utf-8"?>
 <inkml:ink xmlns:inkml="http://www.w3.org/2003/InkML">
   <inkml:definitions>
     <inkml:context xml:id="ctx0">
@@ -1870,7 +1677,7 @@
             </emma:emma>
           </inkml:annotationXML>
           <inkml:trace contextRef="#ctx0" brushRef="#br0">27 32 107 0,'-16'-21'33'16,"16"21"-4"-16,-16-16-12 15,16 16-3-15,0 0-8 16,0 0-23-16,0 0-8 16,0 0-7-16,18 21-3 15,-7-3 1-15,1 7-2 0,1 1 10 16</inkml:trace>
-          <inkml:trace contextRef="#ctx0" brushRef="#br0" timeOffset="-524.3847">127 442 60 0,'2'-21'24'15,"-6"-2"4"-15,4 23-5 16,-7-21-3-16,7 21-3 16,0 0-3-16,0 0-1 15,-16 25-2-15,13-1-6 0,0 12-5 16,0 7 1-16,0 4-1 16,2 6 1-1,1 3-1-15,-2-5 0 16,4-3-10-16,-6-12-4 0,6-5-5 15,-6-13-3-15,4-18-5 16,-5 18-3-16,5-18-3 16,0 0-1-16,0 0 9 15</inkml:trace>
+          <inkml:trace contextRef="#ctx0" brushRef="#br0" timeOffset="-524.385">127 442 60 0,'2'-21'24'15,"-6"-2"4"-15,4 23-5 16,-7-21-3-16,7 21-3 16,0 0-3-16,0 0-1 15,-16 25-2-15,13-1-6 0,0 12-5 16,0 7 1-16,0 4-1 16,2 6 1-1,1 3-1-15,-2-5 0 16,4-3-10-16,-6-12-4 0,6-5-5 15,-6-13-3-15,4-18-5 16,-5 18-3-16,5-18-3 16,0 0-1-16,0 0 9 15</inkml:trace>
         </inkml:traceGroup>
       </inkml:traceGroup>
     </inkml:traceGroup>
@@ -1878,7 +1685,7 @@
 </inkml:ink>
 </file>
 
-<file path=ppt/ink/ink37.xml><?xml version="1.0" encoding="utf-8"?>
+<file path=ppt/ink/ink34.xml><?xml version="1.0" encoding="utf-8"?>
 <inkml:ink xmlns:inkml="http://www.w3.org/2003/InkML">
   <inkml:definitions>
     <inkml:context xml:id="ctx0">
@@ -1917,7 +1724,7 @@
 </inkml:ink>
 </file>
 
-<file path=ppt/ink/ink38.xml><?xml version="1.0" encoding="utf-8"?>
+<file path=ppt/ink/ink35.xml><?xml version="1.0" encoding="utf-8"?>
 <inkml:ink xmlns:inkml="http://www.w3.org/2003/InkML">
   <inkml:definitions>
     <inkml:context xml:id="ctx0">
@@ -1956,7 +1763,7 @@
 </inkml:ink>
 </file>
 
-<file path=ppt/ink/ink39.xml><?xml version="1.0" encoding="utf-8"?>
+<file path=ppt/ink/ink36.xml><?xml version="1.0" encoding="utf-8"?>
 <inkml:ink xmlns:inkml="http://www.w3.org/2003/InkML">
   <inkml:definitions>
     <inkml:context xml:id="ctx0">
@@ -1995,76 +1802,7 @@
 </inkml:ink>
 </file>
 
-<file path=ppt/ink/ink4.xml><?xml version="1.0" encoding="utf-8"?>
-<inkml:ink xmlns:inkml="http://www.w3.org/2003/InkML">
-  <inkml:definitions>
-    <inkml:context xml:id="ctx0">
-      <inkml:inkSource xml:id="inkSrc0">
-        <inkml:traceFormat>
-          <inkml:channel name="X" type="integer" max="25740" units="cm"/>
-          <inkml:channel name="Y" type="integer" max="14520" units="cm"/>
-          <inkml:channel name="F" type="integer" max="255" units="dev"/>
-          <inkml:channel name="T" type="integer" max="2.14748E9" units="dev"/>
-        </inkml:traceFormat>
-        <inkml:channelProperties>
-          <inkml:channelProperty channel="X" name="resolution" value="1000" units="1/cm"/>
-          <inkml:channelProperty channel="Y" name="resolution" value="1000" units="1/cm"/>
-          <inkml:channelProperty channel="F" name="resolution" value="0" units="1/dev"/>
-          <inkml:channelProperty channel="T" name="resolution" value="1" units="1/dev"/>
-        </inkml:channelProperties>
-      </inkml:inkSource>
-      <inkml:timestamp xml:id="ts0" timeString="2014-05-27T06:19:56.882"/>
-    </inkml:context>
-    <inkml:brush xml:id="br0">
-      <inkml:brushProperty name="width" value="0.07" units="cm"/>
-      <inkml:brushProperty name="height" value="0.07" units="cm"/>
-      <inkml:brushProperty name="fitToCurve" value="1"/>
-    </inkml:brush>
-  </inkml:definitions>
-  <inkml:traceGroup>
-    <inkml:annotationXML>
-      <emma:emma xmlns:emma="http://www.w3.org/2003/04/emma" version="1.0">
-        <emma:interpretation id="{AD64680D-38FB-4024-98CB-BC47737773C2}" emma:medium="tactile" emma:mode="ink">
-          <msink:context xmlns:msink="http://schemas.microsoft.com/ink/2010/main" type="writingRegion" rotatedBoundingBox="12147,4778 12981,4778 12981,5459 12147,5459"/>
-        </emma:interpretation>
-      </emma:emma>
-    </inkml:annotationXML>
-    <inkml:traceGroup>
-      <inkml:annotationXML>
-        <emma:emma xmlns:emma="http://www.w3.org/2003/04/emma" version="1.0">
-          <emma:interpretation id="{BF2F0818-A17E-4003-B2F9-346BB13B2BD9}" emma:medium="tactile" emma:mode="ink">
-            <msink:context xmlns:msink="http://schemas.microsoft.com/ink/2010/main" type="paragraph" rotatedBoundingBox="12147,4778 12981,4778 12981,5459 12147,5459" alignmentLevel="1"/>
-          </emma:interpretation>
-        </emma:emma>
-      </inkml:annotationXML>
-      <inkml:traceGroup>
-        <inkml:annotationXML>
-          <emma:emma xmlns:emma="http://www.w3.org/2003/04/emma" version="1.0">
-            <emma:interpretation id="{CBDE9D44-B2AC-4526-906B-05D0E40B3FDE}" emma:medium="tactile" emma:mode="ink">
-              <msink:context xmlns:msink="http://schemas.microsoft.com/ink/2010/main" type="line" rotatedBoundingBox="12147,4778 12981,4778 12981,5459 12147,5459"/>
-            </emma:interpretation>
-          </emma:emma>
-        </inkml:annotationXML>
-        <inkml:traceGroup>
-          <inkml:annotationXML>
-            <emma:emma xmlns:emma="http://www.w3.org/2003/04/emma" version="1.0">
-              <emma:interpretation id="{9A219162-6096-4191-B2A4-FE053699D232}" emma:medium="tactile" emma:mode="ink">
-                <msink:context xmlns:msink="http://schemas.microsoft.com/ink/2010/main" type="inkWord" rotatedBoundingBox="12147,4778 12981,4778 12981,5459 12147,5459">
-                  <msink:destinationLink direction="with" ref="{A771E4B8-E1C9-48DC-9C2D-250FACD9BE69}"/>
-                  <msink:destinationLink direction="to" ref="{ABDB330D-9D73-482F-88A6-486B2464D722}"/>
-                </msink:context>
-              </emma:interpretation>
-            </emma:emma>
-          </inkml:annotationXML>
-          <inkml:trace contextRef="#ctx0" brushRef="#br0">44 103 46 0,'0'0'22'16,"-14"6"0"-16,14-6-4 15,-13 6 1-15,13-6-5 16,0 0 1-16,0 0-2 16,0 0-1-16,0 0-3 15,16 0-3-15,1-1-1 16,4-4-5-16,6-2 0 15,4 0 1-15,4-2-1 16,3 2 0-16,5-4 0 16,-2 1 0-16,0 0 1 0,1 1-1 15,1 1 0-15,-4 1 0 16,-2 1 0-16,-3-2 1 16,-6 5-1-16,-2-3 0 15,-5 6 0-15,-6-3-1 16,-15 3 1-16,13 4-1 15,-13-4 1-15,0 0 0 16,-20 20-1-16,20-20 1 16,-24 24-1-16,12-8 1 15,-2 2 0-15,-3 0 0 16,2 8-1-16,-1 2 1 16,-2 2-1-16,0 5 1 0,2 1 0 15,-4 2-1-15,3 1 0 16,-2-2 1-16,1-5-1 15,0-1 1-15,3-4 0 16,1-7 0-16,1-4-1 16,-1-7 1-16,0-3 1 15,2-7-1-15,-2-5 0 16,-1-6 1-16,-3-8 0 16,2-4-1-16,-3-9 1 15,-2-6 0-15,-4-3-1 16,3 0 1-16,-5 1-1 15,2 3 1-15,3 6-1 16,4 5 0-16,0 11 1 0,3 8-4 16,15 8-13-16,0 0-8 15,0 0-7-15,-7 17-2 16,7-17-2 0,19 20-1-16,-4-9 13 0</inkml:trace>
-        </inkml:traceGroup>
-      </inkml:traceGroup>
-    </inkml:traceGroup>
-  </inkml:traceGroup>
-</inkml:ink>
-</file>
-
-<file path=ppt/ink/ink40.xml><?xml version="1.0" encoding="utf-8"?>
+<file path=ppt/ink/ink37.xml><?xml version="1.0" encoding="utf-8"?>
 <inkml:ink xmlns:inkml="http://www.w3.org/2003/InkML">
   <inkml:definitions>
     <inkml:context xml:id="ctx0">
@@ -2103,7 +1841,7 @@
 </inkml:ink>
 </file>
 
-<file path=ppt/ink/ink41.xml><?xml version="1.0" encoding="utf-8"?>
+<file path=ppt/ink/ink38.xml><?xml version="1.0" encoding="utf-8"?>
 <inkml:ink xmlns:inkml="http://www.w3.org/2003/InkML">
   <inkml:definitions>
     <inkml:context xml:id="ctx0">
@@ -2136,7 +1874,7 @@
 </inkml:ink>
 </file>
 
-<file path=ppt/ink/ink42.xml><?xml version="1.0" encoding="utf-8"?>
+<file path=ppt/ink/ink39.xml><?xml version="1.0" encoding="utf-8"?>
 <inkml:ink xmlns:inkml="http://www.w3.org/2003/InkML">
   <inkml:definitions>
     <inkml:context xml:id="ctx0">
@@ -2169,7 +1907,36 @@
 </inkml:ink>
 </file>
 
-<file path=ppt/ink/ink43.xml><?xml version="1.0" encoding="utf-8"?>
+<file path=ppt/ink/ink4.xml><?xml version="1.0" encoding="utf-8"?>
+<inkml:ink xmlns:inkml="http://www.w3.org/2003/InkML">
+  <inkml:definitions>
+    <inkml:context xml:id="ctx0">
+      <inkml:inkSource xml:id="inkSrc0">
+        <inkml:traceFormat>
+          <inkml:channel name="X" type="integer" min="-2.14748E9" max="2.14748E9" units="cm"/>
+          <inkml:channel name="Y" type="integer" min="-2.14748E9" max="2.14748E9" units="cm"/>
+          <inkml:channel name="F" type="integer" max="32767" units="dev"/>
+        </inkml:traceFormat>
+        <inkml:channelProperties>
+          <inkml:channelProperty channel="X" name="resolution" value="1000" units="1/cm"/>
+          <inkml:channelProperty channel="Y" name="resolution" value="1000" units="1/cm"/>
+          <inkml:channelProperty channel="F" name="resolution" value="0" units="1/dev"/>
+        </inkml:channelProperties>
+      </inkml:inkSource>
+      <inkml:timestamp xml:id="ts0" timeString="2018-11-07T09:16:30.308"/>
+    </inkml:context>
+    <inkml:brush xml:id="br0">
+      <inkml:brushProperty name="width" value="0.05" units="cm"/>
+      <inkml:brushProperty name="height" value="0.05" units="cm"/>
+    </inkml:brush>
+  </inkml:definitions>
+  <inkml:trace contextRef="#ctx0" brushRef="#br0">1084 1375 4992,'-2'-1'9076,"1"-2"-3842,1-6-2651,3-10-3455,7-24 950,-2 0 0,-2 0 0,-1-15-78,2-9 0,-2 34 2,-1 3 117,-2 0 0,0-3-119,-2 28 41,0 0 0,-1 0 0,0 0 0,0 0 0,0 0 0,-1-3-41,1 6 32,1 0 0,-1 1 0,1-1 0,-1 1 0,0-1 0,0 1 0,0-1 0,0 1 0,0-1 0,0 1 0,-1 0 0,1 0 0,0-1 0,-1 1 0,1 0 0,0 0 0,-1 0 0,0 0 0,0 0-32,-17-4 256,0 1 0,-1 1 1,1 0-1,-1 2 1,0 0-1,0 1 0,-2 1-256,-12-1 467,-300 0 1032,199 4-998,-27-2-85,162-2-415,-1-1 1,1 1-1,-1 0 0,1-1 1,-1 1-1,1-1 1,-1 1-1,1-1 0,0 1 1,-1-1-1,1 1 0,0-1 1,-1 1-1,1-1 1,0 1-1,0-1 0,-1 1 1,1-1-1,0 0 0,0 1 1,0-1-1,0 0 1,0 1-1,0-1 0,0 1 1,0-1-1,0 0 1,0 0-2,1-25-99,-1 20 164,1-69-256,0 7-12,-4-19 203,-1 53 23,0-21-41,0 11 135,2 9-186,0 31-152,2 4 40,0 0 0,0-1 0,0 1 1,0 0-1,0 0 0,0 0 0,0 0 0,0 0 0,-1 0 0,1 0 0,0 0 0,0 0 0,0-1 1,0 1-1,0 0 0,0 0 0,0 0 0,0 0 0,0 0 0,0 0 0,0-1 0,0 1 0,0 0 1,0 0-1,0 0 0,0 0 0,0 0 0,0 0 0,0 0 0,0-1 0,1 1 0,-1 0 0,0 0 0,0 0 1,0 0-1,0 0 0,0 0 0,0 0 0,0 0 0,0 0 0,0-1 0,0 1 0,1 0 0,-1 0 1,0 0-1,0 0 0,0 0 0,0 0 0,0 0 0,0 0 0,0 0 0,0 0 0,1 0 0,-1 0 1,0 0 179,2-1-5278</inkml:trace>
+  <inkml:trace contextRef="#ctx0" brushRef="#br0" timeOffset="780.057">26 397 4992,'-2'-2'8585,"4"4"-2493,3 1-5442,-1-1-266,0 0-1,1 0 0,-1 0 0,0-1 1,1 0-1,0 0 0,-1 0 0,1 0 1,3 0-384,45-1 643,-27-1-506,58 5-100,-34 1 363,55-5 469,-76-5-825,-3-2 19,-7 4-27,14-1-237,-23 2-1385,-9 0-1864,-6-2-2063,-1 1 633</inkml:trace>
+  <inkml:trace contextRef="#ctx0" brushRef="#br0" timeOffset="1870.834">1 403 4736,'0'0'1589,"0"0"-816,0 0 289,0 0 234,0 0-22,0 0-4,0 0-113,12-1 1382,-4-1-1994,1-1 1,-2-1-1,1 0 1,0 0 0,-1 0-1,0-1 1,0 0 0,1-1-546,11-10 164,0-2 0,0-2-164,2-2 213,16-26-213,-25 30 6,9-18-6,-2 2-1,-10 19 0,-2 0 0,0-1 0,1-5 1,-2 4 52,2-1 1,3-4-53,-10 19 15,1 0 0,-1 0 0,0-1 1,0 1-1,0 0 0,0-1 0,-1 0-15,0 3 486,0 1 51,4 32 478,8 23 41,-8-37-513,0 1 0,1 16-543,4 22 631,-8-51-572,2 5 109,-1 0 1,2-1 0,3 10-169,-2-9 75,-1-1-6,1 0-1,-1-1 1,2 1-1,-1-1 1,2 0-1,-1-1 1,5 5-69,16 17 21,-27-29 33,0-1 15,0 0-122,0 0-203,0 0-443,0 0-1589,1 1-1477,2 3-2240</inkml:trace>
+</inkml:ink>
+</file>
+
+<file path=ppt/ink/ink40.xml><?xml version="1.0" encoding="utf-8"?>
 <inkml:ink xmlns:inkml="http://www.w3.org/2003/InkML">
   <inkml:definitions>
     <inkml:context xml:id="ctx0">
@@ -2229,12 +1996,12 @@
             </emma:emma>
           </inkml:annotationXML>
           <inkml:trace contextRef="#ctx0" brushRef="#br0">46-11 75 0,'0'0'33'15,"-6"30"-3"-15,1 10-12 0,4 17-3 16,-2 8 0-16,2 16-2 16,-1 5-3-16,4 7-4 15,-1-3-5-15,2-4-4 16,-1-13-8-16,-1-17-3 16,2-15-4-16,-5-25-4 15,2-16-5-15,-4-15-5 16,-2-16 0-16,-3-15 1 15,0-10 7-15,-2-4 23 16</inkml:trace>
-          <inkml:trace contextRef="#ctx0" brushRef="#br0" timeOffset="784.5244">37 105 19 0,'0'0'9'15,"0"0"-1"-15,0 0 0 16,0 0 1-16,0 0-1 15,0 0-1-15,0 0 1 16,0 0-1-16,0 0-2 16,0 0-1-16,0 0 0 15,0 0-2-15,0 0-1 0,0 0 1 16,7-10 1 0,-7 10 2-16,0 0 1 15,0 0 1-15,11 6 0 16,-11-6 0-16,8 25 0 15,-4-8 0-15,2 5-3 0,1 1 0 16,3 1-3-16,-2-2 1 16,5-2-3-16,1-4 2 15,2-6-2-15,3-6 1 16,2-4-1-16,-1-9 0 16,2-4 2-16,0-4-2 15,-1-5 2-15,-3-3-2 16,1 0 1-16,-6 0 0 15,0 3 1-15,-3 3-1 16,-3 7 2-16,-7 12 1 16,0 0 1-16,6 10 2 15,-10 14-1-15,0 12 2 0,2 9-2 16,-1 7 1-16,1 6-3 16,-1 5 1-16,3 0-2 15,3-3-2-15,0-5-9 16,3-5-6-16,0-12 0 15,-1 0-8-15,-1-14-3 16,2-6-6-16,-3-5 2 16,-3-13-2-16,4 14 9 15</inkml:trace>
-          <inkml:trace contextRef="#ctx0" brushRef="#br0" timeOffset="1394.3841">577 258 105 0,'-13'-9'39'0,"6"-8"-3"16,7-4-31-16,7-8-25 15,9-5-15-15,5-3-4 16,2-3 1-16,2-1-4 16</inkml:trace>
-          <inkml:trace contextRef="#ctx0" brushRef="#br0" timeOffset="1212.2616">545 643 61 0,'0'0'26'15,"0"0"0"-15,13 2-5 16,0-4-6-16,-1-7 0 16,6 1-1-16,-1-6-2 15,3-1-3-15,-4-6-3 0,0 4-2 16,-5-3-4-16,-4 2 0 16,-5 3-1-16,-6 3 1 15,4 12 0-15,-17-6 0 16,4 14 0-16,0 8 1 15,2 8-1-15,0 3 0 16,7 5 1-16,5-1 0 16,5 1-1-16,7-3 1 15,5-6-12-15,6-8-8 16,2-6-11-16,2-10-5 16,2-7-1-16,-4-8-3 15,-5-7 1-15</inkml:trace>
-          <inkml:trace contextRef="#ctx0" brushRef="#br0" timeOffset="2772.8407">910-18 75 0,'-8'16'36'0,"5"14"0"15,-4 10-16-15,4 14-6 16,3 7-1-16,2 11-7 16,2 4-15-16,-1-3-4 15,1-6 1-15,1-9-3 16,1-13-1-16,-4-14 0 15,2-13-2-15,-4-18 1 16,-4-15 8-16,1-6 4 16,-3-9 0-16,0-5 2 0,-1-2 1 15,-1 1 2-15,3 2 0 16,1 4 2-16,2 7 2 16,2 7 2-16,0 5 3 15,0 11 1-15,11-4 0 16,-1 10 0-16,2-3 1 15,6 4-2-15,2-6-1 16,5-5-3-16,1-5-2 16,4-8 0-16,0-6-2 15,-1-10 1-15,0-5-2 16,-4-4 1-16,-6-2-1 16,-3 1 0-16,-7 0 0 15,-4 8 1-15,-4 5 0 0,-4 10 1 16,-3 8 1-16,6 12 1 15,-17 7 1-15,8 15 0 16,1 14-1-16,3 11 1 16,3 12-1-16,2 13-3 15,5 7 1-15,-1 5-2 16,4-2 1-16,4-7-2 16,1-4 0-16,0-16-1 15,-4-16 1-15,2-15 0 16,0-19-1-16,1-12 1 15,-3-11-1-15,-1-7 1 16,1-5 1-16,-1-2-1 16,0 4 0-16,1 7 2 0,0 5 0 15,-9 16 0-15,17-5 1 16,-9 17 0-16,0 5 0 16,4 7 0-16,-2 3 0 15,3 0-1-15,-1 0 0 16,3-5-1-16,3-4 0 15,0-6-1-15,5-6 0 16,0-8 1-16,3-7-1 16,-1-5-1-16,2-6 1 15,-2-1 0-15,-1-5 0 16,-5-2 0-16,-6 0 0 16,-3 4 1-16,-8 1 1 0,-6 5 0 15,-8 5 2-15,-3 5 0 16,-3 8 0-16,-2 5-1 15,-2 8 1 1,6 3-1-16,-2 1 1 16,7 1-2-16,6-1-1 0,4-1-1 15,3-6 1-15,-2-10-2 16,21 8-3-16,-8-14-7 16,3-1-5-16,-5-10-1 15,0 2-2-15,-4-8 0 16,-3 1-2-16,-8 0-2 15,-3 2 0-15,-2 8 3 16,-4-3 3-16,13 15 18 0,-17-8 0 16</inkml:trace>
-          <inkml:trace contextRef="#ctx0" brushRef="#br0" timeOffset="3892.2403">1870 496 42 0,'0'0'19'16,"0"0"-5"-16,-15-5-5 0,15 5-3 16,-18 5-1-16,18-5-1 15,-20 17 0-15,11-5-2 16,-1 5 0 0,4-2-1-16,0 8 0 0,3-1-1 15,3 2 1-15,3-3 0 16,3-4-1-16,3-4 0 15,4-9 0-15,3-5 0 16,3-15-1-16,2-8 1 16,-2-11-2-16,3-7 1 15,-3-7 0-15,-1-3-1 16,-1-3 1-16,-4 2 1 0,-5 4 3 16,-4 9 4-16,-4 8 4 15,0 9 3 1,-7 11-2-16,7 12 2 15,-14 21-1-15,7 11-2 16,-1 7-1-16,5 11-5 0,2 8-3 16,6 2-3-16,3 0 2 15,2-2-2-15,7-9 1 16,1-12 0-16,4-9 0 16,0-15 0-16,2-13-1 15,1-11 0-15,-4-10 2 16,0-8-2-16,-5-7 1 15,-3 2 0-15,-6-1-1 0,-4 3 1 16,-9 6 0-16,-1 8 1 16,-6 9 0-1,0 9 0-15,1 10 0 16,-3 7 0-16,6 7 0 0,3 6 1 16,6 0-2-16,7 2 1 15,6-1-4-15,3-10-12 16,10-3-5-16,-4-10-7 15,7-6-7-15,-3-4-2 16,-2-5-2-16,-1-4 2 16</inkml:trace>
-          <inkml:trace contextRef="#ctx0" brushRef="#br0" timeOffset="4284.5027">2498 428 52 0,'0'0'35'0,"-20"-12"-1"16,6 15-12-16,-7 2-3 15,0 7-1-15,-3 1-4 16,3 6-6-16,2-1-7 15,3 2 0-15,6-4-1 16,7 0 0-16,3-4 0 16,0-12 0-16,20 15 0 15,-7-13 0-15,8 3 0 16,-2-1 0-16,1 1 1 0,1 1-1 16,-6 4 1-16,-3 1 0 15,-5 2 0-15,-2 3 0 16,-9-1-1-16,-1-2-5 15,-4 3-14-15,-5-7-8 16,3 0-7-16,-2-5-2 16,13-4-2-16,-16-5-1 15</inkml:trace>
+          <inkml:trace contextRef="#ctx0" brushRef="#br0" timeOffset="784.524">37 105 19 0,'0'0'9'15,"0"0"-1"-15,0 0 0 16,0 0 1-16,0 0-1 15,0 0-1-15,0 0 1 16,0 0-1-16,0 0-2 16,0 0-1-16,0 0 0 15,0 0-2-15,0 0-1 0,0 0 1 16,7-10 1 0,-7 10 2-16,0 0 1 15,0 0 1-15,11 6 0 16,-11-6 0-16,8 25 0 15,-4-8 0-15,2 5-3 0,1 1 0 16,3 1-3-16,-2-2 1 16,5-2-3-16,1-4 2 15,2-6-2-15,3-6 1 16,2-4-1-16,-1-9 0 16,2-4 2-16,0-4-2 15,-1-5 2-15,-3-3-2 16,1 0 1-16,-6 0 0 15,0 3 1-15,-3 3-1 16,-3 7 2-16,-7 12 1 16,0 0 1-16,6 10 2 15,-10 14-1-15,0 12 2 0,2 9-2 16,-1 7 1-16,1 6-3 16,-1 5 1-16,3 0-2 15,3-3-2-15,0-5-9 16,3-5-6-16,0-12 0 15,-1 0-8-15,-1-14-3 16,2-6-6-16,-3-5 2 16,-3-13-2-16,4 14 9 15</inkml:trace>
+          <inkml:trace contextRef="#ctx0" brushRef="#br0" timeOffset="1394.384">577 258 105 0,'-13'-9'39'0,"6"-8"-3"16,7-4-31-16,7-8-25 15,9-5-15-15,5-3-4 16,2-3 1-16,2-1-4 16</inkml:trace>
+          <inkml:trace contextRef="#ctx0" brushRef="#br0" timeOffset="1212.261">545 643 61 0,'0'0'26'15,"0"0"0"-15,13 2-5 16,0-4-6-16,-1-7 0 16,6 1-1-16,-1-6-2 15,3-1-3-15,-4-6-3 0,0 4-2 16,-5-3-4-16,-4 2 0 16,-5 3-1-16,-6 3 1 15,4 12 0-15,-17-6 0 16,4 14 0-16,0 8 1 15,2 8-1-15,0 3 0 16,7 5 1-16,5-1 0 16,5 1-1-16,7-3 1 15,5-6-12-15,6-8-8 16,2-6-11-16,2-10-5 16,2-7-1-16,-4-8-3 15,-5-7 1-15</inkml:trace>
+          <inkml:trace contextRef="#ctx0" brushRef="#br0" timeOffset="2772.84">910-18 75 0,'-8'16'36'0,"5"14"0"15,-4 10-16-15,4 14-6 16,3 7-1-16,2 11-7 16,2 4-15-16,-1-3-4 15,1-6 1-15,1-9-3 16,1-13-1-16,-4-14 0 15,2-13-2-15,-4-18 1 16,-4-15 8-16,1-6 4 16,-3-9 0-16,0-5 2 0,-1-2 1 15,-1 1 2-15,3 2 0 16,1 4 2-16,2 7 2 16,2 7 2-16,0 5 3 15,0 11 1-15,11-4 0 16,-1 10 0-16,2-3 1 15,6 4-2-15,2-6-1 16,5-5-3-16,1-5-2 16,4-8 0-16,0-6-2 15,-1-10 1-15,0-5-2 16,-4-4 1-16,-6-2-1 16,-3 1 0-16,-7 0 0 15,-4 8 1-15,-4 5 0 0,-4 10 1 16,-3 8 1-16,6 12 1 15,-17 7 1-15,8 15 0 16,1 14-1-16,3 11 1 16,3 12-1-16,2 13-3 15,5 7 1-15,-1 5-2 16,4-2 1-16,4-7-2 16,1-4 0-16,0-16-1 15,-4-16 1-15,2-15 0 16,0-19-1-16,1-12 1 15,-3-11-1-15,-1-7 1 16,1-5 1-16,-1-2-1 16,0 4 0-16,1 7 2 0,0 5 0 15,-9 16 0-15,17-5 1 16,-9 17 0-16,0 5 0 16,4 7 0-16,-2 3 0 15,3 0-1-15,-1 0 0 16,3-5-1-16,3-4 0 15,0-6-1-15,5-6 0 16,0-8 1-16,3-7-1 16,-1-5-1-16,2-6 1 15,-2-1 0-15,-1-5 0 16,-5-2 0-16,-6 0 0 16,-3 4 1-16,-8 1 1 0,-6 5 0 15,-8 5 2-15,-3 5 0 16,-3 8 0-16,-2 5-1 15,-2 8 1 1,6 3-1-16,-2 1 1 16,7 1-2-16,6-1-1 0,4-1-1 15,3-6 1-15,-2-10-2 16,21 8-3-16,-8-14-7 16,3-1-5-16,-5-10-1 15,0 2-2-15,-4-8 0 16,-3 1-2-16,-8 0-2 15,-3 2 0-15,-2 8 3 16,-4-3 3-16,13 15 18 0,-17-8 0 16</inkml:trace>
+          <inkml:trace contextRef="#ctx0" brushRef="#br0" timeOffset="3892.24">1870 496 42 0,'0'0'19'16,"0"0"-5"-16,-15-5-5 0,15 5-3 16,-18 5-1-16,18-5-1 15,-20 17 0-15,11-5-2 16,-1 5 0 0,4-2-1-16,0 8 0 0,3-1-1 15,3 2 1-15,3-3 0 16,3-4-1-16,3-4 0 15,4-9 0-15,3-5 0 16,3-15-1-16,2-8 1 16,-2-11-2-16,3-7 1 15,-3-7 0-15,-1-3-1 16,-1-3 1-16,-4 2 1 0,-5 4 3 16,-4 9 4-16,-4 8 4 15,0 9 3 1,-7 11-2-16,7 12 2 15,-14 21-1-15,7 11-2 16,-1 7-1-16,5 11-5 0,2 8-3 16,6 2-3-16,3 0 2 15,2-2-2-15,7-9 1 16,1-12 0-16,4-9 0 16,0-15 0-16,2-13-1 15,1-11 0-15,-4-10 2 16,0-8-2-16,-5-7 1 15,-3 2 0-15,-6-1-1 0,-4 3 1 16,-9 6 0-16,-1 8 1 16,-6 9 0-1,0 9 0-15,1 10 0 16,-3 7 0-16,6 7 0 0,3 6 1 16,6 0-2-16,7 2 1 15,6-1-4-15,3-10-12 16,10-3-5-16,-4-10-7 15,7-6-7-15,-3-4-2 16,-2-5-2-16,-1-4 2 16</inkml:trace>
+          <inkml:trace contextRef="#ctx0" brushRef="#br0" timeOffset="4284.502">2498 428 52 0,'0'0'35'0,"-20"-12"-1"16,6 15-12-16,-7 2-3 15,0 7-1-15,-3 1-4 16,3 6-6-16,2-1-7 15,3 2 0-15,6-4-1 16,7 0 0-16,3-4 0 16,0-12 0-16,20 15 0 15,-7-13 0-15,8 3 0 16,-2-1 0-16,1 1 1 0,1 1-1 16,-6 4 1-16,-3 1 0 15,-5 2 0-15,-2 3 0 16,-9-1-1-16,-1-2-5 15,-4 3-14-15,-5-7-8 16,3 0-7-16,-2-5-2 16,13-4-2-16,-16-5-1 15</inkml:trace>
         </inkml:traceGroup>
       </inkml:traceGroup>
     </inkml:traceGroup>
@@ -2262,15 +2029,15 @@
               </emma:interpretation>
             </emma:emma>
           </inkml:annotationXML>
-          <inkml:trace contextRef="#ctx0" brushRef="#br0" timeOffset="5552.4916">111 1457 63 0,'0'0'22'15,"-8"-18"-1"-15,8 18-10 16,-18-7-5-16,6 8-2 16,-1 4 0-16,0-1-1 15,2 7-2-15,2 0 0 16,4 3-1-16,5 1 1 0,7 3-1 15,4 1 0-15,6 2 0 16,0-1 0-16,4-1 0 16,-1 3 0-16,1 0 1 15,-4-1-1-15,-4-2 0 16,-4 1 1-16,-5-5 0 16,-6 2-1-16,-4-4 1 15,-7-4-1-15,-2-5 1 16,-3-4-1-16,-1-2 0 15,3-5 0-15,-1-1-5 16,8-1-3-16,9 9-7 16,-9-17-4-16,9 17-2 15,10-9-2-15,3 9 0 0,2 0-1 16</inkml:trace>
+          <inkml:trace contextRef="#ctx0" brushRef="#br0" timeOffset="5552.491">111 1457 63 0,'0'0'22'15,"-8"-18"-1"-15,8 18-10 16,-18-7-5-16,6 8-2 16,-1 4 0-16,0-1-1 15,2 7-2-15,2 0 0 16,4 3-1-16,5 1 1 0,7 3-1 15,4 1 0-15,6 2 0 16,0-1 0-16,4-1 0 16,-1 3 0-16,1 0 1 15,-4-1-1-15,-4-2 0 16,-4 1 1-16,-5-5 0 16,-6 2-1-16,-4-4 1 15,-7-4-1-15,-2-5 1 16,-3-4-1-16,-1-2 0 15,3-5 0-15,-1-1-5 16,8-1-3-16,9 9-7 16,-9-17-4-16,9 17-2 15,10-9-2-15,3 9 0 0,2 0-1 16</inkml:trace>
           <inkml:trace contextRef="#ctx0" brushRef="#br0" timeOffset="6021.465">324 1478 66 0,'0'0'21'0,"0"0"-1"0,-8 22-10 16,8-3-6-16,0 3 0 15,3 4-2-15,0-1-1 16,2 5 0 0,3-2-1-16,1-5 1 15,4-4-1-15,0-6 1 0,-1-7-1 16,1-10 1-16,4-3-1 16,-5-12 0-16,1 1 1 15,0-8-1-15,-3 2 0 16,-1 0-1-16,-4 2 1 15,-1 5 1-15,-4 2 1 16,-2 4 1-16,2 11 0 16,0 0 0-16,0 0 0 0,0 0 0 15,2 22 0-15,2-9-1 16,4 3-1 0,1 2 0-16,3-1-2 15,0 2-4-15,3-5-2 0,0-2-4 16,-2-7-4-16,2 0-6 15,-4-6-3-15,0-8-3 16,1-1 1-16,-3-6 7 16</inkml:trace>
-          <inkml:trace contextRef="#ctx0" brushRef="#br0" timeOffset="6372.6157">647 1481 40 0,'0'0'19'15,"0"0"-2"-15,0 0-4 16,9 12-3-16,-3 2-5 16,1 3-1-16,3 3 0 15,1 3-1-15,0 1 2 16,-1-2 0-16,1-1 1 15,-3-5 1-15,1-6 1 16,-9-10-1-16,11 1-1 16,-11-1 0-16,4-21-2 15,-2 0-2-15,1 0-1 16,1-2 0-16,0-1-3 16,3 3-3-16,1-1-6 15,5 6-4-15,-1 5-7 0,0 7-5 16,2 5 0-16,0 8-1 15,0 5-1-15</inkml:trace>
+          <inkml:trace contextRef="#ctx0" brushRef="#br0" timeOffset="6372.615">647 1481 40 0,'0'0'19'15,"0"0"-2"-15,0 0-4 16,9 12-3-16,-3 2-5 16,1 3-1-16,3 3 0 15,1 3-1-15,0 1 2 16,-1-2 0-16,1-1 1 15,-3-5 1-15,1-6 1 16,-9-10-1-16,11 1-1 16,-11-1 0-16,4-21-2 15,-2 0-2-15,1 0-1 16,1-2 0-16,0-1-3 16,3 3-3-16,1-1-6 15,5 6-4-15,-1 5-7 0,0 7-5 16,2 5 0-16,0 8-1 15,0 5-1-15</inkml:trace>
           <inkml:trace contextRef="#ctx0" brushRef="#br0" timeOffset="6748.867">1053 1481 39 0,'0'0'19'0,"-19"6"0"15,9 3-7-15,-1 8-6 16,1 2-3-16,3 5 0 16,2 6-1-16,3-2 0 15,6 0 0-15,1-6-1 16,8-4 0-16,3-10 0 16,8-6 0-16,-3-7-5 0,5-12-9 15,-1 2-8-15,-1-7-1 16,-2 3-1-16,-3-5-1 15,-1 9 21-15</inkml:trace>
-          <inkml:trace contextRef="#ctx0" brushRef="#br0" timeOffset="7972.9346">1267 1466 67 0,'0'-12'29'0,"4"-3"-5"16,1-3-7-16,1-3-6 15,1-6-1-15,5-3-3 16,-3-6-5-16,0-3-2 16,-1-3-2-16,-2 0 1 0,-3-1 0 15,-5 2 0-15,-2 5 1 16,-4 10 1-1,-2 4 2-15,0 18 1 16,-1 7 1-16,-1 16 1 0,5 13-1 16,2 11 1-16,3 13-1 15,2 6-1-15,2 9-1 16,3 0-1-16,3-1-1 16,0-3-1-16,1-8 0 15,-2-8 0-15,3-12-2 16,-2-14 0-16,-3-13-1 15,-5-12 0-15,15-4 0 16,-9-10 0-16,1-5 0 0,3-2 0 16,-1-1 1-1,2 1 1-15,0 7 1 16,-1 6 0-16,1 4 1 16,0 7 0-16,-1 3 0 0,-1 6 0 15,1 6 1-15,-1 0-1 16,2 5-1-16,-1-5-4 15,4-1-4-15,-2-8-3 16,8 0-2-16,-3-11-2 16,4-3 0-16,-1-5-1 15,3-6 0-15,-2-1 4 16,-2-6 4-16,-1 3 3 16,-4-5 2-16,-4 4 1 15,-2-1 4-15,-4 2 0 16,-6 1 3-16,-1 5 2 15,-4 4 0-15,-2 4 1 16,-5 4-1-16,-2 10 0 0,0-1-1 16,1 5-1-16,1 6-2 15,2-1-2-15,3 1 0 16,6 3 0-16,1-2-1 16,4-4 0-16,3 0 0 15,5-3 0-15,1-4 0 16,2-4-1-16,1-4 0 15,-1-3 1-15,2-6-1 16,0-1-1-16,-4-5 0 16,0-2-1-16,-3-4 1 15,-1 2-1-15,-2 1 1 16,-2 1-1-16,-3 2 2 16,0 15 0-16,-3-13 1 0,3 13 0 15,0 0 1-15,-9 18 0 16,8 0 0-16,1 0 0 15,1 4 0-15,3 1 0 16,4 0-1-16,1-1 1 16,2-1-1-16,2-6 0 15,2-8 0-15,0-5-1 16,-1-7 0-16,-1-4-3 16,-1-6-1-16,-1-6-2 15,-1-2 1-15,-3-2-1 16,0 1 0-16,-1 2 0 15,-2 3 2-15,0 6 4 0,-4 13 2 16,3-13 2-16,-3 13 1 16,4 13 1-16,-4 6-1 15,2 3 2-15,4 4-3 16,2-1-8-16,2 0-10 16,7-5-5-16,-2-9-2 15,6-7 2-15,-1-12 20 16</inkml:trace>
-          <inkml:trace contextRef="#ctx0" brushRef="#br0" timeOffset="9052.4715">2197 1528 46 0,'0'0'27'0,"-9"-8"-1"15,9 8-5-15,-4-12-3 16,4 12-1-16,-8-12-1 16,8 12-1-16,-9-13-3 15,9 13-3-15,-21-11-3 16,11 8-2-16,-2 3-3 16,-4 3 0-16,3 2-1 15,0 7 1-15,-2 0 0 16,6 6 0-16,1 1 0 15,3 1 0-15,5-3-1 0,1-3 0 16,6-2-1-16,-7-12 1 16,22 13-1-16,-6-14 0 15,1-4 0-15,3 0 1 16,-2-3-1-16,0 1 0 16,-4-1 1-16,1 2 0 15,-5 3 0-15,-10 3 1 16,16 2-1-16,-16-2 1 15,10 25 0-15,-7-2-1 16,3 9 1-16,-2 10 1 16,2 6-1-16,1 5 0 15,1 6 1-15,-1 3-1 16,0-1 0-16,0-3 0 0,-2-5 0 16,-3-10-1-16,-4-8-1 15,0-10 1-15,-8-12-1 16,-1-10 0-16,-4-10 0 15,0-11 0-15,-3-9 0 16,2-7 1-16,2-6-1 16,2-4 1-16,7-1-1 15,3-5 0-15,7 1-1 16,6 2 2-16,6 3-2 16,4 3 2-16,4 3-2 15,5 8 2-15,2 1-1 16,0 4 1-16,-3-1-1 0,-2 3 0 15,-3 0 1-15,-6 1-1 16,-4 2 1-16,-6 0-1 16,-6 0 2-16,-3 6-1 15,1 14 1-15,-17-15-1 16,4 19 1-16,0 1 0 16,0 10 0-16,2 5 0 15,3 2 0-15,6 1-1 16,4 2 0-16,5-3 0 15,5-2 0-15,5-6-1 16,6-3-10-16,-1-7-12 16,7-4-11-16,-4-5-3 15,2-3-1-15,-5-7-1 0,-3-4 4 16</inkml:trace>
-          <inkml:trace contextRef="#ctx0" brushRef="#br0" timeOffset="9282.6253">2383 1245 127 0,'-12'-5'35'15,"12"5"-6"-15,-16-20-16 16,12 5-6-16,8-6-9 0,-1-3-17 15,7 1-10-15,2 2-5 16,3 8-2-16,1 4-1 16,1 9-1-16</inkml:trace>
-          <inkml:trace contextRef="#ctx0" brushRef="#br0" timeOffset="9828.9902">2578 1531 65 0,'0'0'35'0,"0"0"-1"16,0 0-8-16,12 5-8 0,0-6-2 15,0-6-3 1,6-1-8-16,-1-3-5 16,2-2-1-16,-4-2 1 15,-3-3 1-15,-5 2-1 0,-5-1 0 16,-5 4 0-16,3 13 1 16,-22-15 0-16,6 15 0 15,-3 6-1-15,2 7 0 16,-2 6 1-16,6 2-2 15,2 2 2-15,5 2-1 16,6 2 0-16,6-3-1 16,6-6 1-16,2-5-12 15,12-3-11-15,-3-6-8 16,7-4-6-16,-2-6-1 16,0-4-1-16,-1-3 5 15</inkml:trace>
-          <inkml:trace contextRef="#ctx0" brushRef="#br0" timeOffset="10204.9584">2947 1401 112 0,'-6'-12'37'15,"6"12"-5"-15,-21-10-14 16,6 10-5-16,-3 7-12 15,-3 4-1-15,4 4 1 16,-4 3-1-16,6 0 0 16,2 3 0-16,5-3 0 0,6-3-1 15,6-2 1-15,-4-13 0 16,23 13 0-16,-7-9 0 16,3 1-1-16,4-1 2 15,-4 1-1-15,0 5 0 16,-6-1 0-16,-2 4 1 15,-5 6 0-15,-4 2-1 16,-6-2 0-16,-5-1 0 16,-6-3-3-16,-2-8-15 15,2 1-7-15,-4-10-10 16,4-4-2-16,0-3-1 16,5-2-2-16,3-1 22 15</inkml:trace>
+          <inkml:trace contextRef="#ctx0" brushRef="#br0" timeOffset="7972.934">1267 1466 67 0,'0'-12'29'0,"4"-3"-5"16,1-3-7-16,1-3-6 15,1-6-1-15,5-3-3 16,-3-6-5-16,0-3-2 16,-1-3-2-16,-2 0 1 0,-3-1 0 15,-5 2 0-15,-2 5 1 16,-4 10 1-1,-2 4 2-15,0 18 1 16,-1 7 1-16,-1 16 1 0,5 13-1 16,2 11 1-16,3 13-1 15,2 6-1-15,2 9-1 16,3 0-1-16,3-1-1 16,0-3-1-16,1-8 0 15,-2-8 0-15,3-12-2 16,-2-14 0-16,-3-13-1 15,-5-12 0-15,15-4 0 16,-9-10 0-16,1-5 0 0,3-2 0 16,-1-1 1-1,2 1 1-15,0 7 1 16,-1 6 0-16,1 4 1 16,0 7 0-16,-1 3 0 0,-1 6 0 15,1 6 1-15,-1 0-1 16,2 5-1-16,-1-5-4 15,4-1-4-15,-2-8-3 16,8 0-2-16,-3-11-2 16,4-3 0-16,-1-5-1 15,3-6 0-15,-2-1 4 16,-2-6 4-16,-1 3 3 16,-4-5 2-16,-4 4 1 15,-2-1 4-15,-4 2 0 16,-6 1 3-16,-1 5 2 15,-4 4 0-15,-2 4 1 16,-5 4-1-16,-2 10 0 0,0-1-1 16,1 5-1-16,1 6-2 15,2-1-2-15,3 1 0 16,6 3 0-16,1-2-1 16,4-4 0-16,3 0 0 15,5-3 0-15,1-4 0 16,2-4-1-16,1-4 0 15,-1-3 1-15,2-6-1 16,0-1-1-16,-4-5 0 16,0-2-1-16,-3-4 1 15,-1 2-1-15,-2 1 1 16,-2 1-1-16,-3 2 2 16,0 15 0-16,-3-13 1 0,3 13 0 15,0 0 1-15,-9 18 0 16,8 0 0-16,1 0 0 15,1 4 0-15,3 1 0 16,4 0-1-16,1-1 1 16,2-1-1-16,2-6 0 15,2-8 0-15,0-5-1 16,-1-7 0-16,-1-4-3 16,-1-6-1-16,-1-6-2 15,-1-2 1-15,-3-2-1 16,0 1 0-16,-1 2 0 15,-2 3 2-15,0 6 4 0,-4 13 2 16,3-13 2-16,-3 13 1 16,4 13 1-16,-4 6-1 15,2 3 2-15,4 4-3 16,2-1-8-16,2 0-10 16,7-5-5-16,-2-9-2 15,6-7 2-15,-1-12 20 16</inkml:trace>
+          <inkml:trace contextRef="#ctx0" brushRef="#br0" timeOffset="9052.471">2197 1528 46 0,'0'0'27'0,"-9"-8"-1"15,9 8-5-15,-4-12-3 16,4 12-1-16,-8-12-1 16,8 12-1-16,-9-13-3 15,9 13-3-15,-21-11-3 16,11 8-2-16,-2 3-3 16,-4 3 0-16,3 2-1 15,0 7 1-15,-2 0 0 16,6 6 0-16,1 1 0 15,3 1 0-15,5-3-1 0,1-3 0 16,6-2-1-16,-7-12 1 16,22 13-1-16,-6-14 0 15,1-4 0-15,3 0 1 16,-2-3-1-16,0 1 0 16,-4-1 1-16,1 2 0 15,-5 3 0-15,-10 3 1 16,16 2-1-16,-16-2 1 15,10 25 0-15,-7-2-1 16,3 9 1-16,-2 10 1 16,2 6-1-16,1 5 0 15,1 6 1-15,-1 3-1 16,0-1 0-16,0-3 0 0,-2-5 0 16,-3-10-1-16,-4-8-1 15,0-10 1-15,-8-12-1 16,-1-10 0-16,-4-10 0 15,0-11 0-15,-3-9 0 16,2-7 1-16,2-6-1 16,2-4 1-16,7-1-1 15,3-5 0-15,7 1-1 16,6 2 2-16,6 3-2 16,4 3 2-16,4 3-2 15,5 8 2-15,2 1-1 16,0 4 1-16,-3-1-1 0,-2 3 0 15,-3 0 1-15,-6 1-1 16,-4 2 1-16,-6 0-1 16,-6 0 2-16,-3 6-1 15,1 14 1-15,-17-15-1 16,4 19 1-16,0 1 0 16,0 10 0-16,2 5 0 15,3 2 0-15,6 1-1 16,4 2 0-16,5-3 0 15,5-2 0-15,5-6-1 16,6-3-10-16,-1-7-12 16,7-4-11-16,-4-5-3 15,2-3-1-15,-5-7-1 0,-3-4 4 16</inkml:trace>
+          <inkml:trace contextRef="#ctx0" brushRef="#br0" timeOffset="9282.625">2383 1245 127 0,'-12'-5'35'15,"12"5"-6"-15,-16-20-16 16,12 5-6-16,8-6-9 0,-1-3-17 15,7 1-10-15,2 2-5 16,3 8-2-16,1 4-1 16,1 9-1-16</inkml:trace>
+          <inkml:trace contextRef="#ctx0" brushRef="#br0" timeOffset="9828.99">2578 1531 65 0,'0'0'35'0,"0"0"-1"16,0 0-8-16,12 5-8 0,0-6-2 15,0-6-3 1,6-1-8-16,-1-3-5 16,2-2-1-16,-4-2 1 15,-3-3 1-15,-5 2-1 0,-5-1 0 16,-5 4 0-16,3 13 1 16,-22-15 0-16,6 15 0 15,-3 6-1-15,2 7 0 16,-2 6 1-16,6 2-2 15,2 2 2-15,5 2-1 16,6 2 0-16,6-3-1 16,6-6 1-16,2-5-12 15,12-3-11-15,-3-6-8 16,7-4-6-16,-2-6-1 16,0-4-1-16,-1-3 5 15</inkml:trace>
+          <inkml:trace contextRef="#ctx0" brushRef="#br0" timeOffset="10204.958">2947 1401 112 0,'-6'-12'37'15,"6"12"-5"-15,-21-10-14 16,6 10-5-16,-3 7-12 15,-3 4-1-15,4 4 1 16,-4 3-1-16,6 0 0 16,2 3 0-16,5-3 0 0,6-3-1 15,6-2 1-15,-4-13 0 16,23 13 0-16,-7-9 0 16,3 1-1-16,4-1 2 15,-4 1-1-15,0 5 0 16,-6-1 0-16,-2 4 1 15,-5 6 0-15,-4 2-1 16,-6-2 0-16,-5-1 0 16,-6-3-3-16,-2-8-15 15,2 1-7-15,-4-10-10 16,4-4-2-16,0-3-1 16,5-2-2-16,3-1 22 15</inkml:trace>
         </inkml:traceGroup>
       </inkml:traceGroup>
     </inkml:traceGroup>
@@ -2278,7 +2045,7 @@
 </inkml:ink>
 </file>
 
-<file path=ppt/ink/ink44.xml><?xml version="1.0" encoding="utf-8"?>
+<file path=ppt/ink/ink41.xml><?xml version="1.0" encoding="utf-8"?>
 <inkml:ink xmlns:inkml="http://www.w3.org/2003/InkML">
   <inkml:definitions>
     <inkml:context xml:id="ctx0">
@@ -2317,12 +2084,12 @@
       </emma:emma>
     </inkml:annotationXML>
     <inkml:trace contextRef="#ctx0" brushRef="#br0">0 744 119 0,'10'-4'31'16,"2"-11"0"-16,6-1-14 16,3-13-3-16,4-5-1 15,5-15-3-15,8-5-4 16,2-5-1-16,5 0-4 0,0-6-1 15,4 5 0-15,-2 3-1 16,-3 7 1-16,-3 7-1 16,-4 2 0-16,-5 6 0 15,-6 4 1-15,0 6-2 16,-6 2 2-16,-5 2 0 16,-1 8 0-16,-3 1-1 15,-11 12 1-15,17-13 0 16,-17 13-2-16,0 0-4 15,0 0-2-15,0 0 1 16,6 13-1-16,-6-13 1 16,-7 10 0-16,7-10-5 15,-13 4-2-15,13-4-3 0,-11 2-7 16,11-2-4-16,-13 0-1 16,13 0-1-16,-15 0-1 15</inkml:trace>
-    <inkml:trace contextRef="#ctx0" brushRef="#br0" timeOffset="608.0163">440-81 79 0,'0'0'33'16,"-12"7"-1"-16,12-7-5 15,8-11-6-15,6 4-4 16,2-8-3-16,6-1-2 16,5-5-3-16,6 0-7 15,0 1-3-15,0-1 1 16,-1 3 0-16,2 5-1 16,-7 5 0-16,-2 7-1 15,-5 8 1-15,-8 11 0 0,-4 10 0 16,-8 10 0-1,-3 8-1-15,-6 5 2 16,-1 2 1-16,-5 0-1 16,2-4-14-16,0-9-9 0,4-12-9 15,1-9-2-15,8-19-1 16,0 0-1-16,0 0-3 16</inkml:trace>
+    <inkml:trace contextRef="#ctx0" brushRef="#br0" timeOffset="608.016">440-81 79 0,'0'0'33'16,"-12"7"-1"-16,12-7-5 15,8-11-6-15,6 4-4 16,2-8-3-16,6-1-2 16,5-5-3-16,6 0-7 15,0 1-3-15,0-1 1 16,-1 3 0-16,2 5-1 16,-7 5 0-16,-2 7-1 15,-5 8 1-15,-8 11 0 0,-4 10 0 16,-8 10 0-1,-3 8-1-15,-6 5 2 16,-1 2 1-16,-5 0-1 16,2-4-14-16,0-9-9 0,4-12-9 15,1-9-2-15,8-19-1 16,0 0-1-16,0 0-3 16</inkml:trace>
   </inkml:traceGroup>
 </inkml:ink>
 </file>
 
-<file path=ppt/ink/ink45.xml><?xml version="1.0" encoding="utf-8"?>
+<file path=ppt/ink/ink42.xml><?xml version="1.0" encoding="utf-8"?>
 <inkml:ink xmlns:inkml="http://www.w3.org/2003/InkML">
   <inkml:definitions>
     <inkml:context xml:id="ctx0">
@@ -2386,7 +2153,7 @@
             </emma:emma>
           </inkml:annotationXML>
           <inkml:trace contextRef="#ctx0" brushRef="#br0">8-45 40 0,'-4'-13'20'16,"4"13"2"-16,0 0 1 0,-6-14 4 16,6 14 0-16,0 0-3 15,0 0-4-15,0 0-4 16,-3 16-3-16,3-16-2 15,9 18-4-15,-2-6-2 16,2 3-5-16,0 4 0 16,0 0 0-16,5 0 0 15,-1 1 0-15,0 0 0 16,0 1 0-16,-2-1 0 16,1-5 0-16,-3-1 0 15,-9-14-4-15,18 14-14 16,-18-14-7-16,0 0-5 15,0 0-2-15,-1-17 0 0,-8 5-1 16,3 0 1-16,-4-4 11 16,-2-2 5-16,3-1 6 15,0-2 9 1,0 0 1-16</inkml:trace>
-          <inkml:trace contextRef="#ctx0" brushRef="#br0" timeOffset="315.6159">12-126 34 0,'-4'-11'20'16,"4"11"0"-16,0 0 3 15,0 0 4-15,0 0 2 16,9-12-2-16,2 12-5 0,-1-6-5 16,11 2-4-16,-2-5-1 15,5 2-4 1,2-5-5-16,3-2-3 15,-3 2 0-15,3-3 0 0,-3 2 0 16,-4 3 0-16,-3-1 0 16,-1 2 0-16,-6 4 0 15,-12 5 0-15,13-3 0 16,-13 3-11-16,0 0-5 16,0 0-8-16,-3 14-7 15,3-14-5-15,-8 14-1 16,8-14-2-16,-14 14-2 0,7-3 22 15</inkml:trace>
+          <inkml:trace contextRef="#ctx0" brushRef="#br0" timeOffset="315.615">12-126 34 0,'-4'-11'20'16,"4"11"0"-16,0 0 3 15,0 0 4-15,0 0 2 16,9-12-2-16,2 12-5 0,-1-6-5 16,11 2-4-16,-2-5-1 15,5 2-4 1,2-5-5-16,3-2-3 15,-3 2 0-15,3-3 0 0,-3 2 0 16,-4 3 0-16,-3-1 0 16,-1 2 0-16,-6 4 0 15,-12 5 0-15,13-3 0 16,-13 3-11-16,0 0-5 16,0 0-8-16,-3 14-7 15,3-14-5-15,-8 14-1 16,8-14-2-16,-14 14-2 0,7-3 22 15</inkml:trace>
         </inkml:traceGroup>
       </inkml:traceGroup>
     </inkml:traceGroup>
@@ -2394,7 +2161,7 @@
 </inkml:ink>
 </file>
 
-<file path=ppt/ink/ink46.xml><?xml version="1.0" encoding="utf-8"?>
+<file path=ppt/ink/ink43.xml><?xml version="1.0" encoding="utf-8"?>
 <inkml:ink xmlns:inkml="http://www.w3.org/2003/InkML">
   <inkml:definitions>
     <inkml:context xml:id="ctx0">
@@ -2436,7 +2203,7 @@
 </inkml:ink>
 </file>
 
-<file path=ppt/ink/ink47.xml><?xml version="1.0" encoding="utf-8"?>
+<file path=ppt/ink/ink44.xml><?xml version="1.0" encoding="utf-8"?>
 <inkml:ink xmlns:inkml="http://www.w3.org/2003/InkML">
   <inkml:definitions>
     <inkml:context xml:id="ctx0">
@@ -2475,7 +2242,7 @@
 </inkml:ink>
 </file>
 
-<file path=ppt/ink/ink48.xml><?xml version="1.0" encoding="utf-8"?>
+<file path=ppt/ink/ink45.xml><?xml version="1.0" encoding="utf-8"?>
 <inkml:ink xmlns:inkml="http://www.w3.org/2003/InkML">
   <inkml:definitions>
     <inkml:context xml:id="ctx0">
@@ -2511,40 +2278,26 @@
     <inkml:context xml:id="ctx0">
       <inkml:inkSource xml:id="inkSrc0">
         <inkml:traceFormat>
-          <inkml:channel name="X" type="integer" max="25740" units="cm"/>
-          <inkml:channel name="Y" type="integer" max="14520" units="cm"/>
-          <inkml:channel name="F" type="integer" max="255" units="dev"/>
-          <inkml:channel name="T" type="integer" max="2.14748E9" units="dev"/>
+          <inkml:channel name="X" type="integer" min="-2.14748E9" max="2.14748E9" units="cm"/>
+          <inkml:channel name="Y" type="integer" min="-2.14748E9" max="2.14748E9" units="cm"/>
+          <inkml:channel name="F" type="integer" max="32767" units="dev"/>
         </inkml:traceFormat>
         <inkml:channelProperties>
           <inkml:channelProperty channel="X" name="resolution" value="1000" units="1/cm"/>
           <inkml:channelProperty channel="Y" name="resolution" value="1000" units="1/cm"/>
           <inkml:channelProperty channel="F" name="resolution" value="0" units="1/dev"/>
-          <inkml:channelProperty channel="T" name="resolution" value="1" units="1/dev"/>
         </inkml:channelProperties>
       </inkml:inkSource>
-      <inkml:timestamp xml:id="ts0" timeString="2014-05-27T06:20:03.838"/>
+      <inkml:timestamp xml:id="ts0" timeString="2018-11-07T09:16:26.877"/>
     </inkml:context>
     <inkml:brush xml:id="br0">
-      <inkml:brushProperty name="width" value="0.07" units="cm"/>
-      <inkml:brushProperty name="height" value="0.07" units="cm"/>
-      <inkml:brushProperty name="fitToCurve" value="1"/>
+      <inkml:brushProperty name="width" value="0.05" units="cm"/>
+      <inkml:brushProperty name="height" value="0.05" units="cm"/>
     </inkml:brush>
   </inkml:definitions>
-  <inkml:traceGroup>
-    <inkml:annotationXML>
-      <emma:emma xmlns:emma="http://www.w3.org/2003/04/emma" version="1.0">
-        <emma:interpretation id="{C8186A41-7203-4209-AC5C-9657B5687269}" emma:medium="tactile" emma:mode="ink">
-          <msink:context xmlns:msink="http://schemas.microsoft.com/ink/2010/main" type="inkDrawing" rotatedBoundingBox="5004,10243 6038,8449 6504,8718 5469,10512" semanticType="callout" shapeName="Other">
-            <msink:sourceLink direction="to" ref="{66F484B8-5FB8-4118-91DD-9F9DA77084B6}"/>
-            <msink:sourceLink direction="from" ref="{66F484B8-5FB8-4118-91DD-9F9DA77084B6}"/>
-          </msink:context>
-        </emma:interpretation>
-      </emma:emma>
-    </inkml:annotationXML>
-    <inkml:trace contextRef="#ctx0" brushRef="#br0">0 1257 45 0,'3'-18'17'16,"3"1"-3"-16,4-2-3 16,2-11 2-16,7 1 2 15,0-15 1-15,10-5-4 16,0-12 1-16,10 1-1 0,-3-12-1 16,9-3-3-16,0-7-2 15,2-1-4-15,2 1-3 16,-1-2 0-16,1 3 0 15,0 4 1-15,-5 5-1 16,0 8 1-16,-8 11 0 16,-5 10 0-16,-5 11 0 15,-8 9 0-15,-5 11 0 16,-13 12 0-16,8-14 0 16,-8 14 0-16,0 0 0 15,0 0 0-15,0 0-1 16,-14 0-8-16,14 0-6 15,0 0-8-15,0 0-10 0,-7 14 0 16,7-14-3-16,-5 14 0 16,5-14 32-16</inkml:trace>
-    <inkml:trace contextRef="#ctx0" brushRef="#br0" timeOffset="695.2364">388 149 33 0,'0'0'19'0,"0"-16"0"0,0 16-6 15,16-22-5-15,0 8-2 16,6-7-2 0,5 0-1-16,1-3-1 15,9 0 0-15,1 3-2 0,3 0 0 16,-2 3 0-16,-5 3-1 16,-2 5 1-16,-8 4 1 15,-2 2-1-15,-8 6 2 16,-14-2-1-16,0 0 1 15,10 21 0-15,-15-7 0 16,2 3 0-16,-3 1 0 16,3 5-1-16,0 4 0 15,1 4-1-15,2 2 0 0,4 2 1 16,-2-1-1-16,-2 0 0 16,5-6 1-1,-5-4 0-15,-3-6 0 16,3-18 0-16,-21 9 0 0,1-18 0 15,-3-8 0-15,-9-5 0 16,2 0-1-16,-8-6 1 16,0 0-2-16,2 1 1 15,2 6 0-15,4 4 0 16,6 5-2-16,8 8-7 16,16 4-10-16,-12 9-6 15,18 6-2-15,10 0-1 16,3 9 6-16</inkml:trace>
-  </inkml:traceGroup>
+  <inkml:trace contextRef="#ctx0" brushRef="#br0">24 1376 6400,'0'0'917,"-1"-1"6474,2-3-3585,-1-2-4582,1-64 1925,-4-153-965,-7 119-300,4 52 2366,1-35-2250,5 87 325,0 0-37,18 0 864,442 0 1179,-445-1-2329,-1 0 0,10-3-2,-9 2-13,-1 0 0,10 0 13,50 0 246,-73 2-244,-1 0 1,0-1 0,0 1 0,1 0 0,-1 0 0,0 0 0,0-1 0,1 1 0,-1 0 0,0 0 0,0-1 0,0 1 0,0 0 0,1 0 0,-1-1 0,0 1-1,0 0 1,0-1 0,0 1 0,0 0 0,0-1 0,0 1 0,0 0 0,0-1 0,0 1 0,0 0 0,0-1 0,0 1-3,0-12-20,0 10 16,-2-136-1590,-8-29 1594,7 87-278,-1 53 252,1 18-65,3-8 1296,0 7-4565,0 4-7893,0 11 7339</inkml:trace>
+  <inkml:trace contextRef="#ctx0" brushRef="#br0" timeOffset="713.257">402 359 5120,'11'3'10120,"39"-2"-6932,-46-1-2454,2 0-519,100-3 1666,-93 2-1631,-1 1 1,12 2-251,12 0 470,-16-2-275,6 0 283,-1-1 1,7-1-479,-21 1 55,1 0 0,-1 1 0,4 1-55,18-1 16,-32 0 21,1-1-962,-2 0-9227,-5 1 5822</inkml:trace>
+  <inkml:trace contextRef="#ctx0" brushRef="#br0" timeOffset="1643.738">411 395 6016,'0'0'1978,"0"0"-1066,0 0 166,0 0 218,0 0-27,2 0-855,-1-1 0,1 1 1,-1 0-1,1 0 0,0 0 0,-1-1 0,1 1 1,-1-1-1,1 0-414,7-5 243,-1-2 0,0 1 0,0-1 1,-1 0-1,0-1 0,3-4-243,12-15 39,-6 10 180,-1-1 0,-1-1-1,11-20-218,-15 23 186,1 1 0,2-3-186,6-7 146,-9 12-194,0 1 0,6-4 48,9-13-38,-16 18 85,1 1-1,0 0 0,10-8-46,-13 17 1252,-1 10-381,2 8-603,0 0-1,-1 1 1,-1-1 0,-1 1 0,0 0 0,-1 1 0,0 6-268,12 47 503,-11-54-339,0 1 103,1 0 1,0-1-1,4 6-267,8 10 26,-18-33-169,0 0 0,0 1-1,0-1 1,0 0 0,0 1-1,0-1 1,0 0 0,0 0-1,0 1 1,0-1-1,0 0 1,0 0 0,-1 1-1,1-1 1,0 0 0,0 0-1,0 0 1,0 1 0,0-1-1,-1 0 1,1 0 0,0 0-1,0 1 1,0-1 0,-1 0-1,1 0 1,0 0 0,0 0-1,-1 1 1,1-1 0,0 0-1,0 0 1,-1 0 0,1 0-1,0 0 144,-2 1-1255,-3 2-4088</inkml:trace>
 </inkml:ink>
 </file>
 
@@ -2554,68 +2307,26 @@
     <inkml:context xml:id="ctx0">
       <inkml:inkSource xml:id="inkSrc0">
         <inkml:traceFormat>
-          <inkml:channel name="X" type="integer" max="25740" units="cm"/>
-          <inkml:channel name="Y" type="integer" max="14520" units="cm"/>
-          <inkml:channel name="F" type="integer" max="255" units="dev"/>
-          <inkml:channel name="T" type="integer" max="2.14748E9" units="dev"/>
+          <inkml:channel name="X" type="integer" min="-2.14748E9" max="2.14748E9" units="cm"/>
+          <inkml:channel name="Y" type="integer" min="-2.14748E9" max="2.14748E9" units="cm"/>
+          <inkml:channel name="F" type="integer" max="32767" units="dev"/>
         </inkml:traceFormat>
         <inkml:channelProperties>
           <inkml:channelProperty channel="X" name="resolution" value="1000" units="1/cm"/>
           <inkml:channelProperty channel="Y" name="resolution" value="1000" units="1/cm"/>
           <inkml:channelProperty channel="F" name="resolution" value="0" units="1/dev"/>
-          <inkml:channelProperty channel="T" name="resolution" value="1" units="1/dev"/>
         </inkml:channelProperties>
       </inkml:inkSource>
-      <inkml:timestamp xml:id="ts0" timeString="2014-05-27T06:20:05.430"/>
+      <inkml:timestamp xml:id="ts0" timeString="2018-11-07T09:16:36.853"/>
     </inkml:context>
     <inkml:brush xml:id="br0">
-      <inkml:brushProperty name="width" value="0.07" units="cm"/>
-      <inkml:brushProperty name="height" value="0.07" units="cm"/>
-      <inkml:brushProperty name="fitToCurve" value="1"/>
+      <inkml:brushProperty name="width" value="0.05" units="cm"/>
+      <inkml:brushProperty name="height" value="0.05" units="cm"/>
     </inkml:brush>
   </inkml:definitions>
-  <inkml:traceGroup>
-    <inkml:annotationXML>
-      <emma:emma xmlns:emma="http://www.w3.org/2003/04/emma" version="1.0">
-        <emma:interpretation id="{95500ED4-9F9D-4137-A8DB-6848A87B73D9}" emma:medium="tactile" emma:mode="ink">
-          <msink:context xmlns:msink="http://schemas.microsoft.com/ink/2010/main" type="writingRegion" rotatedBoundingBox="7880,8436 9089,8436 9089,10158 7880,10158"/>
-        </emma:interpretation>
-      </emma:emma>
-    </inkml:annotationXML>
-    <inkml:traceGroup>
-      <inkml:annotationXML>
-        <emma:emma xmlns:emma="http://www.w3.org/2003/04/emma" version="1.0">
-          <emma:interpretation id="{7ACECFE7-10C6-4F17-A507-FEFBB86F1773}" emma:medium="tactile" emma:mode="ink">
-            <msink:context xmlns:msink="http://schemas.microsoft.com/ink/2010/main" type="paragraph" rotatedBoundingBox="7880,8436 9089,8436 9089,10158 7880,10158" alignmentLevel="1"/>
-          </emma:interpretation>
-        </emma:emma>
-      </inkml:annotationXML>
-      <inkml:traceGroup>
-        <inkml:annotationXML>
-          <emma:emma xmlns:emma="http://www.w3.org/2003/04/emma" version="1.0">
-            <emma:interpretation id="{76407CC3-48AD-46D6-8A0B-1BC0993FCDED}" emma:medium="tactile" emma:mode="ink">
-              <msink:context xmlns:msink="http://schemas.microsoft.com/ink/2010/main" type="line" rotatedBoundingBox="7880,8436 9089,8436 9089,10158 7880,10158"/>
-            </emma:interpretation>
-          </emma:emma>
-        </inkml:annotationXML>
-        <inkml:traceGroup>
-          <inkml:annotationXML>
-            <emma:emma xmlns:emma="http://www.w3.org/2003/04/emma" version="1.0">
-              <emma:interpretation id="{66F484B8-5FB8-4118-91DD-9F9DA77084B6}" emma:medium="tactile" emma:mode="ink">
-                <msink:context xmlns:msink="http://schemas.microsoft.com/ink/2010/main" type="inkWord" rotatedBoundingBox="7880,8436 9089,8436 9089,10158 7880,10158">
-                  <msink:destinationLink direction="with" ref="{A771E4B8-E1C9-48DC-9C2D-250FACD9BE69}"/>
-                  <msink:destinationLink direction="to" ref="{C8186A41-7203-4209-AC5C-9657B5687269}"/>
-                  <msink:destinationLink direction="from" ref="{C8186A41-7203-4209-AC5C-9657B5687269}"/>
-                </msink:context>
-              </emma:interpretation>
-            </emma:emma>
-          </inkml:annotationXML>
-          <inkml:trace contextRef="#ctx0" brushRef="#br0">-77-23 30 0,'0'0'22'0,"-10"13"-1"15,13 4-6-15,7 8-2 0,4 2 1 16,7 9 1-16,3 6-1 16,9 10-1-16,1 5-1 15,5 7-3-15,3 7-1 16,2 4 0-16,0 4-5 15,2 4-1-15,-2 2-1 16,1-5 0-16,-3-2 0 16,-1-6 0-16,-6-5 0 0,-5-14-2 15,-4-4 2-15,-6-14-1 16,-2-11 0-16,-9-8-11 16,-9-16-4-1,5 13-6-15,-5-13-7 0,0 0-2 16,-14 4-2-16,14-4 0 15,-17 2 1-15</inkml:trace>
-          <inkml:trace contextRef="#ctx0" brushRef="#br0" timeOffset="1003.4822">-192 425 49 0,'0'0'31'16,"0"0"-2"-16,-14-19-8 15,8 2-6-15,5-3-1 16,-2-6-2-16,6-4-3 16,-3-6-4-16,1-4-5 0,2-5-1 15,-1-1 1-15,2 2-1 16,1-2 0-16,0 5 1 16,-1 8-1-16,1 5 1 15,-2 7 1-15,1 8-2 16,-4 13 3-16,0 0-2 15,17-9 2-15,-17 9-2 16,13 16 1-16,-13-16-1 16,19 18-1-16,-6-9 2 15,2-1-2-15,1 3 1 16,2-2-1-16,1-3 2 16,3-1-1-16,-1 6 0 0,1 3 0 15,1 0 0-15,3 2 0 16,-5 1 0-16,3 4 1 15,-4-1-1-15,1 2 0 16,-3-4 0-16,-3-3 1 16,-5-2-2-16,-10-13 1 15,16 13 0-15,-16-13 0 16,0 0 0-16,0 0 0 16,0 0 0-16,-16-12 0 15,0 9 0-15,0 1 0 16,-13 2 1-16,-1 2-1 15,-8 4 1-15,-6 5-1 16,-6 3 1-16,0 4 0 0,0 4 0 16,2 1 0-16,4 3-1 15,7-8 1-15,7 2 0 16,9-7-1-16,7-6 0 16,14-7-1-16,0 0-13 15,0 0-6-15,0 0-11 16,0 0-3-16,22-7-1 15,-7 8-2-15,0 4 16 16</inkml:trace>
-        </inkml:traceGroup>
-      </inkml:traceGroup>
-    </inkml:traceGroup>
-  </inkml:traceGroup>
+  <inkml:trace contextRef="#ctx0" brushRef="#br0">289 1454 5632,'-7'-1'7896,"7"-4"910,1-5-9999,-2-28 1317,-1-1 1,-2 1-1,-1-2-124,3 30 91,2 1 0,-1-1 0,2-3-91,-3-25 164,-13-98 418,13 81-508,3-42-74,0 25 27,0 41 49,-1 15 13,0 1 0,0-1 0,-1 1 0,-2-5-89,2 11 13,0-1 1,0 1-1,1 0 1,0 0-1,1-4-13,1-13-88,-5-94 210,0 92-2340,3 24-4155,3 8 149</inkml:trace>
+  <inkml:trace contextRef="#ctx0" brushRef="#br0" timeOffset="886.051">0 449 7296,'10'3'6234,"25"4"-3439,10 1-1467,16 6 263,-34-9-36,23 8-1555,-40-9 191,1-1-1,-1 0 1,1-1-1,-1-1 1,2 1-191,-5-2 157,-1 0 0,1-1 1,-1 1-1,1-1 0,-1 0 0,1-1 1,-1 0-1,0 0 0,1 0-157,3-1 48,1 0 1,-1 1-1,1 0 0,0 1 0,0 0 0,0 1 1,8 1-49,-3-1 137,-14 0-148,0 0 0,0 0-1,0-1 1,-1 1 0,1 0 0,0-1 0,0 1 0,0-1-1,0 0 12,-2 1-36,0 0 0,0 0 0,0 0 0,0 0-1,0 0 1,0 0 0,0 0 0,1 0 0,-1 0-1,0 0 1,0 0 0,0-1 0,0 1 0,0 0-1,0 0 1,0 0 0,0 0 0,0 0-1,0 0 1,0 0 0,0-1 0,1 1 0,-1 0-1,0 0 1,0 0 0,0 0 0,0 0 0,0-1-1,0 1 1,0 0 0,0 0 0,0 0 0,0 0-1,0 0 1,-1 0 0,1-1 0,0 1-1,0 0 37,-8-6-3360,7 6 2941,1 0 0,-1-1 0,1 1-1,-1 0 1,1 0 0,-1 0 0,0-1 0,1 1 0,-1 0 0,1 0 0,-1 0 0,1 0 0,-1 0 0,0 0 0,1 0 0,-1 0-1,1 0 1,-1 0 0,0 1 419,-6 3-4218</inkml:trace>
+  <inkml:trace contextRef="#ctx0" brushRef="#br0" timeOffset="1733.93">7 443 4992,'0'0'122,"0"0"0,0 0 0,0 0 0,0 0 0,0-1-1,1 1 1,-1 0 0,0 0 0,0 0 0,0 0 0,0 0 0,0 0 0,0 0 0,0 0 0,0 0 0,0 0 0,0-1 0,0 1 0,0 0 0,0 0 0,0 0 0,0 0-1,0 0 1,0 0 0,0 0 0,0 0 0,0 0 0,0-1 0,0 1 0,0 0 0,0 0 0,0 0 0,-1 0 0,1 0 0,0 0 0,0 0 0,0 0 0,0 0-1,0 0 1,0 0 0,0-1 0,0 1 0,0 0 0,0 0 0,0 0 0,-1 0 0,1 0 0,0 0 0,0 0 0,0 0 0,0 0 0,0 0-122,11-6 5596,-8 4-6515,35-20 4764,7-7-3845,-31 19 71,-1-1 0,0 0-1,-1-1 1,9-10-71,-4 0 12,-1-2 0,-2 0 0,0-1 0,-1 0 0,-2-1 0,0-1-12,18-39 104,11-8-248,-40 74 160,0 0-1,0 0 1,0 0 0,0 0 0,0 0-1,0 0 1,0 0 0,0 0 0,0 0-1,0 0 1,0 0 0,0 0-1,0 0 1,0 0 0,1 0 0,-1 0-1,0 0 1,0 0 0,0 0-1,0 0 1,0 0 0,0 0 0,0 0-1,0 0 1,0 0 0,0 0-1,0 0 1,0 0 0,0 0 0,0 0-1,1 0 1,-1 0 0,0 0-1,0 0 1,0 0 0,0 0 0,0 0-1,0 0 1,0 0 0,0 0 0,0 0-1,0 0 1,0 0 0,0 0-1,0 0 1,0 0 0,0 0 0,0 0-1,0 0 1,0 0 0,1 0-1,-1 0 1,0 0 0,0 0 0,0 1-1,0-1 1,0 0 0,0 0-1,0 0 1,0 0 0,0 0 0,0 0-1,0 0 1,0 0 0,0 0-1,0 0 1,0 0 0,0 0 0,0 0-1,0 0-15,3 11 549,4 20-303,-4-19-130,16 62 592,16 37-708,-21-73 29,3 0-1,0-2 1,18 26-29,-27-47 63,-5-10-48,-1-1 1,1 1-1,0-1 0,0 1 0,2 0-15,-22 7-5515,15-10 4514,0-1 0,1 1 0,-1-1 0,1 1 0,-1 0 0,1 0 0,0-1 0,0 1 0,0 0 0,0 1 1001,-6 10-4581</inkml:trace>
 </inkml:ink>
 </file>
 
@@ -2625,37 +2336,27 @@
     <inkml:context xml:id="ctx0">
       <inkml:inkSource xml:id="inkSrc0">
         <inkml:traceFormat>
-          <inkml:channel name="X" type="integer" max="25740" units="cm"/>
-          <inkml:channel name="Y" type="integer" max="14520" units="cm"/>
-          <inkml:channel name="F" type="integer" max="255" units="dev"/>
-          <inkml:channel name="T" type="integer" max="2.14748E9" units="dev"/>
+          <inkml:channel name="X" type="integer" min="-2.14748E9" max="2.14748E9" units="cm"/>
+          <inkml:channel name="Y" type="integer" min="-2.14748E9" max="2.14748E9" units="cm"/>
+          <inkml:channel name="F" type="integer" max="32767" units="dev"/>
         </inkml:traceFormat>
         <inkml:channelProperties>
           <inkml:channelProperty channel="X" name="resolution" value="1000" units="1/cm"/>
           <inkml:channelProperty channel="Y" name="resolution" value="1000" units="1/cm"/>
           <inkml:channelProperty channel="F" name="resolution" value="0" units="1/dev"/>
-          <inkml:channelProperty channel="T" name="resolution" value="1" units="1/dev"/>
         </inkml:channelProperties>
       </inkml:inkSource>
-      <inkml:timestamp xml:id="ts0" timeString="2014-05-27T06:20:07.782"/>
+      <inkml:timestamp xml:id="ts0" timeString="2018-11-07T09:16:41.523"/>
     </inkml:context>
     <inkml:brush xml:id="br0">
-      <inkml:brushProperty name="width" value="0.07" units="cm"/>
-      <inkml:brushProperty name="height" value="0.07" units="cm"/>
-      <inkml:brushProperty name="fitToCurve" value="1"/>
+      <inkml:brushProperty name="width" value="0.05" units="cm"/>
+      <inkml:brushProperty name="height" value="0.05" units="cm"/>
     </inkml:brush>
   </inkml:definitions>
-  <inkml:traceGroup>
-    <inkml:annotationXML>
-      <emma:emma xmlns:emma="http://www.w3.org/2003/04/emma" version="1.0">
-        <emma:interpretation id="{C422AD22-29F7-4C10-AC56-257DD3CF9E20}" emma:medium="tactile" emma:mode="ink">
-          <msink:context xmlns:msink="http://schemas.microsoft.com/ink/2010/main" type="inkDrawing" rotatedBoundingBox="13246,10205 14170,8262 14725,8526 13802,10469" semanticType="callout" shapeName="Other"/>
-        </emma:interpretation>
-      </emma:emma>
-    </inkml:annotationXML>
-    <inkml:trace contextRef="#ctx0" brushRef="#br0">17 1470 54 0,'0'0'19'0,"-13"-6"1"15,13 6 2-15,-9-15-2 0,9 15-3 16,3-29-2-16,4 6-2 16,2-13 0-16,5-10-2 15,4-12-2-15,6-5-3 16,9-10-3-16,9-7-6 16,2-4 2-16,1-5-1 15,3-1 0-15,3 1 0 16,-2 3 0-16,-3 7 0 15,-6 4 1-15,-6 8 1 16,-3 6-1-16,-8 13 0 16,-2 9 0-16,-4 9 1 15,-6 11 0-15,-5 5 0 16,-6 14 0-16,9-18 0 0,-9 18 0 16,0 0 0-16,6-14 0 15,-6 14 0-15,0 0 0 16,6-17-1-1,-6 17 1-15,2-12 0 0,-2 12 1 16,4-14-1-16,-4 14 0 16,3-14-1-16,-3 14 1 15,0 0 0-15,6-18 0 16,-6 18 1-16,0 0-1 16,3-18 1-16,-3 18-1 15,0 0-1-15,3-19 0 16,-3 19 1-16,0-15-1 15,0 15 0-15,5-14 0 0,-5 14 0 16,0 0 1-16,0 0 0 16,0 0 1-1,0 0-5-15,0 0-9 16,-9 20-3-16,9-20-5 0,-12 21-6 16,12-21-5-16,-12 19 0 15,12-19-1-15,-15 15 12 16</inkml:trace>
-    <inkml:trace contextRef="#ctx0" brushRef="#br0" timeOffset="607.3398">315 163 47 0,'0'0'19'15,"-24"22"0"-15,24-22-1 16,-9 18-4-16,9-18-3 16,13 0 1-16,2-8 1 15,8-6-1-15,7-5 0 16,5-1-2-16,-2-5-4 15,6 0-1-15,-3 3-2 16,3 1-3-16,-7 5-1 16,1 3 1-16,-6 2-2 15,-6 5 3-15,-4 3-1 16,-1 6 1-16,-16-3 0 0,20 9 1 16,-20-9-1-16,5 21 0 15,-3-4 1-15,-1 3-1 16,-4 3-1-16,0 10 0 15,-1 1 1-15,3 3-2 16,-1 3 2-16,-1 2 0 16,2-2-1-16,-2-7 1 15,0-5-1-15,-2-5 0 16,4-8 0-16,1-15 0 16,-17-3-1-16,2-9 0 15,-3-11 1-15,-6 0-1 16,-1-4 1-16,-7-2 0 0,0-1 0 15,-4 8 0-15,1 1 1 16,0 6 0-16,2 6-1 16,4 3-4-16,6 9-11 15,5-1-3-15,18-2-9 16,-18 12-6-16,18-12-1 16,4 20-1-16,-4-20-1 15</inkml:trace>
-  </inkml:traceGroup>
+  <inkml:trace contextRef="#ctx0" brushRef="#br0">1767 1374 8448,'0'0'357,"0"0"1,-1 0 0,1 0 0,0 0-1,-1 0 1,1-1 0,0 1-1,-1 0 1,1 0 0,0 0 0,0 0-1,-1 0 1,1-1 0,0 1 0,0 0-1,-1 0 1,1 0 0,0-1-1,0 1 1,0 0 0,-1 0 0,1-1-1,0 1 1,0 0 0,0 0-1,0-1 1,0 1 0,0 0 0,0-1-1,-1 1 1,1 0-358,0-15 2316,1 11-2377,0-1 1,0 1 0,0-1 0,1 1-1,0-2 61,5-8 61,-2-1-1,0 1 0,0-1 1,-1 0-1,-1 0 0,0-5-60,2-29 44,-1-16-44,0 2-32,11-67 92,-6 66-147,-8 16 292,-2 27 123,1 20-265,0 0 0,0 0-1,-1 0 1,1 0-1,0-1 1,-1 1 0,1 0-1,-1 0 1,0 0 0,1 0-1,-1 0 1,0 0-1,0 0 1,1 1 0,-1-1-1,0 0 1,0 0-1,0 1 1,0-1 0,0 0-1,0 1 1,0-1 0,0 1-1,0-1 1,-1 1-1,1-1 1,0 1 0,0 0-1,0 0 1,0 0 0,-1 0-63,-8-2 168,1 1 1,0 0 0,-8 1-169,12 0 43,-155-1 982,-164 3 552,-111 1-472,244-4-1063,-187 3 363,373-2-408,0 1 0,-1 0 0,1 0 0,0 0 0,0 0 0,-1 1 0,-3 2 3,7-3-4,-2-1-58,-17-1 11,20 1 49,1 0 1,-1-1-1,1 1 1,-1-1-1,1 1 1,-1-1-1,1 1 1,0-1-1,-1 1 1,1-1-1,0 1 1,-1-1-1,1 1 1,0-1-1,0 1 1,0-1-1,-1 0 1,1 1-1,0-1 1,0 1-1,0-1 0,0 0 1,0 1-1,0-1 1,0 1-1,0-1 1,0 0 1,1-25-126,-1 18 79,0-245-1344,0 253 1460,0-1-74,0 0-17,0 0-47,0 1 42,0 0 59,0 0-58,0 0-145,0 0-378,1-1-4593,1-1-3175,1 3 7285,6 4-3714</inkml:trace>
+  <inkml:trace contextRef="#ctx0" brushRef="#br0" timeOffset="697.105">90 421 6656,'-1'-1'224,"1"1"0,-1 0 0,1-1 0,-1 1 0,0 0 0,1 0 0,-1 0 0,1-1 0,-1 1 0,0 0 0,1 0 0,-1 0 0,1 0 0,-1 0 0,0 0 0,1 0 0,-1 0 0,1 0 0,-1 1 0,0-1 0,1 0 0,-1 0 0,1 0 0,-1 1 0,1-1 0,-1 1-224,1-1 1232,0 0-166,0 0-175,0 0-155,0 0-299,0 0-26,0 0 53,12 5 1514,-9-3-1708,0 0-1,0 0 1,0 0-1,1-1 1,-1 1-1,1-1 1,-1 0-1,1 0 1,-1 0-1,1 0 1,0 0-270,45 3 822,-31-3-849,44 8 85,-40-5 35,20 1-93,-34-5 202,1 0 1,-1 0-1,0-1 1,0 0-1,0 0 1,0-1-1,2-1-202,-4 2-285,1-1-1,0 1 0,0 1 0,-1-1 1,1 1-1,2 0 286,1 0-3006,-10 0 2836,0 0 1,1 0-1,-1 0 0,0 0 0,0 0 0,0 0 0,1 0 0,-1 0 0,0 0 0,0 0 0,0 0 0,0 0 0,1 0 0,-1 0 1,0-1-1,0 1 0,0 0 0,0 0 0,1 0 0,-1 0 0,0 0 0,0-1 0,0 1 0,0 0 0,0 0 0,0 0 0,0 0 1,0-1-1,0 1 0,1 0 170,0-2-3126,2-2-890</inkml:trace>
+  <inkml:trace contextRef="#ctx0" brushRef="#br0" timeOffset="1649.993">126 412 4480,'-5'0'6621,"-12"-6"-4926,2 2-827,6 2-291,-1 2 0,0-1 0,0 1 1,-4 1-578,-21 0 1658,34-1-1780,1 0-156,7 0-2180,14 0-5553,-11 0 4001</inkml:trace>
+  <inkml:trace contextRef="#ctx0" brushRef="#br0" timeOffset="3088.283">16 404 4992,'1'-3'7933,"2"1"-3661,12-6-3387,-7 5-56,4-5-659,-1 0-1,-1-1 0,0 0 0,0 0 0,0-1 0,-1-1 0,3-4-169,-10 12 1,1-1 0,0 1 0,0-1 0,-1 0 0,1 0 1,-1 0-1,0-1 0,0 1 0,-1 0 0,2-4-1,23-68 219,-20 58-255,1 1-1,1 0 1,2-3 36,1-1 39,2-2-32,10-14-7,-4 7 1289,-17 28-709,-2 4-321,-1 6-250,2 16 78,2 0-1,1 0 1,0 0-1,2-1 0,3 7-86,-4-16 134,1 1-1,0-1 0,1 0 1,0-1-1,1 1 0,1-1 1,0-1-1,8 8-133,-6-6 213,0-2 1,2 1-1,-1-2 0,1 0 1,1 0-1,1-1-213,-10-5 72,1-1 0,-1 1 0,0 0 0,0 0 0,-1 0 0,0 1 0,0 0-1,0 0 1,2 4-72,10 15 158,-13-21-1145,-3-4 826,1 0 1,-1 0-1,0 0 1,0 0-1,1 0 1,-1 0-1,0 1 1,0-1-1,1 0 1,-1 0-1,0 0 1,0 1-1,0-1 1,1 0-1,-1 0 1,0 0-1,0 1 1,0-1-1,0 0 1,0 1 0,1-1-1,-1 0 1,0 0-1,0 1 1,0-1-1,0 0 1,0 1-1,0-1 1,0 0-1,0 0 1,0 1-1,0-1 1,0 0-1,0 1 1,0-1-1,-1 0 1,1 0-1,0 1 1,0-1-1,0 0 1,0 0-1,0 1 1,0-1-1,-1 0 1,1 0 0,0 1-1,0-1 1,0 0-1,-1 0 1,1 0-1,0 0 1,0 1-1,-1-1 161,-9 3-5386</inkml:trace>
 </inkml:ink>
 </file>
 
@@ -2665,38 +2366,26 @@
     <inkml:context xml:id="ctx0">
       <inkml:inkSource xml:id="inkSrc0">
         <inkml:traceFormat>
-          <inkml:channel name="X" type="integer" max="25740" units="cm"/>
-          <inkml:channel name="Y" type="integer" max="14520" units="cm"/>
-          <inkml:channel name="F" type="integer" max="255" units="dev"/>
-          <inkml:channel name="T" type="integer" max="2.14748E9" units="dev"/>
+          <inkml:channel name="X" type="integer" min="-2.14748E9" max="2.14748E9" units="cm"/>
+          <inkml:channel name="Y" type="integer" min="-2.14748E9" max="2.14748E9" units="cm"/>
+          <inkml:channel name="F" type="integer" max="32767" units="dev"/>
         </inkml:traceFormat>
         <inkml:channelProperties>
           <inkml:channelProperty channel="X" name="resolution" value="1000" units="1/cm"/>
           <inkml:channelProperty channel="Y" name="resolution" value="1000" units="1/cm"/>
           <inkml:channelProperty channel="F" name="resolution" value="0" units="1/dev"/>
-          <inkml:channelProperty channel="T" name="resolution" value="1" units="1/dev"/>
         </inkml:channelProperties>
       </inkml:inkSource>
-      <inkml:timestamp xml:id="ts0" timeString="2014-05-27T06:20:09.350"/>
+      <inkml:timestamp xml:id="ts0" timeString="2018-11-07T09:16:49.975"/>
     </inkml:context>
     <inkml:brush xml:id="br0">
-      <inkml:brushProperty name="width" value="0.07" units="cm"/>
-      <inkml:brushProperty name="height" value="0.07" units="cm"/>
-      <inkml:brushProperty name="fitToCurve" value="1"/>
+      <inkml:brushProperty name="width" value="0.05" units="cm"/>
+      <inkml:brushProperty name="height" value="0.05" units="cm"/>
     </inkml:brush>
   </inkml:definitions>
-  <inkml:traceGroup>
-    <inkml:annotationXML>
-      <emma:emma xmlns:emma="http://www.w3.org/2003/04/emma" version="1.0">
-        <emma:interpretation id="{DC5FF375-80FD-4FA6-94EC-D4F40FFCEE08}" emma:medium="tactile" emma:mode="ink">
-          <msink:context xmlns:msink="http://schemas.microsoft.com/ink/2010/main" type="inkDrawing" rotatedBoundingBox="16141,8338 17243,10196 17140,10258 16037,8400" semanticType="callout" shapeName="Other">
-            <msink:sourceLink direction="with" ref="{0D72961C-140C-4217-A4E6-2598294EDEDF}"/>
-          </msink:context>
-        </emma:interpretation>
-      </emma:emma>
-    </inkml:annotationXML>
-    <inkml:trace contextRef="#ctx0" brushRef="#br0">856 1376 115 0,'-21'-19'31'0,"21"19"-2"15,-27-31-12-15,10 14-3 16,-2-10-4-16,-3-4-4 16,2-7-6-16,-1-8-1 15,-9-7 0-15,0-11 0 0,-12-10 0 16,-2-7-1-16,-3-10 0 16,-2-4 0-16,-1 1 1 15,3 1 0-15,3 5-1 16,3 10 1-16,6 12 1 15,6 11 0-15,3 14 0 16,-3 7 0-16,3 4 0 16,4 2 0-16,-5 6-1 15,6 1 1-15,2 2 0 16,0 5 0-16,6 0-1 0,13 14 2 16,-20-12-2-1,20 12 2-15,0 0 0 0,-10 15 0 16,10-15 0-16,4 13-5 15,-4-13-12-15,12 16-6 16,-12-16-9-16,15 12-1 16,-15-12-2-16,12 18-1 15,-12-18 1-15</inkml:trace>
-  </inkml:traceGroup>
+  <inkml:trace contextRef="#ctx0" brushRef="#br0">176 2142 5632,'-1'-12'11795,"-2"-4"-8998,-2-24-3027,-10-105 1771,2-27-1061,-21-89-480,16 133 0,3-47 0,13 151 0,-5-153 0,6 116 23,-2 1 0,-3 1-1,-3-1 1,-7-22-23,8 40-55,-1-19 55,5 25 23,1 23 14,2 11 37,0 0 0,1 0-1,0 0 1,-1-1-1,1 1 1,0 0-1,0 0 1,0-2-74,0 3 9,1 0-1,-1 0 1,0 1-1,1-1 1,-1 0-1,1 0 1,-1 1-1,1-1 1,-1 0-1,1 1 1,-1-1-1,1 0 1,0 1 0,-1-1-1,1 1 1,0-1-1,-1 1 1,1 0-1,0-1 1,0 1-1,-1 0 1,1-1-1,0 1 1,0 0-1,0 0 1,0 0-9,81-15 1557,-1 4-613,-25 3-201,18 2-743,-12 1 137,28-7 1097,65-19-1234,-21 3 766,-24 12-420,25-6-73,-79 12-168,1 3 0,-1 2-1,40 3-104,-36-1 287,34-6-287,-28 3 39,13-3 29,-1 1 344,42 2-412,6 1 250,90-17-250,116-20 134,-311 41-179,1 1 0,3 0 45,-9 1 44,0-1 0,1-1-1,-1 0 1,7-2-44,-23 3-30,1 0 0,0-1-1,0 1 1,-1 0 0,1 0 0,0-1-1,-1 1 1,1 0 0,0-1 0,-1 1-1,1 0 1,-1-1 0,1 1 0,-1-1-1,1 0 31,-1 1-195,0 0-1,0 0 1,0-1-1,0 1 0,0 0 1,0 0-1,0-1 1,0 1-1,0 0 1,0 0-1,0-1 0,0 1 1,0 0-1,0 0 1,0-1-1,-1 1 0,1 0 1,0 0-1,0-1 1,0 1-1,0 0 1,0 0-1,-1 0 0,1 0 1,0-1-1,0 1 1,0 0-1,-1 0 0,1 0 1,0 0-1,0 0 1,-1-1-1,1 1 1,0 0-1,0 0 0,-1 0 1,1 0-1,0 0 1,0 0-1,-1 0 1,1 0-1,0 0 0,-1 0 196,1 0-291,0 0-1,0 0 0,0 0 1,-1 0-1,1 0 0,0 0 1,0 0-1,0 0 0,-1 0 1,1 1-1,0-1 0,0 0 1,0 0-1,-1 0 0,1 0 1,0 0-1,0 0 0,0 0 0,0 1 1,0-1-1,-1 0 0,1 0 1,0 0-1,0 0 0,0 1 1,0-1-1,0 0 0,0 0 1,0 0-1,-1 0 0,1 1 1,0-1-1,0 0 0,0 0 1,0 1-1,0-1 292,-1 2-2699,-5 4-2581</inkml:trace>
+  <inkml:trace contextRef="#ctx0" brushRef="#br0" timeOffset="561.553">2605 21 5248,'2'8'10002,"8"36"-7727,-3 37 1549,-3 18-3824,-3 22-498,-1-109 233,-1-5-2740,-1-15-2166,2-4 1241</inkml:trace>
+  <inkml:trace contextRef="#ctx0" brushRef="#br0" timeOffset="1470.088">2587 7 4864,'0'-5'984,"0"3"-562,5 4 4758,-3-1-4626,-1 0 1,0-1-1,0 1 0,1 0 0,-1 0 0,0 0 0,0 0 0,0 0 1,0 0-1,0 1-554,2 0 1807,-3-1-697,0-1-33,0 0-160,0 0-111,0 0-76,9 5 2497,67 20-2507,29 10-667,36 19-16,-77-29 6,-64-25-43,2 1 0,-1-1 0,1 1 0,-1-1 0,0 1 0,0 0 0,1 0 0,-1 0 0,0 0 0,0 0 0,0 0 0,0 0 0,0 0 0,0 0 0,0 1 0,-1-2 1,0 1 1,0 0-1,1-1 0,-1 1 0,0-1 1,0 1-1,0-1 0,0 1 0,0 0 0,0-1 1,0 1-1,0-1 0,0 1 0,-1-1 1,1 1-1,0-1 0,0 1 0,0-1 1,-1 1-1,1-1 0,0 1 0,-1-1 0,1 1 1,0-1-1,-1 1 0,1-1 0,0 1 1,-1-1-2,-13 16 50,11-14-44,-22 24 20,-32 30-100,-30 15 46,-27 14 28,90-68-10,18-12-47,-1-1 0,0 0-1,0 0 1,-2 1 57,19-13-12096,-1 1 8289,8-10-1377</inkml:trace>
 </inkml:ink>
 </file>
 
@@ -2706,36 +2395,26 @@
     <inkml:context xml:id="ctx0">
       <inkml:inkSource xml:id="inkSrc0">
         <inkml:traceFormat>
-          <inkml:channel name="X" type="integer" max="25740" units="cm"/>
-          <inkml:channel name="Y" type="integer" max="14520" units="cm"/>
-          <inkml:channel name="F" type="integer" max="255" units="dev"/>
-          <inkml:channel name="T" type="integer" max="2.14748E9" units="dev"/>
+          <inkml:channel name="X" type="integer" min="-2.14748E9" max="2.14748E9" units="cm"/>
+          <inkml:channel name="Y" type="integer" min="-2.14748E9" max="2.14748E9" units="cm"/>
+          <inkml:channel name="F" type="integer" max="32767" units="dev"/>
         </inkml:traceFormat>
         <inkml:channelProperties>
           <inkml:channelProperty channel="X" name="resolution" value="1000" units="1/cm"/>
           <inkml:channelProperty channel="Y" name="resolution" value="1000" units="1/cm"/>
           <inkml:channelProperty channel="F" name="resolution" value="0" units="1/dev"/>
-          <inkml:channelProperty channel="T" name="resolution" value="1" units="1/dev"/>
         </inkml:channelProperties>
       </inkml:inkSource>
-      <inkml:timestamp xml:id="ts0" timeString="2014-05-27T06:20:11.913"/>
+      <inkml:timestamp xml:id="ts0" timeString="2018-11-07T09:16:55.656"/>
     </inkml:context>
     <inkml:brush xml:id="br0">
-      <inkml:brushProperty name="width" value="0.07" units="cm"/>
-      <inkml:brushProperty name="height" value="0.07" units="cm"/>
-      <inkml:brushProperty name="fitToCurve" value="1"/>
+      <inkml:brushProperty name="width" value="0.05" units="cm"/>
+      <inkml:brushProperty name="height" value="0.05" units="cm"/>
     </inkml:brush>
   </inkml:definitions>
-  <inkml:traceGroup>
-    <inkml:annotationXML>
-      <emma:emma xmlns:emma="http://www.w3.org/2003/04/emma" version="1.0">
-        <emma:interpretation id="{0ABDD5FF-6C42-4133-B644-BCED3BD79811}" emma:medium="tactile" emma:mode="ink">
-          <msink:context xmlns:msink="http://schemas.microsoft.com/ink/2010/main" type="inkDrawing" rotatedBoundingBox="21809,8517 22004,10329 21902,10341 21706,8528" shapeName="Other"/>
-        </emma:interpretation>
-      </emma:emma>
-    </inkml:annotationXML>
-    <inkml:trace contextRef="#ctx0" brushRef="#br0">203 1357 57 0,'0'0'24'0,"0"0"3"16,0 0-1-16,-16-21-4 16,15 7-5-16,-7-6-3 15,7-4 0-15,-8-11-5 16,7-5-3-16,-3-9-3 0,-2-6-2 16,1-8-1-16,-2-3 0 15,3-10 0-15,-1-4-1 16,1 2 0-16,-1-4 0 15,3 5 1-15,-1-1-1 16,1 4 0-16,-1 6 1 16,-3 9 0-16,1 5 0 15,-2 5 0-15,0 7 0 16,0 5 0-16,1 6 0 16,1 5 0-16,1 4 0 15,3 4 0-15,2 18 1 16,-3-19 0-16,3 19-1 15,0 0 2-15,0 0-1 0,0 0 0 16,0 0-1-16,0 0 1 16,3 16-1-16,-3-16 0 15,0 0-4-15,0 0-10 16,-6 15-4-16,6-15-8 16,0 0-5-16,-13 21-2 15,13-21-1-15,-18 26-1 16,8-7 9-16</inkml:trace>
-  </inkml:traceGroup>
+  <inkml:trace contextRef="#ctx0" brushRef="#br0">3220 2268 6656,'-2'-3'7051,"2"-4"-4499,2-9-2832,-2 13 935,6-55 3376,4-7-4031,5-45 1478,6-226-15,-18 259-1470,2-370 141,-6 284 20,-8-253 188,9 398-418,-1-34-41,3 0 0,2 0 0,9-49 117,-11 96-19,-1 0-1,0-1 1,0 1 0,-1-1-1,0 1 1,0 0 0,0-5 19,-1 9 55,1 0 0,0 0 1,-1 0-1,1-1 1,-1 1-1,1 0 0,-1 0 1,1 0-1,-1 0 0,0 0 1,1 0-1,-1 0 0,0 0 1,0 0-1,0 0 1,0 0-1,0 1 0,0-1 1,0 0-1,0 1 0,0-1 1,0 1-1,0-1 0,-1 1 1,1-1-1,0 1 1,0 0-1,-1-1 0,1 1 1,0 0-1,0 0 0,-1 0 1,1 0-1,0 0 1,0 0-56,-22-1 389,19 1-320,-1-1 0,1 1-1,-1 0 1,1 0 0,-1 0 0,1 1-1,-1 0 1,1 0 0,-1 0 0,0 0-69,-9 5 117,0-1 1,-1-1-1,0 0 0,0-1 1,0-1-1,0 0 0,-10-1-117,-48-2 332,11 0-125,-59 6-207,74-2 39,0-3 0,0-2 0,-35-5-39,12 0 91,-18 3-91,-489-20 170,534 21-132,-91-8-47,-39-2-25,105 10 62,-141-8 179,108 6-162,-30 6-45,36 0-19,-477-1-66,565 1 1940,1 1-7356,6-2 5235,0 0 1,0 0-1,1 0 1,-1 0-1,0 0 0,0 0 1,0 0-1,0 0 1,0 0-1,0 0 1,1 0-1,-1 0 0,0 0 1,0 0-1,0 0 1,0 0-1,0 0 1,0 0-1,0 0 0,1 0 1,-1 1-1,0-1 1,0 0-1,0 0 1,0 0-1,0 0 0,0 0 1,0 0-1,0 0 1,0 1-1,0-1 1,0 0-1,0 0 1,0 0-1,0 0 0,0 0 1,0 0-1,0 1 1,0-1-1,0 0 1,0 0-1,0 0 0,0 0 1,0 0-1,0 1 1,0-1-1,0 0 1,0 0-1,0 0 0,0 0 1,0 0-1,0 0 1,0 0-1,0 1 1,0-1-1,0 0 0,-1 0 1,1 0-1,0 0 1,0 0-1,0 0 1,0 0-1,0 0 0,0 0 1,0 0-1,-1 0 1,1 0 265,6 4-4656</inkml:trace>
+  <inkml:trace contextRef="#ctx0" brushRef="#br0" timeOffset="712">292 0 4864,'0'0'1589,"0"0"-853,0 0 128,0 3 2825,0 9-1821,0-1-659,1 0-1,1 0 1,0 1-1209,2 19 2001,0 19 1439,-2 19-3440,0-43 163,-2-18-163,1 0-1,-1 0 1,0 0 0,0 0-1,-1 0 1,0 0-1,-1 0 1,-1 2 0,2-6-889,0-5-811,1-7-3219,3-13-4570,0 13 5889</inkml:trace>
+  <inkml:trace contextRef="#ctx0" brushRef="#br0" timeOffset="1982.999">292 0 3456,'-3'5'9714,"2"4"-4526,1-8-4953,0 1 1,0-1-1,0 1 0,0-1 0,0 0 1,0 1-1,-1-1 0,1 0 1,0 1-1,-1-1 0,1 0 0,-1 0 1,0 1-1,1-1 0,-1 1-235,-16 13 736,13-12-683,1 0 1,0 1-1,-1-2 1,1 1-1,-4 2-53,-12 6 105,0-1-1,0-1 1,-1 0-1,0-2 1,-14 4-105,18-10 559,14-1-533,1 0-1,-1 0 1,1 0-1,-1 0 0,1 1 1,-1-1-1,1 0 1,-1 1-1,1-1 1,0 1-1,-1-1 1,1 1-1,-1 0-25,0 0 0,0-1-1,1 1 1,-1 0-1,0-1 1,1 0-1,-1 1 1,0-1-1,1 0 1,-1 0-1,0 0 1,0 0 34,0 0-1,1 0 0,-1 0 0,0 1 0,1-1 0,-1 0 0,1 1 0,-1 0 1,0 0-34,-14 5 144,14-5-131,1 0 1,-1 0-1,1 0 1,-1 0-1,0 0 1,1 0 0,-1 0-1,0-1 1,0 1-1,1-1 1,-2 1-14,2-1 48,1 0 27,0 0-22,1 1 21,-1 0 0,0-1 1,0 1-1,1 0 0,-1 0 0,1-1 0,-1 1 1,1 0-1,-1-1 0,1 1 0,-1 0 0,1-1 1,-1 1-1,1-1 0,0 1 0,-1-1 0,1 1 1,0-1-1,0 0 0,-1 1 0,1-1 0,0 0 1,0 0-75,21 8-155,-18-7 272,192 64 283,-185-62-336,1-1 0,0 0 1,0 0-1,-1-1 0,1-1 0,10-1-64,-6 1 31,-16 0-55,0 0-1,0 0 1,0 0 0,1 0-1,-1 0 1,0 0-1,0 0 1,0 0 0,0 0-1,1 0 1,-1 0-1,0 0 1,0 0-1,0 0 1,0-1 0,0 1-1,1 0 1,-1 0-1,0 0 1,0 0 0,0 0-1,0-1 1,0 1-1,0 0 1,0 0 0,0 0-1,0 0 1,0 0-1,1-1 1,-1 1 0,0 0-1,0 0 1,0 0-1,0-1 1,0 1 0,0 0-1,0 0 1,0 0-1,0 0 1,0-1-1,0 1 1,-1 0 0,1 0-1,0 0 1,0 0-1,0-1 1,0 1 24,0-5-9034,0 5 3472</inkml:trace>
 </inkml:ink>
 </file>
 
@@ -2781,7 +2460,7 @@
           </a:lstStyle>
           <a:p>
             <a:r>
-              <a:rPr lang="fr-FR" smtClean="0"/>
+              <a:rPr lang="fr-FR"/>
               <a:t>Modifiez le style du titre</a:t>
             </a:r>
             <a:endParaRPr lang="fr-CH"/>
@@ -2846,7 +2525,7 @@
           </a:lstStyle>
           <a:p>
             <a:r>
-              <a:rPr lang="fr-FR" smtClean="0"/>
+              <a:rPr lang="fr-FR"/>
               <a:t>Modifiez le style des sous-titres du masque</a:t>
             </a:r>
             <a:endParaRPr lang="fr-CH"/>
@@ -2870,7 +2549,7 @@
           <a:p>
             <a:fld id="{AC745BD3-D7C2-4137-86E3-4461530478AE}" type="datetimeFigureOut">
               <a:rPr lang="fr-CH" smtClean="0"/>
-              <a:t>17.06.2014</a:t>
+              <a:t>07.11.2018</a:t>
             </a:fld>
             <a:endParaRPr lang="fr-CH"/>
           </a:p>
@@ -2964,7 +2643,7 @@
           <a:lstStyle/>
           <a:p>
             <a:r>
-              <a:rPr lang="fr-FR" smtClean="0"/>
+              <a:rPr lang="fr-FR"/>
               <a:t>Modifiez le style du titre</a:t>
             </a:r>
             <a:endParaRPr lang="fr-CH"/>
@@ -2988,35 +2667,35 @@
           <a:p>
             <a:pPr lvl="0"/>
             <a:r>
-              <a:rPr lang="fr-FR" smtClean="0"/>
+              <a:rPr lang="fr-FR"/>
               <a:t>Modifiez les styles du texte du masque</a:t>
             </a:r>
           </a:p>
           <a:p>
             <a:pPr lvl="1"/>
             <a:r>
-              <a:rPr lang="fr-FR" smtClean="0"/>
+              <a:rPr lang="fr-FR"/>
               <a:t>Deuxième niveau</a:t>
             </a:r>
           </a:p>
           <a:p>
             <a:pPr lvl="2"/>
             <a:r>
-              <a:rPr lang="fr-FR" smtClean="0"/>
+              <a:rPr lang="fr-FR"/>
               <a:t>Troisième niveau</a:t>
             </a:r>
           </a:p>
           <a:p>
             <a:pPr lvl="3"/>
             <a:r>
-              <a:rPr lang="fr-FR" smtClean="0"/>
+              <a:rPr lang="fr-FR"/>
               <a:t>Quatrième niveau</a:t>
             </a:r>
           </a:p>
           <a:p>
             <a:pPr lvl="4"/>
             <a:r>
-              <a:rPr lang="fr-FR" smtClean="0"/>
+              <a:rPr lang="fr-FR"/>
               <a:t>Cinquième niveau</a:t>
             </a:r>
             <a:endParaRPr lang="fr-CH"/>
@@ -3040,7 +2719,7 @@
           <a:p>
             <a:fld id="{AC745BD3-D7C2-4137-86E3-4461530478AE}" type="datetimeFigureOut">
               <a:rPr lang="fr-CH" smtClean="0"/>
-              <a:t>17.06.2014</a:t>
+              <a:t>07.11.2018</a:t>
             </a:fld>
             <a:endParaRPr lang="fr-CH"/>
           </a:p>
@@ -3139,7 +2818,7 @@
           <a:lstStyle/>
           <a:p>
             <a:r>
-              <a:rPr lang="fr-FR" smtClean="0"/>
+              <a:rPr lang="fr-FR"/>
               <a:t>Modifiez le style du titre</a:t>
             </a:r>
             <a:endParaRPr lang="fr-CH"/>
@@ -3168,35 +2847,35 @@
           <a:p>
             <a:pPr lvl="0"/>
             <a:r>
-              <a:rPr lang="fr-FR" smtClean="0"/>
+              <a:rPr lang="fr-FR"/>
               <a:t>Modifiez les styles du texte du masque</a:t>
             </a:r>
           </a:p>
           <a:p>
             <a:pPr lvl="1"/>
             <a:r>
-              <a:rPr lang="fr-FR" smtClean="0"/>
+              <a:rPr lang="fr-FR"/>
               <a:t>Deuxième niveau</a:t>
             </a:r>
           </a:p>
           <a:p>
             <a:pPr lvl="2"/>
             <a:r>
-              <a:rPr lang="fr-FR" smtClean="0"/>
+              <a:rPr lang="fr-FR"/>
               <a:t>Troisième niveau</a:t>
             </a:r>
           </a:p>
           <a:p>
             <a:pPr lvl="3"/>
             <a:r>
-              <a:rPr lang="fr-FR" smtClean="0"/>
+              <a:rPr lang="fr-FR"/>
               <a:t>Quatrième niveau</a:t>
             </a:r>
           </a:p>
           <a:p>
             <a:pPr lvl="4"/>
             <a:r>
-              <a:rPr lang="fr-FR" smtClean="0"/>
+              <a:rPr lang="fr-FR"/>
               <a:t>Cinquième niveau</a:t>
             </a:r>
             <a:endParaRPr lang="fr-CH"/>
@@ -3220,7 +2899,7 @@
           <a:p>
             <a:fld id="{AC745BD3-D7C2-4137-86E3-4461530478AE}" type="datetimeFigureOut">
               <a:rPr lang="fr-CH" smtClean="0"/>
-              <a:t>17.06.2014</a:t>
+              <a:t>07.11.2018</a:t>
             </a:fld>
             <a:endParaRPr lang="fr-CH"/>
           </a:p>
@@ -3314,7 +2993,7 @@
           <a:lstStyle/>
           <a:p>
             <a:r>
-              <a:rPr lang="fr-FR" smtClean="0"/>
+              <a:rPr lang="fr-FR"/>
               <a:t>Modifiez le style du titre</a:t>
             </a:r>
             <a:endParaRPr lang="fr-CH"/>
@@ -3338,35 +3017,35 @@
           <a:p>
             <a:pPr lvl="0"/>
             <a:r>
-              <a:rPr lang="fr-FR" smtClean="0"/>
+              <a:rPr lang="fr-FR"/>
               <a:t>Modifiez les styles du texte du masque</a:t>
             </a:r>
           </a:p>
           <a:p>
             <a:pPr lvl="1"/>
             <a:r>
-              <a:rPr lang="fr-FR" smtClean="0"/>
+              <a:rPr lang="fr-FR"/>
               <a:t>Deuxième niveau</a:t>
             </a:r>
           </a:p>
           <a:p>
             <a:pPr lvl="2"/>
             <a:r>
-              <a:rPr lang="fr-FR" smtClean="0"/>
+              <a:rPr lang="fr-FR"/>
               <a:t>Troisième niveau</a:t>
             </a:r>
           </a:p>
           <a:p>
             <a:pPr lvl="3"/>
             <a:r>
-              <a:rPr lang="fr-FR" smtClean="0"/>
+              <a:rPr lang="fr-FR"/>
               <a:t>Quatrième niveau</a:t>
             </a:r>
           </a:p>
           <a:p>
             <a:pPr lvl="4"/>
             <a:r>
-              <a:rPr lang="fr-FR" smtClean="0"/>
+              <a:rPr lang="fr-FR"/>
               <a:t>Cinquième niveau</a:t>
             </a:r>
             <a:endParaRPr lang="fr-CH"/>
@@ -3390,7 +3069,7 @@
           <a:p>
             <a:fld id="{AC745BD3-D7C2-4137-86E3-4461530478AE}" type="datetimeFigureOut">
               <a:rPr lang="fr-CH" smtClean="0"/>
-              <a:t>17.06.2014</a:t>
+              <a:t>07.11.2018</a:t>
             </a:fld>
             <a:endParaRPr lang="fr-CH"/>
           </a:p>
@@ -3493,7 +3172,7 @@
           </a:lstStyle>
           <a:p>
             <a:r>
-              <a:rPr lang="fr-FR" smtClean="0"/>
+              <a:rPr lang="fr-FR"/>
               <a:t>Modifiez le style du titre</a:t>
             </a:r>
             <a:endParaRPr lang="fr-CH"/>
@@ -3613,7 +3292,7 @@
           <a:p>
             <a:pPr lvl="0"/>
             <a:r>
-              <a:rPr lang="fr-FR" smtClean="0"/>
+              <a:rPr lang="fr-FR"/>
               <a:t>Modifiez les styles du texte du masque</a:t>
             </a:r>
           </a:p>
@@ -3636,7 +3315,7 @@
           <a:p>
             <a:fld id="{AC745BD3-D7C2-4137-86E3-4461530478AE}" type="datetimeFigureOut">
               <a:rPr lang="fr-CH" smtClean="0"/>
-              <a:t>17.06.2014</a:t>
+              <a:t>07.11.2018</a:t>
             </a:fld>
             <a:endParaRPr lang="fr-CH"/>
           </a:p>
@@ -3730,7 +3409,7 @@
           <a:lstStyle/>
           <a:p>
             <a:r>
-              <a:rPr lang="fr-FR" smtClean="0"/>
+              <a:rPr lang="fr-FR"/>
               <a:t>Modifiez le style du titre</a:t>
             </a:r>
             <a:endParaRPr lang="fr-CH"/>
@@ -3759,35 +3438,35 @@
           <a:p>
             <a:pPr lvl="0"/>
             <a:r>
-              <a:rPr lang="fr-FR" smtClean="0"/>
+              <a:rPr lang="fr-FR"/>
               <a:t>Modifiez les styles du texte du masque</a:t>
             </a:r>
           </a:p>
           <a:p>
             <a:pPr lvl="1"/>
             <a:r>
-              <a:rPr lang="fr-FR" smtClean="0"/>
+              <a:rPr lang="fr-FR"/>
               <a:t>Deuxième niveau</a:t>
             </a:r>
           </a:p>
           <a:p>
             <a:pPr lvl="2"/>
             <a:r>
-              <a:rPr lang="fr-FR" smtClean="0"/>
+              <a:rPr lang="fr-FR"/>
               <a:t>Troisième niveau</a:t>
             </a:r>
           </a:p>
           <a:p>
             <a:pPr lvl="3"/>
             <a:r>
-              <a:rPr lang="fr-FR" smtClean="0"/>
+              <a:rPr lang="fr-FR"/>
               <a:t>Quatrième niveau</a:t>
             </a:r>
           </a:p>
           <a:p>
             <a:pPr lvl="4"/>
             <a:r>
-              <a:rPr lang="fr-FR" smtClean="0"/>
+              <a:rPr lang="fr-FR"/>
               <a:t>Cinquième niveau</a:t>
             </a:r>
             <a:endParaRPr lang="fr-CH"/>
@@ -3816,35 +3495,35 @@
           <a:p>
             <a:pPr lvl="0"/>
             <a:r>
-              <a:rPr lang="fr-FR" smtClean="0"/>
+              <a:rPr lang="fr-FR"/>
               <a:t>Modifiez les styles du texte du masque</a:t>
             </a:r>
           </a:p>
           <a:p>
             <a:pPr lvl="1"/>
             <a:r>
-              <a:rPr lang="fr-FR" smtClean="0"/>
+              <a:rPr lang="fr-FR"/>
               <a:t>Deuxième niveau</a:t>
             </a:r>
           </a:p>
           <a:p>
             <a:pPr lvl="2"/>
             <a:r>
-              <a:rPr lang="fr-FR" smtClean="0"/>
+              <a:rPr lang="fr-FR"/>
               <a:t>Troisième niveau</a:t>
             </a:r>
           </a:p>
           <a:p>
             <a:pPr lvl="3"/>
             <a:r>
-              <a:rPr lang="fr-FR" smtClean="0"/>
+              <a:rPr lang="fr-FR"/>
               <a:t>Quatrième niveau</a:t>
             </a:r>
           </a:p>
           <a:p>
             <a:pPr lvl="4"/>
             <a:r>
-              <a:rPr lang="fr-FR" smtClean="0"/>
+              <a:rPr lang="fr-FR"/>
               <a:t>Cinquième niveau</a:t>
             </a:r>
             <a:endParaRPr lang="fr-CH"/>
@@ -3868,7 +3547,7 @@
           <a:p>
             <a:fld id="{AC745BD3-D7C2-4137-86E3-4461530478AE}" type="datetimeFigureOut">
               <a:rPr lang="fr-CH" smtClean="0"/>
-              <a:t>17.06.2014</a:t>
+              <a:t>07.11.2018</a:t>
             </a:fld>
             <a:endParaRPr lang="fr-CH"/>
           </a:p>
@@ -3967,7 +3646,7 @@
           <a:lstStyle/>
           <a:p>
             <a:r>
-              <a:rPr lang="fr-FR" smtClean="0"/>
+              <a:rPr lang="fr-FR"/>
               <a:t>Modifiez le style du titre</a:t>
             </a:r>
             <a:endParaRPr lang="fr-CH"/>
@@ -4033,7 +3712,7 @@
           <a:p>
             <a:pPr lvl="0"/>
             <a:r>
-              <a:rPr lang="fr-FR" smtClean="0"/>
+              <a:rPr lang="fr-FR"/>
               <a:t>Modifiez les styles du texte du masque</a:t>
             </a:r>
           </a:p>
@@ -4061,35 +3740,35 @@
           <a:p>
             <a:pPr lvl="0"/>
             <a:r>
-              <a:rPr lang="fr-FR" smtClean="0"/>
+              <a:rPr lang="fr-FR"/>
               <a:t>Modifiez les styles du texte du masque</a:t>
             </a:r>
           </a:p>
           <a:p>
             <a:pPr lvl="1"/>
             <a:r>
-              <a:rPr lang="fr-FR" smtClean="0"/>
+              <a:rPr lang="fr-FR"/>
               <a:t>Deuxième niveau</a:t>
             </a:r>
           </a:p>
           <a:p>
             <a:pPr lvl="2"/>
             <a:r>
-              <a:rPr lang="fr-FR" smtClean="0"/>
+              <a:rPr lang="fr-FR"/>
               <a:t>Troisième niveau</a:t>
             </a:r>
           </a:p>
           <a:p>
             <a:pPr lvl="3"/>
             <a:r>
-              <a:rPr lang="fr-FR" smtClean="0"/>
+              <a:rPr lang="fr-FR"/>
               <a:t>Quatrième niveau</a:t>
             </a:r>
           </a:p>
           <a:p>
             <a:pPr lvl="4"/>
             <a:r>
-              <a:rPr lang="fr-FR" smtClean="0"/>
+              <a:rPr lang="fr-FR"/>
               <a:t>Cinquième niveau</a:t>
             </a:r>
             <a:endParaRPr lang="fr-CH"/>
@@ -4155,7 +3834,7 @@
           <a:p>
             <a:pPr lvl="0"/>
             <a:r>
-              <a:rPr lang="fr-FR" smtClean="0"/>
+              <a:rPr lang="fr-FR"/>
               <a:t>Modifiez les styles du texte du masque</a:t>
             </a:r>
           </a:p>
@@ -4183,35 +3862,35 @@
           <a:p>
             <a:pPr lvl="0"/>
             <a:r>
-              <a:rPr lang="fr-FR" smtClean="0"/>
+              <a:rPr lang="fr-FR"/>
               <a:t>Modifiez les styles du texte du masque</a:t>
             </a:r>
           </a:p>
           <a:p>
             <a:pPr lvl="1"/>
             <a:r>
-              <a:rPr lang="fr-FR" smtClean="0"/>
+              <a:rPr lang="fr-FR"/>
               <a:t>Deuxième niveau</a:t>
             </a:r>
           </a:p>
           <a:p>
             <a:pPr lvl="2"/>
             <a:r>
-              <a:rPr lang="fr-FR" smtClean="0"/>
+              <a:rPr lang="fr-FR"/>
               <a:t>Troisième niveau</a:t>
             </a:r>
           </a:p>
           <a:p>
             <a:pPr lvl="3"/>
             <a:r>
-              <a:rPr lang="fr-FR" smtClean="0"/>
+              <a:rPr lang="fr-FR"/>
               <a:t>Quatrième niveau</a:t>
             </a:r>
           </a:p>
           <a:p>
             <a:pPr lvl="4"/>
             <a:r>
-              <a:rPr lang="fr-FR" smtClean="0"/>
+              <a:rPr lang="fr-FR"/>
               <a:t>Cinquième niveau</a:t>
             </a:r>
             <a:endParaRPr lang="fr-CH"/>
@@ -4235,7 +3914,7 @@
           <a:p>
             <a:fld id="{AC745BD3-D7C2-4137-86E3-4461530478AE}" type="datetimeFigureOut">
               <a:rPr lang="fr-CH" smtClean="0"/>
-              <a:t>17.06.2014</a:t>
+              <a:t>07.11.2018</a:t>
             </a:fld>
             <a:endParaRPr lang="fr-CH"/>
           </a:p>
@@ -4329,7 +4008,7 @@
           <a:lstStyle/>
           <a:p>
             <a:r>
-              <a:rPr lang="fr-FR" smtClean="0"/>
+              <a:rPr lang="fr-FR"/>
               <a:t>Modifiez le style du titre</a:t>
             </a:r>
             <a:endParaRPr lang="fr-CH"/>
@@ -4353,7 +4032,7 @@
           <a:p>
             <a:fld id="{AC745BD3-D7C2-4137-86E3-4461530478AE}" type="datetimeFigureOut">
               <a:rPr lang="fr-CH" smtClean="0"/>
-              <a:t>17.06.2014</a:t>
+              <a:t>07.11.2018</a:t>
             </a:fld>
             <a:endParaRPr lang="fr-CH"/>
           </a:p>
@@ -4448,7 +4127,7 @@
           <a:p>
             <a:fld id="{AC745BD3-D7C2-4137-86E3-4461530478AE}" type="datetimeFigureOut">
               <a:rPr lang="fr-CH" smtClean="0"/>
-              <a:t>17.06.2014</a:t>
+              <a:t>07.11.2018</a:t>
             </a:fld>
             <a:endParaRPr lang="fr-CH"/>
           </a:p>
@@ -4551,7 +4230,7 @@
           </a:lstStyle>
           <a:p>
             <a:r>
-              <a:rPr lang="fr-FR" smtClean="0"/>
+              <a:rPr lang="fr-FR"/>
               <a:t>Modifiez le style du titre</a:t>
             </a:r>
             <a:endParaRPr lang="fr-CH"/>
@@ -4608,35 +4287,35 @@
           <a:p>
             <a:pPr lvl="0"/>
             <a:r>
-              <a:rPr lang="fr-FR" smtClean="0"/>
+              <a:rPr lang="fr-FR"/>
               <a:t>Modifiez les styles du texte du masque</a:t>
             </a:r>
           </a:p>
           <a:p>
             <a:pPr lvl="1"/>
             <a:r>
-              <a:rPr lang="fr-FR" smtClean="0"/>
+              <a:rPr lang="fr-FR"/>
               <a:t>Deuxième niveau</a:t>
             </a:r>
           </a:p>
           <a:p>
             <a:pPr lvl="2"/>
             <a:r>
-              <a:rPr lang="fr-FR" smtClean="0"/>
+              <a:rPr lang="fr-FR"/>
               <a:t>Troisième niveau</a:t>
             </a:r>
           </a:p>
           <a:p>
             <a:pPr lvl="3"/>
             <a:r>
-              <a:rPr lang="fr-FR" smtClean="0"/>
+              <a:rPr lang="fr-FR"/>
               <a:t>Quatrième niveau</a:t>
             </a:r>
           </a:p>
           <a:p>
             <a:pPr lvl="4"/>
             <a:r>
-              <a:rPr lang="fr-FR" smtClean="0"/>
+              <a:rPr lang="fr-FR"/>
               <a:t>Cinquième niveau</a:t>
             </a:r>
             <a:endParaRPr lang="fr-CH"/>
@@ -4702,7 +4381,7 @@
           <a:p>
             <a:pPr lvl="0"/>
             <a:r>
-              <a:rPr lang="fr-FR" smtClean="0"/>
+              <a:rPr lang="fr-FR"/>
               <a:t>Modifiez les styles du texte du masque</a:t>
             </a:r>
           </a:p>
@@ -4725,7 +4404,7 @@
           <a:p>
             <a:fld id="{AC745BD3-D7C2-4137-86E3-4461530478AE}" type="datetimeFigureOut">
               <a:rPr lang="fr-CH" smtClean="0"/>
-              <a:t>17.06.2014</a:t>
+              <a:t>07.11.2018</a:t>
             </a:fld>
             <a:endParaRPr lang="fr-CH"/>
           </a:p>
@@ -4828,7 +4507,7 @@
           </a:lstStyle>
           <a:p>
             <a:r>
-              <a:rPr lang="fr-FR" smtClean="0"/>
+              <a:rPr lang="fr-FR"/>
               <a:t>Modifiez le style du titre</a:t>
             </a:r>
             <a:endParaRPr lang="fr-CH"/>
@@ -4955,7 +4634,7 @@
           <a:p>
             <a:pPr lvl="0"/>
             <a:r>
-              <a:rPr lang="fr-FR" smtClean="0"/>
+              <a:rPr lang="fr-FR"/>
               <a:t>Modifiez les styles du texte du masque</a:t>
             </a:r>
           </a:p>
@@ -4978,7 +4657,7 @@
           <a:p>
             <a:fld id="{AC745BD3-D7C2-4137-86E3-4461530478AE}" type="datetimeFigureOut">
               <a:rPr lang="fr-CH" smtClean="0"/>
-              <a:t>17.06.2014</a:t>
+              <a:t>07.11.2018</a:t>
             </a:fld>
             <a:endParaRPr lang="fr-CH"/>
           </a:p>
@@ -5087,7 +4766,7 @@
           <a:lstStyle/>
           <a:p>
             <a:r>
-              <a:rPr lang="fr-FR" smtClean="0"/>
+              <a:rPr lang="fr-FR"/>
               <a:t>Modifiez le style du titre</a:t>
             </a:r>
             <a:endParaRPr lang="fr-CH"/>
@@ -5121,35 +4800,35 @@
           <a:p>
             <a:pPr lvl="0"/>
             <a:r>
-              <a:rPr lang="fr-FR" smtClean="0"/>
+              <a:rPr lang="fr-FR"/>
               <a:t>Modifiez les styles du texte du masque</a:t>
             </a:r>
           </a:p>
           <a:p>
             <a:pPr lvl="1"/>
             <a:r>
-              <a:rPr lang="fr-FR" smtClean="0"/>
+              <a:rPr lang="fr-FR"/>
               <a:t>Deuxième niveau</a:t>
             </a:r>
           </a:p>
           <a:p>
             <a:pPr lvl="2"/>
             <a:r>
-              <a:rPr lang="fr-FR" smtClean="0"/>
+              <a:rPr lang="fr-FR"/>
               <a:t>Troisième niveau</a:t>
             </a:r>
           </a:p>
           <a:p>
             <a:pPr lvl="3"/>
             <a:r>
-              <a:rPr lang="fr-FR" smtClean="0"/>
+              <a:rPr lang="fr-FR"/>
               <a:t>Quatrième niveau</a:t>
             </a:r>
           </a:p>
           <a:p>
             <a:pPr lvl="4"/>
             <a:r>
-              <a:rPr lang="fr-FR" smtClean="0"/>
+              <a:rPr lang="fr-FR"/>
               <a:t>Cinquième niveau</a:t>
             </a:r>
             <a:endParaRPr lang="fr-CH"/>
@@ -5191,7 +4870,7 @@
           <a:p>
             <a:fld id="{AC745BD3-D7C2-4137-86E3-4461530478AE}" type="datetimeFigureOut">
               <a:rPr lang="fr-CH" smtClean="0"/>
-              <a:t>17.06.2014</a:t>
+              <a:t>07.11.2018</a:t>
             </a:fld>
             <a:endParaRPr lang="fr-CH"/>
           </a:p>
@@ -5636,10 +5315,9 @@
           <a:p>
             <a:pPr algn="ctr"/>
             <a:r>
-              <a:rPr lang="fr-CH" smtClean="0"/>
+              <a:rPr lang="fr-CH"/>
               <a:t>Animal</a:t>
             </a:r>
-            <a:endParaRPr lang="fr-CH"/>
           </a:p>
         </p:txBody>
       </p:sp>
@@ -5683,10 +5361,9 @@
           <a:p>
             <a:pPr algn="ctr"/>
             <a:r>
-              <a:rPr lang="fr-CH" smtClean="0"/>
+              <a:rPr lang="fr-CH"/>
               <a:t>Reptile</a:t>
             </a:r>
-            <a:endParaRPr lang="fr-CH"/>
           </a:p>
         </p:txBody>
       </p:sp>
@@ -5730,10 +5407,9 @@
           <a:p>
             <a:pPr algn="ctr"/>
             <a:r>
-              <a:rPr lang="fr-CH" smtClean="0"/>
+              <a:rPr lang="fr-CH"/>
               <a:t>Mammifère</a:t>
             </a:r>
-            <a:endParaRPr lang="fr-CH"/>
           </a:p>
         </p:txBody>
       </p:sp>
@@ -5777,10 +5453,9 @@
           <a:p>
             <a:pPr algn="ctr"/>
             <a:r>
-              <a:rPr lang="fr-CH" smtClean="0"/>
+              <a:rPr lang="fr-CH"/>
               <a:t>Poisson</a:t>
             </a:r>
-            <a:endParaRPr lang="fr-CH"/>
           </a:p>
         </p:txBody>
       </p:sp>
@@ -5824,10 +5499,9 @@
           <a:p>
             <a:pPr algn="ctr"/>
             <a:r>
-              <a:rPr lang="fr-CH" smtClean="0"/>
+              <a:rPr lang="fr-CH"/>
               <a:t>Serpent</a:t>
             </a:r>
-            <a:endParaRPr lang="fr-CH"/>
           </a:p>
         </p:txBody>
       </p:sp>
@@ -5871,10 +5545,9 @@
           <a:p>
             <a:pPr algn="ctr"/>
             <a:r>
-              <a:rPr lang="fr-CH" smtClean="0"/>
+              <a:rPr lang="fr-CH"/>
               <a:t>Crocodile</a:t>
             </a:r>
-            <a:endParaRPr lang="fr-CH"/>
           </a:p>
         </p:txBody>
       </p:sp>
@@ -5918,10 +5591,9 @@
           <a:p>
             <a:pPr algn="ctr"/>
             <a:r>
-              <a:rPr lang="fr-CH" smtClean="0"/>
+              <a:rPr lang="fr-CH"/>
               <a:t>Vache</a:t>
             </a:r>
-            <a:endParaRPr lang="fr-CH"/>
           </a:p>
         </p:txBody>
       </p:sp>
@@ -5965,10 +5637,9 @@
           <a:p>
             <a:pPr algn="ctr"/>
             <a:r>
-              <a:rPr lang="fr-CH" smtClean="0"/>
+              <a:rPr lang="fr-CH"/>
               <a:t>Éléphant</a:t>
             </a:r>
-            <a:endParaRPr lang="fr-CH"/>
           </a:p>
         </p:txBody>
       </p:sp>
@@ -6012,10 +5683,9 @@
           <a:p>
             <a:pPr algn="ctr"/>
             <a:r>
-              <a:rPr lang="fr-CH" smtClean="0"/>
+              <a:rPr lang="fr-CH"/>
               <a:t>Truite</a:t>
             </a:r>
-            <a:endParaRPr lang="fr-CH"/>
           </a:p>
         </p:txBody>
       </p:sp>
@@ -6059,31 +5729,42 @@
           <a:p>
             <a:pPr algn="ctr"/>
             <a:r>
-              <a:rPr lang="fr-CH" smtClean="0"/>
+              <a:rPr lang="fr-CH"/>
               <a:t>Saumon</a:t>
             </a:r>
-            <a:endParaRPr lang="fr-CH"/>
           </a:p>
         </p:txBody>
       </p:sp>
-      <mc:AlternateContent xmlns:mc="http://schemas.openxmlformats.org/markup-compatibility/2006" xmlns:p14="http://schemas.microsoft.com/office/powerpoint/2010/main">
-        <mc:Choice Requires="p14">
+      <mc:AlternateContent xmlns:mc="http://schemas.openxmlformats.org/markup-compatibility/2006">
+        <mc:Choice xmlns:p14="http://schemas.microsoft.com/office/powerpoint/2010/main" Requires="p14">
           <p:contentPart p14:bwMode="auto" r:id="rId2">
             <p14:nvContentPartPr>
-              <p14:cNvPr id="18" name="Encre 17"/>
+              <p14:cNvPr id="20" name="Encre 19">
+                <a:extLst>
+                  <a:ext uri="{FF2B5EF4-FFF2-40B4-BE49-F238E27FC236}">
+                    <a16:creationId xmlns:a16="http://schemas.microsoft.com/office/drawing/2014/main" id="{099FABF1-D6BD-4ADB-9D7E-7B341A9B1DED}"/>
+                  </a:ext>
+                </a:extLst>
+              </p14:cNvPr>
               <p14:cNvContentPartPr/>
               <p14:nvPr/>
             </p14:nvContentPartPr>
             <p14:xfrm>
-              <a:off x="2350440" y="1332259"/>
-              <a:ext cx="1079190" cy="530280"/>
+              <a:off x="3985328" y="1265961"/>
+              <a:ext cx="129240" cy="543960"/>
             </p14:xfrm>
           </p:contentPart>
         </mc:Choice>
-        <mc:Fallback xmlns="">
+        <mc:Fallback>
           <p:pic>
             <p:nvPicPr>
-              <p:cNvPr id="18" name="Encre 17"/>
+              <p:cNvPr id="20" name="Encre 19">
+                <a:extLst>
+                  <a:ext uri="{FF2B5EF4-FFF2-40B4-BE49-F238E27FC236}">
+                    <a16:creationId xmlns:a16="http://schemas.microsoft.com/office/drawing/2014/main" id="{099FABF1-D6BD-4ADB-9D7E-7B341A9B1DED}"/>
+                  </a:ext>
+                </a:extLst>
+              </p:cNvPr>
               <p:cNvPicPr/>
               <p:nvPr/>
             </p:nvPicPr>
@@ -6095,8 +5776,8 @@
             </p:blipFill>
             <p:spPr>
               <a:xfrm>
-                <a:off x="3125640" y="1759065"/>
-                <a:ext cx="1465200" cy="732600"/>
+                <a:off x="3976328" y="1257315"/>
+                <a:ext cx="146880" cy="561612"/>
               </a:xfrm>
               <a:prstGeom prst="rect">
                 <a:avLst/>
@@ -6105,24 +5786,36 @@
           </p:pic>
         </mc:Fallback>
       </mc:AlternateContent>
-      <mc:AlternateContent xmlns:mc="http://schemas.openxmlformats.org/markup-compatibility/2006" xmlns:p14="http://schemas.microsoft.com/office/powerpoint/2010/main">
-        <mc:Choice Requires="p14">
+      <mc:AlternateContent xmlns:mc="http://schemas.openxmlformats.org/markup-compatibility/2006">
+        <mc:Choice xmlns:p14="http://schemas.microsoft.com/office/powerpoint/2010/main" Requires="p14">
           <p:contentPart p14:bwMode="auto" r:id="rId4">
             <p14:nvContentPartPr>
-              <p14:cNvPr id="23" name="Encre 22"/>
+              <p14:cNvPr id="32" name="Encre 31">
+                <a:extLst>
+                  <a:ext uri="{FF2B5EF4-FFF2-40B4-BE49-F238E27FC236}">
+                    <a16:creationId xmlns:a16="http://schemas.microsoft.com/office/drawing/2014/main" id="{DBC01983-EFFC-4DD0-B2A7-E618BCE81ACA}"/>
+                  </a:ext>
+                </a:extLst>
+              </p14:cNvPr>
               <p14:cNvContentPartPr/>
               <p14:nvPr/>
             </p14:nvContentPartPr>
             <p14:xfrm>
-              <a:off x="3883230" y="1295809"/>
-              <a:ext cx="187920" cy="542970"/>
+              <a:off x="1300088" y="2293041"/>
+              <a:ext cx="358920" cy="511560"/>
             </p14:xfrm>
           </p:contentPart>
         </mc:Choice>
-        <mc:Fallback xmlns="">
+        <mc:Fallback>
           <p:pic>
             <p:nvPicPr>
-              <p:cNvPr id="23" name="Encre 22"/>
+              <p:cNvPr id="32" name="Encre 31">
+                <a:extLst>
+                  <a:ext uri="{FF2B5EF4-FFF2-40B4-BE49-F238E27FC236}">
+                    <a16:creationId xmlns:a16="http://schemas.microsoft.com/office/drawing/2014/main" id="{DBC01983-EFFC-4DD0-B2A7-E618BCE81ACA}"/>
+                  </a:ext>
+                </a:extLst>
+              </p:cNvPr>
               <p:cNvPicPr/>
               <p:nvPr/>
             </p:nvPicPr>
@@ -6134,8 +5827,8 @@
             </p:blipFill>
             <p:spPr>
               <a:xfrm>
-                <a:off x="5164680" y="1709025"/>
-                <a:ext cx="281520" cy="748080"/>
+                <a:off x="1291088" y="2284041"/>
+                <a:ext cx="376560" cy="529200"/>
               </a:xfrm>
               <a:prstGeom prst="rect">
                 <a:avLst/>
@@ -6144,24 +5837,36 @@
           </p:pic>
         </mc:Fallback>
       </mc:AlternateContent>
-      <mc:AlternateContent xmlns:mc="http://schemas.openxmlformats.org/markup-compatibility/2006" xmlns:p14="http://schemas.microsoft.com/office/powerpoint/2010/main">
-        <mc:Choice Requires="p14">
+      <mc:AlternateContent xmlns:mc="http://schemas.openxmlformats.org/markup-compatibility/2006">
+        <mc:Choice xmlns:p14="http://schemas.microsoft.com/office/powerpoint/2010/main" Requires="p14">
           <p:contentPart p14:bwMode="auto" r:id="rId6">
             <p14:nvContentPartPr>
-              <p14:cNvPr id="26" name="Encre 25"/>
+              <p14:cNvPr id="37" name="Encre 36">
+                <a:extLst>
+                  <a:ext uri="{FF2B5EF4-FFF2-40B4-BE49-F238E27FC236}">
+                    <a16:creationId xmlns:a16="http://schemas.microsoft.com/office/drawing/2014/main" id="{A12F97A0-A5F4-4BB4-B236-45D7EF11B8E5}"/>
+                  </a:ext>
+                </a:extLst>
+              </p14:cNvPr>
               <p14:cNvContentPartPr/>
               <p14:nvPr/>
             </p14:nvContentPartPr>
             <p14:xfrm>
-              <a:off x="4734810" y="1269349"/>
-              <a:ext cx="671760" cy="574560"/>
+              <a:off x="2121248" y="2284401"/>
+              <a:ext cx="402480" cy="495000"/>
             </p14:xfrm>
           </p:contentPart>
         </mc:Choice>
-        <mc:Fallback xmlns="">
+        <mc:Fallback>
           <p:pic>
             <p:nvPicPr>
-              <p:cNvPr id="26" name="Encre 25"/>
+              <p:cNvPr id="37" name="Encre 36">
+                <a:extLst>
+                  <a:ext uri="{FF2B5EF4-FFF2-40B4-BE49-F238E27FC236}">
+                    <a16:creationId xmlns:a16="http://schemas.microsoft.com/office/drawing/2014/main" id="{A12F97A0-A5F4-4BB4-B236-45D7EF11B8E5}"/>
+                  </a:ext>
+                </a:extLst>
+              </p:cNvPr>
               <p:cNvPicPr/>
               <p:nvPr/>
             </p:nvPicPr>
@@ -6173,8 +5878,8 @@
             </p:blipFill>
             <p:spPr>
               <a:xfrm>
-                <a:off x="6293640" y="1672665"/>
-                <a:ext cx="921240" cy="792000"/>
+                <a:off x="2112248" y="2275401"/>
+                <a:ext cx="420120" cy="512640"/>
               </a:xfrm>
               <a:prstGeom prst="rect">
                 <a:avLst/>
@@ -6183,24 +5888,36 @@
           </p:pic>
         </mc:Fallback>
       </mc:AlternateContent>
-      <mc:AlternateContent xmlns:mc="http://schemas.openxmlformats.org/markup-compatibility/2006" xmlns:p14="http://schemas.microsoft.com/office/powerpoint/2010/main">
-        <mc:Choice Requires="p14">
+      <mc:AlternateContent xmlns:mc="http://schemas.openxmlformats.org/markup-compatibility/2006">
+        <mc:Choice xmlns:p14="http://schemas.microsoft.com/office/powerpoint/2010/main" Requires="p14">
           <p:contentPart p14:bwMode="auto" r:id="rId8">
             <p14:nvContentPartPr>
-              <p14:cNvPr id="29" name="Encre 28"/>
+              <p14:cNvPr id="49" name="Encre 48">
+                <a:extLst>
+                  <a:ext uri="{FF2B5EF4-FFF2-40B4-BE49-F238E27FC236}">
+                    <a16:creationId xmlns:a16="http://schemas.microsoft.com/office/drawing/2014/main" id="{5F2B30AF-F702-4A0D-AC17-47C155CCF47C}"/>
+                  </a:ext>
+                </a:extLst>
+              </p14:cNvPr>
               <p14:cNvContentPartPr/>
               <p14:nvPr/>
             </p14:nvContentPartPr>
             <p14:xfrm>
-              <a:off x="3280050" y="1290949"/>
-              <a:ext cx="225180" cy="183330"/>
+              <a:off x="4261088" y="2272881"/>
+              <a:ext cx="408240" cy="495360"/>
             </p14:xfrm>
           </p:contentPart>
         </mc:Choice>
-        <mc:Fallback xmlns="">
+        <mc:Fallback>
           <p:pic>
             <p:nvPicPr>
-              <p:cNvPr id="29" name="Encre 28"/>
+              <p:cNvPr id="49" name="Encre 48">
+                <a:extLst>
+                  <a:ext uri="{FF2B5EF4-FFF2-40B4-BE49-F238E27FC236}">
+                    <a16:creationId xmlns:a16="http://schemas.microsoft.com/office/drawing/2014/main" id="{5F2B30AF-F702-4A0D-AC17-47C155CCF47C}"/>
+                  </a:ext>
+                </a:extLst>
+              </p:cNvPr>
               <p:cNvPicPr/>
               <p:nvPr/>
             </p:nvPicPr>
@@ -6212,8 +5929,8 @@
             </p:blipFill>
             <p:spPr>
               <a:xfrm>
-                <a:off x="4358640" y="1702905"/>
-                <a:ext cx="333000" cy="280440"/>
+                <a:off x="4252440" y="2264241"/>
+                <a:ext cx="425896" cy="513000"/>
               </a:xfrm>
               <a:prstGeom prst="rect">
                 <a:avLst/>
@@ -6222,24 +5939,36 @@
           </p:pic>
         </mc:Fallback>
       </mc:AlternateContent>
-      <mc:AlternateContent xmlns:mc="http://schemas.openxmlformats.org/markup-compatibility/2006" xmlns:p14="http://schemas.microsoft.com/office/powerpoint/2010/main">
-        <mc:Choice Requires="p14">
+      <mc:AlternateContent xmlns:mc="http://schemas.openxmlformats.org/markup-compatibility/2006">
+        <mc:Choice xmlns:p14="http://schemas.microsoft.com/office/powerpoint/2010/main" Requires="p14">
           <p:contentPart p14:bwMode="auto" r:id="rId10">
             <p14:nvContentPartPr>
-              <p14:cNvPr id="30" name="Encre 29"/>
+              <p14:cNvPr id="50" name="Encre 49">
+                <a:extLst>
+                  <a:ext uri="{FF2B5EF4-FFF2-40B4-BE49-F238E27FC236}">
+                    <a16:creationId xmlns:a16="http://schemas.microsoft.com/office/drawing/2014/main" id="{06392570-03D1-4728-9AAB-112474013EE7}"/>
+                  </a:ext>
+                </a:extLst>
+              </p14:cNvPr>
               <p14:cNvContentPartPr/>
               <p14:nvPr/>
             </p14:nvContentPartPr>
             <p14:xfrm>
-              <a:off x="1421640" y="2322349"/>
-              <a:ext cx="281880" cy="484380"/>
+              <a:off x="3689408" y="2274681"/>
+              <a:ext cx="311400" cy="495360"/>
             </p14:xfrm>
           </p:contentPart>
         </mc:Choice>
-        <mc:Fallback xmlns="">
+        <mc:Fallback>
           <p:pic>
             <p:nvPicPr>
-              <p:cNvPr id="30" name="Encre 29"/>
+              <p:cNvPr id="50" name="Encre 49">
+                <a:extLst>
+                  <a:ext uri="{FF2B5EF4-FFF2-40B4-BE49-F238E27FC236}">
+                    <a16:creationId xmlns:a16="http://schemas.microsoft.com/office/drawing/2014/main" id="{06392570-03D1-4728-9AAB-112474013EE7}"/>
+                  </a:ext>
+                </a:extLst>
+              </p:cNvPr>
               <p:cNvPicPr/>
               <p:nvPr/>
             </p:nvPicPr>
@@ -6251,8 +5980,8 @@
             </p:blipFill>
             <p:spPr>
               <a:xfrm>
-                <a:off x="1889040" y="3085305"/>
-                <a:ext cx="394200" cy="663480"/>
+                <a:off x="3680768" y="2265688"/>
+                <a:ext cx="329040" cy="512987"/>
               </a:xfrm>
               <a:prstGeom prst="rect">
                 <a:avLst/>
@@ -6261,24 +5990,36 @@
           </p:pic>
         </mc:Fallback>
       </mc:AlternateContent>
-      <mc:AlternateContent xmlns:mc="http://schemas.openxmlformats.org/markup-compatibility/2006" xmlns:p14="http://schemas.microsoft.com/office/powerpoint/2010/main">
-        <mc:Choice Requires="p14">
+      <mc:AlternateContent xmlns:mc="http://schemas.openxmlformats.org/markup-compatibility/2006">
+        <mc:Choice xmlns:p14="http://schemas.microsoft.com/office/powerpoint/2010/main" Requires="p14">
           <p:contentPart p14:bwMode="auto" r:id="rId12">
             <p14:nvContentPartPr>
-              <p14:cNvPr id="35" name="Encre 34"/>
+              <p14:cNvPr id="55" name="Encre 54">
+                <a:extLst>
+                  <a:ext uri="{FF2B5EF4-FFF2-40B4-BE49-F238E27FC236}">
+                    <a16:creationId xmlns:a16="http://schemas.microsoft.com/office/drawing/2014/main" id="{A1FFEC35-FC55-4E3A-AD26-1749DEBE2688}"/>
+                  </a:ext>
+                </a:extLst>
+              </p14:cNvPr>
               <p14:cNvContentPartPr/>
               <p14:nvPr/>
             </p14:nvContentPartPr>
             <p14:xfrm>
-              <a:off x="2130930" y="2277799"/>
-              <a:ext cx="321840" cy="462510"/>
+              <a:off x="5786048" y="2258481"/>
+              <a:ext cx="187560" cy="523800"/>
             </p14:xfrm>
           </p:contentPart>
         </mc:Choice>
-        <mc:Fallback xmlns="">
+        <mc:Fallback>
           <p:pic>
             <p:nvPicPr>
-              <p:cNvPr id="35" name="Encre 34"/>
+              <p:cNvPr id="55" name="Encre 54">
+                <a:extLst>
+                  <a:ext uri="{FF2B5EF4-FFF2-40B4-BE49-F238E27FC236}">
+                    <a16:creationId xmlns:a16="http://schemas.microsoft.com/office/drawing/2014/main" id="{A1FFEC35-FC55-4E3A-AD26-1749DEBE2688}"/>
+                  </a:ext>
+                </a:extLst>
+              </p:cNvPr>
               <p:cNvPicPr/>
               <p:nvPr/>
             </p:nvPicPr>
@@ -6290,8 +6031,8 @@
             </p:blipFill>
             <p:spPr>
               <a:xfrm>
-                <a:off x="2823600" y="3020145"/>
-                <a:ext cx="461520" cy="645480"/>
+                <a:off x="5777065" y="2249835"/>
+                <a:ext cx="205166" cy="541452"/>
               </a:xfrm>
               <a:prstGeom prst="rect">
                 <a:avLst/>
@@ -6300,24 +6041,36 @@
           </p:pic>
         </mc:Fallback>
       </mc:AlternateContent>
-      <mc:AlternateContent xmlns:mc="http://schemas.openxmlformats.org/markup-compatibility/2006" xmlns:p14="http://schemas.microsoft.com/office/powerpoint/2010/main">
-        <mc:Choice Requires="p14">
+      <mc:AlternateContent xmlns:mc="http://schemas.openxmlformats.org/markup-compatibility/2006">
+        <mc:Choice xmlns:p14="http://schemas.microsoft.com/office/powerpoint/2010/main" Requires="p14">
           <p:contentPart p14:bwMode="auto" r:id="rId14">
             <p14:nvContentPartPr>
-              <p14:cNvPr id="38" name="Encre 37"/>
+              <p14:cNvPr id="60" name="Encre 59">
+                <a:extLst>
+                  <a:ext uri="{FF2B5EF4-FFF2-40B4-BE49-F238E27FC236}">
+                    <a16:creationId xmlns:a16="http://schemas.microsoft.com/office/drawing/2014/main" id="{1F83FDCD-66D8-4DE5-8846-05F1EF7E5FF3}"/>
+                  </a:ext>
+                </a:extLst>
+              </p14:cNvPr>
               <p14:cNvContentPartPr/>
               <p14:nvPr/>
             </p14:nvContentPartPr>
             <p14:xfrm>
-              <a:off x="3669390" y="2274019"/>
-              <a:ext cx="259200" cy="528660"/>
+              <a:off x="6177008" y="2268561"/>
+              <a:ext cx="662040" cy="495000"/>
             </p14:xfrm>
           </p:contentPart>
         </mc:Choice>
-        <mc:Fallback xmlns="">
+        <mc:Fallback>
           <p:pic>
             <p:nvPicPr>
-              <p:cNvPr id="38" name="Encre 37"/>
+              <p:cNvPr id="60" name="Encre 59">
+                <a:extLst>
+                  <a:ext uri="{FF2B5EF4-FFF2-40B4-BE49-F238E27FC236}">
+                    <a16:creationId xmlns:a16="http://schemas.microsoft.com/office/drawing/2014/main" id="{1F83FDCD-66D8-4DE5-8846-05F1EF7E5FF3}"/>
+                  </a:ext>
+                </a:extLst>
+              </p:cNvPr>
               <p:cNvPicPr/>
               <p:nvPr/>
             </p:nvPicPr>
@@ -6329,8 +6082,8 @@
             </p:blipFill>
             <p:spPr>
               <a:xfrm>
-                <a:off x="4878120" y="3014025"/>
-                <a:ext cx="378720" cy="731520"/>
+                <a:off x="6168008" y="2259915"/>
+                <a:ext cx="679680" cy="512653"/>
               </a:xfrm>
               <a:prstGeom prst="rect">
                 <a:avLst/>
@@ -6339,24 +6092,36 @@
           </p:pic>
         </mc:Fallback>
       </mc:AlternateContent>
-      <mc:AlternateContent xmlns:mc="http://schemas.openxmlformats.org/markup-compatibility/2006" xmlns:p14="http://schemas.microsoft.com/office/powerpoint/2010/main">
-        <mc:Choice Requires="p14">
+      <mc:AlternateContent xmlns:mc="http://schemas.openxmlformats.org/markup-compatibility/2006">
+        <mc:Choice xmlns:p14="http://schemas.microsoft.com/office/powerpoint/2010/main" Requires="p14">
           <p:contentPart p14:bwMode="auto" r:id="rId16">
             <p14:nvContentPartPr>
-              <p14:cNvPr id="41" name="Encre 40"/>
+              <p14:cNvPr id="65" name="Encre 64">
+                <a:extLst>
+                  <a:ext uri="{FF2B5EF4-FFF2-40B4-BE49-F238E27FC236}">
+                    <a16:creationId xmlns:a16="http://schemas.microsoft.com/office/drawing/2014/main" id="{99370E70-E098-46D0-8BD1-F2A8A6041D6E}"/>
+                  </a:ext>
+                </a:extLst>
+              </p14:cNvPr>
               <p14:cNvContentPartPr/>
               <p14:nvPr/>
             </p14:nvContentPartPr>
             <p14:xfrm>
-              <a:off x="4336560" y="2264569"/>
-              <a:ext cx="308610" cy="495450"/>
+              <a:off x="2232848" y="1072641"/>
+              <a:ext cx="1087920" cy="771480"/>
             </p14:xfrm>
           </p:contentPart>
         </mc:Choice>
-        <mc:Fallback xmlns="">
+        <mc:Fallback>
           <p:pic>
             <p:nvPicPr>
-              <p:cNvPr id="41" name="Encre 40"/>
+              <p:cNvPr id="65" name="Encre 64">
+                <a:extLst>
+                  <a:ext uri="{FF2B5EF4-FFF2-40B4-BE49-F238E27FC236}">
+                    <a16:creationId xmlns:a16="http://schemas.microsoft.com/office/drawing/2014/main" id="{99370E70-E098-46D0-8BD1-F2A8A6041D6E}"/>
+                  </a:ext>
+                </a:extLst>
+              </p:cNvPr>
               <p:cNvPicPr/>
               <p:nvPr/>
             </p:nvPicPr>
@@ -6368,8 +6133,8 @@
             </p:blipFill>
             <p:spPr>
               <a:xfrm>
-                <a:off x="5763360" y="3001065"/>
-                <a:ext cx="441720" cy="690480"/>
+                <a:off x="2224208" y="1063641"/>
+                <a:ext cx="1105560" cy="789120"/>
               </a:xfrm>
               <a:prstGeom prst="rect">
                 <a:avLst/>
@@ -6378,24 +6143,36 @@
           </p:pic>
         </mc:Fallback>
       </mc:AlternateContent>
-      <mc:AlternateContent xmlns:mc="http://schemas.openxmlformats.org/markup-compatibility/2006" xmlns:p14="http://schemas.microsoft.com/office/powerpoint/2010/main">
-        <mc:Choice Requires="p14">
+      <mc:AlternateContent xmlns:mc="http://schemas.openxmlformats.org/markup-compatibility/2006">
+        <mc:Choice xmlns:p14="http://schemas.microsoft.com/office/powerpoint/2010/main" Requires="p14">
           <p:contentPart p14:bwMode="auto" r:id="rId18">
             <p14:nvContentPartPr>
-              <p14:cNvPr id="44" name="Encre 43"/>
+              <p14:cNvPr id="70" name="Encre 69">
+                <a:extLst>
+                  <a:ext uri="{FF2B5EF4-FFF2-40B4-BE49-F238E27FC236}">
+                    <a16:creationId xmlns:a16="http://schemas.microsoft.com/office/drawing/2014/main" id="{3C07D9BD-A637-4358-A334-3C865C7C1BCE}"/>
+                  </a:ext>
+                </a:extLst>
+              </p14:cNvPr>
               <p14:cNvContentPartPr/>
               <p14:nvPr/>
             </p14:nvContentPartPr>
             <p14:xfrm>
-              <a:off x="5864490" y="2300749"/>
-              <a:ext cx="74520" cy="488970"/>
+              <a:off x="4776968" y="1025121"/>
+              <a:ext cx="1185840" cy="816840"/>
             </p14:xfrm>
           </p:contentPart>
         </mc:Choice>
-        <mc:Fallback xmlns="">
+        <mc:Fallback>
           <p:pic>
             <p:nvPicPr>
-              <p:cNvPr id="44" name="Encre 43"/>
+              <p:cNvPr id="70" name="Encre 69">
+                <a:extLst>
+                  <a:ext uri="{FF2B5EF4-FFF2-40B4-BE49-F238E27FC236}">
+                    <a16:creationId xmlns:a16="http://schemas.microsoft.com/office/drawing/2014/main" id="{3C07D9BD-A637-4358-A334-3C865C7C1BCE}"/>
+                  </a:ext>
+                </a:extLst>
+              </p:cNvPr>
               <p:cNvPicPr/>
               <p:nvPr/>
             </p:nvPicPr>
@@ -6407,125 +6184,8 @@
             </p:blipFill>
             <p:spPr>
               <a:xfrm>
-                <a:off x="7816080" y="3048225"/>
-                <a:ext cx="115560" cy="684360"/>
-              </a:xfrm>
-              <a:prstGeom prst="rect">
-                <a:avLst/>
-              </a:prstGeom>
-            </p:spPr>
-          </p:pic>
-        </mc:Fallback>
-      </mc:AlternateContent>
-      <mc:AlternateContent xmlns:mc="http://schemas.openxmlformats.org/markup-compatibility/2006" xmlns:p14="http://schemas.microsoft.com/office/powerpoint/2010/main">
-        <mc:Choice Requires="p14">
-          <p:contentPart p14:bwMode="auto" r:id="rId20">
-            <p14:nvContentPartPr>
-              <p14:cNvPr id="46" name="Encre 45"/>
-              <p14:cNvContentPartPr/>
-              <p14:nvPr/>
-            </p14:nvContentPartPr>
-            <p14:xfrm>
-              <a:off x="4302000" y="2241619"/>
-              <a:ext cx="206820" cy="179280"/>
-            </p14:xfrm>
-          </p:contentPart>
-        </mc:Choice>
-        <mc:Fallback xmlns="">
-          <p:pic>
-            <p:nvPicPr>
-              <p:cNvPr id="46" name="Encre 45"/>
-              <p:cNvPicPr/>
-              <p:nvPr/>
-            </p:nvPicPr>
-            <p:blipFill>
-              <a:blip r:embed="rId21"/>
-              <a:stretch>
-                <a:fillRect/>
-              </a:stretch>
-            </p:blipFill>
-            <p:spPr>
-              <a:xfrm>
-                <a:off x="5716920" y="2970465"/>
-                <a:ext cx="313560" cy="276480"/>
-              </a:xfrm>
-              <a:prstGeom prst="rect">
-                <a:avLst/>
-              </a:prstGeom>
-            </p:spPr>
-          </p:pic>
-        </mc:Fallback>
-      </mc:AlternateContent>
-      <mc:AlternateContent xmlns:mc="http://schemas.openxmlformats.org/markup-compatibility/2006" xmlns:p14="http://schemas.microsoft.com/office/powerpoint/2010/main">
-        <mc:Choice Requires="p14">
-          <p:contentPart p14:bwMode="auto" r:id="rId22">
-            <p14:nvContentPartPr>
-              <p14:cNvPr id="48" name="Encre 47"/>
-              <p14:cNvContentPartPr/>
-              <p14:nvPr/>
-            </p14:nvContentPartPr>
-            <p14:xfrm>
-              <a:off x="6192270" y="2322619"/>
-              <a:ext cx="542700" cy="417690"/>
-            </p14:xfrm>
-          </p:contentPart>
-        </mc:Choice>
-        <mc:Fallback xmlns="">
-          <p:pic>
-            <p:nvPicPr>
-              <p:cNvPr id="48" name="Encre 47"/>
-              <p:cNvPicPr/>
-              <p:nvPr/>
-            </p:nvPicPr>
-            <p:blipFill>
-              <a:blip r:embed="rId23"/>
-              <a:stretch>
-                <a:fillRect/>
-              </a:stretch>
-            </p:blipFill>
-            <p:spPr>
-              <a:xfrm>
-                <a:off x="8239080" y="3077385"/>
-                <a:ext cx="748800" cy="584280"/>
-              </a:xfrm>
-              <a:prstGeom prst="rect">
-                <a:avLst/>
-              </a:prstGeom>
-            </p:spPr>
-          </p:pic>
-        </mc:Fallback>
-      </mc:AlternateContent>
-      <mc:AlternateContent xmlns:mc="http://schemas.openxmlformats.org/markup-compatibility/2006" xmlns:p14="http://schemas.microsoft.com/office/powerpoint/2010/main">
-        <mc:Choice Requires="p14">
-          <p:contentPart p14:bwMode="auto" r:id="rId24">
-            <p14:nvContentPartPr>
-              <p14:cNvPr id="51" name="Encre 50"/>
-              <p14:cNvContentPartPr/>
-              <p14:nvPr/>
-            </p14:nvContentPartPr>
-            <p14:xfrm>
-              <a:off x="5801040" y="2273479"/>
-              <a:ext cx="545130" cy="171720"/>
-            </p14:xfrm>
-          </p:contentPart>
-        </mc:Choice>
-        <mc:Fallback xmlns="">
-          <p:pic>
-            <p:nvPicPr>
-              <p:cNvPr id="51" name="Encre 50"/>
-              <p:cNvPicPr/>
-              <p:nvPr/>
-            </p:nvPicPr>
-            <p:blipFill>
-              <a:blip r:embed="rId25"/>
-              <a:stretch>
-                <a:fillRect/>
-              </a:stretch>
-            </p:blipFill>
-            <p:spPr>
-              <a:xfrm>
-                <a:off x="7718520" y="3011505"/>
-                <a:ext cx="762120" cy="262080"/>
+                <a:off x="4767968" y="1016121"/>
+                <a:ext cx="1203480" cy="834480"/>
               </a:xfrm>
               <a:prstGeom prst="rect">
                 <a:avLst/>
@@ -6544,13 +6204,6 @@
   <p:clrMapOvr>
     <a:masterClrMapping/>
   </p:clrMapOvr>
-  <p:timing>
-    <p:tnLst>
-      <p:par>
-        <p:cTn id="1" dur="indefinite" restart="never" nodeType="tmRoot"/>
-      </p:par>
-    </p:tnLst>
-  </p:timing>
 </p:sld>
 </file>
 
@@ -6596,7 +6249,13 @@
                 <a:tableStyleId>{7E9639D4-E3E2-4D34-9284-5A2195B3D0D7}</a:tableStyleId>
               </a:tblPr>
               <a:tblGrid>
-                <a:gridCol w="2331026"/>
+                <a:gridCol w="2331026">
+                  <a:extLst>
+                    <a:ext uri="{9D8B030D-6E8A-4147-A177-3AD203B41FA5}">
+                      <a16:colId xmlns:a16="http://schemas.microsoft.com/office/drawing/2014/main" val="20000"/>
+                    </a:ext>
+                  </a:extLst>
+                </a:gridCol>
               </a:tblGrid>
               <a:tr h="384308">
                 <a:tc>
@@ -6606,20 +6265,21 @@
                     <a:p>
                       <a:pPr algn="ctr"/>
                       <a:r>
-                        <a:rPr lang="fr-CH" sz="1400" smtClean="0">
+                        <a:rPr lang="fr-CH" sz="1400">
                           <a:latin typeface="Consolas" panose="020B0609020204030204" pitchFamily="49" charset="0"/>
                           <a:cs typeface="Consolas" panose="020B0609020204030204" pitchFamily="49" charset="0"/>
                         </a:rPr>
                         <a:t>Animal</a:t>
                       </a:r>
-                      <a:endParaRPr lang="fr-CH" sz="1400">
-                        <a:latin typeface="Consolas" panose="020B0609020204030204" pitchFamily="49" charset="0"/>
-                        <a:cs typeface="Consolas" panose="020B0609020204030204" pitchFamily="49" charset="0"/>
-                      </a:endParaRPr>
                     </a:p>
                   </a:txBody>
                   <a:tcPr marL="68580" marR="68580" marT="34290" marB="34290" anchor="ctr"/>
                 </a:tc>
+                <a:extLst>
+                  <a:ext uri="{0D108BD9-81ED-4DB2-BD59-A6C34878D82A}">
+                    <a16:rowId xmlns:a16="http://schemas.microsoft.com/office/drawing/2014/main" val="10000"/>
+                  </a:ext>
+                </a:extLst>
               </a:tr>
               <a:tr h="623865">
                 <a:tc>
@@ -6628,20 +6288,21 @@
                     <a:lstStyle/>
                     <a:p>
                       <a:r>
-                        <a:rPr lang="fr-CH" sz="1200" smtClean="0">
+                        <a:rPr lang="fr-CH" sz="1200">
                           <a:latin typeface="Consolas" panose="020B0609020204030204" pitchFamily="49" charset="0"/>
                           <a:cs typeface="Consolas" panose="020B0609020204030204" pitchFamily="49" charset="0"/>
                         </a:rPr>
                         <a:t>+ imagePath</a:t>
                       </a:r>
-                      <a:endParaRPr lang="fr-CH" sz="1200">
-                        <a:latin typeface="Consolas" panose="020B0609020204030204" pitchFamily="49" charset="0"/>
-                        <a:cs typeface="Consolas" panose="020B0609020204030204" pitchFamily="49" charset="0"/>
-                      </a:endParaRPr>
                     </a:p>
                   </a:txBody>
                   <a:tcPr marL="68580" marR="68580" marT="34290" marB="34290" anchor="ctr"/>
                 </a:tc>
+                <a:extLst>
+                  <a:ext uri="{0D108BD9-81ED-4DB2-BD59-A6C34878D82A}">
+                    <a16:rowId xmlns:a16="http://schemas.microsoft.com/office/drawing/2014/main" val="10001"/>
+                  </a:ext>
+                </a:extLst>
               </a:tr>
               <a:tr h="696635">
                 <a:tc>
@@ -6650,7 +6311,7 @@
                     <a:lstStyle/>
                     <a:p>
                       <a:r>
-                        <a:rPr lang="fr-CH" sz="1200" smtClean="0">
+                        <a:rPr lang="fr-CH" sz="1200">
                           <a:latin typeface="Consolas" panose="020B0609020204030204" pitchFamily="49" charset="0"/>
                           <a:cs typeface="Consolas" panose="020B0609020204030204" pitchFamily="49" charset="0"/>
                         </a:rPr>
@@ -6659,20 +6320,21 @@
                     </a:p>
                     <a:p>
                       <a:r>
-                        <a:rPr lang="fr-CH" sz="1200" smtClean="0">
+                        <a:rPr lang="fr-CH" sz="1200">
                           <a:latin typeface="Consolas" panose="020B0609020204030204" pitchFamily="49" charset="0"/>
                           <a:cs typeface="Consolas" panose="020B0609020204030204" pitchFamily="49" charset="0"/>
                         </a:rPr>
                         <a:t>+ showMe(x,y)</a:t>
                       </a:r>
-                      <a:endParaRPr lang="fr-CH" sz="1200">
-                        <a:latin typeface="Consolas" panose="020B0609020204030204" pitchFamily="49" charset="0"/>
-                        <a:cs typeface="Consolas" panose="020B0609020204030204" pitchFamily="49" charset="0"/>
-                      </a:endParaRPr>
                     </a:p>
                   </a:txBody>
                   <a:tcPr marL="68580" marR="68580" marT="34290" marB="34290" anchor="ctr"/>
                 </a:tc>
+                <a:extLst>
+                  <a:ext uri="{0D108BD9-81ED-4DB2-BD59-A6C34878D82A}">
+                    <a16:rowId xmlns:a16="http://schemas.microsoft.com/office/drawing/2014/main" val="10002"/>
+                  </a:ext>
+                </a:extLst>
               </a:tr>
             </a:tbl>
           </a:graphicData>
@@ -6703,7 +6365,13 @@
                 <a:tableStyleId>{7E9639D4-E3E2-4D34-9284-5A2195B3D0D7}</a:tableStyleId>
               </a:tblPr>
               <a:tblGrid>
-                <a:gridCol w="2331026"/>
+                <a:gridCol w="2331026">
+                  <a:extLst>
+                    <a:ext uri="{9D8B030D-6E8A-4147-A177-3AD203B41FA5}">
+                      <a16:colId xmlns:a16="http://schemas.microsoft.com/office/drawing/2014/main" val="20000"/>
+                    </a:ext>
+                  </a:extLst>
+                </a:gridCol>
               </a:tblGrid>
               <a:tr h="384308">
                 <a:tc>
@@ -6713,20 +6381,21 @@
                     <a:p>
                       <a:pPr algn="ctr"/>
                       <a:r>
-                        <a:rPr lang="fr-CH" sz="1400" smtClean="0">
+                        <a:rPr lang="fr-CH" sz="1400">
                           <a:latin typeface="Consolas" panose="020B0609020204030204" pitchFamily="49" charset="0"/>
                           <a:cs typeface="Consolas" panose="020B0609020204030204" pitchFamily="49" charset="0"/>
                         </a:rPr>
                         <a:t>Pet</a:t>
                       </a:r>
-                      <a:endParaRPr lang="fr-CH" sz="1400">
-                        <a:latin typeface="Consolas" panose="020B0609020204030204" pitchFamily="49" charset="0"/>
-                        <a:cs typeface="Consolas" panose="020B0609020204030204" pitchFamily="49" charset="0"/>
-                      </a:endParaRPr>
                     </a:p>
                   </a:txBody>
                   <a:tcPr marL="68580" marR="68580" marT="34290" marB="34290" anchor="ctr"/>
                 </a:tc>
+                <a:extLst>
+                  <a:ext uri="{0D108BD9-81ED-4DB2-BD59-A6C34878D82A}">
+                    <a16:rowId xmlns:a16="http://schemas.microsoft.com/office/drawing/2014/main" val="10000"/>
+                  </a:ext>
+                </a:extLst>
               </a:tr>
               <a:tr h="623865">
                 <a:tc>
@@ -6735,7 +6404,7 @@
                     <a:lstStyle/>
                     <a:p>
                       <a:r>
-                        <a:rPr lang="fr-CH" sz="1200" smtClean="0">
+                        <a:rPr lang="fr-CH" sz="1200">
                           <a:latin typeface="Consolas" panose="020B0609020204030204" pitchFamily="49" charset="0"/>
                           <a:cs typeface="Consolas" panose="020B0609020204030204" pitchFamily="49" charset="0"/>
                         </a:rPr>
@@ -6743,7 +6412,7 @@
                       </a:r>
                     </a:p>
                     <a:p>
-                      <a:endParaRPr lang="fr-CH" sz="1200" smtClean="0">
+                      <a:endParaRPr lang="fr-CH" sz="1200">
                         <a:latin typeface="Consolas" panose="020B0609020204030204" pitchFamily="49" charset="0"/>
                         <a:cs typeface="Consolas" panose="020B0609020204030204" pitchFamily="49" charset="0"/>
                       </a:endParaRPr>
@@ -6767,7 +6436,7 @@
                         <a:defRPr/>
                       </a:pPr>
                       <a:r>
-                        <a:rPr lang="fr-CH" sz="1200" smtClean="0">
+                        <a:rPr lang="fr-CH" sz="1200">
                           <a:solidFill>
                             <a:schemeClr val="bg1">
                               <a:lumMod val="75000"/>
@@ -6782,6 +6451,11 @@
                   </a:txBody>
                   <a:tcPr marL="68580" marR="68580" marT="34290" marB="34290" anchor="ctr"/>
                 </a:tc>
+                <a:extLst>
+                  <a:ext uri="{0D108BD9-81ED-4DB2-BD59-A6C34878D82A}">
+                    <a16:rowId xmlns:a16="http://schemas.microsoft.com/office/drawing/2014/main" val="10001"/>
+                  </a:ext>
+                </a:extLst>
               </a:tr>
               <a:tr h="800100">
                 <a:tc>
@@ -6790,21 +6464,21 @@
                     <a:lstStyle/>
                     <a:p>
                       <a:r>
-                        <a:rPr lang="fr-CH" sz="1200" smtClean="0">
+                        <a:rPr lang="fr-CH" sz="1200">
                           <a:latin typeface="Consolas" panose="020B0609020204030204" pitchFamily="49" charset="0"/>
                           <a:cs typeface="Consolas" panose="020B0609020204030204" pitchFamily="49" charset="0"/>
                         </a:rPr>
                         <a:t>+ __init__(imgPath,</a:t>
                       </a:r>
                       <a:r>
-                        <a:rPr lang="fr-CH" sz="1200" baseline="0" smtClean="0">
+                        <a:rPr lang="fr-CH" sz="1200" baseline="0">
                           <a:latin typeface="Consolas" panose="020B0609020204030204" pitchFamily="49" charset="0"/>
                           <a:cs typeface="Consolas" panose="020B0609020204030204" pitchFamily="49" charset="0"/>
                         </a:rPr>
                         <a:t> name</a:t>
                       </a:r>
                       <a:r>
-                        <a:rPr lang="fr-CH" sz="1200" smtClean="0">
+                        <a:rPr lang="fr-CH" sz="1200">
                           <a:latin typeface="Consolas" panose="020B0609020204030204" pitchFamily="49" charset="0"/>
                           <a:cs typeface="Consolas" panose="020B0609020204030204" pitchFamily="49" charset="0"/>
                         </a:rPr>
@@ -6813,21 +6487,21 @@
                     </a:p>
                     <a:p>
                       <a:r>
-                        <a:rPr lang="fr-CH" sz="1200" smtClean="0">
+                        <a:rPr lang="fr-CH" sz="1200">
                           <a:latin typeface="Consolas" panose="020B0609020204030204" pitchFamily="49" charset="0"/>
                           <a:cs typeface="Consolas" panose="020B0609020204030204" pitchFamily="49" charset="0"/>
                         </a:rPr>
                         <a:t>+</a:t>
                       </a:r>
                       <a:r>
-                        <a:rPr lang="fr-CH" sz="1200" baseline="0" smtClean="0">
+                        <a:rPr lang="fr-CH" sz="1200" baseline="0">
                           <a:latin typeface="Consolas" panose="020B0609020204030204" pitchFamily="49" charset="0"/>
                           <a:cs typeface="Consolas" panose="020B0609020204030204" pitchFamily="49" charset="0"/>
                         </a:rPr>
                         <a:t> tell(x,y</a:t>
                       </a:r>
                       <a:r>
-                        <a:rPr lang="fr-CH" sz="1200" smtClean="0">
+                        <a:rPr lang="fr-CH" sz="1200">
                           <a:latin typeface="Consolas" panose="020B0609020204030204" pitchFamily="49" charset="0"/>
                           <a:cs typeface="Consolas" panose="020B0609020204030204" pitchFamily="49" charset="0"/>
                         </a:rPr>
@@ -6835,14 +6509,14 @@
                       </a:r>
                     </a:p>
                     <a:p>
-                      <a:endParaRPr lang="fr-CH" sz="1200" smtClean="0">
+                      <a:endParaRPr lang="fr-CH" sz="1200">
                         <a:latin typeface="Consolas" panose="020B0609020204030204" pitchFamily="49" charset="0"/>
                         <a:cs typeface="Consolas" panose="020B0609020204030204" pitchFamily="49" charset="0"/>
                       </a:endParaRPr>
                     </a:p>
                     <a:p>
                       <a:r>
-                        <a:rPr lang="fr-CH" sz="1200" smtClean="0">
+                        <a:rPr lang="fr-CH" sz="1200">
                           <a:solidFill>
                             <a:schemeClr val="bg1">
                               <a:lumMod val="75000"/>
@@ -6853,19 +6527,15 @@
                         </a:rPr>
                         <a:t>+ showMe(x,y)</a:t>
                       </a:r>
-                      <a:endParaRPr lang="fr-CH" sz="1200">
-                        <a:solidFill>
-                          <a:schemeClr val="bg1">
-                            <a:lumMod val="75000"/>
-                          </a:schemeClr>
-                        </a:solidFill>
-                        <a:latin typeface="Consolas" panose="020B0609020204030204" pitchFamily="49" charset="0"/>
-                        <a:cs typeface="Consolas" panose="020B0609020204030204" pitchFamily="49" charset="0"/>
-                      </a:endParaRPr>
                     </a:p>
                   </a:txBody>
                   <a:tcPr marL="68580" marR="68580" marT="34290" marB="34290" anchor="ctr"/>
                 </a:tc>
+                <a:extLst>
+                  <a:ext uri="{0D108BD9-81ED-4DB2-BD59-A6C34878D82A}">
+                    <a16:rowId xmlns:a16="http://schemas.microsoft.com/office/drawing/2014/main" val="10002"/>
+                  </a:ext>
+                </a:extLst>
               </a:tr>
             </a:tbl>
           </a:graphicData>
@@ -7282,10 +6952,9 @@
           <a:p>
             <a:pPr algn="ctr"/>
             <a:r>
-              <a:rPr lang="fr-CH" smtClean="0"/>
+              <a:rPr lang="fr-CH"/>
               <a:t>Indique que l’attribut ou la méthode est public</a:t>
             </a:r>
-            <a:endParaRPr lang="fr-CH"/>
           </a:p>
         </p:txBody>
       </p:sp>
@@ -7377,13 +7046,6 @@
   <p:clrMapOvr>
     <a:masterClrMapping/>
   </p:clrMapOvr>
-  <p:timing>
-    <p:tnLst>
-      <p:par>
-        <p:cTn id="1" dur="indefinite" restart="never" nodeType="tmRoot"/>
-      </p:par>
-    </p:tnLst>
-  </p:timing>
 </p:sld>
 </file>
 
@@ -7429,7 +7091,13 @@
                 <a:tableStyleId>{7E9639D4-E3E2-4D34-9284-5A2195B3D0D7}</a:tableStyleId>
               </a:tblPr>
               <a:tblGrid>
-                <a:gridCol w="2331026"/>
+                <a:gridCol w="2331026">
+                  <a:extLst>
+                    <a:ext uri="{9D8B030D-6E8A-4147-A177-3AD203B41FA5}">
+                      <a16:colId xmlns:a16="http://schemas.microsoft.com/office/drawing/2014/main" val="20000"/>
+                    </a:ext>
+                  </a:extLst>
+                </a:gridCol>
               </a:tblGrid>
               <a:tr h="384308">
                 <a:tc>
@@ -7439,20 +7107,21 @@
                     <a:p>
                       <a:pPr algn="ctr"/>
                       <a:r>
-                        <a:rPr lang="fr-CH" sz="1400" smtClean="0">
+                        <a:rPr lang="fr-CH" sz="1400">
                           <a:latin typeface="Consolas" panose="020B0609020204030204" pitchFamily="49" charset="0"/>
                           <a:cs typeface="Consolas" panose="020B0609020204030204" pitchFamily="49" charset="0"/>
                         </a:rPr>
                         <a:t>Animal</a:t>
                       </a:r>
-                      <a:endParaRPr lang="fr-CH" sz="1400">
-                        <a:latin typeface="Consolas" panose="020B0609020204030204" pitchFamily="49" charset="0"/>
-                        <a:cs typeface="Consolas" panose="020B0609020204030204" pitchFamily="49" charset="0"/>
-                      </a:endParaRPr>
                     </a:p>
                   </a:txBody>
                   <a:tcPr marL="68580" marR="68580" marT="34290" marB="34290" anchor="ctr"/>
                 </a:tc>
+                <a:extLst>
+                  <a:ext uri="{0D108BD9-81ED-4DB2-BD59-A6C34878D82A}">
+                    <a16:rowId xmlns:a16="http://schemas.microsoft.com/office/drawing/2014/main" val="10000"/>
+                  </a:ext>
+                </a:extLst>
               </a:tr>
               <a:tr h="623865">
                 <a:tc>
@@ -7461,11 +7130,50 @@
                     <a:lstStyle/>
                     <a:p>
                       <a:r>
-                        <a:rPr lang="fr-CH" sz="1200" smtClean="0">
+                        <a:rPr lang="fr-CH" sz="1200">
                           <a:latin typeface="Consolas" panose="020B0609020204030204" pitchFamily="49" charset="0"/>
                           <a:cs typeface="Consolas" panose="020B0609020204030204" pitchFamily="49" charset="0"/>
                         </a:rPr>
                         <a:t>+ imagePath</a:t>
+                      </a:r>
+                    </a:p>
+                  </a:txBody>
+                  <a:tcPr marL="68580" marR="68580" marT="34290" marB="34290" anchor="ctr"/>
+                </a:tc>
+                <a:extLst>
+                  <a:ext uri="{0D108BD9-81ED-4DB2-BD59-A6C34878D82A}">
+                    <a16:rowId xmlns:a16="http://schemas.microsoft.com/office/drawing/2014/main" val="10001"/>
+                  </a:ext>
+                </a:extLst>
+              </a:tr>
+              <a:tr h="696635">
+                <a:tc>
+                  <a:txBody>
+                    <a:bodyPr/>
+                    <a:lstStyle/>
+                    <a:p>
+                      <a:r>
+                        <a:rPr lang="fr-CH" sz="1200">
+                          <a:latin typeface="Consolas" panose="020B0609020204030204" pitchFamily="49" charset="0"/>
+                          <a:cs typeface="Consolas" panose="020B0609020204030204" pitchFamily="49" charset="0"/>
+                        </a:rPr>
+                        <a:t>+ __init__(imgPath)</a:t>
+                      </a:r>
+                    </a:p>
+                    <a:p>
+                      <a:r>
+                        <a:rPr lang="fr-CH" sz="1200">
+                          <a:latin typeface="Consolas" panose="020B0609020204030204" pitchFamily="49" charset="0"/>
+                          <a:cs typeface="Consolas" panose="020B0609020204030204" pitchFamily="49" charset="0"/>
+                        </a:rPr>
+                        <a:t>+ showMe(x,y) :</a:t>
+                      </a:r>
+                      <a:r>
+                        <a:rPr lang="fr-CH" sz="1200" baseline="0">
+                          <a:latin typeface="Consolas" panose="020B0609020204030204" pitchFamily="49" charset="0"/>
+                          <a:cs typeface="Consolas" panose="020B0609020204030204" pitchFamily="49" charset="0"/>
+                        </a:rPr>
+                        <a:t> None</a:t>
                       </a:r>
                       <a:endParaRPr lang="fr-CH" sz="1200">
                         <a:latin typeface="Consolas" panose="020B0609020204030204" pitchFamily="49" charset="0"/>
@@ -7475,44 +7183,11 @@
                   </a:txBody>
                   <a:tcPr marL="68580" marR="68580" marT="34290" marB="34290" anchor="ctr"/>
                 </a:tc>
-              </a:tr>
-              <a:tr h="696635">
-                <a:tc>
-                  <a:txBody>
-                    <a:bodyPr/>
-                    <a:lstStyle/>
-                    <a:p>
-                      <a:r>
-                        <a:rPr lang="fr-CH" sz="1200" smtClean="0">
-                          <a:latin typeface="Consolas" panose="020B0609020204030204" pitchFamily="49" charset="0"/>
-                          <a:cs typeface="Consolas" panose="020B0609020204030204" pitchFamily="49" charset="0"/>
-                        </a:rPr>
-                        <a:t>+ __init__(imgPath)</a:t>
-                      </a:r>
-                    </a:p>
-                    <a:p>
-                      <a:r>
-                        <a:rPr lang="fr-CH" sz="1200" smtClean="0">
-                          <a:latin typeface="Consolas" panose="020B0609020204030204" pitchFamily="49" charset="0"/>
-                          <a:cs typeface="Consolas" panose="020B0609020204030204" pitchFamily="49" charset="0"/>
-                        </a:rPr>
-                        <a:t>+ showMe(x,y) :</a:t>
-                      </a:r>
-                      <a:r>
-                        <a:rPr lang="fr-CH" sz="1200" baseline="0" smtClean="0">
-                          <a:latin typeface="Consolas" panose="020B0609020204030204" pitchFamily="49" charset="0"/>
-                          <a:cs typeface="Consolas" panose="020B0609020204030204" pitchFamily="49" charset="0"/>
-                        </a:rPr>
-                        <a:t> None</a:t>
-                      </a:r>
-                      <a:endParaRPr lang="fr-CH" sz="1200">
-                        <a:latin typeface="Consolas" panose="020B0609020204030204" pitchFamily="49" charset="0"/>
-                        <a:cs typeface="Consolas" panose="020B0609020204030204" pitchFamily="49" charset="0"/>
-                      </a:endParaRPr>
-                    </a:p>
-                  </a:txBody>
-                  <a:tcPr marL="68580" marR="68580" marT="34290" marB="34290" anchor="ctr"/>
-                </a:tc>
+                <a:extLst>
+                  <a:ext uri="{0D108BD9-81ED-4DB2-BD59-A6C34878D82A}">
+                    <a16:rowId xmlns:a16="http://schemas.microsoft.com/office/drawing/2014/main" val="10002"/>
+                  </a:ext>
+                </a:extLst>
               </a:tr>
             </a:tbl>
           </a:graphicData>
@@ -7543,7 +7218,13 @@
                 <a:tableStyleId>{7E9639D4-E3E2-4D34-9284-5A2195B3D0D7}</a:tableStyleId>
               </a:tblPr>
               <a:tblGrid>
-                <a:gridCol w="2331026"/>
+                <a:gridCol w="2331026">
+                  <a:extLst>
+                    <a:ext uri="{9D8B030D-6E8A-4147-A177-3AD203B41FA5}">
+                      <a16:colId xmlns:a16="http://schemas.microsoft.com/office/drawing/2014/main" val="20000"/>
+                    </a:ext>
+                  </a:extLst>
+                </a:gridCol>
               </a:tblGrid>
               <a:tr h="384308">
                 <a:tc>
@@ -7553,20 +7234,21 @@
                     <a:p>
                       <a:pPr algn="ctr"/>
                       <a:r>
-                        <a:rPr lang="fr-CH" sz="1400" smtClean="0">
+                        <a:rPr lang="fr-CH" sz="1400">
                           <a:latin typeface="Consolas" panose="020B0609020204030204" pitchFamily="49" charset="0"/>
                           <a:cs typeface="Consolas" panose="020B0609020204030204" pitchFamily="49" charset="0"/>
                         </a:rPr>
                         <a:t>Pet</a:t>
                       </a:r>
-                      <a:endParaRPr lang="fr-CH" sz="1400">
-                        <a:latin typeface="Consolas" panose="020B0609020204030204" pitchFamily="49" charset="0"/>
-                        <a:cs typeface="Consolas" panose="020B0609020204030204" pitchFamily="49" charset="0"/>
-                      </a:endParaRPr>
                     </a:p>
                   </a:txBody>
                   <a:tcPr marL="68580" marR="68580" marT="34290" marB="34290" anchor="ctr"/>
                 </a:tc>
+                <a:extLst>
+                  <a:ext uri="{0D108BD9-81ED-4DB2-BD59-A6C34878D82A}">
+                    <a16:rowId xmlns:a16="http://schemas.microsoft.com/office/drawing/2014/main" val="10000"/>
+                  </a:ext>
+                </a:extLst>
               </a:tr>
               <a:tr h="623865">
                 <a:tc>
@@ -7575,7 +7257,7 @@
                     <a:lstStyle/>
                     <a:p>
                       <a:r>
-                        <a:rPr lang="fr-CH" sz="1200" smtClean="0">
+                        <a:rPr lang="fr-CH" sz="1200">
                           <a:latin typeface="Consolas" panose="020B0609020204030204" pitchFamily="49" charset="0"/>
                           <a:cs typeface="Consolas" panose="020B0609020204030204" pitchFamily="49" charset="0"/>
                         </a:rPr>
@@ -7585,6 +7267,11 @@
                   </a:txBody>
                   <a:tcPr marL="68580" marR="68580" marT="34290" marB="34290" anchor="ctr"/>
                 </a:tc>
+                <a:extLst>
+                  <a:ext uri="{0D108BD9-81ED-4DB2-BD59-A6C34878D82A}">
+                    <a16:rowId xmlns:a16="http://schemas.microsoft.com/office/drawing/2014/main" val="10001"/>
+                  </a:ext>
+                </a:extLst>
               </a:tr>
               <a:tr h="696635">
                 <a:tc>
@@ -7593,21 +7280,21 @@
                     <a:lstStyle/>
                     <a:p>
                       <a:r>
-                        <a:rPr lang="fr-CH" sz="1200" smtClean="0">
+                        <a:rPr lang="fr-CH" sz="1200">
                           <a:latin typeface="Consolas" panose="020B0609020204030204" pitchFamily="49" charset="0"/>
                           <a:cs typeface="Consolas" panose="020B0609020204030204" pitchFamily="49" charset="0"/>
                         </a:rPr>
                         <a:t>+ __init__(imgPath,</a:t>
                       </a:r>
                       <a:r>
-                        <a:rPr lang="fr-CH" sz="1200" baseline="0" smtClean="0">
+                        <a:rPr lang="fr-CH" sz="1200" baseline="0">
                           <a:latin typeface="Consolas" panose="020B0609020204030204" pitchFamily="49" charset="0"/>
                           <a:cs typeface="Consolas" panose="020B0609020204030204" pitchFamily="49" charset="0"/>
                         </a:rPr>
                         <a:t> name</a:t>
                       </a:r>
                       <a:r>
-                        <a:rPr lang="fr-CH" sz="1200" smtClean="0">
+                        <a:rPr lang="fr-CH" sz="1200">
                           <a:latin typeface="Consolas" panose="020B0609020204030204" pitchFamily="49" charset="0"/>
                           <a:cs typeface="Consolas" panose="020B0609020204030204" pitchFamily="49" charset="0"/>
                         </a:rPr>
@@ -7616,21 +7303,21 @@
                     </a:p>
                     <a:p>
                       <a:r>
-                        <a:rPr lang="fr-CH" sz="1200" smtClean="0">
+                        <a:rPr lang="fr-CH" sz="1200">
                           <a:latin typeface="Consolas" panose="020B0609020204030204" pitchFamily="49" charset="0"/>
                           <a:cs typeface="Consolas" panose="020B0609020204030204" pitchFamily="49" charset="0"/>
                         </a:rPr>
                         <a:t>+</a:t>
                       </a:r>
                       <a:r>
-                        <a:rPr lang="fr-CH" sz="1200" baseline="0" smtClean="0">
+                        <a:rPr lang="fr-CH" sz="1200" baseline="0">
                           <a:latin typeface="Consolas" panose="020B0609020204030204" pitchFamily="49" charset="0"/>
                           <a:cs typeface="Consolas" panose="020B0609020204030204" pitchFamily="49" charset="0"/>
                         </a:rPr>
                         <a:t> tell(x,y</a:t>
                       </a:r>
                       <a:r>
-                        <a:rPr lang="fr-CH" sz="1200" smtClean="0">
+                        <a:rPr lang="fr-CH" sz="1200">
                           <a:latin typeface="Consolas" panose="020B0609020204030204" pitchFamily="49" charset="0"/>
                           <a:cs typeface="Consolas" panose="020B0609020204030204" pitchFamily="49" charset="0"/>
                         </a:rPr>
@@ -7640,6 +7327,11 @@
                   </a:txBody>
                   <a:tcPr marL="68580" marR="68580" marT="34290" marB="34290" anchor="ctr"/>
                 </a:tc>
+                <a:extLst>
+                  <a:ext uri="{0D108BD9-81ED-4DB2-BD59-A6C34878D82A}">
+                    <a16:rowId xmlns:a16="http://schemas.microsoft.com/office/drawing/2014/main" val="10002"/>
+                  </a:ext>
+                </a:extLst>
               </a:tr>
             </a:tbl>
           </a:graphicData>
@@ -7709,7 +7401,13 @@
                 <a:tableStyleId>{7E9639D4-E3E2-4D34-9284-5A2195B3D0D7}</a:tableStyleId>
               </a:tblPr>
               <a:tblGrid>
-                <a:gridCol w="2331026"/>
+                <a:gridCol w="2331026">
+                  <a:extLst>
+                    <a:ext uri="{9D8B030D-6E8A-4147-A177-3AD203B41FA5}">
+                      <a16:colId xmlns:a16="http://schemas.microsoft.com/office/drawing/2014/main" val="20000"/>
+                    </a:ext>
+                  </a:extLst>
+                </a:gridCol>
               </a:tblGrid>
               <a:tr h="279257">
                 <a:tc>
@@ -7719,20 +7417,21 @@
                     <a:p>
                       <a:pPr algn="ctr"/>
                       <a:r>
-                        <a:rPr lang="fr-CH" sz="1400" smtClean="0">
+                        <a:rPr lang="fr-CH" sz="1400">
                           <a:latin typeface="Consolas" panose="020B0609020204030204" pitchFamily="49" charset="0"/>
                           <a:cs typeface="Consolas" panose="020B0609020204030204" pitchFamily="49" charset="0"/>
                         </a:rPr>
                         <a:t>Cat</a:t>
                       </a:r>
-                      <a:endParaRPr lang="fr-CH" sz="1400">
-                        <a:latin typeface="Consolas" panose="020B0609020204030204" pitchFamily="49" charset="0"/>
-                        <a:cs typeface="Consolas" panose="020B0609020204030204" pitchFamily="49" charset="0"/>
-                      </a:endParaRPr>
                     </a:p>
                   </a:txBody>
                   <a:tcPr marL="68580" marR="68580" marT="34290" marB="34290" anchor="ctr"/>
                 </a:tc>
+                <a:extLst>
+                  <a:ext uri="{0D108BD9-81ED-4DB2-BD59-A6C34878D82A}">
+                    <a16:rowId xmlns:a16="http://schemas.microsoft.com/office/drawing/2014/main" val="10000"/>
+                  </a:ext>
+                </a:extLst>
               </a:tr>
               <a:tr h="623865">
                 <a:tc>
@@ -7741,7 +7440,7 @@
                     <a:lstStyle/>
                     <a:p>
                       <a:r>
-                        <a:rPr lang="fr-CH" sz="1200" smtClean="0">
+                        <a:rPr lang="fr-CH" sz="1200">
                           <a:latin typeface="Consolas" panose="020B0609020204030204" pitchFamily="49" charset="0"/>
                           <a:cs typeface="Consolas" panose="020B0609020204030204" pitchFamily="49" charset="0"/>
                         </a:rPr>
@@ -7751,6 +7450,11 @@
                   </a:txBody>
                   <a:tcPr marL="68580" marR="68580" marT="34290" marB="34290" anchor="ctr"/>
                 </a:tc>
+                <a:extLst>
+                  <a:ext uri="{0D108BD9-81ED-4DB2-BD59-A6C34878D82A}">
+                    <a16:rowId xmlns:a16="http://schemas.microsoft.com/office/drawing/2014/main" val="10001"/>
+                  </a:ext>
+                </a:extLst>
               </a:tr>
               <a:tr h="696635">
                 <a:tc>
@@ -7759,21 +7463,21 @@
                     <a:lstStyle/>
                     <a:p>
                       <a:r>
-                        <a:rPr lang="fr-CH" sz="1200" smtClean="0">
+                        <a:rPr lang="fr-CH" sz="1200">
                           <a:latin typeface="Consolas" panose="020B0609020204030204" pitchFamily="49" charset="0"/>
                           <a:cs typeface="Consolas" panose="020B0609020204030204" pitchFamily="49" charset="0"/>
                         </a:rPr>
                         <a:t>+ __init__(imgPath,</a:t>
                       </a:r>
                       <a:r>
-                        <a:rPr lang="fr-CH" sz="1200" baseline="0" smtClean="0">
+                        <a:rPr lang="fr-CH" sz="1200" baseline="0">
                           <a:latin typeface="Consolas" panose="020B0609020204030204" pitchFamily="49" charset="0"/>
                           <a:cs typeface="Consolas" panose="020B0609020204030204" pitchFamily="49" charset="0"/>
                         </a:rPr>
                         <a:t> name</a:t>
                       </a:r>
                       <a:r>
-                        <a:rPr lang="fr-CH" sz="1200" smtClean="0">
+                        <a:rPr lang="fr-CH" sz="1200">
                           <a:latin typeface="Consolas" panose="020B0609020204030204" pitchFamily="49" charset="0"/>
                           <a:cs typeface="Consolas" panose="020B0609020204030204" pitchFamily="49" charset="0"/>
                         </a:rPr>
@@ -7782,21 +7486,21 @@
                     </a:p>
                     <a:p>
                       <a:r>
-                        <a:rPr lang="fr-CH" sz="1200" smtClean="0">
+                        <a:rPr lang="fr-CH" sz="1200">
                           <a:latin typeface="Consolas" panose="020B0609020204030204" pitchFamily="49" charset="0"/>
                           <a:cs typeface="Consolas" panose="020B0609020204030204" pitchFamily="49" charset="0"/>
                         </a:rPr>
                         <a:t>+</a:t>
                       </a:r>
                       <a:r>
-                        <a:rPr lang="fr-CH" sz="1200" baseline="0" smtClean="0">
+                        <a:rPr lang="fr-CH" sz="1200" baseline="0">
                           <a:latin typeface="Consolas" panose="020B0609020204030204" pitchFamily="49" charset="0"/>
                           <a:cs typeface="Consolas" panose="020B0609020204030204" pitchFamily="49" charset="0"/>
                         </a:rPr>
                         <a:t> tell(x,y</a:t>
                       </a:r>
                       <a:r>
-                        <a:rPr lang="fr-CH" sz="1200" smtClean="0">
+                        <a:rPr lang="fr-CH" sz="1200">
                           <a:latin typeface="Consolas" panose="020B0609020204030204" pitchFamily="49" charset="0"/>
                           <a:cs typeface="Consolas" panose="020B0609020204030204" pitchFamily="49" charset="0"/>
                         </a:rPr>
@@ -7806,6 +7510,11 @@
                   </a:txBody>
                   <a:tcPr marL="68580" marR="68580" marT="34290" marB="34290" anchor="ctr"/>
                 </a:tc>
+                <a:extLst>
+                  <a:ext uri="{0D108BD9-81ED-4DB2-BD59-A6C34878D82A}">
+                    <a16:rowId xmlns:a16="http://schemas.microsoft.com/office/drawing/2014/main" val="10002"/>
+                  </a:ext>
+                </a:extLst>
               </a:tr>
             </a:tbl>
           </a:graphicData>
@@ -7836,7 +7545,13 @@
                 <a:tableStyleId>{7E9639D4-E3E2-4D34-9284-5A2195B3D0D7}</a:tableStyleId>
               </a:tblPr>
               <a:tblGrid>
-                <a:gridCol w="2331026"/>
+                <a:gridCol w="2331026">
+                  <a:extLst>
+                    <a:ext uri="{9D8B030D-6E8A-4147-A177-3AD203B41FA5}">
+                      <a16:colId xmlns:a16="http://schemas.microsoft.com/office/drawing/2014/main" val="20000"/>
+                    </a:ext>
+                  </a:extLst>
+                </a:gridCol>
               </a:tblGrid>
               <a:tr h="279257">
                 <a:tc>
@@ -7846,20 +7561,21 @@
                     <a:p>
                       <a:pPr algn="ctr"/>
                       <a:r>
-                        <a:rPr lang="fr-CH" sz="1400" smtClean="0">
+                        <a:rPr lang="fr-CH" sz="1400">
                           <a:latin typeface="Consolas" panose="020B0609020204030204" pitchFamily="49" charset="0"/>
                           <a:cs typeface="Consolas" panose="020B0609020204030204" pitchFamily="49" charset="0"/>
                         </a:rPr>
                         <a:t>Dog</a:t>
                       </a:r>
-                      <a:endParaRPr lang="fr-CH" sz="1400">
-                        <a:latin typeface="Consolas" panose="020B0609020204030204" pitchFamily="49" charset="0"/>
-                        <a:cs typeface="Consolas" panose="020B0609020204030204" pitchFamily="49" charset="0"/>
-                      </a:endParaRPr>
                     </a:p>
                   </a:txBody>
                   <a:tcPr marL="68580" marR="68580" marT="34290" marB="34290" anchor="ctr"/>
                 </a:tc>
+                <a:extLst>
+                  <a:ext uri="{0D108BD9-81ED-4DB2-BD59-A6C34878D82A}">
+                    <a16:rowId xmlns:a16="http://schemas.microsoft.com/office/drawing/2014/main" val="10000"/>
+                  </a:ext>
+                </a:extLst>
               </a:tr>
               <a:tr h="623865">
                 <a:tc>
@@ -7868,7 +7584,7 @@
                     <a:lstStyle/>
                     <a:p>
                       <a:r>
-                        <a:rPr lang="fr-CH" sz="1200" smtClean="0">
+                        <a:rPr lang="fr-CH" sz="1200">
                           <a:latin typeface="Consolas" panose="020B0609020204030204" pitchFamily="49" charset="0"/>
                           <a:cs typeface="Consolas" panose="020B0609020204030204" pitchFamily="49" charset="0"/>
                         </a:rPr>
@@ -7878,6 +7594,11 @@
                   </a:txBody>
                   <a:tcPr marL="68580" marR="68580" marT="34290" marB="34290" anchor="ctr"/>
                 </a:tc>
+                <a:extLst>
+                  <a:ext uri="{0D108BD9-81ED-4DB2-BD59-A6C34878D82A}">
+                    <a16:rowId xmlns:a16="http://schemas.microsoft.com/office/drawing/2014/main" val="10001"/>
+                  </a:ext>
+                </a:extLst>
               </a:tr>
               <a:tr h="696635">
                 <a:tc>
@@ -7886,21 +7607,21 @@
                     <a:lstStyle/>
                     <a:p>
                       <a:r>
-                        <a:rPr lang="fr-CH" sz="1200" smtClean="0">
+                        <a:rPr lang="fr-CH" sz="1200">
                           <a:latin typeface="Consolas" panose="020B0609020204030204" pitchFamily="49" charset="0"/>
                           <a:cs typeface="Consolas" panose="020B0609020204030204" pitchFamily="49" charset="0"/>
                         </a:rPr>
                         <a:t>+ __init__(imgPath,</a:t>
                       </a:r>
                       <a:r>
-                        <a:rPr lang="fr-CH" sz="1200" baseline="0" smtClean="0">
+                        <a:rPr lang="fr-CH" sz="1200" baseline="0">
                           <a:latin typeface="Consolas" panose="020B0609020204030204" pitchFamily="49" charset="0"/>
                           <a:cs typeface="Consolas" panose="020B0609020204030204" pitchFamily="49" charset="0"/>
                         </a:rPr>
                         <a:t> name</a:t>
                       </a:r>
                       <a:r>
-                        <a:rPr lang="fr-CH" sz="1200" smtClean="0">
+                        <a:rPr lang="fr-CH" sz="1200">
                           <a:latin typeface="Consolas" panose="020B0609020204030204" pitchFamily="49" charset="0"/>
                           <a:cs typeface="Consolas" panose="020B0609020204030204" pitchFamily="49" charset="0"/>
                         </a:rPr>
@@ -7909,21 +7630,21 @@
                     </a:p>
                     <a:p>
                       <a:r>
-                        <a:rPr lang="fr-CH" sz="1200" smtClean="0">
+                        <a:rPr lang="fr-CH" sz="1200">
                           <a:latin typeface="Consolas" panose="020B0609020204030204" pitchFamily="49" charset="0"/>
                           <a:cs typeface="Consolas" panose="020B0609020204030204" pitchFamily="49" charset="0"/>
                         </a:rPr>
                         <a:t>+</a:t>
                       </a:r>
                       <a:r>
-                        <a:rPr lang="fr-CH" sz="1200" baseline="0" smtClean="0">
+                        <a:rPr lang="fr-CH" sz="1200" baseline="0">
                           <a:latin typeface="Consolas" panose="020B0609020204030204" pitchFamily="49" charset="0"/>
                           <a:cs typeface="Consolas" panose="020B0609020204030204" pitchFamily="49" charset="0"/>
                         </a:rPr>
                         <a:t> tell(x,y</a:t>
                       </a:r>
                       <a:r>
-                        <a:rPr lang="fr-CH" sz="1200" smtClean="0">
+                        <a:rPr lang="fr-CH" sz="1200">
                           <a:latin typeface="Consolas" panose="020B0609020204030204" pitchFamily="49" charset="0"/>
                           <a:cs typeface="Consolas" panose="020B0609020204030204" pitchFamily="49" charset="0"/>
                         </a:rPr>
@@ -7933,6 +7654,11 @@
                   </a:txBody>
                   <a:tcPr marL="68580" marR="68580" marT="34290" marB="34290" anchor="ctr"/>
                 </a:tc>
+                <a:extLst>
+                  <a:ext uri="{0D108BD9-81ED-4DB2-BD59-A6C34878D82A}">
+                    <a16:rowId xmlns:a16="http://schemas.microsoft.com/office/drawing/2014/main" val="10002"/>
+                  </a:ext>
+                </a:extLst>
               </a:tr>
             </a:tbl>
           </a:graphicData>
@@ -8806,13 +8532,6 @@
   <p:clrMapOvr>
     <a:masterClrMapping/>
   </p:clrMapOvr>
-  <p:timing>
-    <p:tnLst>
-      <p:par>
-        <p:cTn id="1" dur="indefinite" restart="never" nodeType="tmRoot"/>
-      </p:par>
-    </p:tnLst>
-  </p:timing>
 </p:sld>
 </file>
 
@@ -8858,7 +8577,13 @@
                 <a:tableStyleId>{7E9639D4-E3E2-4D34-9284-5A2195B3D0D7}</a:tableStyleId>
               </a:tblPr>
               <a:tblGrid>
-                <a:gridCol w="3052485"/>
+                <a:gridCol w="3052485">
+                  <a:extLst>
+                    <a:ext uri="{9D8B030D-6E8A-4147-A177-3AD203B41FA5}">
+                      <a16:colId xmlns:a16="http://schemas.microsoft.com/office/drawing/2014/main" val="20000"/>
+                    </a:ext>
+                  </a:extLst>
+                </a:gridCol>
               </a:tblGrid>
               <a:tr h="384308">
                 <a:tc>
@@ -8868,20 +8593,21 @@
                     <a:p>
                       <a:pPr algn="ctr"/>
                       <a:r>
-                        <a:rPr lang="fr-CH" sz="1400" smtClean="0">
+                        <a:rPr lang="fr-CH" sz="1400">
                           <a:latin typeface="Consolas" panose="020B0609020204030204" pitchFamily="49" charset="0"/>
                           <a:cs typeface="Consolas" panose="020B0609020204030204" pitchFamily="49" charset="0"/>
                         </a:rPr>
                         <a:t>Rect</a:t>
                       </a:r>
-                      <a:endParaRPr lang="fr-CH" sz="1400">
-                        <a:latin typeface="Consolas" panose="020B0609020204030204" pitchFamily="49" charset="0"/>
-                        <a:cs typeface="Consolas" panose="020B0609020204030204" pitchFamily="49" charset="0"/>
-                      </a:endParaRPr>
                     </a:p>
                   </a:txBody>
                   <a:tcPr marL="68580" marR="68580" marT="34290" marB="34290" anchor="ctr"/>
                 </a:tc>
+                <a:extLst>
+                  <a:ext uri="{0D108BD9-81ED-4DB2-BD59-A6C34878D82A}">
+                    <a16:rowId xmlns:a16="http://schemas.microsoft.com/office/drawing/2014/main" val="10000"/>
+                  </a:ext>
+                </a:extLst>
               </a:tr>
               <a:tr h="623865">
                 <a:tc>
@@ -8890,7 +8616,7 @@
                     <a:lstStyle/>
                     <a:p>
                       <a:r>
-                        <a:rPr lang="fr-CH" sz="1200" smtClean="0">
+                        <a:rPr lang="fr-CH" sz="1200">
                           <a:latin typeface="Consolas" panose="020B0609020204030204" pitchFamily="49" charset="0"/>
                           <a:cs typeface="Consolas" panose="020B0609020204030204" pitchFamily="49" charset="0"/>
                         </a:rPr>
@@ -8899,14 +8625,14 @@
                     </a:p>
                     <a:p>
                       <a:r>
-                        <a:rPr lang="fr-CH" sz="1200" smtClean="0">
+                        <a:rPr lang="fr-CH" sz="1200">
                           <a:latin typeface="Consolas" panose="020B0609020204030204" pitchFamily="49" charset="0"/>
                           <a:cs typeface="Consolas" panose="020B0609020204030204" pitchFamily="49" charset="0"/>
                         </a:rPr>
                         <a:t>+</a:t>
                       </a:r>
                       <a:r>
-                        <a:rPr lang="fr-CH" sz="1200" baseline="0" smtClean="0">
+                        <a:rPr lang="fr-CH" sz="1200" baseline="0">
                           <a:latin typeface="Consolas" panose="020B0609020204030204" pitchFamily="49" charset="0"/>
                           <a:cs typeface="Consolas" panose="020B0609020204030204" pitchFamily="49" charset="0"/>
                         </a:rPr>
@@ -8915,7 +8641,7 @@
                     </a:p>
                     <a:p>
                       <a:r>
-                        <a:rPr lang="fr-CH" sz="1200" baseline="0" smtClean="0">
+                        <a:rPr lang="fr-CH" sz="1200" baseline="0">
                           <a:latin typeface="Consolas" panose="020B0609020204030204" pitchFamily="49" charset="0"/>
                           <a:cs typeface="Consolas" panose="020B0609020204030204" pitchFamily="49" charset="0"/>
                         </a:rPr>
@@ -8929,6 +8655,11 @@
                   </a:txBody>
                   <a:tcPr marL="68580" marR="68580" marT="34290" marB="34290" anchor="ctr"/>
                 </a:tc>
+                <a:extLst>
+                  <a:ext uri="{0D108BD9-81ED-4DB2-BD59-A6C34878D82A}">
+                    <a16:rowId xmlns:a16="http://schemas.microsoft.com/office/drawing/2014/main" val="10001"/>
+                  </a:ext>
+                </a:extLst>
               </a:tr>
               <a:tr h="696635">
                 <a:tc>
@@ -8937,21 +8668,21 @@
                     <a:lstStyle/>
                     <a:p>
                       <a:r>
-                        <a:rPr lang="fr-CH" sz="1200" smtClean="0">
+                        <a:rPr lang="fr-CH" sz="1200">
                           <a:latin typeface="Consolas" panose="020B0609020204030204" pitchFamily="49" charset="0"/>
                           <a:cs typeface="Consolas" panose="020B0609020204030204" pitchFamily="49" charset="0"/>
                         </a:rPr>
                         <a:t>+ __init__(loc, width,</a:t>
                       </a:r>
                       <a:r>
-                        <a:rPr lang="fr-CH" sz="1200" baseline="0" smtClean="0">
+                        <a:rPr lang="fr-CH" sz="1200" baseline="0">
                           <a:latin typeface="Consolas" panose="020B0609020204030204" pitchFamily="49" charset="0"/>
                           <a:cs typeface="Consolas" panose="020B0609020204030204" pitchFamily="49" charset="0"/>
                         </a:rPr>
                         <a:t> height</a:t>
                       </a:r>
                       <a:r>
-                        <a:rPr lang="fr-CH" sz="1200" smtClean="0">
+                        <a:rPr lang="fr-CH" sz="1200">
                           <a:latin typeface="Consolas" panose="020B0609020204030204" pitchFamily="49" charset="0"/>
                           <a:cs typeface="Consolas" panose="020B0609020204030204" pitchFamily="49" charset="0"/>
                         </a:rPr>
@@ -8960,14 +8691,14 @@
                     </a:p>
                     <a:p>
                       <a:r>
-                        <a:rPr lang="fr-CH" sz="1200" smtClean="0">
+                        <a:rPr lang="fr-CH" sz="1200">
                           <a:latin typeface="Consolas" panose="020B0609020204030204" pitchFamily="49" charset="0"/>
                           <a:cs typeface="Consolas" panose="020B0609020204030204" pitchFamily="49" charset="0"/>
                         </a:rPr>
                         <a:t>+ area() :</a:t>
                       </a:r>
                       <a:r>
-                        <a:rPr lang="fr-CH" sz="1200" baseline="0" smtClean="0">
+                        <a:rPr lang="fr-CH" sz="1200" baseline="0">
                           <a:latin typeface="Consolas" panose="020B0609020204030204" pitchFamily="49" charset="0"/>
                           <a:cs typeface="Consolas" panose="020B0609020204030204" pitchFamily="49" charset="0"/>
                         </a:rPr>
@@ -8981,6 +8712,11 @@
                   </a:txBody>
                   <a:tcPr marL="68580" marR="68580" marT="34290" marB="34290" anchor="ctr"/>
                 </a:tc>
+                <a:extLst>
+                  <a:ext uri="{0D108BD9-81ED-4DB2-BD59-A6C34878D82A}">
+                    <a16:rowId xmlns:a16="http://schemas.microsoft.com/office/drawing/2014/main" val="10002"/>
+                  </a:ext>
+                </a:extLst>
               </a:tr>
             </a:tbl>
           </a:graphicData>
@@ -9011,7 +8747,13 @@
                 <a:tableStyleId>{7E9639D4-E3E2-4D34-9284-5A2195B3D0D7}</a:tableStyleId>
               </a:tblPr>
               <a:tblGrid>
-                <a:gridCol w="2835267"/>
+                <a:gridCol w="2835267">
+                  <a:extLst>
+                    <a:ext uri="{9D8B030D-6E8A-4147-A177-3AD203B41FA5}">
+                      <a16:colId xmlns:a16="http://schemas.microsoft.com/office/drawing/2014/main" val="20000"/>
+                    </a:ext>
+                  </a:extLst>
+                </a:gridCol>
               </a:tblGrid>
               <a:tr h="384308">
                 <a:tc>
@@ -9021,20 +8763,21 @@
                     <a:p>
                       <a:pPr algn="ctr"/>
                       <a:r>
-                        <a:rPr lang="fr-CH" sz="1400" smtClean="0">
+                        <a:rPr lang="fr-CH" sz="1400">
                           <a:latin typeface="Consolas" panose="020B0609020204030204" pitchFamily="49" charset="0"/>
                           <a:cs typeface="Consolas" panose="020B0609020204030204" pitchFamily="49" charset="0"/>
                         </a:rPr>
                         <a:t>Square</a:t>
                       </a:r>
-                      <a:endParaRPr lang="fr-CH" sz="1400">
-                        <a:latin typeface="Consolas" panose="020B0609020204030204" pitchFamily="49" charset="0"/>
-                        <a:cs typeface="Consolas" panose="020B0609020204030204" pitchFamily="49" charset="0"/>
-                      </a:endParaRPr>
                     </a:p>
                   </a:txBody>
                   <a:tcPr marL="68580" marR="68580" marT="34290" marB="34290" anchor="ctr"/>
                 </a:tc>
+                <a:extLst>
+                  <a:ext uri="{0D108BD9-81ED-4DB2-BD59-A6C34878D82A}">
+                    <a16:rowId xmlns:a16="http://schemas.microsoft.com/office/drawing/2014/main" val="10000"/>
+                  </a:ext>
+                </a:extLst>
               </a:tr>
               <a:tr h="623865">
                 <a:tc>
@@ -9043,7 +8786,7 @@
                     <a:lstStyle/>
                     <a:p>
                       <a:r>
-                        <a:rPr lang="fr-CH" sz="1200" smtClean="0">
+                        <a:rPr lang="fr-CH" sz="1200">
                           <a:latin typeface="Consolas" panose="020B0609020204030204" pitchFamily="49" charset="0"/>
                           <a:cs typeface="Consolas" panose="020B0609020204030204" pitchFamily="49" charset="0"/>
                         </a:rPr>
@@ -9053,6 +8796,11 @@
                   </a:txBody>
                   <a:tcPr marL="68580" marR="68580" marT="34290" marB="34290" anchor="ctr"/>
                 </a:tc>
+                <a:extLst>
+                  <a:ext uri="{0D108BD9-81ED-4DB2-BD59-A6C34878D82A}">
+                    <a16:rowId xmlns:a16="http://schemas.microsoft.com/office/drawing/2014/main" val="10001"/>
+                  </a:ext>
+                </a:extLst>
               </a:tr>
               <a:tr h="696635">
                 <a:tc>
@@ -9061,7 +8809,7 @@
                     <a:lstStyle/>
                     <a:p>
                       <a:r>
-                        <a:rPr lang="fr-CH" sz="1200" smtClean="0">
+                        <a:rPr lang="fr-CH" sz="1200">
                           <a:latin typeface="Consolas" panose="020B0609020204030204" pitchFamily="49" charset="0"/>
                           <a:cs typeface="Consolas" panose="020B0609020204030204" pitchFamily="49" charset="0"/>
                         </a:rPr>
@@ -9071,6 +8819,11 @@
                   </a:txBody>
                   <a:tcPr marL="68580" marR="68580" marT="34290" marB="34290" anchor="ctr"/>
                 </a:tc>
+                <a:extLst>
+                  <a:ext uri="{0D108BD9-81ED-4DB2-BD59-A6C34878D82A}">
+                    <a16:rowId xmlns:a16="http://schemas.microsoft.com/office/drawing/2014/main" val="10002"/>
+                  </a:ext>
+                </a:extLst>
               </a:tr>
             </a:tbl>
           </a:graphicData>
@@ -9101,7 +8854,13 @@
                 <a:tableStyleId>{7E9639D4-E3E2-4D34-9284-5A2195B3D0D7}</a:tableStyleId>
               </a:tblPr>
               <a:tblGrid>
-                <a:gridCol w="2331026"/>
+                <a:gridCol w="2331026">
+                  <a:extLst>
+                    <a:ext uri="{9D8B030D-6E8A-4147-A177-3AD203B41FA5}">
+                      <a16:colId xmlns:a16="http://schemas.microsoft.com/office/drawing/2014/main" val="20000"/>
+                    </a:ext>
+                  </a:extLst>
+                </a:gridCol>
               </a:tblGrid>
               <a:tr h="329609">
                 <a:tc>
@@ -9111,20 +8870,21 @@
                     <a:p>
                       <a:pPr algn="ctr"/>
                       <a:r>
-                        <a:rPr lang="fr-CH" sz="1400" smtClean="0">
+                        <a:rPr lang="fr-CH" sz="1400">
                           <a:latin typeface="Consolas" panose="020B0609020204030204" pitchFamily="49" charset="0"/>
                           <a:cs typeface="Consolas" panose="020B0609020204030204" pitchFamily="49" charset="0"/>
                         </a:rPr>
                         <a:t>Point</a:t>
                       </a:r>
-                      <a:endParaRPr lang="fr-CH" sz="1400">
-                        <a:latin typeface="Consolas" panose="020B0609020204030204" pitchFamily="49" charset="0"/>
-                        <a:cs typeface="Consolas" panose="020B0609020204030204" pitchFamily="49" charset="0"/>
-                      </a:endParaRPr>
                     </a:p>
                   </a:txBody>
                   <a:tcPr marL="68580" marR="68580" marT="34290" marB="34290" anchor="ctr"/>
                 </a:tc>
+                <a:extLst>
+                  <a:ext uri="{0D108BD9-81ED-4DB2-BD59-A6C34878D82A}">
+                    <a16:rowId xmlns:a16="http://schemas.microsoft.com/office/drawing/2014/main" val="10000"/>
+                  </a:ext>
+                </a:extLst>
               </a:tr>
               <a:tr h="729345">
                 <a:tc>
@@ -9133,7 +8893,7 @@
                     <a:lstStyle/>
                     <a:p>
                       <a:r>
-                        <a:rPr lang="fr-CH" sz="1200" smtClean="0">
+                        <a:rPr lang="fr-CH" sz="1200">
                           <a:latin typeface="Consolas" panose="020B0609020204030204" pitchFamily="49" charset="0"/>
                           <a:cs typeface="Consolas" panose="020B0609020204030204" pitchFamily="49" charset="0"/>
                         </a:rPr>
@@ -9142,14 +8902,14 @@
                     </a:p>
                     <a:p>
                       <a:r>
-                        <a:rPr lang="fr-CH" sz="1200" smtClean="0">
+                        <a:rPr lang="fr-CH" sz="1200">
                           <a:latin typeface="Consolas" panose="020B0609020204030204" pitchFamily="49" charset="0"/>
                           <a:cs typeface="Consolas" panose="020B0609020204030204" pitchFamily="49" charset="0"/>
                         </a:rPr>
                         <a:t>+</a:t>
                       </a:r>
                       <a:r>
-                        <a:rPr lang="fr-CH" sz="1200" baseline="0" smtClean="0">
+                        <a:rPr lang="fr-CH" sz="1200" baseline="0">
                           <a:latin typeface="Consolas" panose="020B0609020204030204" pitchFamily="49" charset="0"/>
                           <a:cs typeface="Consolas" panose="020B0609020204030204" pitchFamily="49" charset="0"/>
                         </a:rPr>
@@ -9159,6 +8919,11 @@
                   </a:txBody>
                   <a:tcPr marL="68580" marR="68580" marT="34290" marB="34290" anchor="ctr"/>
                 </a:tc>
+                <a:extLst>
+                  <a:ext uri="{0D108BD9-81ED-4DB2-BD59-A6C34878D82A}">
+                    <a16:rowId xmlns:a16="http://schemas.microsoft.com/office/drawing/2014/main" val="10001"/>
+                  </a:ext>
+                </a:extLst>
               </a:tr>
               <a:tr h="814419">
                 <a:tc>
@@ -9167,7 +8932,7 @@
                     <a:lstStyle/>
                     <a:p>
                       <a:r>
-                        <a:rPr lang="fr-CH" sz="1200" smtClean="0">
+                        <a:rPr lang="fr-CH" sz="1200">
                           <a:latin typeface="Consolas" panose="020B0609020204030204" pitchFamily="49" charset="0"/>
                           <a:cs typeface="Consolas" panose="020B0609020204030204" pitchFamily="49" charset="0"/>
                         </a:rPr>
@@ -9176,20 +8941,21 @@
                     </a:p>
                     <a:p>
                       <a:r>
-                        <a:rPr lang="fr-CH" sz="1200" smtClean="0">
+                        <a:rPr lang="fr-CH" sz="1200">
                           <a:latin typeface="Consolas" panose="020B0609020204030204" pitchFamily="49" charset="0"/>
                           <a:cs typeface="Consolas" panose="020B0609020204030204" pitchFamily="49" charset="0"/>
                         </a:rPr>
                         <a:t>+ distance(other) : float</a:t>
                       </a:r>
-                      <a:endParaRPr lang="fr-CH" sz="1200">
-                        <a:latin typeface="Consolas" panose="020B0609020204030204" pitchFamily="49" charset="0"/>
-                        <a:cs typeface="Consolas" panose="020B0609020204030204" pitchFamily="49" charset="0"/>
-                      </a:endParaRPr>
                     </a:p>
                   </a:txBody>
                   <a:tcPr marL="68580" marR="68580" marT="34290" marB="34290" anchor="ctr"/>
                 </a:tc>
+                <a:extLst>
+                  <a:ext uri="{0D108BD9-81ED-4DB2-BD59-A6C34878D82A}">
+                    <a16:rowId xmlns:a16="http://schemas.microsoft.com/office/drawing/2014/main" val="10002"/>
+                  </a:ext>
+                </a:extLst>
               </a:tr>
             </a:tbl>
           </a:graphicData>
@@ -9220,7 +8986,13 @@
                 <a:tableStyleId>{7E9639D4-E3E2-4D34-9284-5A2195B3D0D7}</a:tableStyleId>
               </a:tblPr>
               <a:tblGrid>
-                <a:gridCol w="3662084"/>
+                <a:gridCol w="3662084">
+                  <a:extLst>
+                    <a:ext uri="{9D8B030D-6E8A-4147-A177-3AD203B41FA5}">
+                      <a16:colId xmlns:a16="http://schemas.microsoft.com/office/drawing/2014/main" val="20000"/>
+                    </a:ext>
+                  </a:extLst>
+                </a:gridCol>
               </a:tblGrid>
               <a:tr h="384308">
                 <a:tc>
@@ -9230,13 +9002,100 @@
                     <a:p>
                       <a:pPr algn="ctr"/>
                       <a:r>
-                        <a:rPr lang="fr-CH" sz="1400" smtClean="0">
+                        <a:rPr lang="fr-CH" sz="1400">
                           <a:latin typeface="Consolas" panose="020B0609020204030204" pitchFamily="49" charset="0"/>
                           <a:cs typeface="Consolas" panose="020B0609020204030204" pitchFamily="49" charset="0"/>
                         </a:rPr>
                         <a:t>RandomPoints</a:t>
                       </a:r>
-                      <a:endParaRPr lang="fr-CH" sz="1400">
+                    </a:p>
+                  </a:txBody>
+                  <a:tcPr marL="68580" marR="68580" marT="34290" marB="34290" anchor="ctr"/>
+                </a:tc>
+                <a:extLst>
+                  <a:ext uri="{0D108BD9-81ED-4DB2-BD59-A6C34878D82A}">
+                    <a16:rowId xmlns:a16="http://schemas.microsoft.com/office/drawing/2014/main" val="10000"/>
+                  </a:ext>
+                </a:extLst>
+              </a:tr>
+              <a:tr h="623865">
+                <a:tc>
+                  <a:txBody>
+                    <a:bodyPr/>
+                    <a:lstStyle/>
+                    <a:p>
+                      <a:r>
+                        <a:rPr lang="fr-CH" sz="1200">
+                          <a:latin typeface="Consolas" panose="020B0609020204030204" pitchFamily="49" charset="0"/>
+                          <a:cs typeface="Consolas" panose="020B0609020204030204" pitchFamily="49" charset="0"/>
+                        </a:rPr>
+                        <a:t>+ points</a:t>
+                      </a:r>
+                      <a:r>
+                        <a:rPr lang="fr-CH" sz="1200" baseline="0">
+                          <a:latin typeface="Consolas" panose="020B0609020204030204" pitchFamily="49" charset="0"/>
+                          <a:cs typeface="Consolas" panose="020B0609020204030204" pitchFamily="49" charset="0"/>
+                        </a:rPr>
+                        <a:t> : list of Point</a:t>
+                      </a:r>
+                    </a:p>
+                  </a:txBody>
+                  <a:tcPr marL="68580" marR="68580" marT="34290" marB="34290" anchor="ctr"/>
+                </a:tc>
+                <a:extLst>
+                  <a:ext uri="{0D108BD9-81ED-4DB2-BD59-A6C34878D82A}">
+                    <a16:rowId xmlns:a16="http://schemas.microsoft.com/office/drawing/2014/main" val="10001"/>
+                  </a:ext>
+                </a:extLst>
+              </a:tr>
+              <a:tr h="1096797">
+                <a:tc>
+                  <a:txBody>
+                    <a:bodyPr/>
+                    <a:lstStyle/>
+                    <a:p>
+                      <a:r>
+                        <a:rPr lang="fr-CH" sz="1200">
+                          <a:latin typeface="Consolas" panose="020B0609020204030204" pitchFamily="49" charset="0"/>
+                          <a:cs typeface="Consolas" panose="020B0609020204030204" pitchFamily="49" charset="0"/>
+                        </a:rPr>
+                        <a:t>+ __init__(x, y)</a:t>
+                      </a:r>
+                    </a:p>
+                    <a:p>
+                      <a:r>
+                        <a:rPr lang="fr-CH" sz="1200">
+                          <a:latin typeface="Consolas" panose="020B0609020204030204" pitchFamily="49" charset="0"/>
+                          <a:cs typeface="Consolas" panose="020B0609020204030204" pitchFamily="49" charset="0"/>
+                        </a:rPr>
+                        <a:t>+</a:t>
+                      </a:r>
+                      <a:r>
+                        <a:rPr lang="fr-CH" sz="1200" baseline="0">
+                          <a:latin typeface="Consolas" panose="020B0609020204030204" pitchFamily="49" charset="0"/>
+                          <a:cs typeface="Consolas" panose="020B0609020204030204" pitchFamily="49" charset="0"/>
+                        </a:rPr>
+                        <a:t> generate(n=10) : list of Point</a:t>
+                      </a:r>
+                    </a:p>
+                    <a:p>
+                      <a:r>
+                        <a:rPr lang="fr-CH" sz="1200" baseline="0">
+                          <a:latin typeface="Consolas" panose="020B0609020204030204" pitchFamily="49" charset="0"/>
+                          <a:cs typeface="Consolas" panose="020B0609020204030204" pitchFamily="49" charset="0"/>
+                        </a:rPr>
+                        <a:t>+ get_num_points() : int</a:t>
+                      </a:r>
+                    </a:p>
+                    <a:p>
+                      <a:r>
+                        <a:rPr lang="fr-CH" sz="1200" baseline="0">
+                          <a:latin typeface="Consolas" panose="020B0609020204030204" pitchFamily="49" charset="0"/>
+                          <a:cs typeface="Consolas" panose="020B0609020204030204" pitchFamily="49" charset="0"/>
+                        </a:rPr>
+                        <a:t>+ get_max_dist_from(p : Point) : float</a:t>
+                      </a:r>
+                      <a:endParaRPr lang="fr-CH" sz="1200">
                         <a:latin typeface="Consolas" panose="020B0609020204030204" pitchFamily="49" charset="0"/>
                         <a:cs typeface="Consolas" panose="020B0609020204030204" pitchFamily="49" charset="0"/>
                       </a:endParaRPr>
@@ -9244,87 +9103,11 @@
                   </a:txBody>
                   <a:tcPr marL="68580" marR="68580" marT="34290" marB="34290" anchor="ctr"/>
                 </a:tc>
-              </a:tr>
-              <a:tr h="623865">
-                <a:tc>
-                  <a:txBody>
-                    <a:bodyPr/>
-                    <a:lstStyle/>
-                    <a:p>
-                      <a:r>
-                        <a:rPr lang="fr-CH" sz="1200" smtClean="0">
-                          <a:latin typeface="Consolas" panose="020B0609020204030204" pitchFamily="49" charset="0"/>
-                          <a:cs typeface="Consolas" panose="020B0609020204030204" pitchFamily="49" charset="0"/>
-                        </a:rPr>
-                        <a:t>+ points</a:t>
-                      </a:r>
-                      <a:r>
-                        <a:rPr lang="fr-CH" sz="1200" baseline="0" smtClean="0">
-                          <a:latin typeface="Consolas" panose="020B0609020204030204" pitchFamily="49" charset="0"/>
-                          <a:cs typeface="Consolas" panose="020B0609020204030204" pitchFamily="49" charset="0"/>
-                        </a:rPr>
-                        <a:t> : list of Point</a:t>
-                      </a:r>
-                    </a:p>
-                  </a:txBody>
-                  <a:tcPr marL="68580" marR="68580" marT="34290" marB="34290" anchor="ctr"/>
-                </a:tc>
-              </a:tr>
-              <a:tr h="1096797">
-                <a:tc>
-                  <a:txBody>
-                    <a:bodyPr/>
-                    <a:lstStyle/>
-                    <a:p>
-                      <a:r>
-                        <a:rPr lang="fr-CH" sz="1200" smtClean="0">
-                          <a:latin typeface="Consolas" panose="020B0609020204030204" pitchFamily="49" charset="0"/>
-                          <a:cs typeface="Consolas" panose="020B0609020204030204" pitchFamily="49" charset="0"/>
-                        </a:rPr>
-                        <a:t>+ __init__(x, y)</a:t>
-                      </a:r>
-                    </a:p>
-                    <a:p>
-                      <a:r>
-                        <a:rPr lang="fr-CH" sz="1200" smtClean="0">
-                          <a:latin typeface="Consolas" panose="020B0609020204030204" pitchFamily="49" charset="0"/>
-                          <a:cs typeface="Consolas" panose="020B0609020204030204" pitchFamily="49" charset="0"/>
-                        </a:rPr>
-                        <a:t>+</a:t>
-                      </a:r>
-                      <a:r>
-                        <a:rPr lang="fr-CH" sz="1200" baseline="0" smtClean="0">
-                          <a:latin typeface="Consolas" panose="020B0609020204030204" pitchFamily="49" charset="0"/>
-                          <a:cs typeface="Consolas" panose="020B0609020204030204" pitchFamily="49" charset="0"/>
-                        </a:rPr>
-                        <a:t> generate(n=10) : list of Point</a:t>
-                      </a:r>
-                    </a:p>
-                    <a:p>
-                      <a:r>
-                        <a:rPr lang="fr-CH" sz="1200" baseline="0" smtClean="0">
-                          <a:latin typeface="Consolas" panose="020B0609020204030204" pitchFamily="49" charset="0"/>
-                          <a:cs typeface="Consolas" panose="020B0609020204030204" pitchFamily="49" charset="0"/>
-                        </a:rPr>
-                        <a:t>+ get_num_points() : int</a:t>
-                      </a:r>
-                    </a:p>
-                    <a:p>
-                      <a:r>
-                        <a:rPr lang="fr-CH" sz="1200" baseline="0" smtClean="0">
-                          <a:latin typeface="Consolas" panose="020B0609020204030204" pitchFamily="49" charset="0"/>
-                          <a:cs typeface="Consolas" panose="020B0609020204030204" pitchFamily="49" charset="0"/>
-                        </a:rPr>
-                        <a:t>+ get_max_dist_from(p : Point) : float</a:t>
-                      </a:r>
-                      <a:endParaRPr lang="fr-CH" sz="1200" smtClean="0">
-                        <a:latin typeface="Consolas" panose="020B0609020204030204" pitchFamily="49" charset="0"/>
-                        <a:cs typeface="Consolas" panose="020B0609020204030204" pitchFamily="49" charset="0"/>
-                      </a:endParaRPr>
-                    </a:p>
-                  </a:txBody>
-                  <a:tcPr marL="68580" marR="68580" marT="34290" marB="34290" anchor="ctr"/>
-                </a:tc>
+                <a:extLst>
+                  <a:ext uri="{0D108BD9-81ED-4DB2-BD59-A6C34878D82A}">
+                    <a16:rowId xmlns:a16="http://schemas.microsoft.com/office/drawing/2014/main" val="10002"/>
+                  </a:ext>
+                </a:extLst>
               </a:tr>
             </a:tbl>
           </a:graphicData>
@@ -9644,13 +9427,6 @@
   <p:clrMapOvr>
     <a:masterClrMapping/>
   </p:clrMapOvr>
-  <p:timing>
-    <p:tnLst>
-      <p:par>
-        <p:cTn id="1" dur="indefinite" restart="never" nodeType="tmRoot"/>
-      </p:par>
-    </p:tnLst>
-  </p:timing>
 </p:sld>
 </file>
 
@@ -9696,7 +9472,13 @@
                 <a:tableStyleId>{7E9639D4-E3E2-4D34-9284-5A2195B3D0D7}</a:tableStyleId>
               </a:tblPr>
               <a:tblGrid>
-                <a:gridCol w="3052485"/>
+                <a:gridCol w="3052485">
+                  <a:extLst>
+                    <a:ext uri="{9D8B030D-6E8A-4147-A177-3AD203B41FA5}">
+                      <a16:colId xmlns:a16="http://schemas.microsoft.com/office/drawing/2014/main" val="20000"/>
+                    </a:ext>
+                  </a:extLst>
+                </a:gridCol>
               </a:tblGrid>
               <a:tr h="384308">
                 <a:tc>
@@ -9706,20 +9488,21 @@
                     <a:p>
                       <a:pPr algn="ctr"/>
                       <a:r>
-                        <a:rPr lang="fr-CH" sz="1400" smtClean="0">
+                        <a:rPr lang="fr-CH" sz="1400">
                           <a:latin typeface="Consolas" panose="020B0609020204030204" pitchFamily="49" charset="0"/>
                           <a:cs typeface="Consolas" panose="020B0609020204030204" pitchFamily="49" charset="0"/>
                         </a:rPr>
                         <a:t>Rect</a:t>
                       </a:r>
-                      <a:endParaRPr lang="fr-CH" sz="1400">
-                        <a:latin typeface="Consolas" panose="020B0609020204030204" pitchFamily="49" charset="0"/>
-                        <a:cs typeface="Consolas" panose="020B0609020204030204" pitchFamily="49" charset="0"/>
-                      </a:endParaRPr>
                     </a:p>
                   </a:txBody>
                   <a:tcPr marL="68580" marR="68580" marT="34290" marB="34290" anchor="ctr"/>
                 </a:tc>
+                <a:extLst>
+                  <a:ext uri="{0D108BD9-81ED-4DB2-BD59-A6C34878D82A}">
+                    <a16:rowId xmlns:a16="http://schemas.microsoft.com/office/drawing/2014/main" val="10000"/>
+                  </a:ext>
+                </a:extLst>
               </a:tr>
               <a:tr h="623865">
                 <a:tc>
@@ -9728,37 +9511,23 @@
                     <a:lstStyle/>
                     <a:p>
                       <a:r>
-                        <a:rPr lang="fr-CH" sz="1200" smtClean="0">
-                          <a:latin typeface="Consolas" panose="020B0609020204030204" pitchFamily="49" charset="0"/>
-                          <a:cs typeface="Consolas" panose="020B0609020204030204" pitchFamily="49" charset="0"/>
-                        </a:rPr>
-                        <a:t>+ </a:t>
-                      </a:r>
-                      <a:r>
-                        <a:rPr lang="fr-CH" sz="1200" smtClean="0">
-                          <a:latin typeface="Consolas" panose="020B0609020204030204" pitchFamily="49" charset="0"/>
-                          <a:cs typeface="Consolas" panose="020B0609020204030204" pitchFamily="49" charset="0"/>
-                        </a:rPr>
-                        <a:t>location </a:t>
-                      </a:r>
-                      <a:r>
-                        <a:rPr lang="fr-CH" sz="1200" smtClean="0">
-                          <a:latin typeface="Consolas" panose="020B0609020204030204" pitchFamily="49" charset="0"/>
-                          <a:cs typeface="Consolas" panose="020B0609020204030204" pitchFamily="49" charset="0"/>
-                        </a:rPr>
-                        <a:t>: Point</a:t>
+                        <a:rPr lang="fr-CH" sz="1200">
+                          <a:latin typeface="Consolas" panose="020B0609020204030204" pitchFamily="49" charset="0"/>
+                          <a:cs typeface="Consolas" panose="020B0609020204030204" pitchFamily="49" charset="0"/>
+                        </a:rPr>
+                        <a:t>+ location : Point</a:t>
                       </a:r>
                     </a:p>
                     <a:p>
                       <a:r>
-                        <a:rPr lang="fr-CH" sz="1200" smtClean="0">
+                        <a:rPr lang="fr-CH" sz="1200">
                           <a:latin typeface="Consolas" panose="020B0609020204030204" pitchFamily="49" charset="0"/>
                           <a:cs typeface="Consolas" panose="020B0609020204030204" pitchFamily="49" charset="0"/>
                         </a:rPr>
                         <a:t>+</a:t>
                       </a:r>
                       <a:r>
-                        <a:rPr lang="fr-CH" sz="1200" baseline="0" smtClean="0">
+                        <a:rPr lang="fr-CH" sz="1200" baseline="0">
                           <a:latin typeface="Consolas" panose="020B0609020204030204" pitchFamily="49" charset="0"/>
                           <a:cs typeface="Consolas" panose="020B0609020204030204" pitchFamily="49" charset="0"/>
                         </a:rPr>
@@ -9767,7 +9536,7 @@
                     </a:p>
                     <a:p>
                       <a:r>
-                        <a:rPr lang="fr-CH" sz="1200" baseline="0" smtClean="0">
+                        <a:rPr lang="fr-CH" sz="1200" baseline="0">
                           <a:latin typeface="Consolas" panose="020B0609020204030204" pitchFamily="49" charset="0"/>
                           <a:cs typeface="Consolas" panose="020B0609020204030204" pitchFamily="49" charset="0"/>
                         </a:rPr>
@@ -9781,6 +9550,11 @@
                   </a:txBody>
                   <a:tcPr marL="68580" marR="68580" marT="34290" marB="34290" anchor="ctr"/>
                 </a:tc>
+                <a:extLst>
+                  <a:ext uri="{0D108BD9-81ED-4DB2-BD59-A6C34878D82A}">
+                    <a16:rowId xmlns:a16="http://schemas.microsoft.com/office/drawing/2014/main" val="10001"/>
+                  </a:ext>
+                </a:extLst>
               </a:tr>
               <a:tr h="696635">
                 <a:tc>
@@ -9789,21 +9563,21 @@
                     <a:lstStyle/>
                     <a:p>
                       <a:r>
-                        <a:rPr lang="fr-CH" sz="1200" smtClean="0">
+                        <a:rPr lang="fr-CH" sz="1200">
                           <a:latin typeface="Consolas" panose="020B0609020204030204" pitchFamily="49" charset="0"/>
                           <a:cs typeface="Consolas" panose="020B0609020204030204" pitchFamily="49" charset="0"/>
                         </a:rPr>
                         <a:t>+ __init__(loc, width,</a:t>
                       </a:r>
                       <a:r>
-                        <a:rPr lang="fr-CH" sz="1200" baseline="0" smtClean="0">
+                        <a:rPr lang="fr-CH" sz="1200" baseline="0">
                           <a:latin typeface="Consolas" panose="020B0609020204030204" pitchFamily="49" charset="0"/>
                           <a:cs typeface="Consolas" panose="020B0609020204030204" pitchFamily="49" charset="0"/>
                         </a:rPr>
                         <a:t> height</a:t>
                       </a:r>
                       <a:r>
-                        <a:rPr lang="fr-CH" sz="1200" smtClean="0">
+                        <a:rPr lang="fr-CH" sz="1200">
                           <a:latin typeface="Consolas" panose="020B0609020204030204" pitchFamily="49" charset="0"/>
                           <a:cs typeface="Consolas" panose="020B0609020204030204" pitchFamily="49" charset="0"/>
                         </a:rPr>
@@ -9812,14 +9586,14 @@
                     </a:p>
                     <a:p>
                       <a:r>
-                        <a:rPr lang="fr-CH" sz="1200" smtClean="0">
+                        <a:rPr lang="fr-CH" sz="1200">
                           <a:latin typeface="Consolas" panose="020B0609020204030204" pitchFamily="49" charset="0"/>
                           <a:cs typeface="Consolas" panose="020B0609020204030204" pitchFamily="49" charset="0"/>
                         </a:rPr>
                         <a:t>+ area() :</a:t>
                       </a:r>
                       <a:r>
-                        <a:rPr lang="fr-CH" sz="1200" baseline="0" smtClean="0">
+                        <a:rPr lang="fr-CH" sz="1200" baseline="0">
                           <a:latin typeface="Consolas" panose="020B0609020204030204" pitchFamily="49" charset="0"/>
                           <a:cs typeface="Consolas" panose="020B0609020204030204" pitchFamily="49" charset="0"/>
                         </a:rPr>
@@ -9833,6 +9607,11 @@
                   </a:txBody>
                   <a:tcPr marL="68580" marR="68580" marT="34290" marB="34290" anchor="ctr"/>
                 </a:tc>
+                <a:extLst>
+                  <a:ext uri="{0D108BD9-81ED-4DB2-BD59-A6C34878D82A}">
+                    <a16:rowId xmlns:a16="http://schemas.microsoft.com/office/drawing/2014/main" val="10002"/>
+                  </a:ext>
+                </a:extLst>
               </a:tr>
             </a:tbl>
           </a:graphicData>
@@ -9863,7 +9642,13 @@
                 <a:tableStyleId>{7E9639D4-E3E2-4D34-9284-5A2195B3D0D7}</a:tableStyleId>
               </a:tblPr>
               <a:tblGrid>
-                <a:gridCol w="2835267"/>
+                <a:gridCol w="2835267">
+                  <a:extLst>
+                    <a:ext uri="{9D8B030D-6E8A-4147-A177-3AD203B41FA5}">
+                      <a16:colId xmlns:a16="http://schemas.microsoft.com/office/drawing/2014/main" val="20000"/>
+                    </a:ext>
+                  </a:extLst>
+                </a:gridCol>
               </a:tblGrid>
               <a:tr h="384308">
                 <a:tc>
@@ -9873,20 +9658,21 @@
                     <a:p>
                       <a:pPr algn="ctr"/>
                       <a:r>
-                        <a:rPr lang="fr-CH" sz="1400" smtClean="0">
+                        <a:rPr lang="fr-CH" sz="1400">
                           <a:latin typeface="Consolas" panose="020B0609020204030204" pitchFamily="49" charset="0"/>
                           <a:cs typeface="Consolas" panose="020B0609020204030204" pitchFamily="49" charset="0"/>
                         </a:rPr>
                         <a:t>Square</a:t>
                       </a:r>
-                      <a:endParaRPr lang="fr-CH" sz="1400">
-                        <a:latin typeface="Consolas" panose="020B0609020204030204" pitchFamily="49" charset="0"/>
-                        <a:cs typeface="Consolas" panose="020B0609020204030204" pitchFamily="49" charset="0"/>
-                      </a:endParaRPr>
                     </a:p>
                   </a:txBody>
                   <a:tcPr marL="68580" marR="68580" marT="34290" marB="34290" anchor="ctr"/>
                 </a:tc>
+                <a:extLst>
+                  <a:ext uri="{0D108BD9-81ED-4DB2-BD59-A6C34878D82A}">
+                    <a16:rowId xmlns:a16="http://schemas.microsoft.com/office/drawing/2014/main" val="10000"/>
+                  </a:ext>
+                </a:extLst>
               </a:tr>
               <a:tr h="623865">
                 <a:tc>
@@ -9895,7 +9681,7 @@
                     <a:lstStyle/>
                     <a:p>
                       <a:r>
-                        <a:rPr lang="fr-CH" sz="1200" smtClean="0">
+                        <a:rPr lang="fr-CH" sz="1200">
                           <a:latin typeface="Consolas" panose="020B0609020204030204" pitchFamily="49" charset="0"/>
                           <a:cs typeface="Consolas" panose="020B0609020204030204" pitchFamily="49" charset="0"/>
                         </a:rPr>
@@ -9905,6 +9691,11 @@
                   </a:txBody>
                   <a:tcPr marL="68580" marR="68580" marT="34290" marB="34290" anchor="ctr"/>
                 </a:tc>
+                <a:extLst>
+                  <a:ext uri="{0D108BD9-81ED-4DB2-BD59-A6C34878D82A}">
+                    <a16:rowId xmlns:a16="http://schemas.microsoft.com/office/drawing/2014/main" val="10001"/>
+                  </a:ext>
+                </a:extLst>
               </a:tr>
               <a:tr h="1064891">
                 <a:tc>
@@ -9913,7 +9704,7 @@
                     <a:lstStyle/>
                     <a:p>
                       <a:r>
-                        <a:rPr lang="fr-CH" sz="1200" smtClean="0">
+                        <a:rPr lang="fr-CH" sz="1200">
                           <a:latin typeface="Consolas" panose="020B0609020204030204" pitchFamily="49" charset="0"/>
                           <a:cs typeface="Consolas" panose="020B0609020204030204" pitchFamily="49" charset="0"/>
                         </a:rPr>
@@ -9923,6 +9714,11 @@
                   </a:txBody>
                   <a:tcPr marL="68580" marR="68580" marT="34290" marB="34290" anchor="ctr"/>
                 </a:tc>
+                <a:extLst>
+                  <a:ext uri="{0D108BD9-81ED-4DB2-BD59-A6C34878D82A}">
+                    <a16:rowId xmlns:a16="http://schemas.microsoft.com/office/drawing/2014/main" val="10002"/>
+                  </a:ext>
+                </a:extLst>
               </a:tr>
             </a:tbl>
           </a:graphicData>
@@ -9949,7 +9745,13 @@
                 <a:tableStyleId>{7E9639D4-E3E2-4D34-9284-5A2195B3D0D7}</a:tableStyleId>
               </a:tblPr>
               <a:tblGrid>
-                <a:gridCol w="2331026"/>
+                <a:gridCol w="2331026">
+                  <a:extLst>
+                    <a:ext uri="{9D8B030D-6E8A-4147-A177-3AD203B41FA5}">
+                      <a16:colId xmlns:a16="http://schemas.microsoft.com/office/drawing/2014/main" val="20000"/>
+                    </a:ext>
+                  </a:extLst>
+                </a:gridCol>
               </a:tblGrid>
               <a:tr h="329609">
                 <a:tc>
@@ -9959,20 +9761,21 @@
                     <a:p>
                       <a:pPr algn="ctr"/>
                       <a:r>
-                        <a:rPr lang="fr-CH" sz="1400" smtClean="0">
+                        <a:rPr lang="fr-CH" sz="1400">
                           <a:latin typeface="Consolas" panose="020B0609020204030204" pitchFamily="49" charset="0"/>
                           <a:cs typeface="Consolas" panose="020B0609020204030204" pitchFamily="49" charset="0"/>
                         </a:rPr>
                         <a:t>Point</a:t>
                       </a:r>
-                      <a:endParaRPr lang="fr-CH" sz="1400">
-                        <a:latin typeface="Consolas" panose="020B0609020204030204" pitchFamily="49" charset="0"/>
-                        <a:cs typeface="Consolas" panose="020B0609020204030204" pitchFamily="49" charset="0"/>
-                      </a:endParaRPr>
                     </a:p>
                   </a:txBody>
                   <a:tcPr marL="68580" marR="68580" marT="34290" marB="34290" anchor="ctr"/>
                 </a:tc>
+                <a:extLst>
+                  <a:ext uri="{0D108BD9-81ED-4DB2-BD59-A6C34878D82A}">
+                    <a16:rowId xmlns:a16="http://schemas.microsoft.com/office/drawing/2014/main" val="10000"/>
+                  </a:ext>
+                </a:extLst>
               </a:tr>
               <a:tr h="729345">
                 <a:tc>
@@ -9981,7 +9784,7 @@
                     <a:lstStyle/>
                     <a:p>
                       <a:r>
-                        <a:rPr lang="fr-CH" sz="1200" smtClean="0">
+                        <a:rPr lang="fr-CH" sz="1200">
                           <a:latin typeface="Consolas" panose="020B0609020204030204" pitchFamily="49" charset="0"/>
                           <a:cs typeface="Consolas" panose="020B0609020204030204" pitchFamily="49" charset="0"/>
                         </a:rPr>
@@ -9990,14 +9793,14 @@
                     </a:p>
                     <a:p>
                       <a:r>
-                        <a:rPr lang="fr-CH" sz="1200" smtClean="0">
+                        <a:rPr lang="fr-CH" sz="1200">
                           <a:latin typeface="Consolas" panose="020B0609020204030204" pitchFamily="49" charset="0"/>
                           <a:cs typeface="Consolas" panose="020B0609020204030204" pitchFamily="49" charset="0"/>
                         </a:rPr>
                         <a:t>+</a:t>
                       </a:r>
                       <a:r>
-                        <a:rPr lang="fr-CH" sz="1200" baseline="0" smtClean="0">
+                        <a:rPr lang="fr-CH" sz="1200" baseline="0">
                           <a:latin typeface="Consolas" panose="020B0609020204030204" pitchFamily="49" charset="0"/>
                           <a:cs typeface="Consolas" panose="020B0609020204030204" pitchFamily="49" charset="0"/>
                         </a:rPr>
@@ -10007,6 +9810,11 @@
                   </a:txBody>
                   <a:tcPr marL="68580" marR="68580" marT="34290" marB="34290" anchor="ctr"/>
                 </a:tc>
+                <a:extLst>
+                  <a:ext uri="{0D108BD9-81ED-4DB2-BD59-A6C34878D82A}">
+                    <a16:rowId xmlns:a16="http://schemas.microsoft.com/office/drawing/2014/main" val="10001"/>
+                  </a:ext>
+                </a:extLst>
               </a:tr>
               <a:tr h="814419">
                 <a:tc>
@@ -10015,7 +9823,7 @@
                     <a:lstStyle/>
                     <a:p>
                       <a:r>
-                        <a:rPr lang="fr-CH" sz="1200" smtClean="0">
+                        <a:rPr lang="fr-CH" sz="1200">
                           <a:latin typeface="Consolas" panose="020B0609020204030204" pitchFamily="49" charset="0"/>
                           <a:cs typeface="Consolas" panose="020B0609020204030204" pitchFamily="49" charset="0"/>
                         </a:rPr>
@@ -10024,20 +9832,21 @@
                     </a:p>
                     <a:p>
                       <a:r>
-                        <a:rPr lang="fr-CH" sz="1200" smtClean="0">
+                        <a:rPr lang="fr-CH" sz="1200">
                           <a:latin typeface="Consolas" panose="020B0609020204030204" pitchFamily="49" charset="0"/>
                           <a:cs typeface="Consolas" panose="020B0609020204030204" pitchFamily="49" charset="0"/>
                         </a:rPr>
                         <a:t>+ distance(other) : float</a:t>
                       </a:r>
-                      <a:endParaRPr lang="fr-CH" sz="1200">
-                        <a:latin typeface="Consolas" panose="020B0609020204030204" pitchFamily="49" charset="0"/>
-                        <a:cs typeface="Consolas" panose="020B0609020204030204" pitchFamily="49" charset="0"/>
-                      </a:endParaRPr>
                     </a:p>
                   </a:txBody>
                   <a:tcPr marL="68580" marR="68580" marT="34290" marB="34290" anchor="ctr"/>
                 </a:tc>
+                <a:extLst>
+                  <a:ext uri="{0D108BD9-81ED-4DB2-BD59-A6C34878D82A}">
+                    <a16:rowId xmlns:a16="http://schemas.microsoft.com/office/drawing/2014/main" val="10002"/>
+                  </a:ext>
+                </a:extLst>
               </a:tr>
             </a:tbl>
           </a:graphicData>
@@ -10064,7 +9873,13 @@
                 <a:tableStyleId>{7E9639D4-E3E2-4D34-9284-5A2195B3D0D7}</a:tableStyleId>
               </a:tblPr>
               <a:tblGrid>
-                <a:gridCol w="3662084"/>
+                <a:gridCol w="3662084">
+                  <a:extLst>
+                    <a:ext uri="{9D8B030D-6E8A-4147-A177-3AD203B41FA5}">
+                      <a16:colId xmlns:a16="http://schemas.microsoft.com/office/drawing/2014/main" val="20000"/>
+                    </a:ext>
+                  </a:extLst>
+                </a:gridCol>
               </a:tblGrid>
               <a:tr h="384308">
                 <a:tc>
@@ -10074,13 +9889,100 @@
                     <a:p>
                       <a:pPr algn="ctr"/>
                       <a:r>
-                        <a:rPr lang="fr-CH" sz="1400" smtClean="0">
+                        <a:rPr lang="fr-CH" sz="1400">
                           <a:latin typeface="Consolas" panose="020B0609020204030204" pitchFamily="49" charset="0"/>
                           <a:cs typeface="Consolas" panose="020B0609020204030204" pitchFamily="49" charset="0"/>
                         </a:rPr>
                         <a:t>RandomPoints</a:t>
                       </a:r>
-                      <a:endParaRPr lang="fr-CH" sz="1400">
+                    </a:p>
+                  </a:txBody>
+                  <a:tcPr marL="68580" marR="68580" marT="34290" marB="34290" anchor="ctr"/>
+                </a:tc>
+                <a:extLst>
+                  <a:ext uri="{0D108BD9-81ED-4DB2-BD59-A6C34878D82A}">
+                    <a16:rowId xmlns:a16="http://schemas.microsoft.com/office/drawing/2014/main" val="10000"/>
+                  </a:ext>
+                </a:extLst>
+              </a:tr>
+              <a:tr h="623865">
+                <a:tc>
+                  <a:txBody>
+                    <a:bodyPr/>
+                    <a:lstStyle/>
+                    <a:p>
+                      <a:r>
+                        <a:rPr lang="fr-CH" sz="1200">
+                          <a:latin typeface="Consolas" panose="020B0609020204030204" pitchFamily="49" charset="0"/>
+                          <a:cs typeface="Consolas" panose="020B0609020204030204" pitchFamily="49" charset="0"/>
+                        </a:rPr>
+                        <a:t>+ points</a:t>
+                      </a:r>
+                      <a:r>
+                        <a:rPr lang="fr-CH" sz="1200" baseline="0">
+                          <a:latin typeface="Consolas" panose="020B0609020204030204" pitchFamily="49" charset="0"/>
+                          <a:cs typeface="Consolas" panose="020B0609020204030204" pitchFamily="49" charset="0"/>
+                        </a:rPr>
+                        <a:t> : list of Point</a:t>
+                      </a:r>
+                    </a:p>
+                  </a:txBody>
+                  <a:tcPr marL="68580" marR="68580" marT="34290" marB="34290" anchor="ctr"/>
+                </a:tc>
+                <a:extLst>
+                  <a:ext uri="{0D108BD9-81ED-4DB2-BD59-A6C34878D82A}">
+                    <a16:rowId xmlns:a16="http://schemas.microsoft.com/office/drawing/2014/main" val="10001"/>
+                  </a:ext>
+                </a:extLst>
+              </a:tr>
+              <a:tr h="1096797">
+                <a:tc>
+                  <a:txBody>
+                    <a:bodyPr/>
+                    <a:lstStyle/>
+                    <a:p>
+                      <a:r>
+                        <a:rPr lang="fr-CH" sz="1200">
+                          <a:latin typeface="Consolas" panose="020B0609020204030204" pitchFamily="49" charset="0"/>
+                          <a:cs typeface="Consolas" panose="020B0609020204030204" pitchFamily="49" charset="0"/>
+                        </a:rPr>
+                        <a:t>+ __init__(x, y)</a:t>
+                      </a:r>
+                    </a:p>
+                    <a:p>
+                      <a:r>
+                        <a:rPr lang="fr-CH" sz="1200">
+                          <a:latin typeface="Consolas" panose="020B0609020204030204" pitchFamily="49" charset="0"/>
+                          <a:cs typeface="Consolas" panose="020B0609020204030204" pitchFamily="49" charset="0"/>
+                        </a:rPr>
+                        <a:t>+</a:t>
+                      </a:r>
+                      <a:r>
+                        <a:rPr lang="fr-CH" sz="1200" baseline="0">
+                          <a:latin typeface="Consolas" panose="020B0609020204030204" pitchFamily="49" charset="0"/>
+                          <a:cs typeface="Consolas" panose="020B0609020204030204" pitchFamily="49" charset="0"/>
+                        </a:rPr>
+                        <a:t> generate(n=10) : list of Point</a:t>
+                      </a:r>
+                    </a:p>
+                    <a:p>
+                      <a:r>
+                        <a:rPr lang="fr-CH" sz="1200" baseline="0">
+                          <a:latin typeface="Consolas" panose="020B0609020204030204" pitchFamily="49" charset="0"/>
+                          <a:cs typeface="Consolas" panose="020B0609020204030204" pitchFamily="49" charset="0"/>
+                        </a:rPr>
+                        <a:t>+ get_num_points() : int</a:t>
+                      </a:r>
+                    </a:p>
+                    <a:p>
+                      <a:r>
+                        <a:rPr lang="fr-CH" sz="1200" baseline="0">
+                          <a:latin typeface="Consolas" panose="020B0609020204030204" pitchFamily="49" charset="0"/>
+                          <a:cs typeface="Consolas" panose="020B0609020204030204" pitchFamily="49" charset="0"/>
+                        </a:rPr>
+                        <a:t>+ get_max_dist_from(p : Point) : float</a:t>
+                      </a:r>
+                      <a:endParaRPr lang="fr-CH" sz="1200">
                         <a:latin typeface="Consolas" panose="020B0609020204030204" pitchFamily="49" charset="0"/>
                         <a:cs typeface="Consolas" panose="020B0609020204030204" pitchFamily="49" charset="0"/>
                       </a:endParaRPr>
@@ -10088,87 +9990,11 @@
                   </a:txBody>
                   <a:tcPr marL="68580" marR="68580" marT="34290" marB="34290" anchor="ctr"/>
                 </a:tc>
-              </a:tr>
-              <a:tr h="623865">
-                <a:tc>
-                  <a:txBody>
-                    <a:bodyPr/>
-                    <a:lstStyle/>
-                    <a:p>
-                      <a:r>
-                        <a:rPr lang="fr-CH" sz="1200" smtClean="0">
-                          <a:latin typeface="Consolas" panose="020B0609020204030204" pitchFamily="49" charset="0"/>
-                          <a:cs typeface="Consolas" panose="020B0609020204030204" pitchFamily="49" charset="0"/>
-                        </a:rPr>
-                        <a:t>+ points</a:t>
-                      </a:r>
-                      <a:r>
-                        <a:rPr lang="fr-CH" sz="1200" baseline="0" smtClean="0">
-                          <a:latin typeface="Consolas" panose="020B0609020204030204" pitchFamily="49" charset="0"/>
-                          <a:cs typeface="Consolas" panose="020B0609020204030204" pitchFamily="49" charset="0"/>
-                        </a:rPr>
-                        <a:t> : list of Point</a:t>
-                      </a:r>
-                    </a:p>
-                  </a:txBody>
-                  <a:tcPr marL="68580" marR="68580" marT="34290" marB="34290" anchor="ctr"/>
-                </a:tc>
-              </a:tr>
-              <a:tr h="1096797">
-                <a:tc>
-                  <a:txBody>
-                    <a:bodyPr/>
-                    <a:lstStyle/>
-                    <a:p>
-                      <a:r>
-                        <a:rPr lang="fr-CH" sz="1200" smtClean="0">
-                          <a:latin typeface="Consolas" panose="020B0609020204030204" pitchFamily="49" charset="0"/>
-                          <a:cs typeface="Consolas" panose="020B0609020204030204" pitchFamily="49" charset="0"/>
-                        </a:rPr>
-                        <a:t>+ __init__(x, y)</a:t>
-                      </a:r>
-                    </a:p>
-                    <a:p>
-                      <a:r>
-                        <a:rPr lang="fr-CH" sz="1200" smtClean="0">
-                          <a:latin typeface="Consolas" panose="020B0609020204030204" pitchFamily="49" charset="0"/>
-                          <a:cs typeface="Consolas" panose="020B0609020204030204" pitchFamily="49" charset="0"/>
-                        </a:rPr>
-                        <a:t>+</a:t>
-                      </a:r>
-                      <a:r>
-                        <a:rPr lang="fr-CH" sz="1200" baseline="0" smtClean="0">
-                          <a:latin typeface="Consolas" panose="020B0609020204030204" pitchFamily="49" charset="0"/>
-                          <a:cs typeface="Consolas" panose="020B0609020204030204" pitchFamily="49" charset="0"/>
-                        </a:rPr>
-                        <a:t> generate(n=10) : list of Point</a:t>
-                      </a:r>
-                    </a:p>
-                    <a:p>
-                      <a:r>
-                        <a:rPr lang="fr-CH" sz="1200" baseline="0" smtClean="0">
-                          <a:latin typeface="Consolas" panose="020B0609020204030204" pitchFamily="49" charset="0"/>
-                          <a:cs typeface="Consolas" panose="020B0609020204030204" pitchFamily="49" charset="0"/>
-                        </a:rPr>
-                        <a:t>+ get_num_points() : int</a:t>
-                      </a:r>
-                    </a:p>
-                    <a:p>
-                      <a:r>
-                        <a:rPr lang="fr-CH" sz="1200" baseline="0" smtClean="0">
-                          <a:latin typeface="Consolas" panose="020B0609020204030204" pitchFamily="49" charset="0"/>
-                          <a:cs typeface="Consolas" panose="020B0609020204030204" pitchFamily="49" charset="0"/>
-                        </a:rPr>
-                        <a:t>+ get_max_dist_from(p : Point) : float</a:t>
-                      </a:r>
-                      <a:endParaRPr lang="fr-CH" sz="1200" smtClean="0">
-                        <a:latin typeface="Consolas" panose="020B0609020204030204" pitchFamily="49" charset="0"/>
-                        <a:cs typeface="Consolas" panose="020B0609020204030204" pitchFamily="49" charset="0"/>
-                      </a:endParaRPr>
-                    </a:p>
-                  </a:txBody>
-                  <a:tcPr marL="68580" marR="68580" marT="34290" marB="34290" anchor="ctr"/>
-                </a:tc>
+                <a:extLst>
+                  <a:ext uri="{0D108BD9-81ED-4DB2-BD59-A6C34878D82A}">
+                    <a16:rowId xmlns:a16="http://schemas.microsoft.com/office/drawing/2014/main" val="10002"/>
+                  </a:ext>
+                </a:extLst>
               </a:tr>
             </a:tbl>
           </a:graphicData>
@@ -10184,13 +10010,6 @@
   <p:clrMapOvr>
     <a:masterClrMapping/>
   </p:clrMapOvr>
-  <p:timing>
-    <p:tnLst>
-      <p:par>
-        <p:cTn id="1" dur="indefinite" restart="never" nodeType="tmRoot"/>
-      </p:par>
-    </p:tnLst>
-  </p:timing>
 </p:sld>
 </file>
 
@@ -10232,7 +10051,13 @@
                 <a:tableStyleId>{7E9639D4-E3E2-4D34-9284-5A2195B3D0D7}</a:tableStyleId>
               </a:tblPr>
               <a:tblGrid>
-                <a:gridCol w="3052485"/>
+                <a:gridCol w="3052485">
+                  <a:extLst>
+                    <a:ext uri="{9D8B030D-6E8A-4147-A177-3AD203B41FA5}">
+                      <a16:colId xmlns:a16="http://schemas.microsoft.com/office/drawing/2014/main" val="20000"/>
+                    </a:ext>
+                  </a:extLst>
+                </a:gridCol>
               </a:tblGrid>
               <a:tr h="384308">
                 <a:tc>
@@ -10242,20 +10067,21 @@
                     <a:p>
                       <a:pPr algn="ctr"/>
                       <a:r>
-                        <a:rPr lang="fr-CH" sz="1400" smtClean="0">
+                        <a:rPr lang="fr-CH" sz="1400">
                           <a:latin typeface="Consolas" panose="020B0609020204030204" pitchFamily="49" charset="0"/>
                           <a:cs typeface="Consolas" panose="020B0609020204030204" pitchFamily="49" charset="0"/>
                         </a:rPr>
                         <a:t>Rect</a:t>
                       </a:r>
-                      <a:endParaRPr lang="fr-CH" sz="1400">
-                        <a:latin typeface="Consolas" panose="020B0609020204030204" pitchFamily="49" charset="0"/>
-                        <a:cs typeface="Consolas" panose="020B0609020204030204" pitchFamily="49" charset="0"/>
-                      </a:endParaRPr>
                     </a:p>
                   </a:txBody>
                   <a:tcPr marL="68580" marR="68580" marT="34290" marB="34290" anchor="ctr"/>
                 </a:tc>
+                <a:extLst>
+                  <a:ext uri="{0D108BD9-81ED-4DB2-BD59-A6C34878D82A}">
+                    <a16:rowId xmlns:a16="http://schemas.microsoft.com/office/drawing/2014/main" val="10000"/>
+                  </a:ext>
+                </a:extLst>
               </a:tr>
               <a:tr h="623865">
                 <a:tc>
@@ -10264,37 +10090,23 @@
                     <a:lstStyle/>
                     <a:p>
                       <a:r>
-                        <a:rPr lang="fr-CH" sz="1200" smtClean="0">
-                          <a:latin typeface="Consolas" panose="020B0609020204030204" pitchFamily="49" charset="0"/>
-                          <a:cs typeface="Consolas" panose="020B0609020204030204" pitchFamily="49" charset="0"/>
-                        </a:rPr>
-                        <a:t>+ </a:t>
-                      </a:r>
-                      <a:r>
-                        <a:rPr lang="fr-CH" sz="1200" smtClean="0">
-                          <a:latin typeface="Consolas" panose="020B0609020204030204" pitchFamily="49" charset="0"/>
-                          <a:cs typeface="Consolas" panose="020B0609020204030204" pitchFamily="49" charset="0"/>
-                        </a:rPr>
-                        <a:t>location </a:t>
-                      </a:r>
-                      <a:r>
-                        <a:rPr lang="fr-CH" sz="1200" smtClean="0">
-                          <a:latin typeface="Consolas" panose="020B0609020204030204" pitchFamily="49" charset="0"/>
-                          <a:cs typeface="Consolas" panose="020B0609020204030204" pitchFamily="49" charset="0"/>
-                        </a:rPr>
-                        <a:t>: Point</a:t>
+                        <a:rPr lang="fr-CH" sz="1200">
+                          <a:latin typeface="Consolas" panose="020B0609020204030204" pitchFamily="49" charset="0"/>
+                          <a:cs typeface="Consolas" panose="020B0609020204030204" pitchFamily="49" charset="0"/>
+                        </a:rPr>
+                        <a:t>+ location : Point</a:t>
                       </a:r>
                     </a:p>
                     <a:p>
                       <a:r>
-                        <a:rPr lang="fr-CH" sz="1200" smtClean="0">
+                        <a:rPr lang="fr-CH" sz="1200">
                           <a:latin typeface="Consolas" panose="020B0609020204030204" pitchFamily="49" charset="0"/>
                           <a:cs typeface="Consolas" panose="020B0609020204030204" pitchFamily="49" charset="0"/>
                         </a:rPr>
                         <a:t>+</a:t>
                       </a:r>
                       <a:r>
-                        <a:rPr lang="fr-CH" sz="1200" baseline="0" smtClean="0">
+                        <a:rPr lang="fr-CH" sz="1200" baseline="0">
                           <a:latin typeface="Consolas" panose="020B0609020204030204" pitchFamily="49" charset="0"/>
                           <a:cs typeface="Consolas" panose="020B0609020204030204" pitchFamily="49" charset="0"/>
                         </a:rPr>
@@ -10303,7 +10115,7 @@
                     </a:p>
                     <a:p>
                       <a:r>
-                        <a:rPr lang="fr-CH" sz="1200" baseline="0" smtClean="0">
+                        <a:rPr lang="fr-CH" sz="1200" baseline="0">
                           <a:latin typeface="Consolas" panose="020B0609020204030204" pitchFamily="49" charset="0"/>
                           <a:cs typeface="Consolas" panose="020B0609020204030204" pitchFamily="49" charset="0"/>
                         </a:rPr>
@@ -10317,6 +10129,11 @@
                   </a:txBody>
                   <a:tcPr marL="68580" marR="68580" marT="34290" marB="34290" anchor="ctr"/>
                 </a:tc>
+                <a:extLst>
+                  <a:ext uri="{0D108BD9-81ED-4DB2-BD59-A6C34878D82A}">
+                    <a16:rowId xmlns:a16="http://schemas.microsoft.com/office/drawing/2014/main" val="10001"/>
+                  </a:ext>
+                </a:extLst>
               </a:tr>
               <a:tr h="696635">
                 <a:tc>
@@ -10325,21 +10142,21 @@
                     <a:lstStyle/>
                     <a:p>
                       <a:r>
-                        <a:rPr lang="fr-CH" sz="1200" smtClean="0">
+                        <a:rPr lang="fr-CH" sz="1200">
                           <a:latin typeface="Consolas" panose="020B0609020204030204" pitchFamily="49" charset="0"/>
                           <a:cs typeface="Consolas" panose="020B0609020204030204" pitchFamily="49" charset="0"/>
                         </a:rPr>
                         <a:t>+ __init__(loc, width,</a:t>
                       </a:r>
                       <a:r>
-                        <a:rPr lang="fr-CH" sz="1200" baseline="0" smtClean="0">
+                        <a:rPr lang="fr-CH" sz="1200" baseline="0">
                           <a:latin typeface="Consolas" panose="020B0609020204030204" pitchFamily="49" charset="0"/>
                           <a:cs typeface="Consolas" panose="020B0609020204030204" pitchFamily="49" charset="0"/>
                         </a:rPr>
                         <a:t> height</a:t>
                       </a:r>
                       <a:r>
-                        <a:rPr lang="fr-CH" sz="1200" smtClean="0">
+                        <a:rPr lang="fr-CH" sz="1200">
                           <a:latin typeface="Consolas" panose="020B0609020204030204" pitchFamily="49" charset="0"/>
                           <a:cs typeface="Consolas" panose="020B0609020204030204" pitchFamily="49" charset="0"/>
                         </a:rPr>
@@ -10348,14 +10165,14 @@
                     </a:p>
                     <a:p>
                       <a:r>
-                        <a:rPr lang="fr-CH" sz="1200" smtClean="0">
+                        <a:rPr lang="fr-CH" sz="1200">
                           <a:latin typeface="Consolas" panose="020B0609020204030204" pitchFamily="49" charset="0"/>
                           <a:cs typeface="Consolas" panose="020B0609020204030204" pitchFamily="49" charset="0"/>
                         </a:rPr>
                         <a:t>+ area() :</a:t>
                       </a:r>
                       <a:r>
-                        <a:rPr lang="fr-CH" sz="1200" baseline="0" smtClean="0">
+                        <a:rPr lang="fr-CH" sz="1200" baseline="0">
                           <a:latin typeface="Consolas" panose="020B0609020204030204" pitchFamily="49" charset="0"/>
                           <a:cs typeface="Consolas" panose="020B0609020204030204" pitchFamily="49" charset="0"/>
                         </a:rPr>
@@ -10369,6 +10186,11 @@
                   </a:txBody>
                   <a:tcPr marL="68580" marR="68580" marT="34290" marB="34290" anchor="ctr"/>
                 </a:tc>
+                <a:extLst>
+                  <a:ext uri="{0D108BD9-81ED-4DB2-BD59-A6C34878D82A}">
+                    <a16:rowId xmlns:a16="http://schemas.microsoft.com/office/drawing/2014/main" val="10002"/>
+                  </a:ext>
+                </a:extLst>
               </a:tr>
             </a:tbl>
           </a:graphicData>
@@ -10395,7 +10217,13 @@
                 <a:tableStyleId>{7E9639D4-E3E2-4D34-9284-5A2195B3D0D7}</a:tableStyleId>
               </a:tblPr>
               <a:tblGrid>
-                <a:gridCol w="2835267"/>
+                <a:gridCol w="2835267">
+                  <a:extLst>
+                    <a:ext uri="{9D8B030D-6E8A-4147-A177-3AD203B41FA5}">
+                      <a16:colId xmlns:a16="http://schemas.microsoft.com/office/drawing/2014/main" val="20000"/>
+                    </a:ext>
+                  </a:extLst>
+                </a:gridCol>
               </a:tblGrid>
               <a:tr h="384308">
                 <a:tc>
@@ -10405,20 +10233,21 @@
                     <a:p>
                       <a:pPr algn="ctr"/>
                       <a:r>
-                        <a:rPr lang="fr-CH" sz="1400" smtClean="0">
+                        <a:rPr lang="fr-CH" sz="1400">
                           <a:latin typeface="Consolas" panose="020B0609020204030204" pitchFamily="49" charset="0"/>
                           <a:cs typeface="Consolas" panose="020B0609020204030204" pitchFamily="49" charset="0"/>
                         </a:rPr>
                         <a:t>Square</a:t>
                       </a:r>
-                      <a:endParaRPr lang="fr-CH" sz="1400">
-                        <a:latin typeface="Consolas" panose="020B0609020204030204" pitchFamily="49" charset="0"/>
-                        <a:cs typeface="Consolas" panose="020B0609020204030204" pitchFamily="49" charset="0"/>
-                      </a:endParaRPr>
                     </a:p>
                   </a:txBody>
                   <a:tcPr marL="68580" marR="68580" marT="34290" marB="34290" anchor="ctr"/>
                 </a:tc>
+                <a:extLst>
+                  <a:ext uri="{0D108BD9-81ED-4DB2-BD59-A6C34878D82A}">
+                    <a16:rowId xmlns:a16="http://schemas.microsoft.com/office/drawing/2014/main" val="10000"/>
+                  </a:ext>
+                </a:extLst>
               </a:tr>
               <a:tr h="623865">
                 <a:tc>
@@ -10427,7 +10256,7 @@
                     <a:lstStyle/>
                     <a:p>
                       <a:r>
-                        <a:rPr lang="fr-CH" sz="1200" smtClean="0">
+                        <a:rPr lang="fr-CH" sz="1200">
                           <a:latin typeface="Consolas" panose="020B0609020204030204" pitchFamily="49" charset="0"/>
                           <a:cs typeface="Consolas" panose="020B0609020204030204" pitchFamily="49" charset="0"/>
                         </a:rPr>
@@ -10437,6 +10266,11 @@
                   </a:txBody>
                   <a:tcPr marL="68580" marR="68580" marT="34290" marB="34290" anchor="ctr"/>
                 </a:tc>
+                <a:extLst>
+                  <a:ext uri="{0D108BD9-81ED-4DB2-BD59-A6C34878D82A}">
+                    <a16:rowId xmlns:a16="http://schemas.microsoft.com/office/drawing/2014/main" val="10001"/>
+                  </a:ext>
+                </a:extLst>
               </a:tr>
               <a:tr h="1064891">
                 <a:tc>
@@ -10445,7 +10279,7 @@
                     <a:lstStyle/>
                     <a:p>
                       <a:r>
-                        <a:rPr lang="fr-CH" sz="1200" smtClean="0">
+                        <a:rPr lang="fr-CH" sz="1200">
                           <a:latin typeface="Consolas" panose="020B0609020204030204" pitchFamily="49" charset="0"/>
                           <a:cs typeface="Consolas" panose="020B0609020204030204" pitchFamily="49" charset="0"/>
                         </a:rPr>
@@ -10455,6 +10289,11 @@
                   </a:txBody>
                   <a:tcPr marL="68580" marR="68580" marT="34290" marB="34290" anchor="ctr"/>
                 </a:tc>
+                <a:extLst>
+                  <a:ext uri="{0D108BD9-81ED-4DB2-BD59-A6C34878D82A}">
+                    <a16:rowId xmlns:a16="http://schemas.microsoft.com/office/drawing/2014/main" val="10002"/>
+                  </a:ext>
+                </a:extLst>
               </a:tr>
             </a:tbl>
           </a:graphicData>
@@ -10481,7 +10320,13 @@
                 <a:tableStyleId>{7E9639D4-E3E2-4D34-9284-5A2195B3D0D7}</a:tableStyleId>
               </a:tblPr>
               <a:tblGrid>
-                <a:gridCol w="2331026"/>
+                <a:gridCol w="2331026">
+                  <a:extLst>
+                    <a:ext uri="{9D8B030D-6E8A-4147-A177-3AD203B41FA5}">
+                      <a16:colId xmlns:a16="http://schemas.microsoft.com/office/drawing/2014/main" val="20000"/>
+                    </a:ext>
+                  </a:extLst>
+                </a:gridCol>
               </a:tblGrid>
               <a:tr h="329609">
                 <a:tc>
@@ -10491,20 +10336,21 @@
                     <a:p>
                       <a:pPr algn="ctr"/>
                       <a:r>
-                        <a:rPr lang="fr-CH" sz="1400" smtClean="0">
+                        <a:rPr lang="fr-CH" sz="1400">
                           <a:latin typeface="Consolas" panose="020B0609020204030204" pitchFamily="49" charset="0"/>
                           <a:cs typeface="Consolas" panose="020B0609020204030204" pitchFamily="49" charset="0"/>
                         </a:rPr>
                         <a:t>Point</a:t>
                       </a:r>
-                      <a:endParaRPr lang="fr-CH" sz="1400">
-                        <a:latin typeface="Consolas" panose="020B0609020204030204" pitchFamily="49" charset="0"/>
-                        <a:cs typeface="Consolas" panose="020B0609020204030204" pitchFamily="49" charset="0"/>
-                      </a:endParaRPr>
                     </a:p>
                   </a:txBody>
                   <a:tcPr marL="68580" marR="68580" marT="34290" marB="34290" anchor="ctr"/>
                 </a:tc>
+                <a:extLst>
+                  <a:ext uri="{0D108BD9-81ED-4DB2-BD59-A6C34878D82A}">
+                    <a16:rowId xmlns:a16="http://schemas.microsoft.com/office/drawing/2014/main" val="10000"/>
+                  </a:ext>
+                </a:extLst>
               </a:tr>
               <a:tr h="729345">
                 <a:tc>
@@ -10513,7 +10359,7 @@
                     <a:lstStyle/>
                     <a:p>
                       <a:r>
-                        <a:rPr lang="fr-CH" sz="1200" smtClean="0">
+                        <a:rPr lang="fr-CH" sz="1200">
                           <a:latin typeface="Consolas" panose="020B0609020204030204" pitchFamily="49" charset="0"/>
                           <a:cs typeface="Consolas" panose="020B0609020204030204" pitchFamily="49" charset="0"/>
                         </a:rPr>
@@ -10522,14 +10368,14 @@
                     </a:p>
                     <a:p>
                       <a:r>
-                        <a:rPr lang="fr-CH" sz="1200" smtClean="0">
+                        <a:rPr lang="fr-CH" sz="1200">
                           <a:latin typeface="Consolas" panose="020B0609020204030204" pitchFamily="49" charset="0"/>
                           <a:cs typeface="Consolas" panose="020B0609020204030204" pitchFamily="49" charset="0"/>
                         </a:rPr>
                         <a:t>+</a:t>
                       </a:r>
                       <a:r>
-                        <a:rPr lang="fr-CH" sz="1200" baseline="0" smtClean="0">
+                        <a:rPr lang="fr-CH" sz="1200" baseline="0">
                           <a:latin typeface="Consolas" panose="020B0609020204030204" pitchFamily="49" charset="0"/>
                           <a:cs typeface="Consolas" panose="020B0609020204030204" pitchFamily="49" charset="0"/>
                         </a:rPr>
@@ -10539,6 +10385,11 @@
                   </a:txBody>
                   <a:tcPr marL="68580" marR="68580" marT="34290" marB="34290" anchor="ctr"/>
                 </a:tc>
+                <a:extLst>
+                  <a:ext uri="{0D108BD9-81ED-4DB2-BD59-A6C34878D82A}">
+                    <a16:rowId xmlns:a16="http://schemas.microsoft.com/office/drawing/2014/main" val="10001"/>
+                  </a:ext>
+                </a:extLst>
               </a:tr>
               <a:tr h="814419">
                 <a:tc>
@@ -10547,7 +10398,7 @@
                     <a:lstStyle/>
                     <a:p>
                       <a:r>
-                        <a:rPr lang="fr-CH" sz="1200" smtClean="0">
+                        <a:rPr lang="fr-CH" sz="1200">
                           <a:latin typeface="Consolas" panose="020B0609020204030204" pitchFamily="49" charset="0"/>
                           <a:cs typeface="Consolas" panose="020B0609020204030204" pitchFamily="49" charset="0"/>
                         </a:rPr>
@@ -10556,20 +10407,21 @@
                     </a:p>
                     <a:p>
                       <a:r>
-                        <a:rPr lang="fr-CH" sz="1200" smtClean="0">
+                        <a:rPr lang="fr-CH" sz="1200">
                           <a:latin typeface="Consolas" panose="020B0609020204030204" pitchFamily="49" charset="0"/>
                           <a:cs typeface="Consolas" panose="020B0609020204030204" pitchFamily="49" charset="0"/>
                         </a:rPr>
                         <a:t>+ distance(other) : float</a:t>
                       </a:r>
-                      <a:endParaRPr lang="fr-CH" sz="1200">
-                        <a:latin typeface="Consolas" panose="020B0609020204030204" pitchFamily="49" charset="0"/>
-                        <a:cs typeface="Consolas" panose="020B0609020204030204" pitchFamily="49" charset="0"/>
-                      </a:endParaRPr>
                     </a:p>
                   </a:txBody>
                   <a:tcPr marL="68580" marR="68580" marT="34290" marB="34290" anchor="ctr"/>
                 </a:tc>
+                <a:extLst>
+                  <a:ext uri="{0D108BD9-81ED-4DB2-BD59-A6C34878D82A}">
+                    <a16:rowId xmlns:a16="http://schemas.microsoft.com/office/drawing/2014/main" val="10002"/>
+                  </a:ext>
+                </a:extLst>
               </a:tr>
             </a:tbl>
           </a:graphicData>
@@ -10585,13 +10437,6 @@
   <p:clrMapOvr>
     <a:masterClrMapping/>
   </p:clrMapOvr>
-  <p:timing>
-    <p:tnLst>
-      <p:par>
-        <p:cTn id="1" dur="indefinite" restart="never" nodeType="tmRoot"/>
-      </p:par>
-    </p:tnLst>
-  </p:timing>
 </p:sld>
 </file>
 
@@ -10637,7 +10482,13 @@
                 <a:tableStyleId>{7E9639D4-E3E2-4D34-9284-5A2195B3D0D7}</a:tableStyleId>
               </a:tblPr>
               <a:tblGrid>
-                <a:gridCol w="2688417"/>
+                <a:gridCol w="2688417">
+                  <a:extLst>
+                    <a:ext uri="{9D8B030D-6E8A-4147-A177-3AD203B41FA5}">
+                      <a16:colId xmlns:a16="http://schemas.microsoft.com/office/drawing/2014/main" val="20000"/>
+                    </a:ext>
+                  </a:extLst>
+                </a:gridCol>
               </a:tblGrid>
               <a:tr h="396003">
                 <a:tc>
@@ -10647,20 +10498,21 @@
                     <a:p>
                       <a:pPr algn="ctr"/>
                       <a:r>
-                        <a:rPr lang="fr-CH" sz="1400" smtClean="0">
+                        <a:rPr lang="fr-CH" sz="1400">
                           <a:latin typeface="Consolas" panose="020B0609020204030204" pitchFamily="49" charset="0"/>
                           <a:cs typeface="Consolas" panose="020B0609020204030204" pitchFamily="49" charset="0"/>
                         </a:rPr>
                         <a:t>Rect</a:t>
                       </a:r>
-                      <a:endParaRPr lang="fr-CH" sz="1400">
-                        <a:latin typeface="Consolas" panose="020B0609020204030204" pitchFamily="49" charset="0"/>
-                        <a:cs typeface="Consolas" panose="020B0609020204030204" pitchFamily="49" charset="0"/>
-                      </a:endParaRPr>
                     </a:p>
                   </a:txBody>
                   <a:tcPr marL="68580" marR="68580" marT="34290" marB="34290" anchor="ctr"/>
                 </a:tc>
+                <a:extLst>
+                  <a:ext uri="{0D108BD9-81ED-4DB2-BD59-A6C34878D82A}">
+                    <a16:rowId xmlns:a16="http://schemas.microsoft.com/office/drawing/2014/main" val="10000"/>
+                  </a:ext>
+                </a:extLst>
               </a:tr>
               <a:tr h="623865">
                 <a:tc>
@@ -10669,30 +10521,23 @@
                     <a:lstStyle/>
                     <a:p>
                       <a:r>
-                        <a:rPr lang="fr-CH" sz="1200" smtClean="0">
-                          <a:latin typeface="Consolas" panose="020B0609020204030204" pitchFamily="49" charset="0"/>
-                          <a:cs typeface="Consolas" panose="020B0609020204030204" pitchFamily="49" charset="0"/>
-                        </a:rPr>
-                        <a:t>+ </a:t>
-                      </a:r>
-                      <a:r>
-                        <a:rPr lang="fr-CH" sz="1200" smtClean="0">
-                          <a:latin typeface="Consolas" panose="020B0609020204030204" pitchFamily="49" charset="0"/>
-                          <a:cs typeface="Consolas" panose="020B0609020204030204" pitchFamily="49" charset="0"/>
-                        </a:rPr>
-                        <a:t>location : Point</a:t>
+                        <a:rPr lang="fr-CH" sz="1200">
+                          <a:latin typeface="Consolas" panose="020B0609020204030204" pitchFamily="49" charset="0"/>
+                          <a:cs typeface="Consolas" panose="020B0609020204030204" pitchFamily="49" charset="0"/>
+                        </a:rPr>
+                        <a:t>+ location : Point</a:t>
                       </a:r>
                     </a:p>
                     <a:p>
                       <a:r>
-                        <a:rPr lang="fr-CH" sz="1200" smtClean="0">
+                        <a:rPr lang="fr-CH" sz="1200">
                           <a:latin typeface="Consolas" panose="020B0609020204030204" pitchFamily="49" charset="0"/>
                           <a:cs typeface="Consolas" panose="020B0609020204030204" pitchFamily="49" charset="0"/>
                         </a:rPr>
                         <a:t>+</a:t>
                       </a:r>
                       <a:r>
-                        <a:rPr lang="fr-CH" sz="1200" baseline="0" smtClean="0">
+                        <a:rPr lang="fr-CH" sz="1200" baseline="0">
                           <a:latin typeface="Consolas" panose="020B0609020204030204" pitchFamily="49" charset="0"/>
                           <a:cs typeface="Consolas" panose="020B0609020204030204" pitchFamily="49" charset="0"/>
                         </a:rPr>
@@ -10701,7 +10546,7 @@
                     </a:p>
                     <a:p>
                       <a:r>
-                        <a:rPr lang="fr-CH" sz="1200" baseline="0" smtClean="0">
+                        <a:rPr lang="fr-CH" sz="1200" baseline="0">
                           <a:latin typeface="Consolas" panose="020B0609020204030204" pitchFamily="49" charset="0"/>
                           <a:cs typeface="Consolas" panose="020B0609020204030204" pitchFamily="49" charset="0"/>
                         </a:rPr>
@@ -10715,6 +10560,11 @@
                   </a:txBody>
                   <a:tcPr marL="68580" marR="68580" marT="34290" marB="34290" anchor="ctr"/>
                 </a:tc>
+                <a:extLst>
+                  <a:ext uri="{0D108BD9-81ED-4DB2-BD59-A6C34878D82A}">
+                    <a16:rowId xmlns:a16="http://schemas.microsoft.com/office/drawing/2014/main" val="10001"/>
+                  </a:ext>
+                </a:extLst>
               </a:tr>
               <a:tr h="696635">
                 <a:tc>
@@ -10723,73 +10573,41 @@
                     <a:lstStyle/>
                     <a:p>
                       <a:r>
-                        <a:rPr lang="fr-CH" sz="1200" smtClean="0">
-                          <a:latin typeface="Consolas" panose="020B0609020204030204" pitchFamily="49" charset="0"/>
-                          <a:cs typeface="Consolas" panose="020B0609020204030204" pitchFamily="49" charset="0"/>
-                        </a:rPr>
-                        <a:t>+ __init</a:t>
-                      </a:r>
-                      <a:r>
-                        <a:rPr lang="fr-CH" sz="1200" smtClean="0">
-                          <a:latin typeface="Consolas" panose="020B0609020204030204" pitchFamily="49" charset="0"/>
-                          <a:cs typeface="Consolas" panose="020B0609020204030204" pitchFamily="49" charset="0"/>
-                        </a:rPr>
-                        <a:t>__(loc, width,</a:t>
-                      </a:r>
-                      <a:r>
-                        <a:rPr lang="fr-CH" sz="1200" baseline="0" smtClean="0">
+                        <a:rPr lang="fr-CH" sz="1200">
+                          <a:latin typeface="Consolas" panose="020B0609020204030204" pitchFamily="49" charset="0"/>
+                          <a:cs typeface="Consolas" panose="020B0609020204030204" pitchFamily="49" charset="0"/>
+                        </a:rPr>
+                        <a:t>+ __init__(loc, width,</a:t>
+                      </a:r>
+                      <a:r>
+                        <a:rPr lang="fr-CH" sz="1200" baseline="0">
                           <a:latin typeface="Consolas" panose="020B0609020204030204" pitchFamily="49" charset="0"/>
                           <a:cs typeface="Consolas" panose="020B0609020204030204" pitchFamily="49" charset="0"/>
                         </a:rPr>
                         <a:t> height</a:t>
                       </a:r>
                       <a:r>
-                        <a:rPr lang="fr-CH" sz="1200" smtClean="0">
+                        <a:rPr lang="fr-CH" sz="1200">
                           <a:latin typeface="Consolas" panose="020B0609020204030204" pitchFamily="49" charset="0"/>
                           <a:cs typeface="Consolas" panose="020B0609020204030204" pitchFamily="49" charset="0"/>
                         </a:rPr>
                         <a:t>)</a:t>
                       </a:r>
-                      <a:endParaRPr lang="fr-CH" sz="1200" smtClean="0">
-                        <a:latin typeface="Consolas" panose="020B0609020204030204" pitchFamily="49" charset="0"/>
-                        <a:cs typeface="Consolas" panose="020B0609020204030204" pitchFamily="49" charset="0"/>
-                      </a:endParaRPr>
                     </a:p>
                     <a:p>
                       <a:r>
-                        <a:rPr lang="fr-CH" sz="1200" smtClean="0">
-                          <a:latin typeface="Consolas" panose="020B0609020204030204" pitchFamily="49" charset="0"/>
-                          <a:cs typeface="Consolas" panose="020B0609020204030204" pitchFamily="49" charset="0"/>
-                        </a:rPr>
-                        <a:t>+ </a:t>
-                      </a:r>
-                      <a:r>
-                        <a:rPr lang="fr-CH" sz="1200" smtClean="0">
-                          <a:latin typeface="Consolas" panose="020B0609020204030204" pitchFamily="49" charset="0"/>
-                          <a:cs typeface="Consolas" panose="020B0609020204030204" pitchFamily="49" charset="0"/>
-                        </a:rPr>
-                        <a:t>area() </a:t>
-                      </a:r>
-                      <a:r>
-                        <a:rPr lang="fr-CH" sz="1200" smtClean="0">
-                          <a:latin typeface="Consolas" panose="020B0609020204030204" pitchFamily="49" charset="0"/>
-                          <a:cs typeface="Consolas" panose="020B0609020204030204" pitchFamily="49" charset="0"/>
-                        </a:rPr>
-                        <a:t>:</a:t>
-                      </a:r>
-                      <a:r>
-                        <a:rPr lang="fr-CH" sz="1200" baseline="0" smtClean="0">
-                          <a:latin typeface="Consolas" panose="020B0609020204030204" pitchFamily="49" charset="0"/>
-                          <a:cs typeface="Consolas" panose="020B0609020204030204" pitchFamily="49" charset="0"/>
-                        </a:rPr>
-                        <a:t> </a:t>
-                      </a:r>
-                      <a:r>
-                        <a:rPr lang="fr-CH" sz="1200" baseline="0" smtClean="0">
-                          <a:latin typeface="Consolas" panose="020B0609020204030204" pitchFamily="49" charset="0"/>
-                          <a:cs typeface="Consolas" panose="020B0609020204030204" pitchFamily="49" charset="0"/>
-                        </a:rPr>
-                        <a:t>float</a:t>
+                        <a:rPr lang="fr-CH" sz="1200">
+                          <a:latin typeface="Consolas" panose="020B0609020204030204" pitchFamily="49" charset="0"/>
+                          <a:cs typeface="Consolas" panose="020B0609020204030204" pitchFamily="49" charset="0"/>
+                        </a:rPr>
+                        <a:t>+ area() :</a:t>
+                      </a:r>
+                      <a:r>
+                        <a:rPr lang="fr-CH" sz="1200" baseline="0">
+                          <a:latin typeface="Consolas" panose="020B0609020204030204" pitchFamily="49" charset="0"/>
+                          <a:cs typeface="Consolas" panose="020B0609020204030204" pitchFamily="49" charset="0"/>
+                        </a:rPr>
+                        <a:t> float</a:t>
                       </a:r>
                       <a:endParaRPr lang="fr-CH" sz="1200">
                         <a:latin typeface="Consolas" panose="020B0609020204030204" pitchFamily="49" charset="0"/>
@@ -10799,6 +10617,11 @@
                   </a:txBody>
                   <a:tcPr marL="68580" marR="68580" marT="34290" marB="34290" anchor="ctr"/>
                 </a:tc>
+                <a:extLst>
+                  <a:ext uri="{0D108BD9-81ED-4DB2-BD59-A6C34878D82A}">
+                    <a16:rowId xmlns:a16="http://schemas.microsoft.com/office/drawing/2014/main" val="10002"/>
+                  </a:ext>
+                </a:extLst>
               </a:tr>
             </a:tbl>
           </a:graphicData>
@@ -10829,7 +10652,13 @@
                 <a:tableStyleId>{7E9639D4-E3E2-4D34-9284-5A2195B3D0D7}</a:tableStyleId>
               </a:tblPr>
               <a:tblGrid>
-                <a:gridCol w="2298368"/>
+                <a:gridCol w="2298368">
+                  <a:extLst>
+                    <a:ext uri="{9D8B030D-6E8A-4147-A177-3AD203B41FA5}">
+                      <a16:colId xmlns:a16="http://schemas.microsoft.com/office/drawing/2014/main" val="20000"/>
+                    </a:ext>
+                  </a:extLst>
+                </a:gridCol>
               </a:tblGrid>
               <a:tr h="207264">
                 <a:tc>
@@ -10839,20 +10668,21 @@
                     <a:p>
                       <a:pPr algn="ctr"/>
                       <a:r>
-                        <a:rPr lang="fr-CH" sz="1400" smtClean="0">
+                        <a:rPr lang="fr-CH" sz="1400">
                           <a:latin typeface="Consolas" panose="020B0609020204030204" pitchFamily="49" charset="0"/>
                           <a:cs typeface="Consolas" panose="020B0609020204030204" pitchFamily="49" charset="0"/>
                         </a:rPr>
                         <a:t>Square</a:t>
                       </a:r>
-                      <a:endParaRPr lang="fr-CH" sz="1400">
-                        <a:latin typeface="Consolas" panose="020B0609020204030204" pitchFamily="49" charset="0"/>
-                        <a:cs typeface="Consolas" panose="020B0609020204030204" pitchFamily="49" charset="0"/>
-                      </a:endParaRPr>
                     </a:p>
                   </a:txBody>
                   <a:tcPr marL="68580" marR="68580" marT="34290" marB="34290" anchor="ctr"/>
                 </a:tc>
+                <a:extLst>
+                  <a:ext uri="{0D108BD9-81ED-4DB2-BD59-A6C34878D82A}">
+                    <a16:rowId xmlns:a16="http://schemas.microsoft.com/office/drawing/2014/main" val="10000"/>
+                  </a:ext>
+                </a:extLst>
               </a:tr>
               <a:tr h="449319">
                 <a:tc>
@@ -10861,27 +10691,21 @@
                     <a:lstStyle/>
                     <a:p>
                       <a:r>
-                        <a:rPr lang="fr-CH" sz="1200" smtClean="0">
-                          <a:latin typeface="Consolas" panose="020B0609020204030204" pitchFamily="49" charset="0"/>
-                          <a:cs typeface="Consolas" panose="020B0609020204030204" pitchFamily="49" charset="0"/>
-                        </a:rPr>
-                        <a:t>+ </a:t>
-                      </a:r>
-                      <a:r>
-                        <a:rPr lang="fr-CH" sz="1200" smtClean="0">
-                          <a:latin typeface="Consolas" panose="020B0609020204030204" pitchFamily="49" charset="0"/>
-                          <a:cs typeface="Consolas" panose="020B0609020204030204" pitchFamily="49" charset="0"/>
-                        </a:rPr>
-                        <a:t>side</a:t>
-                      </a:r>
-                      <a:endParaRPr lang="fr-CH" sz="1200" smtClean="0">
-                        <a:latin typeface="Consolas" panose="020B0609020204030204" pitchFamily="49" charset="0"/>
-                        <a:cs typeface="Consolas" panose="020B0609020204030204" pitchFamily="49" charset="0"/>
-                      </a:endParaRPr>
+                        <a:rPr lang="fr-CH" sz="1200">
+                          <a:latin typeface="Consolas" panose="020B0609020204030204" pitchFamily="49" charset="0"/>
+                          <a:cs typeface="Consolas" panose="020B0609020204030204" pitchFamily="49" charset="0"/>
+                        </a:rPr>
+                        <a:t>+ side</a:t>
+                      </a:r>
                     </a:p>
                   </a:txBody>
                   <a:tcPr marL="68580" marR="68580" marT="34290" marB="34290" anchor="ctr"/>
                 </a:tc>
+                <a:extLst>
+                  <a:ext uri="{0D108BD9-81ED-4DB2-BD59-A6C34878D82A}">
+                    <a16:rowId xmlns:a16="http://schemas.microsoft.com/office/drawing/2014/main" val="10001"/>
+                  </a:ext>
+                </a:extLst>
               </a:tr>
               <a:tr h="501730">
                 <a:tc>
@@ -10890,27 +10714,21 @@
                     <a:lstStyle/>
                     <a:p>
                       <a:r>
-                        <a:rPr lang="fr-CH" sz="1200" smtClean="0">
-                          <a:latin typeface="Consolas" panose="020B0609020204030204" pitchFamily="49" charset="0"/>
-                          <a:cs typeface="Consolas" panose="020B0609020204030204" pitchFamily="49" charset="0"/>
-                        </a:rPr>
-                        <a:t>+ __init</a:t>
-                      </a:r>
-                      <a:r>
-                        <a:rPr lang="fr-CH" sz="1200" smtClean="0">
-                          <a:latin typeface="Consolas" panose="020B0609020204030204" pitchFamily="49" charset="0"/>
-                          <a:cs typeface="Consolas" panose="020B0609020204030204" pitchFamily="49" charset="0"/>
-                        </a:rPr>
-                        <a:t>__(loc, side)</a:t>
-                      </a:r>
-                      <a:endParaRPr lang="fr-CH" sz="1200" smtClean="0">
-                        <a:latin typeface="Consolas" panose="020B0609020204030204" pitchFamily="49" charset="0"/>
-                        <a:cs typeface="Consolas" panose="020B0609020204030204" pitchFamily="49" charset="0"/>
-                      </a:endParaRPr>
+                        <a:rPr lang="fr-CH" sz="1200">
+                          <a:latin typeface="Consolas" panose="020B0609020204030204" pitchFamily="49" charset="0"/>
+                          <a:cs typeface="Consolas" panose="020B0609020204030204" pitchFamily="49" charset="0"/>
+                        </a:rPr>
+                        <a:t>+ __init__(loc, side)</a:t>
+                      </a:r>
                     </a:p>
                   </a:txBody>
                   <a:tcPr marL="68580" marR="68580" marT="34290" marB="34290" anchor="ctr"/>
                 </a:tc>
+                <a:extLst>
+                  <a:ext uri="{0D108BD9-81ED-4DB2-BD59-A6C34878D82A}">
+                    <a16:rowId xmlns:a16="http://schemas.microsoft.com/office/drawing/2014/main" val="10002"/>
+                  </a:ext>
+                </a:extLst>
               </a:tr>
             </a:tbl>
           </a:graphicData>
@@ -10941,7 +10759,13 @@
                 <a:tableStyleId>{7E9639D4-E3E2-4D34-9284-5A2195B3D0D7}</a:tableStyleId>
               </a:tblPr>
               <a:tblGrid>
-                <a:gridCol w="2331026"/>
+                <a:gridCol w="2331026">
+                  <a:extLst>
+                    <a:ext uri="{9D8B030D-6E8A-4147-A177-3AD203B41FA5}">
+                      <a16:colId xmlns:a16="http://schemas.microsoft.com/office/drawing/2014/main" val="20000"/>
+                    </a:ext>
+                  </a:extLst>
+                </a:gridCol>
               </a:tblGrid>
               <a:tr h="329609">
                 <a:tc>
@@ -10951,20 +10775,21 @@
                     <a:p>
                       <a:pPr algn="ctr"/>
                       <a:r>
-                        <a:rPr lang="fr-CH" sz="1400" smtClean="0">
+                        <a:rPr lang="fr-CH" sz="1400">
                           <a:latin typeface="Consolas" panose="020B0609020204030204" pitchFamily="49" charset="0"/>
                           <a:cs typeface="Consolas" panose="020B0609020204030204" pitchFamily="49" charset="0"/>
                         </a:rPr>
                         <a:t>Point</a:t>
                       </a:r>
-                      <a:endParaRPr lang="fr-CH" sz="1400">
-                        <a:latin typeface="Consolas" panose="020B0609020204030204" pitchFamily="49" charset="0"/>
-                        <a:cs typeface="Consolas" panose="020B0609020204030204" pitchFamily="49" charset="0"/>
-                      </a:endParaRPr>
                     </a:p>
                   </a:txBody>
                   <a:tcPr marL="68580" marR="68580" marT="34290" marB="34290" anchor="ctr"/>
                 </a:tc>
+                <a:extLst>
+                  <a:ext uri="{0D108BD9-81ED-4DB2-BD59-A6C34878D82A}">
+                    <a16:rowId xmlns:a16="http://schemas.microsoft.com/office/drawing/2014/main" val="10000"/>
+                  </a:ext>
+                </a:extLst>
               </a:tr>
               <a:tr h="729345">
                 <a:tc>
@@ -10973,30 +10798,23 @@
                     <a:lstStyle/>
                     <a:p>
                       <a:r>
-                        <a:rPr lang="fr-CH" sz="1200" smtClean="0">
-                          <a:latin typeface="Consolas" panose="020B0609020204030204" pitchFamily="49" charset="0"/>
-                          <a:cs typeface="Consolas" panose="020B0609020204030204" pitchFamily="49" charset="0"/>
-                        </a:rPr>
-                        <a:t>+ </a:t>
-                      </a:r>
-                      <a:r>
-                        <a:rPr lang="fr-CH" sz="1200" smtClean="0">
-                          <a:latin typeface="Consolas" panose="020B0609020204030204" pitchFamily="49" charset="0"/>
-                          <a:cs typeface="Consolas" panose="020B0609020204030204" pitchFamily="49" charset="0"/>
-                        </a:rPr>
-                        <a:t>x : float</a:t>
+                        <a:rPr lang="fr-CH" sz="1200">
+                          <a:latin typeface="Consolas" panose="020B0609020204030204" pitchFamily="49" charset="0"/>
+                          <a:cs typeface="Consolas" panose="020B0609020204030204" pitchFamily="49" charset="0"/>
+                        </a:rPr>
+                        <a:t>+ x : float</a:t>
                       </a:r>
                     </a:p>
                     <a:p>
                       <a:r>
-                        <a:rPr lang="fr-CH" sz="1200" smtClean="0">
+                        <a:rPr lang="fr-CH" sz="1200">
                           <a:latin typeface="Consolas" panose="020B0609020204030204" pitchFamily="49" charset="0"/>
                           <a:cs typeface="Consolas" panose="020B0609020204030204" pitchFamily="49" charset="0"/>
                         </a:rPr>
                         <a:t>+</a:t>
                       </a:r>
                       <a:r>
-                        <a:rPr lang="fr-CH" sz="1200" baseline="0" smtClean="0">
+                        <a:rPr lang="fr-CH" sz="1200" baseline="0">
                           <a:latin typeface="Consolas" panose="020B0609020204030204" pitchFamily="49" charset="0"/>
                           <a:cs typeface="Consolas" panose="020B0609020204030204" pitchFamily="49" charset="0"/>
                         </a:rPr>
@@ -11006,6 +10824,11 @@
                   </a:txBody>
                   <a:tcPr marL="68580" marR="68580" marT="34290" marB="34290" anchor="ctr"/>
                 </a:tc>
+                <a:extLst>
+                  <a:ext uri="{0D108BD9-81ED-4DB2-BD59-A6C34878D82A}">
+                    <a16:rowId xmlns:a16="http://schemas.microsoft.com/office/drawing/2014/main" val="10001"/>
+                  </a:ext>
+                </a:extLst>
               </a:tr>
               <a:tr h="814419">
                 <a:tc>
@@ -11014,47 +10837,30 @@
                     <a:lstStyle/>
                     <a:p>
                       <a:r>
-                        <a:rPr lang="fr-CH" sz="1200" smtClean="0">
-                          <a:latin typeface="Consolas" panose="020B0609020204030204" pitchFamily="49" charset="0"/>
-                          <a:cs typeface="Consolas" panose="020B0609020204030204" pitchFamily="49" charset="0"/>
-                        </a:rPr>
-                        <a:t>+ __init</a:t>
-                      </a:r>
-                      <a:r>
-                        <a:rPr lang="fr-CH" sz="1200" smtClean="0">
-                          <a:latin typeface="Consolas" panose="020B0609020204030204" pitchFamily="49" charset="0"/>
-                          <a:cs typeface="Consolas" panose="020B0609020204030204" pitchFamily="49" charset="0"/>
-                        </a:rPr>
-                        <a:t>__(x, y)</a:t>
-                      </a:r>
-                      <a:endParaRPr lang="fr-CH" sz="1200" smtClean="0">
-                        <a:latin typeface="Consolas" panose="020B0609020204030204" pitchFamily="49" charset="0"/>
-                        <a:cs typeface="Consolas" panose="020B0609020204030204" pitchFamily="49" charset="0"/>
-                      </a:endParaRPr>
+                        <a:rPr lang="fr-CH" sz="1200">
+                          <a:latin typeface="Consolas" panose="020B0609020204030204" pitchFamily="49" charset="0"/>
+                          <a:cs typeface="Consolas" panose="020B0609020204030204" pitchFamily="49" charset="0"/>
+                        </a:rPr>
+                        <a:t>+ __init__(x, y)</a:t>
+                      </a:r>
                     </a:p>
                     <a:p>
                       <a:r>
-                        <a:rPr lang="fr-CH" sz="1200" smtClean="0">
-                          <a:latin typeface="Consolas" panose="020B0609020204030204" pitchFamily="49" charset="0"/>
-                          <a:cs typeface="Consolas" panose="020B0609020204030204" pitchFamily="49" charset="0"/>
-                        </a:rPr>
-                        <a:t>+ </a:t>
-                      </a:r>
-                      <a:r>
-                        <a:rPr lang="fr-CH" sz="1200" smtClean="0">
-                          <a:latin typeface="Consolas" panose="020B0609020204030204" pitchFamily="49" charset="0"/>
-                          <a:cs typeface="Consolas" panose="020B0609020204030204" pitchFamily="49" charset="0"/>
-                        </a:rPr>
-                        <a:t>distance(other) : float</a:t>
-                      </a:r>
-                      <a:endParaRPr lang="fr-CH" sz="1200">
-                        <a:latin typeface="Consolas" panose="020B0609020204030204" pitchFamily="49" charset="0"/>
-                        <a:cs typeface="Consolas" panose="020B0609020204030204" pitchFamily="49" charset="0"/>
-                      </a:endParaRPr>
+                        <a:rPr lang="fr-CH" sz="1200">
+                          <a:latin typeface="Consolas" panose="020B0609020204030204" pitchFamily="49" charset="0"/>
+                          <a:cs typeface="Consolas" panose="020B0609020204030204" pitchFamily="49" charset="0"/>
+                        </a:rPr>
+                        <a:t>+ distance(other) : float</a:t>
+                      </a:r>
                     </a:p>
                   </a:txBody>
                   <a:tcPr marL="68580" marR="68580" marT="34290" marB="34290" anchor="ctr"/>
                 </a:tc>
+                <a:extLst>
+                  <a:ext uri="{0D108BD9-81ED-4DB2-BD59-A6C34878D82A}">
+                    <a16:rowId xmlns:a16="http://schemas.microsoft.com/office/drawing/2014/main" val="10002"/>
+                  </a:ext>
+                </a:extLst>
               </a:tr>
             </a:tbl>
           </a:graphicData>
@@ -11221,8 +11027,8 @@
           </a:fontRef>
         </p:style>
       </p:cxnSp>
-      <mc:AlternateContent xmlns:mc="http://schemas.openxmlformats.org/markup-compatibility/2006">
-        <mc:Choice xmlns:p14="http://schemas.microsoft.com/office/powerpoint/2010/main" Requires="p14">
+      <mc:AlternateContent xmlns:mc="http://schemas.openxmlformats.org/markup-compatibility/2006" xmlns:p14="http://schemas.microsoft.com/office/powerpoint/2010/main">
+        <mc:Choice Requires="p14">
           <p:contentPart p14:bwMode="auto" r:id="rId2">
             <p14:nvContentPartPr>
               <p14:cNvPr id="11" name="Encre 10"/>
@@ -11235,7 +11041,7 @@
             </p14:xfrm>
           </p:contentPart>
         </mc:Choice>
-        <mc:Fallback>
+        <mc:Fallback xmlns="">
           <p:pic>
             <p:nvPicPr>
               <p:cNvPr id="11" name="Encre 10"/>
@@ -11324,13 +11130,6 @@
   <p:clrMapOvr>
     <a:masterClrMapping/>
   </p:clrMapOvr>
-  <p:timing>
-    <p:tnLst>
-      <p:par>
-        <p:cTn id="1" dur="indefinite" restart="never" nodeType="tmRoot"/>
-      </p:par>
-    </p:tnLst>
-  </p:timing>
 </p:sld>
 </file>
 
